--- a/Level 0/Basics of CP.pptx
+++ b/Level 0/Basics of CP.pptx
@@ -4,6 +4,12 @@
   <p:sldMasterIdLst>
     <p:sldMasterId id="2147483648" r:id="rId1"/>
   </p:sldMasterIdLst>
+  <p:notesMasterIdLst>
+    <p:notesMasterId r:id="rId37"/>
+  </p:notesMasterIdLst>
+  <p:handoutMasterIdLst>
+    <p:handoutMasterId r:id="rId38"/>
+  </p:handoutMasterIdLst>
   <p:sldIdLst>
     <p:sldId id="262" r:id="rId2"/>
     <p:sldId id="257" r:id="rId3"/>
@@ -224,6 +230,546 @@
 </p:presentation>
 </file>
 
+<file path=ppt/handoutMasters/handoutMaster1.xml><?xml version="1.0" encoding="utf-8"?>
+<p:handoutMaster xmlns:a="http://schemas.openxmlformats.org/drawingml/2006/main" xmlns:r="http://schemas.openxmlformats.org/officeDocument/2006/relationships" xmlns:p="http://schemas.openxmlformats.org/presentationml/2006/main">
+  <p:cSld>
+    <p:bg>
+      <p:bgRef idx="1001">
+        <a:schemeClr val="bg1"/>
+      </p:bgRef>
+    </p:bg>
+    <p:spTree>
+      <p:nvGrpSpPr>
+        <p:cNvPr id="1" name=""/>
+        <p:cNvGrpSpPr/>
+        <p:nvPr/>
+      </p:nvGrpSpPr>
+      <p:grpSpPr>
+        <a:xfrm>
+          <a:off x="0" y="0"/>
+          <a:ext cx="0" cy="0"/>
+          <a:chOff x="0" y="0"/>
+          <a:chExt cx="0" cy="0"/>
+        </a:xfrm>
+      </p:grpSpPr>
+      <p:sp>
+        <p:nvSpPr>
+          <p:cNvPr id="2" name="Header Placeholder 1">
+            <a:extLst>
+              <a:ext uri="{FF2B5EF4-FFF2-40B4-BE49-F238E27FC236}">
+                <a16:creationId xmlns:a16="http://schemas.microsoft.com/office/drawing/2014/main" id="{2C9B43A6-43B5-DC83-4403-42E34CFE950C}"/>
+              </a:ext>
+            </a:extLst>
+          </p:cNvPr>
+          <p:cNvSpPr>
+            <a:spLocks noGrp="1"/>
+          </p:cNvSpPr>
+          <p:nvPr>
+            <p:ph type="hdr" sz="quarter"/>
+          </p:nvPr>
+        </p:nvSpPr>
+        <p:spPr>
+          <a:xfrm>
+            <a:off x="0" y="0"/>
+            <a:ext cx="2971800" cy="458788"/>
+          </a:xfrm>
+          <a:prstGeom prst="rect">
+            <a:avLst/>
+          </a:prstGeom>
+        </p:spPr>
+        <p:txBody>
+          <a:bodyPr vert="horz" lIns="91440" tIns="45720" rIns="91440" bIns="45720" rtlCol="0"/>
+          <a:lstStyle>
+            <a:lvl1pPr algn="l">
+              <a:defRPr sz="1200"/>
+            </a:lvl1pPr>
+          </a:lstStyle>
+          <a:p>
+            <a:endParaRPr lang="en-US"/>
+          </a:p>
+        </p:txBody>
+      </p:sp>
+      <p:sp>
+        <p:nvSpPr>
+          <p:cNvPr id="3" name="Date Placeholder 2">
+            <a:extLst>
+              <a:ext uri="{FF2B5EF4-FFF2-40B4-BE49-F238E27FC236}">
+                <a16:creationId xmlns:a16="http://schemas.microsoft.com/office/drawing/2014/main" id="{48855C56-7FD9-9CCC-36BC-C1D2846497B9}"/>
+              </a:ext>
+            </a:extLst>
+          </p:cNvPr>
+          <p:cNvSpPr>
+            <a:spLocks noGrp="1"/>
+          </p:cNvSpPr>
+          <p:nvPr>
+            <p:ph type="dt" sz="quarter" idx="1"/>
+          </p:nvPr>
+        </p:nvSpPr>
+        <p:spPr>
+          <a:xfrm>
+            <a:off x="3884613" y="0"/>
+            <a:ext cx="2971800" cy="458788"/>
+          </a:xfrm>
+          <a:prstGeom prst="rect">
+            <a:avLst/>
+          </a:prstGeom>
+        </p:spPr>
+        <p:txBody>
+          <a:bodyPr vert="horz" lIns="91440" tIns="45720" rIns="91440" bIns="45720" rtlCol="0"/>
+          <a:lstStyle>
+            <a:lvl1pPr algn="r">
+              <a:defRPr sz="1200"/>
+            </a:lvl1pPr>
+          </a:lstStyle>
+          <a:p>
+            <a:fld id="{EED35E4C-F3CB-448E-AAC2-A8FDBC6E8200}" type="datetimeFigureOut">
+              <a:rPr lang="en-US" smtClean="0"/>
+              <a:t>9/14/2023</a:t>
+            </a:fld>
+            <a:endParaRPr lang="en-US"/>
+          </a:p>
+        </p:txBody>
+      </p:sp>
+      <p:sp>
+        <p:nvSpPr>
+          <p:cNvPr id="4" name="Footer Placeholder 3">
+            <a:extLst>
+              <a:ext uri="{FF2B5EF4-FFF2-40B4-BE49-F238E27FC236}">
+                <a16:creationId xmlns:a16="http://schemas.microsoft.com/office/drawing/2014/main" id="{C3F80CF9-788E-29E7-988B-BCCF208FDCD9}"/>
+              </a:ext>
+            </a:extLst>
+          </p:cNvPr>
+          <p:cNvSpPr>
+            <a:spLocks noGrp="1"/>
+          </p:cNvSpPr>
+          <p:nvPr>
+            <p:ph type="ftr" sz="quarter" idx="2"/>
+          </p:nvPr>
+        </p:nvSpPr>
+        <p:spPr>
+          <a:xfrm>
+            <a:off x="0" y="8685213"/>
+            <a:ext cx="2971800" cy="458787"/>
+          </a:xfrm>
+          <a:prstGeom prst="rect">
+            <a:avLst/>
+          </a:prstGeom>
+        </p:spPr>
+        <p:txBody>
+          <a:bodyPr vert="horz" lIns="91440" tIns="45720" rIns="91440" bIns="45720" rtlCol="0" anchor="b"/>
+          <a:lstStyle>
+            <a:lvl1pPr algn="l">
+              <a:defRPr sz="1200"/>
+            </a:lvl1pPr>
+          </a:lstStyle>
+          <a:p>
+            <a:endParaRPr lang="en-US"/>
+          </a:p>
+        </p:txBody>
+      </p:sp>
+      <p:sp>
+        <p:nvSpPr>
+          <p:cNvPr id="5" name="Slide Number Placeholder 4">
+            <a:extLst>
+              <a:ext uri="{FF2B5EF4-FFF2-40B4-BE49-F238E27FC236}">
+                <a16:creationId xmlns:a16="http://schemas.microsoft.com/office/drawing/2014/main" id="{7265A763-CED4-2992-FCD2-B01D71504C74}"/>
+              </a:ext>
+            </a:extLst>
+          </p:cNvPr>
+          <p:cNvSpPr>
+            <a:spLocks noGrp="1"/>
+          </p:cNvSpPr>
+          <p:nvPr>
+            <p:ph type="sldNum" sz="quarter" idx="3"/>
+          </p:nvPr>
+        </p:nvSpPr>
+        <p:spPr>
+          <a:xfrm>
+            <a:off x="3884613" y="8685213"/>
+            <a:ext cx="2971800" cy="458787"/>
+          </a:xfrm>
+          <a:prstGeom prst="rect">
+            <a:avLst/>
+          </a:prstGeom>
+        </p:spPr>
+        <p:txBody>
+          <a:bodyPr vert="horz" lIns="91440" tIns="45720" rIns="91440" bIns="45720" rtlCol="0" anchor="b"/>
+          <a:lstStyle>
+            <a:lvl1pPr algn="r">
+              <a:defRPr sz="1200"/>
+            </a:lvl1pPr>
+          </a:lstStyle>
+          <a:p>
+            <a:fld id="{9DDE7799-7EB9-4DCD-9989-6CA2A9544FBC}" type="slidenum">
+              <a:rPr lang="en-US" smtClean="0"/>
+              <a:t>‹#›</a:t>
+            </a:fld>
+            <a:endParaRPr lang="en-US"/>
+          </a:p>
+        </p:txBody>
+      </p:sp>
+    </p:spTree>
+    <p:extLst>
+      <p:ext uri="{BB962C8B-B14F-4D97-AF65-F5344CB8AC3E}">
+        <p14:creationId xmlns:p14="http://schemas.microsoft.com/office/powerpoint/2010/main" val="2359472899"/>
+      </p:ext>
+    </p:extLst>
+  </p:cSld>
+  <p:clrMap bg1="lt1" tx1="dk1" bg2="lt2" tx2="dk2" accent1="accent1" accent2="accent2" accent3="accent3" accent4="accent4" accent5="accent5" accent6="accent6" hlink="hlink" folHlink="folHlink"/>
+  <p:hf sldNum="0" hdr="0" ftr="0" dt="0"/>
+</p:handoutMaster>
+</file>
+
+<file path=ppt/notesMasters/notesMaster1.xml><?xml version="1.0" encoding="utf-8"?>
+<p:notesMaster xmlns:a="http://schemas.openxmlformats.org/drawingml/2006/main" xmlns:r="http://schemas.openxmlformats.org/officeDocument/2006/relationships" xmlns:p="http://schemas.openxmlformats.org/presentationml/2006/main">
+  <p:cSld>
+    <p:bg>
+      <p:bgRef idx="1001">
+        <a:schemeClr val="bg1"/>
+      </p:bgRef>
+    </p:bg>
+    <p:spTree>
+      <p:nvGrpSpPr>
+        <p:cNvPr id="1" name=""/>
+        <p:cNvGrpSpPr/>
+        <p:nvPr/>
+      </p:nvGrpSpPr>
+      <p:grpSpPr>
+        <a:xfrm>
+          <a:off x="0" y="0"/>
+          <a:ext cx="0" cy="0"/>
+          <a:chOff x="0" y="0"/>
+          <a:chExt cx="0" cy="0"/>
+        </a:xfrm>
+      </p:grpSpPr>
+      <p:sp>
+        <p:nvSpPr>
+          <p:cNvPr id="2" name="Header Placeholder 1"/>
+          <p:cNvSpPr>
+            <a:spLocks noGrp="1"/>
+          </p:cNvSpPr>
+          <p:nvPr>
+            <p:ph type="hdr" sz="quarter"/>
+          </p:nvPr>
+        </p:nvSpPr>
+        <p:spPr>
+          <a:xfrm>
+            <a:off x="0" y="0"/>
+            <a:ext cx="2971800" cy="458788"/>
+          </a:xfrm>
+          <a:prstGeom prst="rect">
+            <a:avLst/>
+          </a:prstGeom>
+        </p:spPr>
+        <p:txBody>
+          <a:bodyPr vert="horz" lIns="91440" tIns="45720" rIns="91440" bIns="45720" rtlCol="0"/>
+          <a:lstStyle>
+            <a:lvl1pPr algn="l">
+              <a:defRPr sz="1200"/>
+            </a:lvl1pPr>
+          </a:lstStyle>
+          <a:p>
+            <a:endParaRPr lang="en-US"/>
+          </a:p>
+        </p:txBody>
+      </p:sp>
+      <p:sp>
+        <p:nvSpPr>
+          <p:cNvPr id="3" name="Date Placeholder 2"/>
+          <p:cNvSpPr>
+            <a:spLocks noGrp="1"/>
+          </p:cNvSpPr>
+          <p:nvPr>
+            <p:ph type="dt" idx="1"/>
+          </p:nvPr>
+        </p:nvSpPr>
+        <p:spPr>
+          <a:xfrm>
+            <a:off x="3884613" y="0"/>
+            <a:ext cx="2971800" cy="458788"/>
+          </a:xfrm>
+          <a:prstGeom prst="rect">
+            <a:avLst/>
+          </a:prstGeom>
+        </p:spPr>
+        <p:txBody>
+          <a:bodyPr vert="horz" lIns="91440" tIns="45720" rIns="91440" bIns="45720" rtlCol="0"/>
+          <a:lstStyle>
+            <a:lvl1pPr algn="r">
+              <a:defRPr sz="1200"/>
+            </a:lvl1pPr>
+          </a:lstStyle>
+          <a:p>
+            <a:fld id="{91770BF1-AEE4-480A-9D6B-93722DA4C316}" type="datetimeFigureOut">
+              <a:rPr lang="en-US" smtClean="0"/>
+              <a:t>9/14/2023</a:t>
+            </a:fld>
+            <a:endParaRPr lang="en-US"/>
+          </a:p>
+        </p:txBody>
+      </p:sp>
+      <p:sp>
+        <p:nvSpPr>
+          <p:cNvPr id="4" name="Slide Image Placeholder 3"/>
+          <p:cNvSpPr>
+            <a:spLocks noGrp="1" noRot="1" noChangeAspect="1"/>
+          </p:cNvSpPr>
+          <p:nvPr>
+            <p:ph type="sldImg" idx="2"/>
+          </p:nvPr>
+        </p:nvSpPr>
+        <p:spPr>
+          <a:xfrm>
+            <a:off x="685800" y="1143000"/>
+            <a:ext cx="5486400" cy="3086100"/>
+          </a:xfrm>
+          <a:prstGeom prst="rect">
+            <a:avLst/>
+          </a:prstGeom>
+          <a:noFill/>
+          <a:ln w="12700">
+            <a:solidFill>
+              <a:prstClr val="black"/>
+            </a:solidFill>
+          </a:ln>
+        </p:spPr>
+        <p:txBody>
+          <a:bodyPr vert="horz" lIns="91440" tIns="45720" rIns="91440" bIns="45720" rtlCol="0" anchor="ctr"/>
+          <a:lstStyle/>
+          <a:p>
+            <a:endParaRPr lang="en-US"/>
+          </a:p>
+        </p:txBody>
+      </p:sp>
+      <p:sp>
+        <p:nvSpPr>
+          <p:cNvPr id="5" name="Notes Placeholder 4"/>
+          <p:cNvSpPr>
+            <a:spLocks noGrp="1"/>
+          </p:cNvSpPr>
+          <p:nvPr>
+            <p:ph type="body" sz="quarter" idx="3"/>
+          </p:nvPr>
+        </p:nvSpPr>
+        <p:spPr>
+          <a:xfrm>
+            <a:off x="685800" y="4400550"/>
+            <a:ext cx="5486400" cy="3600450"/>
+          </a:xfrm>
+          <a:prstGeom prst="rect">
+            <a:avLst/>
+          </a:prstGeom>
+        </p:spPr>
+        <p:txBody>
+          <a:bodyPr vert="horz" lIns="91440" tIns="45720" rIns="91440" bIns="45720" rtlCol="0"/>
+          <a:lstStyle/>
+          <a:p>
+            <a:pPr lvl="0"/>
+            <a:r>
+              <a:rPr lang="en-US"/>
+              <a:t>Click to edit Master text styles</a:t>
+            </a:r>
+          </a:p>
+          <a:p>
+            <a:pPr lvl="1"/>
+            <a:r>
+              <a:rPr lang="en-US"/>
+              <a:t>Second level</a:t>
+            </a:r>
+          </a:p>
+          <a:p>
+            <a:pPr lvl="2"/>
+            <a:r>
+              <a:rPr lang="en-US"/>
+              <a:t>Third level</a:t>
+            </a:r>
+          </a:p>
+          <a:p>
+            <a:pPr lvl="3"/>
+            <a:r>
+              <a:rPr lang="en-US"/>
+              <a:t>Fourth level</a:t>
+            </a:r>
+          </a:p>
+          <a:p>
+            <a:pPr lvl="4"/>
+            <a:r>
+              <a:rPr lang="en-US"/>
+              <a:t>Fifth level</a:t>
+            </a:r>
+          </a:p>
+        </p:txBody>
+      </p:sp>
+      <p:sp>
+        <p:nvSpPr>
+          <p:cNvPr id="6" name="Footer Placeholder 5"/>
+          <p:cNvSpPr>
+            <a:spLocks noGrp="1"/>
+          </p:cNvSpPr>
+          <p:nvPr>
+            <p:ph type="ftr" sz="quarter" idx="4"/>
+          </p:nvPr>
+        </p:nvSpPr>
+        <p:spPr>
+          <a:xfrm>
+            <a:off x="0" y="8685213"/>
+            <a:ext cx="2971800" cy="458787"/>
+          </a:xfrm>
+          <a:prstGeom prst="rect">
+            <a:avLst/>
+          </a:prstGeom>
+        </p:spPr>
+        <p:txBody>
+          <a:bodyPr vert="horz" lIns="91440" tIns="45720" rIns="91440" bIns="45720" rtlCol="0" anchor="b"/>
+          <a:lstStyle>
+            <a:lvl1pPr algn="l">
+              <a:defRPr sz="1200"/>
+            </a:lvl1pPr>
+          </a:lstStyle>
+          <a:p>
+            <a:endParaRPr lang="en-US"/>
+          </a:p>
+        </p:txBody>
+      </p:sp>
+      <p:sp>
+        <p:nvSpPr>
+          <p:cNvPr id="7" name="Slide Number Placeholder 6"/>
+          <p:cNvSpPr>
+            <a:spLocks noGrp="1"/>
+          </p:cNvSpPr>
+          <p:nvPr>
+            <p:ph type="sldNum" sz="quarter" idx="5"/>
+          </p:nvPr>
+        </p:nvSpPr>
+        <p:spPr>
+          <a:xfrm>
+            <a:off x="3884613" y="8685213"/>
+            <a:ext cx="2971800" cy="458787"/>
+          </a:xfrm>
+          <a:prstGeom prst="rect">
+            <a:avLst/>
+          </a:prstGeom>
+        </p:spPr>
+        <p:txBody>
+          <a:bodyPr vert="horz" lIns="91440" tIns="45720" rIns="91440" bIns="45720" rtlCol="0" anchor="b"/>
+          <a:lstStyle>
+            <a:lvl1pPr algn="r">
+              <a:defRPr sz="1200"/>
+            </a:lvl1pPr>
+          </a:lstStyle>
+          <a:p>
+            <a:fld id="{D32579C1-A6AC-4BEA-899F-820BB9BCEDA2}" type="slidenum">
+              <a:rPr lang="en-US" smtClean="0"/>
+              <a:t>‹#›</a:t>
+            </a:fld>
+            <a:endParaRPr lang="en-US"/>
+          </a:p>
+        </p:txBody>
+      </p:sp>
+    </p:spTree>
+    <p:extLst>
+      <p:ext uri="{BB962C8B-B14F-4D97-AF65-F5344CB8AC3E}">
+        <p14:creationId xmlns:p14="http://schemas.microsoft.com/office/powerpoint/2010/main" val="823550604"/>
+      </p:ext>
+    </p:extLst>
+  </p:cSld>
+  <p:clrMap bg1="lt1" tx1="dk1" bg2="lt2" tx2="dk2" accent1="accent1" accent2="accent2" accent3="accent3" accent4="accent4" accent5="accent5" accent6="accent6" hlink="hlink" folHlink="folHlink"/>
+  <p:hf sldNum="0" hdr="0" ftr="0" dt="0"/>
+  <p:notesStyle>
+    <a:lvl1pPr marL="0" algn="l" defTabSz="914400" rtl="0" eaLnBrk="1" latinLnBrk="0" hangingPunct="1">
+      <a:defRPr sz="1200" kern="1200">
+        <a:solidFill>
+          <a:schemeClr val="tx1"/>
+        </a:solidFill>
+        <a:latin typeface="+mn-lt"/>
+        <a:ea typeface="+mn-ea"/>
+        <a:cs typeface="+mn-cs"/>
+      </a:defRPr>
+    </a:lvl1pPr>
+    <a:lvl2pPr marL="457200" algn="l" defTabSz="914400" rtl="0" eaLnBrk="1" latinLnBrk="0" hangingPunct="1">
+      <a:defRPr sz="1200" kern="1200">
+        <a:solidFill>
+          <a:schemeClr val="tx1"/>
+        </a:solidFill>
+        <a:latin typeface="+mn-lt"/>
+        <a:ea typeface="+mn-ea"/>
+        <a:cs typeface="+mn-cs"/>
+      </a:defRPr>
+    </a:lvl2pPr>
+    <a:lvl3pPr marL="914400" algn="l" defTabSz="914400" rtl="0" eaLnBrk="1" latinLnBrk="0" hangingPunct="1">
+      <a:defRPr sz="1200" kern="1200">
+        <a:solidFill>
+          <a:schemeClr val="tx1"/>
+        </a:solidFill>
+        <a:latin typeface="+mn-lt"/>
+        <a:ea typeface="+mn-ea"/>
+        <a:cs typeface="+mn-cs"/>
+      </a:defRPr>
+    </a:lvl3pPr>
+    <a:lvl4pPr marL="1371600" algn="l" defTabSz="914400" rtl="0" eaLnBrk="1" latinLnBrk="0" hangingPunct="1">
+      <a:defRPr sz="1200" kern="1200">
+        <a:solidFill>
+          <a:schemeClr val="tx1"/>
+        </a:solidFill>
+        <a:latin typeface="+mn-lt"/>
+        <a:ea typeface="+mn-ea"/>
+        <a:cs typeface="+mn-cs"/>
+      </a:defRPr>
+    </a:lvl4pPr>
+    <a:lvl5pPr marL="1828800" algn="l" defTabSz="914400" rtl="0" eaLnBrk="1" latinLnBrk="0" hangingPunct="1">
+      <a:defRPr sz="1200" kern="1200">
+        <a:solidFill>
+          <a:schemeClr val="tx1"/>
+        </a:solidFill>
+        <a:latin typeface="+mn-lt"/>
+        <a:ea typeface="+mn-ea"/>
+        <a:cs typeface="+mn-cs"/>
+      </a:defRPr>
+    </a:lvl5pPr>
+    <a:lvl6pPr marL="2286000" algn="l" defTabSz="914400" rtl="0" eaLnBrk="1" latinLnBrk="0" hangingPunct="1">
+      <a:defRPr sz="1200" kern="1200">
+        <a:solidFill>
+          <a:schemeClr val="tx1"/>
+        </a:solidFill>
+        <a:latin typeface="+mn-lt"/>
+        <a:ea typeface="+mn-ea"/>
+        <a:cs typeface="+mn-cs"/>
+      </a:defRPr>
+    </a:lvl6pPr>
+    <a:lvl7pPr marL="2743200" algn="l" defTabSz="914400" rtl="0" eaLnBrk="1" latinLnBrk="0" hangingPunct="1">
+      <a:defRPr sz="1200" kern="1200">
+        <a:solidFill>
+          <a:schemeClr val="tx1"/>
+        </a:solidFill>
+        <a:latin typeface="+mn-lt"/>
+        <a:ea typeface="+mn-ea"/>
+        <a:cs typeface="+mn-cs"/>
+      </a:defRPr>
+    </a:lvl7pPr>
+    <a:lvl8pPr marL="3200400" algn="l" defTabSz="914400" rtl="0" eaLnBrk="1" latinLnBrk="0" hangingPunct="1">
+      <a:defRPr sz="1200" kern="1200">
+        <a:solidFill>
+          <a:schemeClr val="tx1"/>
+        </a:solidFill>
+        <a:latin typeface="+mn-lt"/>
+        <a:ea typeface="+mn-ea"/>
+        <a:cs typeface="+mn-cs"/>
+      </a:defRPr>
+    </a:lvl8pPr>
+    <a:lvl9pPr marL="3657600" algn="l" defTabSz="914400" rtl="0" eaLnBrk="1" latinLnBrk="0" hangingPunct="1">
+      <a:defRPr sz="1200" kern="1200">
+        <a:solidFill>
+          <a:schemeClr val="tx1"/>
+        </a:solidFill>
+        <a:latin typeface="+mn-lt"/>
+        <a:ea typeface="+mn-ea"/>
+        <a:cs typeface="+mn-cs"/>
+      </a:defRPr>
+    </a:lvl9pPr>
+  </p:notesStyle>
+</p:notesMaster>
+</file>
+
 <file path=ppt/slideLayouts/slideLayout1.xml><?xml version="1.0" encoding="utf-8"?>
 <p:sldLayout xmlns:a="http://schemas.openxmlformats.org/drawingml/2006/main" xmlns:r="http://schemas.openxmlformats.org/officeDocument/2006/relationships" xmlns:p="http://schemas.openxmlformats.org/presentationml/2006/main" type="title" preserve="1">
   <p:cSld name="Title Slide">
@@ -369,11 +915,10 @@
           <a:bodyPr/>
           <a:lstStyle/>
           <a:p>
-            <a:fld id="{D0206002-A65F-4E13-930A-B82F937129FF}" type="datetimeFigureOut">
-              <a:rPr lang="en-US" smtClean="0"/>
-              <a:t>9/4/2023</a:t>
-            </a:fld>
-            <a:endParaRPr lang="en-US"/>
+            <a:r>
+              <a:rPr lang="en-US"/>
+              <a:t>By: Riham Muneer Katout</a:t>
+            </a:r>
           </a:p>
         </p:txBody>
       </p:sp>
@@ -567,11 +1112,10 @@
           <a:bodyPr/>
           <a:lstStyle/>
           <a:p>
-            <a:fld id="{D0206002-A65F-4E13-930A-B82F937129FF}" type="datetimeFigureOut">
-              <a:rPr lang="en-US" smtClean="0"/>
-              <a:t>9/4/2023</a:t>
-            </a:fld>
-            <a:endParaRPr lang="en-US"/>
+            <a:r>
+              <a:rPr lang="en-US"/>
+              <a:t>By: Riham Muneer Katout</a:t>
+            </a:r>
           </a:p>
         </p:txBody>
       </p:sp>
@@ -775,11 +1319,10 @@
           <a:bodyPr/>
           <a:lstStyle/>
           <a:p>
-            <a:fld id="{D0206002-A65F-4E13-930A-B82F937129FF}" type="datetimeFigureOut">
-              <a:rPr lang="en-US" smtClean="0"/>
-              <a:t>9/4/2023</a:t>
-            </a:fld>
-            <a:endParaRPr lang="en-US"/>
+            <a:r>
+              <a:rPr lang="en-US"/>
+              <a:t>By: Riham Muneer Katout</a:t>
+            </a:r>
           </a:p>
         </p:txBody>
       </p:sp>
@@ -973,11 +1516,10 @@
           <a:bodyPr/>
           <a:lstStyle/>
           <a:p>
-            <a:fld id="{D0206002-A65F-4E13-930A-B82F937129FF}" type="datetimeFigureOut">
-              <a:rPr lang="en-US" smtClean="0"/>
-              <a:t>9/4/2023</a:t>
-            </a:fld>
-            <a:endParaRPr lang="en-US"/>
+            <a:r>
+              <a:rPr lang="en-US"/>
+              <a:t>By: Riham Muneer Katout</a:t>
+            </a:r>
           </a:p>
         </p:txBody>
       </p:sp>
@@ -1248,11 +1790,10 @@
           <a:bodyPr/>
           <a:lstStyle/>
           <a:p>
-            <a:fld id="{D0206002-A65F-4E13-930A-B82F937129FF}" type="datetimeFigureOut">
-              <a:rPr lang="en-US" smtClean="0"/>
-              <a:t>9/4/2023</a:t>
-            </a:fld>
-            <a:endParaRPr lang="en-US"/>
+            <a:r>
+              <a:rPr lang="en-US"/>
+              <a:t>By: Riham Muneer Katout</a:t>
+            </a:r>
           </a:p>
         </p:txBody>
       </p:sp>
@@ -1513,11 +2054,10 @@
           <a:bodyPr/>
           <a:lstStyle/>
           <a:p>
-            <a:fld id="{D0206002-A65F-4E13-930A-B82F937129FF}" type="datetimeFigureOut">
-              <a:rPr lang="en-US" smtClean="0"/>
-              <a:t>9/4/2023</a:t>
-            </a:fld>
-            <a:endParaRPr lang="en-US"/>
+            <a:r>
+              <a:rPr lang="en-US"/>
+              <a:t>By: Riham Muneer Katout</a:t>
+            </a:r>
           </a:p>
         </p:txBody>
       </p:sp>
@@ -1925,11 +2465,10 @@
           <a:bodyPr/>
           <a:lstStyle/>
           <a:p>
-            <a:fld id="{D0206002-A65F-4E13-930A-B82F937129FF}" type="datetimeFigureOut">
-              <a:rPr lang="en-US" smtClean="0"/>
-              <a:t>9/4/2023</a:t>
-            </a:fld>
-            <a:endParaRPr lang="en-US"/>
+            <a:r>
+              <a:rPr lang="en-US"/>
+              <a:t>By: Riham Muneer Katout</a:t>
+            </a:r>
           </a:p>
         </p:txBody>
       </p:sp>
@@ -2066,11 +2605,10 @@
           <a:bodyPr/>
           <a:lstStyle/>
           <a:p>
-            <a:fld id="{D0206002-A65F-4E13-930A-B82F937129FF}" type="datetimeFigureOut">
-              <a:rPr lang="en-US" smtClean="0"/>
-              <a:t>9/4/2023</a:t>
-            </a:fld>
-            <a:endParaRPr lang="en-US"/>
+            <a:r>
+              <a:rPr lang="en-US"/>
+              <a:t>By: Riham Muneer Katout</a:t>
+            </a:r>
           </a:p>
         </p:txBody>
       </p:sp>
@@ -2179,11 +2717,10 @@
           <a:bodyPr/>
           <a:lstStyle/>
           <a:p>
-            <a:fld id="{D0206002-A65F-4E13-930A-B82F937129FF}" type="datetimeFigureOut">
-              <a:rPr lang="en-US" smtClean="0"/>
-              <a:t>9/4/2023</a:t>
-            </a:fld>
-            <a:endParaRPr lang="en-US"/>
+            <a:r>
+              <a:rPr lang="en-US"/>
+              <a:t>By: Riham Muneer Katout</a:t>
+            </a:r>
           </a:p>
         </p:txBody>
       </p:sp>
@@ -2490,11 +3027,10 @@
           <a:bodyPr/>
           <a:lstStyle/>
           <a:p>
-            <a:fld id="{D0206002-A65F-4E13-930A-B82F937129FF}" type="datetimeFigureOut">
-              <a:rPr lang="en-US" smtClean="0"/>
-              <a:t>9/4/2023</a:t>
-            </a:fld>
-            <a:endParaRPr lang="en-US"/>
+            <a:r>
+              <a:rPr lang="en-US"/>
+              <a:t>By: Riham Muneer Katout</a:t>
+            </a:r>
           </a:p>
         </p:txBody>
       </p:sp>
@@ -2778,11 +3314,10 @@
           <a:bodyPr/>
           <a:lstStyle/>
           <a:p>
-            <a:fld id="{D0206002-A65F-4E13-930A-B82F937129FF}" type="datetimeFigureOut">
-              <a:rPr lang="en-US" smtClean="0"/>
-              <a:t>9/4/2023</a:t>
-            </a:fld>
-            <a:endParaRPr lang="en-US"/>
+            <a:r>
+              <a:rPr lang="en-US"/>
+              <a:t>By: Riham Muneer Katout</a:t>
+            </a:r>
           </a:p>
         </p:txBody>
       </p:sp>
@@ -3019,11 +3554,10 @@
             </a:lvl1pPr>
           </a:lstStyle>
           <a:p>
-            <a:fld id="{D0206002-A65F-4E13-930A-B82F937129FF}" type="datetimeFigureOut">
-              <a:rPr lang="en-US" smtClean="0"/>
-              <a:t>9/4/2023</a:t>
-            </a:fld>
-            <a:endParaRPr lang="en-US"/>
+            <a:r>
+              <a:rPr lang="en-US"/>
+              <a:t>By: Riham Muneer Katout</a:t>
+            </a:r>
           </a:p>
         </p:txBody>
       </p:sp>
@@ -3138,6 +3672,7 @@
     <p:sldLayoutId id="2147483658" r:id="rId10"/>
     <p:sldLayoutId id="2147483659" r:id="rId11"/>
   </p:sldLayoutIdLst>
+  <p:hf hdr="0" ftr="0"/>
   <p:txStyles>
     <p:titleStyle>
       <a:lvl1pPr algn="l" defTabSz="914400" rtl="0" eaLnBrk="1" latinLnBrk="0" hangingPunct="1">
@@ -3515,6 +4050,35 @@
           </a:p>
         </p:txBody>
       </p:sp>
+      <p:sp>
+        <p:nvSpPr>
+          <p:cNvPr id="9" name="Slide Number Placeholder 8">
+            <a:extLst>
+              <a:ext uri="{FF2B5EF4-FFF2-40B4-BE49-F238E27FC236}">
+                <a16:creationId xmlns:a16="http://schemas.microsoft.com/office/drawing/2014/main" id="{9A0B9077-E1B3-6C88-B977-F991C1EF6E5C}"/>
+              </a:ext>
+            </a:extLst>
+          </p:cNvPr>
+          <p:cNvSpPr>
+            <a:spLocks noGrp="1"/>
+          </p:cNvSpPr>
+          <p:nvPr>
+            <p:ph type="sldNum" sz="quarter" idx="12"/>
+          </p:nvPr>
+        </p:nvSpPr>
+        <p:spPr/>
+        <p:txBody>
+          <a:bodyPr/>
+          <a:lstStyle/>
+          <a:p>
+            <a:fld id="{3C19BDA9-2901-49C8-A8E5-942BE4CA4E52}" type="slidenum">
+              <a:rPr lang="en-US" smtClean="0"/>
+              <a:t>1</a:t>
+            </a:fld>
+            <a:endParaRPr lang="en-US"/>
+          </a:p>
+        </p:txBody>
+      </p:sp>
     </p:spTree>
     <p:extLst>
       <p:ext uri="{BB962C8B-B14F-4D97-AF65-F5344CB8AC3E}">
@@ -3726,6 +4290,63 @@
           </a:p>
         </p:txBody>
       </p:sp>
+      <p:sp>
+        <p:nvSpPr>
+          <p:cNvPr id="8" name="Date Placeholder 7">
+            <a:extLst>
+              <a:ext uri="{FF2B5EF4-FFF2-40B4-BE49-F238E27FC236}">
+                <a16:creationId xmlns:a16="http://schemas.microsoft.com/office/drawing/2014/main" id="{6AF76DBC-CDA3-6905-D86B-F3629E1B6475}"/>
+              </a:ext>
+            </a:extLst>
+          </p:cNvPr>
+          <p:cNvSpPr>
+            <a:spLocks noGrp="1"/>
+          </p:cNvSpPr>
+          <p:nvPr>
+            <p:ph type="dt" sz="half" idx="10"/>
+          </p:nvPr>
+        </p:nvSpPr>
+        <p:spPr/>
+        <p:txBody>
+          <a:bodyPr/>
+          <a:lstStyle/>
+          <a:p>
+            <a:r>
+              <a:rPr lang="en-US"/>
+              <a:t>By: Riham Muneer Katout</a:t>
+            </a:r>
+          </a:p>
+        </p:txBody>
+      </p:sp>
+      <p:sp>
+        <p:nvSpPr>
+          <p:cNvPr id="9" name="Slide Number Placeholder 8">
+            <a:extLst>
+              <a:ext uri="{FF2B5EF4-FFF2-40B4-BE49-F238E27FC236}">
+                <a16:creationId xmlns:a16="http://schemas.microsoft.com/office/drawing/2014/main" id="{BB140932-65C2-33D7-0F5F-2AF43E6DFF85}"/>
+              </a:ext>
+            </a:extLst>
+          </p:cNvPr>
+          <p:cNvSpPr>
+            <a:spLocks noGrp="1"/>
+          </p:cNvSpPr>
+          <p:nvPr>
+            <p:ph type="sldNum" sz="quarter" idx="12"/>
+          </p:nvPr>
+        </p:nvSpPr>
+        <p:spPr/>
+        <p:txBody>
+          <a:bodyPr/>
+          <a:lstStyle/>
+          <a:p>
+            <a:fld id="{3C19BDA9-2901-49C8-A8E5-942BE4CA4E52}" type="slidenum">
+              <a:rPr lang="en-US" smtClean="0"/>
+              <a:t>10</a:t>
+            </a:fld>
+            <a:endParaRPr lang="en-US"/>
+          </a:p>
+        </p:txBody>
+      </p:sp>
     </p:spTree>
     <p:extLst>
       <p:ext uri="{BB962C8B-B14F-4D97-AF65-F5344CB8AC3E}">
@@ -3846,6 +4467,68 @@
           </a:extLst>
         </p:spPr>
       </p:pic>
+      <p:sp>
+        <p:nvSpPr>
+          <p:cNvPr id="7" name="Date Placeholder 6">
+            <a:extLst>
+              <a:ext uri="{FF2B5EF4-FFF2-40B4-BE49-F238E27FC236}">
+                <a16:creationId xmlns:a16="http://schemas.microsoft.com/office/drawing/2014/main" id="{BA4B7EB5-7384-23E2-3895-0B77C32FB306}"/>
+              </a:ext>
+            </a:extLst>
+          </p:cNvPr>
+          <p:cNvSpPr>
+            <a:spLocks noGrp="1"/>
+          </p:cNvSpPr>
+          <p:nvPr>
+            <p:ph type="dt" sz="half" idx="10"/>
+          </p:nvPr>
+        </p:nvSpPr>
+        <p:spPr>
+          <a:xfrm>
+            <a:off x="0" y="6538912"/>
+            <a:ext cx="2743200" cy="365125"/>
+          </a:xfrm>
+        </p:spPr>
+        <p:txBody>
+          <a:bodyPr/>
+          <a:lstStyle/>
+          <a:p>
+            <a:r>
+              <a:rPr lang="en-US" dirty="0"/>
+              <a:t>By: Riham Muneer Katout</a:t>
+            </a:r>
+          </a:p>
+        </p:txBody>
+      </p:sp>
+      <p:sp>
+        <p:nvSpPr>
+          <p:cNvPr id="8" name="Slide Number Placeholder 7">
+            <a:extLst>
+              <a:ext uri="{FF2B5EF4-FFF2-40B4-BE49-F238E27FC236}">
+                <a16:creationId xmlns:a16="http://schemas.microsoft.com/office/drawing/2014/main" id="{DE6DD250-BAD4-A14E-9086-0F26A9FF4CF0}"/>
+              </a:ext>
+            </a:extLst>
+          </p:cNvPr>
+          <p:cNvSpPr>
+            <a:spLocks noGrp="1"/>
+          </p:cNvSpPr>
+          <p:nvPr>
+            <p:ph type="sldNum" sz="quarter" idx="12"/>
+          </p:nvPr>
+        </p:nvSpPr>
+        <p:spPr/>
+        <p:txBody>
+          <a:bodyPr/>
+          <a:lstStyle/>
+          <a:p>
+            <a:fld id="{3C19BDA9-2901-49C8-A8E5-942BE4CA4E52}" type="slidenum">
+              <a:rPr lang="en-US" smtClean="0"/>
+              <a:t>11</a:t>
+            </a:fld>
+            <a:endParaRPr lang="en-US"/>
+          </a:p>
+        </p:txBody>
+      </p:sp>
     </p:spTree>
     <p:extLst>
       <p:ext uri="{BB962C8B-B14F-4D97-AF65-F5344CB8AC3E}">
@@ -4047,6 +4730,63 @@
           </a:p>
         </p:txBody>
       </p:sp>
+      <p:sp>
+        <p:nvSpPr>
+          <p:cNvPr id="8" name="Date Placeholder 7">
+            <a:extLst>
+              <a:ext uri="{FF2B5EF4-FFF2-40B4-BE49-F238E27FC236}">
+                <a16:creationId xmlns:a16="http://schemas.microsoft.com/office/drawing/2014/main" id="{44876950-4FB1-E576-62D0-08E2BCF3833C}"/>
+              </a:ext>
+            </a:extLst>
+          </p:cNvPr>
+          <p:cNvSpPr>
+            <a:spLocks noGrp="1"/>
+          </p:cNvSpPr>
+          <p:nvPr>
+            <p:ph type="dt" sz="half" idx="10"/>
+          </p:nvPr>
+        </p:nvSpPr>
+        <p:spPr/>
+        <p:txBody>
+          <a:bodyPr/>
+          <a:lstStyle/>
+          <a:p>
+            <a:r>
+              <a:rPr lang="en-US"/>
+              <a:t>By: Riham Muneer Katout</a:t>
+            </a:r>
+          </a:p>
+        </p:txBody>
+      </p:sp>
+      <p:sp>
+        <p:nvSpPr>
+          <p:cNvPr id="9" name="Slide Number Placeholder 8">
+            <a:extLst>
+              <a:ext uri="{FF2B5EF4-FFF2-40B4-BE49-F238E27FC236}">
+                <a16:creationId xmlns:a16="http://schemas.microsoft.com/office/drawing/2014/main" id="{81347BE0-76E1-ECC6-A7A3-CB9E6DE45DFB}"/>
+              </a:ext>
+            </a:extLst>
+          </p:cNvPr>
+          <p:cNvSpPr>
+            <a:spLocks noGrp="1"/>
+          </p:cNvSpPr>
+          <p:nvPr>
+            <p:ph type="sldNum" sz="quarter" idx="12"/>
+          </p:nvPr>
+        </p:nvSpPr>
+        <p:spPr/>
+        <p:txBody>
+          <a:bodyPr/>
+          <a:lstStyle/>
+          <a:p>
+            <a:fld id="{3C19BDA9-2901-49C8-A8E5-942BE4CA4E52}" type="slidenum">
+              <a:rPr lang="en-US" smtClean="0"/>
+              <a:t>12</a:t>
+            </a:fld>
+            <a:endParaRPr lang="en-US"/>
+          </a:p>
+        </p:txBody>
+      </p:sp>
     </p:spTree>
     <p:extLst>
       <p:ext uri="{BB962C8B-B14F-4D97-AF65-F5344CB8AC3E}">
@@ -4323,6 +5063,63 @@
           </a:p>
         </p:txBody>
       </p:sp>
+      <p:sp>
+        <p:nvSpPr>
+          <p:cNvPr id="8" name="Date Placeholder 7">
+            <a:extLst>
+              <a:ext uri="{FF2B5EF4-FFF2-40B4-BE49-F238E27FC236}">
+                <a16:creationId xmlns:a16="http://schemas.microsoft.com/office/drawing/2014/main" id="{7341FB27-1DD7-2477-77B9-32DDBF0933D8}"/>
+              </a:ext>
+            </a:extLst>
+          </p:cNvPr>
+          <p:cNvSpPr>
+            <a:spLocks noGrp="1"/>
+          </p:cNvSpPr>
+          <p:nvPr>
+            <p:ph type="dt" sz="half" idx="10"/>
+          </p:nvPr>
+        </p:nvSpPr>
+        <p:spPr/>
+        <p:txBody>
+          <a:bodyPr/>
+          <a:lstStyle/>
+          <a:p>
+            <a:r>
+              <a:rPr lang="en-US"/>
+              <a:t>By: Riham Muneer Katout</a:t>
+            </a:r>
+          </a:p>
+        </p:txBody>
+      </p:sp>
+      <p:sp>
+        <p:nvSpPr>
+          <p:cNvPr id="9" name="Slide Number Placeholder 8">
+            <a:extLst>
+              <a:ext uri="{FF2B5EF4-FFF2-40B4-BE49-F238E27FC236}">
+                <a16:creationId xmlns:a16="http://schemas.microsoft.com/office/drawing/2014/main" id="{167622AF-0A46-34DB-BFC5-115DD6E0D232}"/>
+              </a:ext>
+            </a:extLst>
+          </p:cNvPr>
+          <p:cNvSpPr>
+            <a:spLocks noGrp="1"/>
+          </p:cNvSpPr>
+          <p:nvPr>
+            <p:ph type="sldNum" sz="quarter" idx="12"/>
+          </p:nvPr>
+        </p:nvSpPr>
+        <p:spPr/>
+        <p:txBody>
+          <a:bodyPr/>
+          <a:lstStyle/>
+          <a:p>
+            <a:fld id="{3C19BDA9-2901-49C8-A8E5-942BE4CA4E52}" type="slidenum">
+              <a:rPr lang="en-US" smtClean="0"/>
+              <a:t>13</a:t>
+            </a:fld>
+            <a:endParaRPr lang="en-US"/>
+          </a:p>
+        </p:txBody>
+      </p:sp>
     </p:spTree>
     <p:extLst>
       <p:ext uri="{BB962C8B-B14F-4D97-AF65-F5344CB8AC3E}">
@@ -4618,6 +5415,63 @@
           </a:p>
         </p:txBody>
       </p:sp>
+      <p:sp>
+        <p:nvSpPr>
+          <p:cNvPr id="8" name="Date Placeholder 7">
+            <a:extLst>
+              <a:ext uri="{FF2B5EF4-FFF2-40B4-BE49-F238E27FC236}">
+                <a16:creationId xmlns:a16="http://schemas.microsoft.com/office/drawing/2014/main" id="{510AA8C2-9AA1-71A5-5CC8-EB9A50422E9F}"/>
+              </a:ext>
+            </a:extLst>
+          </p:cNvPr>
+          <p:cNvSpPr>
+            <a:spLocks noGrp="1"/>
+          </p:cNvSpPr>
+          <p:nvPr>
+            <p:ph type="dt" sz="half" idx="10"/>
+          </p:nvPr>
+        </p:nvSpPr>
+        <p:spPr/>
+        <p:txBody>
+          <a:bodyPr/>
+          <a:lstStyle/>
+          <a:p>
+            <a:r>
+              <a:rPr lang="en-US"/>
+              <a:t>By: Riham Muneer Katout</a:t>
+            </a:r>
+          </a:p>
+        </p:txBody>
+      </p:sp>
+      <p:sp>
+        <p:nvSpPr>
+          <p:cNvPr id="9" name="Slide Number Placeholder 8">
+            <a:extLst>
+              <a:ext uri="{FF2B5EF4-FFF2-40B4-BE49-F238E27FC236}">
+                <a16:creationId xmlns:a16="http://schemas.microsoft.com/office/drawing/2014/main" id="{E10A4BD6-AE73-64E3-D023-B25E7A6F4904}"/>
+              </a:ext>
+            </a:extLst>
+          </p:cNvPr>
+          <p:cNvSpPr>
+            <a:spLocks noGrp="1"/>
+          </p:cNvSpPr>
+          <p:nvPr>
+            <p:ph type="sldNum" sz="quarter" idx="12"/>
+          </p:nvPr>
+        </p:nvSpPr>
+        <p:spPr/>
+        <p:txBody>
+          <a:bodyPr/>
+          <a:lstStyle/>
+          <a:p>
+            <a:fld id="{3C19BDA9-2901-49C8-A8E5-942BE4CA4E52}" type="slidenum">
+              <a:rPr lang="en-US" smtClean="0"/>
+              <a:t>14</a:t>
+            </a:fld>
+            <a:endParaRPr lang="en-US"/>
+          </a:p>
+        </p:txBody>
+      </p:sp>
     </p:spTree>
     <p:extLst>
       <p:ext uri="{BB962C8B-B14F-4D97-AF65-F5344CB8AC3E}">
@@ -4747,6 +5601,63 @@
           </a:p>
         </p:txBody>
       </p:sp>
+      <p:sp>
+        <p:nvSpPr>
+          <p:cNvPr id="8" name="Date Placeholder 7">
+            <a:extLst>
+              <a:ext uri="{FF2B5EF4-FFF2-40B4-BE49-F238E27FC236}">
+                <a16:creationId xmlns:a16="http://schemas.microsoft.com/office/drawing/2014/main" id="{F0B9AC0D-7C48-2AB6-9581-E0DB30546E83}"/>
+              </a:ext>
+            </a:extLst>
+          </p:cNvPr>
+          <p:cNvSpPr>
+            <a:spLocks noGrp="1"/>
+          </p:cNvSpPr>
+          <p:nvPr>
+            <p:ph type="dt" sz="half" idx="10"/>
+          </p:nvPr>
+        </p:nvSpPr>
+        <p:spPr/>
+        <p:txBody>
+          <a:bodyPr/>
+          <a:lstStyle/>
+          <a:p>
+            <a:r>
+              <a:rPr lang="en-US"/>
+              <a:t>By: Riham Muneer Katout</a:t>
+            </a:r>
+          </a:p>
+        </p:txBody>
+      </p:sp>
+      <p:sp>
+        <p:nvSpPr>
+          <p:cNvPr id="9" name="Slide Number Placeholder 8">
+            <a:extLst>
+              <a:ext uri="{FF2B5EF4-FFF2-40B4-BE49-F238E27FC236}">
+                <a16:creationId xmlns:a16="http://schemas.microsoft.com/office/drawing/2014/main" id="{5D1C6336-5463-BEF5-5249-DF1FF3B37151}"/>
+              </a:ext>
+            </a:extLst>
+          </p:cNvPr>
+          <p:cNvSpPr>
+            <a:spLocks noGrp="1"/>
+          </p:cNvSpPr>
+          <p:nvPr>
+            <p:ph type="sldNum" sz="quarter" idx="12"/>
+          </p:nvPr>
+        </p:nvSpPr>
+        <p:spPr/>
+        <p:txBody>
+          <a:bodyPr/>
+          <a:lstStyle/>
+          <a:p>
+            <a:fld id="{3C19BDA9-2901-49C8-A8E5-942BE4CA4E52}" type="slidenum">
+              <a:rPr lang="en-US" smtClean="0"/>
+              <a:t>15</a:t>
+            </a:fld>
+            <a:endParaRPr lang="en-US"/>
+          </a:p>
+        </p:txBody>
+      </p:sp>
     </p:spTree>
     <p:extLst>
       <p:ext uri="{BB962C8B-B14F-4D97-AF65-F5344CB8AC3E}">
@@ -4931,6 +5842,63 @@
           </a:p>
         </p:txBody>
       </p:sp>
+      <p:sp>
+        <p:nvSpPr>
+          <p:cNvPr id="8" name="Date Placeholder 7">
+            <a:extLst>
+              <a:ext uri="{FF2B5EF4-FFF2-40B4-BE49-F238E27FC236}">
+                <a16:creationId xmlns:a16="http://schemas.microsoft.com/office/drawing/2014/main" id="{C6B276BB-D9C5-4E59-4FC4-5C95D3C64CEB}"/>
+              </a:ext>
+            </a:extLst>
+          </p:cNvPr>
+          <p:cNvSpPr>
+            <a:spLocks noGrp="1"/>
+          </p:cNvSpPr>
+          <p:nvPr>
+            <p:ph type="dt" sz="half" idx="10"/>
+          </p:nvPr>
+        </p:nvSpPr>
+        <p:spPr/>
+        <p:txBody>
+          <a:bodyPr/>
+          <a:lstStyle/>
+          <a:p>
+            <a:r>
+              <a:rPr lang="en-US"/>
+              <a:t>By: Riham Muneer Katout</a:t>
+            </a:r>
+          </a:p>
+        </p:txBody>
+      </p:sp>
+      <p:sp>
+        <p:nvSpPr>
+          <p:cNvPr id="9" name="Slide Number Placeholder 8">
+            <a:extLst>
+              <a:ext uri="{FF2B5EF4-FFF2-40B4-BE49-F238E27FC236}">
+                <a16:creationId xmlns:a16="http://schemas.microsoft.com/office/drawing/2014/main" id="{5478EF6B-1460-30E8-BB25-46322BFC6BC1}"/>
+              </a:ext>
+            </a:extLst>
+          </p:cNvPr>
+          <p:cNvSpPr>
+            <a:spLocks noGrp="1"/>
+          </p:cNvSpPr>
+          <p:nvPr>
+            <p:ph type="sldNum" sz="quarter" idx="12"/>
+          </p:nvPr>
+        </p:nvSpPr>
+        <p:spPr/>
+        <p:txBody>
+          <a:bodyPr/>
+          <a:lstStyle/>
+          <a:p>
+            <a:fld id="{3C19BDA9-2901-49C8-A8E5-942BE4CA4E52}" type="slidenum">
+              <a:rPr lang="en-US" smtClean="0"/>
+              <a:t>16</a:t>
+            </a:fld>
+            <a:endParaRPr lang="en-US"/>
+          </a:p>
+        </p:txBody>
+      </p:sp>
     </p:spTree>
     <p:extLst>
       <p:ext uri="{BB962C8B-B14F-4D97-AF65-F5344CB8AC3E}">
@@ -5296,6 +6264,63 @@
           </a:p>
         </p:txBody>
       </p:sp>
+      <p:sp>
+        <p:nvSpPr>
+          <p:cNvPr id="8" name="Date Placeholder 7">
+            <a:extLst>
+              <a:ext uri="{FF2B5EF4-FFF2-40B4-BE49-F238E27FC236}">
+                <a16:creationId xmlns:a16="http://schemas.microsoft.com/office/drawing/2014/main" id="{267398C4-5433-815B-534A-5548BEB93D24}"/>
+              </a:ext>
+            </a:extLst>
+          </p:cNvPr>
+          <p:cNvSpPr>
+            <a:spLocks noGrp="1"/>
+          </p:cNvSpPr>
+          <p:nvPr>
+            <p:ph type="dt" sz="half" idx="10"/>
+          </p:nvPr>
+        </p:nvSpPr>
+        <p:spPr/>
+        <p:txBody>
+          <a:bodyPr/>
+          <a:lstStyle/>
+          <a:p>
+            <a:r>
+              <a:rPr lang="en-US"/>
+              <a:t>By: Riham Muneer Katout</a:t>
+            </a:r>
+          </a:p>
+        </p:txBody>
+      </p:sp>
+      <p:sp>
+        <p:nvSpPr>
+          <p:cNvPr id="9" name="Slide Number Placeholder 8">
+            <a:extLst>
+              <a:ext uri="{FF2B5EF4-FFF2-40B4-BE49-F238E27FC236}">
+                <a16:creationId xmlns:a16="http://schemas.microsoft.com/office/drawing/2014/main" id="{13A379CF-F08E-4718-EFF0-69E358C021AA}"/>
+              </a:ext>
+            </a:extLst>
+          </p:cNvPr>
+          <p:cNvSpPr>
+            <a:spLocks noGrp="1"/>
+          </p:cNvSpPr>
+          <p:nvPr>
+            <p:ph type="sldNum" sz="quarter" idx="12"/>
+          </p:nvPr>
+        </p:nvSpPr>
+        <p:spPr/>
+        <p:txBody>
+          <a:bodyPr/>
+          <a:lstStyle/>
+          <a:p>
+            <a:fld id="{3C19BDA9-2901-49C8-A8E5-942BE4CA4E52}" type="slidenum">
+              <a:rPr lang="en-US" smtClean="0"/>
+              <a:t>17</a:t>
+            </a:fld>
+            <a:endParaRPr lang="en-US"/>
+          </a:p>
+        </p:txBody>
+      </p:sp>
     </p:spTree>
     <p:extLst>
       <p:ext uri="{BB962C8B-B14F-4D97-AF65-F5344CB8AC3E}">
@@ -5425,6 +6450,63 @@
           </a:p>
         </p:txBody>
       </p:sp>
+      <p:sp>
+        <p:nvSpPr>
+          <p:cNvPr id="8" name="Date Placeholder 7">
+            <a:extLst>
+              <a:ext uri="{FF2B5EF4-FFF2-40B4-BE49-F238E27FC236}">
+                <a16:creationId xmlns:a16="http://schemas.microsoft.com/office/drawing/2014/main" id="{55CEABB4-5BF4-5795-5B94-2118C65316CC}"/>
+              </a:ext>
+            </a:extLst>
+          </p:cNvPr>
+          <p:cNvSpPr>
+            <a:spLocks noGrp="1"/>
+          </p:cNvSpPr>
+          <p:nvPr>
+            <p:ph type="dt" sz="half" idx="10"/>
+          </p:nvPr>
+        </p:nvSpPr>
+        <p:spPr/>
+        <p:txBody>
+          <a:bodyPr/>
+          <a:lstStyle/>
+          <a:p>
+            <a:r>
+              <a:rPr lang="en-US"/>
+              <a:t>By: Riham Muneer Katout</a:t>
+            </a:r>
+          </a:p>
+        </p:txBody>
+      </p:sp>
+      <p:sp>
+        <p:nvSpPr>
+          <p:cNvPr id="9" name="Slide Number Placeholder 8">
+            <a:extLst>
+              <a:ext uri="{FF2B5EF4-FFF2-40B4-BE49-F238E27FC236}">
+                <a16:creationId xmlns:a16="http://schemas.microsoft.com/office/drawing/2014/main" id="{57EC1B45-F0C7-E2AE-3147-C5610DD45256}"/>
+              </a:ext>
+            </a:extLst>
+          </p:cNvPr>
+          <p:cNvSpPr>
+            <a:spLocks noGrp="1"/>
+          </p:cNvSpPr>
+          <p:nvPr>
+            <p:ph type="sldNum" sz="quarter" idx="12"/>
+          </p:nvPr>
+        </p:nvSpPr>
+        <p:spPr/>
+        <p:txBody>
+          <a:bodyPr/>
+          <a:lstStyle/>
+          <a:p>
+            <a:fld id="{3C19BDA9-2901-49C8-A8E5-942BE4CA4E52}" type="slidenum">
+              <a:rPr lang="en-US" smtClean="0"/>
+              <a:t>18</a:t>
+            </a:fld>
+            <a:endParaRPr lang="en-US"/>
+          </a:p>
+        </p:txBody>
+      </p:sp>
     </p:spTree>
     <p:extLst>
       <p:ext uri="{BB962C8B-B14F-4D97-AF65-F5344CB8AC3E}">
@@ -5674,6 +6756,63 @@
           </a:p>
         </p:txBody>
       </p:sp>
+      <p:sp>
+        <p:nvSpPr>
+          <p:cNvPr id="8" name="Date Placeholder 7">
+            <a:extLst>
+              <a:ext uri="{FF2B5EF4-FFF2-40B4-BE49-F238E27FC236}">
+                <a16:creationId xmlns:a16="http://schemas.microsoft.com/office/drawing/2014/main" id="{3291539D-E5FC-AB9E-B7D4-8BB4C04945EF}"/>
+              </a:ext>
+            </a:extLst>
+          </p:cNvPr>
+          <p:cNvSpPr>
+            <a:spLocks noGrp="1"/>
+          </p:cNvSpPr>
+          <p:nvPr>
+            <p:ph type="dt" sz="half" idx="10"/>
+          </p:nvPr>
+        </p:nvSpPr>
+        <p:spPr/>
+        <p:txBody>
+          <a:bodyPr/>
+          <a:lstStyle/>
+          <a:p>
+            <a:r>
+              <a:rPr lang="en-US"/>
+              <a:t>By: Riham Muneer Katout</a:t>
+            </a:r>
+          </a:p>
+        </p:txBody>
+      </p:sp>
+      <p:sp>
+        <p:nvSpPr>
+          <p:cNvPr id="9" name="Slide Number Placeholder 8">
+            <a:extLst>
+              <a:ext uri="{FF2B5EF4-FFF2-40B4-BE49-F238E27FC236}">
+                <a16:creationId xmlns:a16="http://schemas.microsoft.com/office/drawing/2014/main" id="{7DB9E99A-737C-34A6-0C19-5F9888157F61}"/>
+              </a:ext>
+            </a:extLst>
+          </p:cNvPr>
+          <p:cNvSpPr>
+            <a:spLocks noGrp="1"/>
+          </p:cNvSpPr>
+          <p:nvPr>
+            <p:ph type="sldNum" sz="quarter" idx="12"/>
+          </p:nvPr>
+        </p:nvSpPr>
+        <p:spPr/>
+        <p:txBody>
+          <a:bodyPr/>
+          <a:lstStyle/>
+          <a:p>
+            <a:fld id="{3C19BDA9-2901-49C8-A8E5-942BE4CA4E52}" type="slidenum">
+              <a:rPr lang="en-US" smtClean="0"/>
+              <a:t>19</a:t>
+            </a:fld>
+            <a:endParaRPr lang="en-US"/>
+          </a:p>
+        </p:txBody>
+      </p:sp>
     </p:spTree>
     <p:extLst>
       <p:ext uri="{BB962C8B-B14F-4D97-AF65-F5344CB8AC3E}">
@@ -5832,6 +6971,63 @@
           </a:p>
         </p:txBody>
       </p:sp>
+      <p:sp>
+        <p:nvSpPr>
+          <p:cNvPr id="8" name="Date Placeholder 7">
+            <a:extLst>
+              <a:ext uri="{FF2B5EF4-FFF2-40B4-BE49-F238E27FC236}">
+                <a16:creationId xmlns:a16="http://schemas.microsoft.com/office/drawing/2014/main" id="{F7982641-F270-2E0E-A92E-60805681AF0D}"/>
+              </a:ext>
+            </a:extLst>
+          </p:cNvPr>
+          <p:cNvSpPr>
+            <a:spLocks noGrp="1"/>
+          </p:cNvSpPr>
+          <p:nvPr>
+            <p:ph type="dt" sz="half" idx="10"/>
+          </p:nvPr>
+        </p:nvSpPr>
+        <p:spPr/>
+        <p:txBody>
+          <a:bodyPr/>
+          <a:lstStyle/>
+          <a:p>
+            <a:r>
+              <a:rPr lang="en-US"/>
+              <a:t>By: Riham Muneer Katout</a:t>
+            </a:r>
+          </a:p>
+        </p:txBody>
+      </p:sp>
+      <p:sp>
+        <p:nvSpPr>
+          <p:cNvPr id="9" name="Slide Number Placeholder 8">
+            <a:extLst>
+              <a:ext uri="{FF2B5EF4-FFF2-40B4-BE49-F238E27FC236}">
+                <a16:creationId xmlns:a16="http://schemas.microsoft.com/office/drawing/2014/main" id="{EDA1D128-A8FE-C8EA-8F24-7C83B0676AE6}"/>
+              </a:ext>
+            </a:extLst>
+          </p:cNvPr>
+          <p:cNvSpPr>
+            <a:spLocks noGrp="1"/>
+          </p:cNvSpPr>
+          <p:nvPr>
+            <p:ph type="sldNum" sz="quarter" idx="12"/>
+          </p:nvPr>
+        </p:nvSpPr>
+        <p:spPr/>
+        <p:txBody>
+          <a:bodyPr/>
+          <a:lstStyle/>
+          <a:p>
+            <a:fld id="{3C19BDA9-2901-49C8-A8E5-942BE4CA4E52}" type="slidenum">
+              <a:rPr lang="en-US" smtClean="0"/>
+              <a:t>2</a:t>
+            </a:fld>
+            <a:endParaRPr lang="en-US"/>
+          </a:p>
+        </p:txBody>
+      </p:sp>
     </p:spTree>
     <p:extLst>
       <p:ext uri="{BB962C8B-B14F-4D97-AF65-F5344CB8AC3E}">
@@ -6422,6 +7618,63 @@
           </a:p>
         </p:txBody>
       </p:sp>
+      <p:sp>
+        <p:nvSpPr>
+          <p:cNvPr id="8" name="Date Placeholder 7">
+            <a:extLst>
+              <a:ext uri="{FF2B5EF4-FFF2-40B4-BE49-F238E27FC236}">
+                <a16:creationId xmlns:a16="http://schemas.microsoft.com/office/drawing/2014/main" id="{EE14910A-945A-DF8A-F8A4-A5974EF350F7}"/>
+              </a:ext>
+            </a:extLst>
+          </p:cNvPr>
+          <p:cNvSpPr>
+            <a:spLocks noGrp="1"/>
+          </p:cNvSpPr>
+          <p:nvPr>
+            <p:ph type="dt" sz="half" idx="10"/>
+          </p:nvPr>
+        </p:nvSpPr>
+        <p:spPr/>
+        <p:txBody>
+          <a:bodyPr/>
+          <a:lstStyle/>
+          <a:p>
+            <a:r>
+              <a:rPr lang="en-US"/>
+              <a:t>By: Riham Muneer Katout</a:t>
+            </a:r>
+          </a:p>
+        </p:txBody>
+      </p:sp>
+      <p:sp>
+        <p:nvSpPr>
+          <p:cNvPr id="9" name="Slide Number Placeholder 8">
+            <a:extLst>
+              <a:ext uri="{FF2B5EF4-FFF2-40B4-BE49-F238E27FC236}">
+                <a16:creationId xmlns:a16="http://schemas.microsoft.com/office/drawing/2014/main" id="{C29DC409-1037-B45D-3D80-F16BA474D7BA}"/>
+              </a:ext>
+            </a:extLst>
+          </p:cNvPr>
+          <p:cNvSpPr>
+            <a:spLocks noGrp="1"/>
+          </p:cNvSpPr>
+          <p:nvPr>
+            <p:ph type="sldNum" sz="quarter" idx="12"/>
+          </p:nvPr>
+        </p:nvSpPr>
+        <p:spPr/>
+        <p:txBody>
+          <a:bodyPr/>
+          <a:lstStyle/>
+          <a:p>
+            <a:fld id="{3C19BDA9-2901-49C8-A8E5-942BE4CA4E52}" type="slidenum">
+              <a:rPr lang="en-US" smtClean="0"/>
+              <a:t>20</a:t>
+            </a:fld>
+            <a:endParaRPr lang="en-US"/>
+          </a:p>
+        </p:txBody>
+      </p:sp>
     </p:spTree>
     <p:extLst>
       <p:ext uri="{BB962C8B-B14F-4D97-AF65-F5344CB8AC3E}">
@@ -6490,6 +7743,63 @@
           </a:p>
         </p:txBody>
       </p:sp>
+      <p:sp>
+        <p:nvSpPr>
+          <p:cNvPr id="7" name="Date Placeholder 6">
+            <a:extLst>
+              <a:ext uri="{FF2B5EF4-FFF2-40B4-BE49-F238E27FC236}">
+                <a16:creationId xmlns:a16="http://schemas.microsoft.com/office/drawing/2014/main" id="{F1C9D41F-7AF7-4E98-309E-C9613A2C79F2}"/>
+              </a:ext>
+            </a:extLst>
+          </p:cNvPr>
+          <p:cNvSpPr>
+            <a:spLocks noGrp="1"/>
+          </p:cNvSpPr>
+          <p:nvPr>
+            <p:ph type="dt" sz="half" idx="10"/>
+          </p:nvPr>
+        </p:nvSpPr>
+        <p:spPr/>
+        <p:txBody>
+          <a:bodyPr/>
+          <a:lstStyle/>
+          <a:p>
+            <a:r>
+              <a:rPr lang="en-US"/>
+              <a:t>By: Riham Muneer Katout</a:t>
+            </a:r>
+          </a:p>
+        </p:txBody>
+      </p:sp>
+      <p:sp>
+        <p:nvSpPr>
+          <p:cNvPr id="8" name="Slide Number Placeholder 7">
+            <a:extLst>
+              <a:ext uri="{FF2B5EF4-FFF2-40B4-BE49-F238E27FC236}">
+                <a16:creationId xmlns:a16="http://schemas.microsoft.com/office/drawing/2014/main" id="{6B100281-40B0-D31D-5A07-73676E5934E3}"/>
+              </a:ext>
+            </a:extLst>
+          </p:cNvPr>
+          <p:cNvSpPr>
+            <a:spLocks noGrp="1"/>
+          </p:cNvSpPr>
+          <p:nvPr>
+            <p:ph type="sldNum" sz="quarter" idx="12"/>
+          </p:nvPr>
+        </p:nvSpPr>
+        <p:spPr/>
+        <p:txBody>
+          <a:bodyPr/>
+          <a:lstStyle/>
+          <a:p>
+            <a:fld id="{3C19BDA9-2901-49C8-A8E5-942BE4CA4E52}" type="slidenum">
+              <a:rPr lang="en-US" smtClean="0"/>
+              <a:t>21</a:t>
+            </a:fld>
+            <a:endParaRPr lang="en-US"/>
+          </a:p>
+        </p:txBody>
+      </p:sp>
     </p:spTree>
     <p:extLst>
       <p:ext uri="{BB962C8B-B14F-4D97-AF65-F5344CB8AC3E}">
@@ -6830,6 +8140,63 @@
           </a:p>
         </p:txBody>
       </p:sp>
+      <p:sp>
+        <p:nvSpPr>
+          <p:cNvPr id="8" name="Date Placeholder 7">
+            <a:extLst>
+              <a:ext uri="{FF2B5EF4-FFF2-40B4-BE49-F238E27FC236}">
+                <a16:creationId xmlns:a16="http://schemas.microsoft.com/office/drawing/2014/main" id="{1963EE9D-4F24-5A9C-A424-59F4112D73E8}"/>
+              </a:ext>
+            </a:extLst>
+          </p:cNvPr>
+          <p:cNvSpPr>
+            <a:spLocks noGrp="1"/>
+          </p:cNvSpPr>
+          <p:nvPr>
+            <p:ph type="dt" sz="half" idx="10"/>
+          </p:nvPr>
+        </p:nvSpPr>
+        <p:spPr/>
+        <p:txBody>
+          <a:bodyPr/>
+          <a:lstStyle/>
+          <a:p>
+            <a:r>
+              <a:rPr lang="en-US"/>
+              <a:t>By: Riham Muneer Katout</a:t>
+            </a:r>
+          </a:p>
+        </p:txBody>
+      </p:sp>
+      <p:sp>
+        <p:nvSpPr>
+          <p:cNvPr id="9" name="Slide Number Placeholder 8">
+            <a:extLst>
+              <a:ext uri="{FF2B5EF4-FFF2-40B4-BE49-F238E27FC236}">
+                <a16:creationId xmlns:a16="http://schemas.microsoft.com/office/drawing/2014/main" id="{8C8D8AAC-339A-5018-CC7E-9304D7648CDF}"/>
+              </a:ext>
+            </a:extLst>
+          </p:cNvPr>
+          <p:cNvSpPr>
+            <a:spLocks noGrp="1"/>
+          </p:cNvSpPr>
+          <p:nvPr>
+            <p:ph type="sldNum" sz="quarter" idx="12"/>
+          </p:nvPr>
+        </p:nvSpPr>
+        <p:spPr/>
+        <p:txBody>
+          <a:bodyPr/>
+          <a:lstStyle/>
+          <a:p>
+            <a:fld id="{3C19BDA9-2901-49C8-A8E5-942BE4CA4E52}" type="slidenum">
+              <a:rPr lang="en-US" smtClean="0"/>
+              <a:t>22</a:t>
+            </a:fld>
+            <a:endParaRPr lang="en-US"/>
+          </a:p>
+        </p:txBody>
+      </p:sp>
     </p:spTree>
     <p:extLst>
       <p:ext uri="{BB962C8B-B14F-4D97-AF65-F5344CB8AC3E}">
@@ -7014,6 +8381,63 @@
           </a:prstGeom>
         </p:spPr>
       </p:pic>
+      <p:sp>
+        <p:nvSpPr>
+          <p:cNvPr id="9" name="Date Placeholder 8">
+            <a:extLst>
+              <a:ext uri="{FF2B5EF4-FFF2-40B4-BE49-F238E27FC236}">
+                <a16:creationId xmlns:a16="http://schemas.microsoft.com/office/drawing/2014/main" id="{8064CB62-4D8A-87A9-3DBF-BCF3D9F237FA}"/>
+              </a:ext>
+            </a:extLst>
+          </p:cNvPr>
+          <p:cNvSpPr>
+            <a:spLocks noGrp="1"/>
+          </p:cNvSpPr>
+          <p:nvPr>
+            <p:ph type="dt" sz="half" idx="10"/>
+          </p:nvPr>
+        </p:nvSpPr>
+        <p:spPr/>
+        <p:txBody>
+          <a:bodyPr/>
+          <a:lstStyle/>
+          <a:p>
+            <a:r>
+              <a:rPr lang="en-US"/>
+              <a:t>By: Riham Muneer Katout</a:t>
+            </a:r>
+          </a:p>
+        </p:txBody>
+      </p:sp>
+      <p:sp>
+        <p:nvSpPr>
+          <p:cNvPr id="10" name="Slide Number Placeholder 9">
+            <a:extLst>
+              <a:ext uri="{FF2B5EF4-FFF2-40B4-BE49-F238E27FC236}">
+                <a16:creationId xmlns:a16="http://schemas.microsoft.com/office/drawing/2014/main" id="{D11D2FA2-E522-A81F-22DE-C52F6260A437}"/>
+              </a:ext>
+            </a:extLst>
+          </p:cNvPr>
+          <p:cNvSpPr>
+            <a:spLocks noGrp="1"/>
+          </p:cNvSpPr>
+          <p:nvPr>
+            <p:ph type="sldNum" sz="quarter" idx="12"/>
+          </p:nvPr>
+        </p:nvSpPr>
+        <p:spPr/>
+        <p:txBody>
+          <a:bodyPr/>
+          <a:lstStyle/>
+          <a:p>
+            <a:fld id="{3C19BDA9-2901-49C8-A8E5-942BE4CA4E52}" type="slidenum">
+              <a:rPr lang="en-US" smtClean="0"/>
+              <a:t>23</a:t>
+            </a:fld>
+            <a:endParaRPr lang="en-US"/>
+          </a:p>
+        </p:txBody>
+      </p:sp>
     </p:spTree>
     <p:extLst>
       <p:ext uri="{BB962C8B-B14F-4D97-AF65-F5344CB8AC3E}">
@@ -7539,6 +8963,63 @@
           </a:p>
         </p:txBody>
       </p:sp>
+      <p:sp>
+        <p:nvSpPr>
+          <p:cNvPr id="8" name="Date Placeholder 7">
+            <a:extLst>
+              <a:ext uri="{FF2B5EF4-FFF2-40B4-BE49-F238E27FC236}">
+                <a16:creationId xmlns:a16="http://schemas.microsoft.com/office/drawing/2014/main" id="{3C0BC77B-5E05-1784-048A-EE0A5267540E}"/>
+              </a:ext>
+            </a:extLst>
+          </p:cNvPr>
+          <p:cNvSpPr>
+            <a:spLocks noGrp="1"/>
+          </p:cNvSpPr>
+          <p:nvPr>
+            <p:ph type="dt" sz="half" idx="10"/>
+          </p:nvPr>
+        </p:nvSpPr>
+        <p:spPr/>
+        <p:txBody>
+          <a:bodyPr/>
+          <a:lstStyle/>
+          <a:p>
+            <a:r>
+              <a:rPr lang="en-US"/>
+              <a:t>By: Riham Muneer Katout</a:t>
+            </a:r>
+          </a:p>
+        </p:txBody>
+      </p:sp>
+      <p:sp>
+        <p:nvSpPr>
+          <p:cNvPr id="9" name="Slide Number Placeholder 8">
+            <a:extLst>
+              <a:ext uri="{FF2B5EF4-FFF2-40B4-BE49-F238E27FC236}">
+                <a16:creationId xmlns:a16="http://schemas.microsoft.com/office/drawing/2014/main" id="{A35C7D27-AB41-00E2-0E23-3B68C6000028}"/>
+              </a:ext>
+            </a:extLst>
+          </p:cNvPr>
+          <p:cNvSpPr>
+            <a:spLocks noGrp="1"/>
+          </p:cNvSpPr>
+          <p:nvPr>
+            <p:ph type="sldNum" sz="quarter" idx="12"/>
+          </p:nvPr>
+        </p:nvSpPr>
+        <p:spPr/>
+        <p:txBody>
+          <a:bodyPr/>
+          <a:lstStyle/>
+          <a:p>
+            <a:fld id="{3C19BDA9-2901-49C8-A8E5-942BE4CA4E52}" type="slidenum">
+              <a:rPr lang="en-US" smtClean="0"/>
+              <a:t>24</a:t>
+            </a:fld>
+            <a:endParaRPr lang="en-US"/>
+          </a:p>
+        </p:txBody>
+      </p:sp>
     </p:spTree>
     <p:extLst>
       <p:ext uri="{BB962C8B-B14F-4D97-AF65-F5344CB8AC3E}">
@@ -7668,6 +9149,63 @@
           </a:p>
         </p:txBody>
       </p:sp>
+      <p:sp>
+        <p:nvSpPr>
+          <p:cNvPr id="8" name="Date Placeholder 7">
+            <a:extLst>
+              <a:ext uri="{FF2B5EF4-FFF2-40B4-BE49-F238E27FC236}">
+                <a16:creationId xmlns:a16="http://schemas.microsoft.com/office/drawing/2014/main" id="{032F0966-8505-7757-51B5-CE72E5D9160E}"/>
+              </a:ext>
+            </a:extLst>
+          </p:cNvPr>
+          <p:cNvSpPr>
+            <a:spLocks noGrp="1"/>
+          </p:cNvSpPr>
+          <p:nvPr>
+            <p:ph type="dt" sz="half" idx="10"/>
+          </p:nvPr>
+        </p:nvSpPr>
+        <p:spPr/>
+        <p:txBody>
+          <a:bodyPr/>
+          <a:lstStyle/>
+          <a:p>
+            <a:r>
+              <a:rPr lang="en-US"/>
+              <a:t>By: Riham Muneer Katout</a:t>
+            </a:r>
+          </a:p>
+        </p:txBody>
+      </p:sp>
+      <p:sp>
+        <p:nvSpPr>
+          <p:cNvPr id="9" name="Slide Number Placeholder 8">
+            <a:extLst>
+              <a:ext uri="{FF2B5EF4-FFF2-40B4-BE49-F238E27FC236}">
+                <a16:creationId xmlns:a16="http://schemas.microsoft.com/office/drawing/2014/main" id="{5EF1A0BF-03F6-C089-3899-AD0AE735783D}"/>
+              </a:ext>
+            </a:extLst>
+          </p:cNvPr>
+          <p:cNvSpPr>
+            <a:spLocks noGrp="1"/>
+          </p:cNvSpPr>
+          <p:nvPr>
+            <p:ph type="sldNum" sz="quarter" idx="12"/>
+          </p:nvPr>
+        </p:nvSpPr>
+        <p:spPr/>
+        <p:txBody>
+          <a:bodyPr/>
+          <a:lstStyle/>
+          <a:p>
+            <a:fld id="{3C19BDA9-2901-49C8-A8E5-942BE4CA4E52}" type="slidenum">
+              <a:rPr lang="en-US" smtClean="0"/>
+              <a:t>25</a:t>
+            </a:fld>
+            <a:endParaRPr lang="en-US"/>
+          </a:p>
+        </p:txBody>
+      </p:sp>
     </p:spTree>
     <p:extLst>
       <p:ext uri="{BB962C8B-B14F-4D97-AF65-F5344CB8AC3E}">
@@ -7909,6 +9447,63 @@
           </a:p>
         </p:txBody>
       </p:sp>
+      <p:sp>
+        <p:nvSpPr>
+          <p:cNvPr id="8" name="Date Placeholder 7">
+            <a:extLst>
+              <a:ext uri="{FF2B5EF4-FFF2-40B4-BE49-F238E27FC236}">
+                <a16:creationId xmlns:a16="http://schemas.microsoft.com/office/drawing/2014/main" id="{51C2BB5C-DE8B-4812-CF0E-EC8E7F7E540C}"/>
+              </a:ext>
+            </a:extLst>
+          </p:cNvPr>
+          <p:cNvSpPr>
+            <a:spLocks noGrp="1"/>
+          </p:cNvSpPr>
+          <p:nvPr>
+            <p:ph type="dt" sz="half" idx="10"/>
+          </p:nvPr>
+        </p:nvSpPr>
+        <p:spPr/>
+        <p:txBody>
+          <a:bodyPr/>
+          <a:lstStyle/>
+          <a:p>
+            <a:r>
+              <a:rPr lang="en-US"/>
+              <a:t>By: Riham Muneer Katout</a:t>
+            </a:r>
+          </a:p>
+        </p:txBody>
+      </p:sp>
+      <p:sp>
+        <p:nvSpPr>
+          <p:cNvPr id="9" name="Slide Number Placeholder 8">
+            <a:extLst>
+              <a:ext uri="{FF2B5EF4-FFF2-40B4-BE49-F238E27FC236}">
+                <a16:creationId xmlns:a16="http://schemas.microsoft.com/office/drawing/2014/main" id="{8A6F5846-7ADD-9FB1-2ADE-CF8C7BCA1BA6}"/>
+              </a:ext>
+            </a:extLst>
+          </p:cNvPr>
+          <p:cNvSpPr>
+            <a:spLocks noGrp="1"/>
+          </p:cNvSpPr>
+          <p:nvPr>
+            <p:ph type="sldNum" sz="quarter" idx="12"/>
+          </p:nvPr>
+        </p:nvSpPr>
+        <p:spPr/>
+        <p:txBody>
+          <a:bodyPr/>
+          <a:lstStyle/>
+          <a:p>
+            <a:fld id="{3C19BDA9-2901-49C8-A8E5-942BE4CA4E52}" type="slidenum">
+              <a:rPr lang="en-US" smtClean="0"/>
+              <a:t>26</a:t>
+            </a:fld>
+            <a:endParaRPr lang="en-US"/>
+          </a:p>
+        </p:txBody>
+      </p:sp>
     </p:spTree>
     <p:extLst>
       <p:ext uri="{BB962C8B-B14F-4D97-AF65-F5344CB8AC3E}">
@@ -8267,6 +9862,63 @@
           </a:p>
         </p:txBody>
       </p:sp>
+      <p:sp>
+        <p:nvSpPr>
+          <p:cNvPr id="8" name="Date Placeholder 7">
+            <a:extLst>
+              <a:ext uri="{FF2B5EF4-FFF2-40B4-BE49-F238E27FC236}">
+                <a16:creationId xmlns:a16="http://schemas.microsoft.com/office/drawing/2014/main" id="{6C5A2D17-4AFB-FDEF-A741-0579B6218D8C}"/>
+              </a:ext>
+            </a:extLst>
+          </p:cNvPr>
+          <p:cNvSpPr>
+            <a:spLocks noGrp="1"/>
+          </p:cNvSpPr>
+          <p:nvPr>
+            <p:ph type="dt" sz="half" idx="10"/>
+          </p:nvPr>
+        </p:nvSpPr>
+        <p:spPr/>
+        <p:txBody>
+          <a:bodyPr/>
+          <a:lstStyle/>
+          <a:p>
+            <a:r>
+              <a:rPr lang="en-US"/>
+              <a:t>By: Riham Muneer Katout</a:t>
+            </a:r>
+          </a:p>
+        </p:txBody>
+      </p:sp>
+      <p:sp>
+        <p:nvSpPr>
+          <p:cNvPr id="9" name="Slide Number Placeholder 8">
+            <a:extLst>
+              <a:ext uri="{FF2B5EF4-FFF2-40B4-BE49-F238E27FC236}">
+                <a16:creationId xmlns:a16="http://schemas.microsoft.com/office/drawing/2014/main" id="{AE004A4A-F050-548B-B387-5E7656A6B5C9}"/>
+              </a:ext>
+            </a:extLst>
+          </p:cNvPr>
+          <p:cNvSpPr>
+            <a:spLocks noGrp="1"/>
+          </p:cNvSpPr>
+          <p:nvPr>
+            <p:ph type="sldNum" sz="quarter" idx="12"/>
+          </p:nvPr>
+        </p:nvSpPr>
+        <p:spPr/>
+        <p:txBody>
+          <a:bodyPr/>
+          <a:lstStyle/>
+          <a:p>
+            <a:fld id="{3C19BDA9-2901-49C8-A8E5-942BE4CA4E52}" type="slidenum">
+              <a:rPr lang="en-US" smtClean="0"/>
+              <a:t>27</a:t>
+            </a:fld>
+            <a:endParaRPr lang="en-US"/>
+          </a:p>
+        </p:txBody>
+      </p:sp>
     </p:spTree>
     <p:extLst>
       <p:ext uri="{BB962C8B-B14F-4D97-AF65-F5344CB8AC3E}">
@@ -8335,6 +9987,63 @@
           </a:p>
         </p:txBody>
       </p:sp>
+      <p:sp>
+        <p:nvSpPr>
+          <p:cNvPr id="7" name="Date Placeholder 6">
+            <a:extLst>
+              <a:ext uri="{FF2B5EF4-FFF2-40B4-BE49-F238E27FC236}">
+                <a16:creationId xmlns:a16="http://schemas.microsoft.com/office/drawing/2014/main" id="{D2D709C1-1B10-F896-B46C-8A441B3A6C71}"/>
+              </a:ext>
+            </a:extLst>
+          </p:cNvPr>
+          <p:cNvSpPr>
+            <a:spLocks noGrp="1"/>
+          </p:cNvSpPr>
+          <p:nvPr>
+            <p:ph type="dt" sz="half" idx="10"/>
+          </p:nvPr>
+        </p:nvSpPr>
+        <p:spPr/>
+        <p:txBody>
+          <a:bodyPr/>
+          <a:lstStyle/>
+          <a:p>
+            <a:r>
+              <a:rPr lang="en-US"/>
+              <a:t>By: Riham Muneer Katout</a:t>
+            </a:r>
+          </a:p>
+        </p:txBody>
+      </p:sp>
+      <p:sp>
+        <p:nvSpPr>
+          <p:cNvPr id="8" name="Slide Number Placeholder 7">
+            <a:extLst>
+              <a:ext uri="{FF2B5EF4-FFF2-40B4-BE49-F238E27FC236}">
+                <a16:creationId xmlns:a16="http://schemas.microsoft.com/office/drawing/2014/main" id="{3112668D-A2B7-9FA9-88BF-4466097559B3}"/>
+              </a:ext>
+            </a:extLst>
+          </p:cNvPr>
+          <p:cNvSpPr>
+            <a:spLocks noGrp="1"/>
+          </p:cNvSpPr>
+          <p:nvPr>
+            <p:ph type="sldNum" sz="quarter" idx="12"/>
+          </p:nvPr>
+        </p:nvSpPr>
+        <p:spPr/>
+        <p:txBody>
+          <a:bodyPr/>
+          <a:lstStyle/>
+          <a:p>
+            <a:fld id="{3C19BDA9-2901-49C8-A8E5-942BE4CA4E52}" type="slidenum">
+              <a:rPr lang="en-US" smtClean="0"/>
+              <a:t>28</a:t>
+            </a:fld>
+            <a:endParaRPr lang="en-US"/>
+          </a:p>
+        </p:txBody>
+      </p:sp>
     </p:spTree>
     <p:extLst>
       <p:ext uri="{BB962C8B-B14F-4D97-AF65-F5344CB8AC3E}">
@@ -8481,6 +10190,63 @@
           </a:p>
         </p:txBody>
       </p:sp>
+      <p:sp>
+        <p:nvSpPr>
+          <p:cNvPr id="8" name="Date Placeholder 7">
+            <a:extLst>
+              <a:ext uri="{FF2B5EF4-FFF2-40B4-BE49-F238E27FC236}">
+                <a16:creationId xmlns:a16="http://schemas.microsoft.com/office/drawing/2014/main" id="{24F7B81F-B530-57EB-39E5-8BCB29E02B1B}"/>
+              </a:ext>
+            </a:extLst>
+          </p:cNvPr>
+          <p:cNvSpPr>
+            <a:spLocks noGrp="1"/>
+          </p:cNvSpPr>
+          <p:nvPr>
+            <p:ph type="dt" sz="half" idx="10"/>
+          </p:nvPr>
+        </p:nvSpPr>
+        <p:spPr/>
+        <p:txBody>
+          <a:bodyPr/>
+          <a:lstStyle/>
+          <a:p>
+            <a:r>
+              <a:rPr lang="en-US"/>
+              <a:t>By: Riham Muneer Katout</a:t>
+            </a:r>
+          </a:p>
+        </p:txBody>
+      </p:sp>
+      <p:sp>
+        <p:nvSpPr>
+          <p:cNvPr id="9" name="Slide Number Placeholder 8">
+            <a:extLst>
+              <a:ext uri="{FF2B5EF4-FFF2-40B4-BE49-F238E27FC236}">
+                <a16:creationId xmlns:a16="http://schemas.microsoft.com/office/drawing/2014/main" id="{625EE6E7-9BB2-A484-BED7-39D08A081987}"/>
+              </a:ext>
+            </a:extLst>
+          </p:cNvPr>
+          <p:cNvSpPr>
+            <a:spLocks noGrp="1"/>
+          </p:cNvSpPr>
+          <p:nvPr>
+            <p:ph type="sldNum" sz="quarter" idx="12"/>
+          </p:nvPr>
+        </p:nvSpPr>
+        <p:spPr/>
+        <p:txBody>
+          <a:bodyPr/>
+          <a:lstStyle/>
+          <a:p>
+            <a:fld id="{3C19BDA9-2901-49C8-A8E5-942BE4CA4E52}" type="slidenum">
+              <a:rPr lang="en-US" smtClean="0"/>
+              <a:t>29</a:t>
+            </a:fld>
+            <a:endParaRPr lang="en-US"/>
+          </a:p>
+        </p:txBody>
+      </p:sp>
     </p:spTree>
     <p:extLst>
       <p:ext uri="{BB962C8B-B14F-4D97-AF65-F5344CB8AC3E}">
@@ -8720,6 +10486,63 @@
           </a:p>
         </p:txBody>
       </p:sp>
+      <p:sp>
+        <p:nvSpPr>
+          <p:cNvPr id="7" name="Date Placeholder 6">
+            <a:extLst>
+              <a:ext uri="{FF2B5EF4-FFF2-40B4-BE49-F238E27FC236}">
+                <a16:creationId xmlns:a16="http://schemas.microsoft.com/office/drawing/2014/main" id="{F6D510D7-01A3-E92F-708B-12458BF3835B}"/>
+              </a:ext>
+            </a:extLst>
+          </p:cNvPr>
+          <p:cNvSpPr>
+            <a:spLocks noGrp="1"/>
+          </p:cNvSpPr>
+          <p:nvPr>
+            <p:ph type="dt" sz="half" idx="10"/>
+          </p:nvPr>
+        </p:nvSpPr>
+        <p:spPr/>
+        <p:txBody>
+          <a:bodyPr/>
+          <a:lstStyle/>
+          <a:p>
+            <a:r>
+              <a:rPr lang="en-US"/>
+              <a:t>By: Riham Muneer Katout</a:t>
+            </a:r>
+          </a:p>
+        </p:txBody>
+      </p:sp>
+      <p:sp>
+        <p:nvSpPr>
+          <p:cNvPr id="8" name="Slide Number Placeholder 7">
+            <a:extLst>
+              <a:ext uri="{FF2B5EF4-FFF2-40B4-BE49-F238E27FC236}">
+                <a16:creationId xmlns:a16="http://schemas.microsoft.com/office/drawing/2014/main" id="{CDAE2ACE-22CC-6BD2-7EAB-B7E910F05BE9}"/>
+              </a:ext>
+            </a:extLst>
+          </p:cNvPr>
+          <p:cNvSpPr>
+            <a:spLocks noGrp="1"/>
+          </p:cNvSpPr>
+          <p:nvPr>
+            <p:ph type="sldNum" sz="quarter" idx="12"/>
+          </p:nvPr>
+        </p:nvSpPr>
+        <p:spPr/>
+        <p:txBody>
+          <a:bodyPr/>
+          <a:lstStyle/>
+          <a:p>
+            <a:fld id="{3C19BDA9-2901-49C8-A8E5-942BE4CA4E52}" type="slidenum">
+              <a:rPr lang="en-US" smtClean="0"/>
+              <a:t>3</a:t>
+            </a:fld>
+            <a:endParaRPr lang="en-US"/>
+          </a:p>
+        </p:txBody>
+      </p:sp>
     </p:spTree>
     <p:extLst>
       <p:ext uri="{BB962C8B-B14F-4D97-AF65-F5344CB8AC3E}">
@@ -8788,6 +10611,63 @@
           </a:p>
         </p:txBody>
       </p:sp>
+      <p:sp>
+        <p:nvSpPr>
+          <p:cNvPr id="7" name="Date Placeholder 6">
+            <a:extLst>
+              <a:ext uri="{FF2B5EF4-FFF2-40B4-BE49-F238E27FC236}">
+                <a16:creationId xmlns:a16="http://schemas.microsoft.com/office/drawing/2014/main" id="{A34A9F96-AA80-9F43-5836-7CA4F92A2551}"/>
+              </a:ext>
+            </a:extLst>
+          </p:cNvPr>
+          <p:cNvSpPr>
+            <a:spLocks noGrp="1"/>
+          </p:cNvSpPr>
+          <p:nvPr>
+            <p:ph type="dt" sz="half" idx="10"/>
+          </p:nvPr>
+        </p:nvSpPr>
+        <p:spPr/>
+        <p:txBody>
+          <a:bodyPr/>
+          <a:lstStyle/>
+          <a:p>
+            <a:r>
+              <a:rPr lang="en-US"/>
+              <a:t>By: Riham Muneer Katout</a:t>
+            </a:r>
+          </a:p>
+        </p:txBody>
+      </p:sp>
+      <p:sp>
+        <p:nvSpPr>
+          <p:cNvPr id="8" name="Slide Number Placeholder 7">
+            <a:extLst>
+              <a:ext uri="{FF2B5EF4-FFF2-40B4-BE49-F238E27FC236}">
+                <a16:creationId xmlns:a16="http://schemas.microsoft.com/office/drawing/2014/main" id="{4933432C-C55D-577B-A676-42FD9CCC8279}"/>
+              </a:ext>
+            </a:extLst>
+          </p:cNvPr>
+          <p:cNvSpPr>
+            <a:spLocks noGrp="1"/>
+          </p:cNvSpPr>
+          <p:nvPr>
+            <p:ph type="sldNum" sz="quarter" idx="12"/>
+          </p:nvPr>
+        </p:nvSpPr>
+        <p:spPr/>
+        <p:txBody>
+          <a:bodyPr/>
+          <a:lstStyle/>
+          <a:p>
+            <a:fld id="{3C19BDA9-2901-49C8-A8E5-942BE4CA4E52}" type="slidenum">
+              <a:rPr lang="en-US" smtClean="0"/>
+              <a:t>30</a:t>
+            </a:fld>
+            <a:endParaRPr lang="en-US"/>
+          </a:p>
+        </p:txBody>
+      </p:sp>
     </p:spTree>
     <p:extLst>
       <p:ext uri="{BB962C8B-B14F-4D97-AF65-F5344CB8AC3E}">
@@ -8907,6 +10787,63 @@
           </a:p>
         </p:txBody>
       </p:sp>
+      <p:sp>
+        <p:nvSpPr>
+          <p:cNvPr id="8" name="Date Placeholder 7">
+            <a:extLst>
+              <a:ext uri="{FF2B5EF4-FFF2-40B4-BE49-F238E27FC236}">
+                <a16:creationId xmlns:a16="http://schemas.microsoft.com/office/drawing/2014/main" id="{03220FD7-7264-3439-95D3-B526FC0291BB}"/>
+              </a:ext>
+            </a:extLst>
+          </p:cNvPr>
+          <p:cNvSpPr>
+            <a:spLocks noGrp="1"/>
+          </p:cNvSpPr>
+          <p:nvPr>
+            <p:ph type="dt" sz="half" idx="10"/>
+          </p:nvPr>
+        </p:nvSpPr>
+        <p:spPr/>
+        <p:txBody>
+          <a:bodyPr/>
+          <a:lstStyle/>
+          <a:p>
+            <a:r>
+              <a:rPr lang="en-US"/>
+              <a:t>By: Riham Muneer Katout</a:t>
+            </a:r>
+          </a:p>
+        </p:txBody>
+      </p:sp>
+      <p:sp>
+        <p:nvSpPr>
+          <p:cNvPr id="9" name="Slide Number Placeholder 8">
+            <a:extLst>
+              <a:ext uri="{FF2B5EF4-FFF2-40B4-BE49-F238E27FC236}">
+                <a16:creationId xmlns:a16="http://schemas.microsoft.com/office/drawing/2014/main" id="{3474FA07-2F17-9A58-008B-9126337F3001}"/>
+              </a:ext>
+            </a:extLst>
+          </p:cNvPr>
+          <p:cNvSpPr>
+            <a:spLocks noGrp="1"/>
+          </p:cNvSpPr>
+          <p:nvPr>
+            <p:ph type="sldNum" sz="quarter" idx="12"/>
+          </p:nvPr>
+        </p:nvSpPr>
+        <p:spPr/>
+        <p:txBody>
+          <a:bodyPr/>
+          <a:lstStyle/>
+          <a:p>
+            <a:fld id="{3C19BDA9-2901-49C8-A8E5-942BE4CA4E52}" type="slidenum">
+              <a:rPr lang="en-US" smtClean="0"/>
+              <a:t>31</a:t>
+            </a:fld>
+            <a:endParaRPr lang="en-US"/>
+          </a:p>
+        </p:txBody>
+      </p:sp>
     </p:spTree>
     <p:extLst>
       <p:ext uri="{BB962C8B-B14F-4D97-AF65-F5344CB8AC3E}">
@@ -8975,6 +10912,63 @@
           </a:p>
         </p:txBody>
       </p:sp>
+      <p:sp>
+        <p:nvSpPr>
+          <p:cNvPr id="7" name="Date Placeholder 6">
+            <a:extLst>
+              <a:ext uri="{FF2B5EF4-FFF2-40B4-BE49-F238E27FC236}">
+                <a16:creationId xmlns:a16="http://schemas.microsoft.com/office/drawing/2014/main" id="{09E5330D-9FE7-F23A-E31F-51C2669870A4}"/>
+              </a:ext>
+            </a:extLst>
+          </p:cNvPr>
+          <p:cNvSpPr>
+            <a:spLocks noGrp="1"/>
+          </p:cNvSpPr>
+          <p:nvPr>
+            <p:ph type="dt" sz="half" idx="10"/>
+          </p:nvPr>
+        </p:nvSpPr>
+        <p:spPr/>
+        <p:txBody>
+          <a:bodyPr/>
+          <a:lstStyle/>
+          <a:p>
+            <a:r>
+              <a:rPr lang="en-US"/>
+              <a:t>By: Riham Muneer Katout</a:t>
+            </a:r>
+          </a:p>
+        </p:txBody>
+      </p:sp>
+      <p:sp>
+        <p:nvSpPr>
+          <p:cNvPr id="8" name="Slide Number Placeholder 7">
+            <a:extLst>
+              <a:ext uri="{FF2B5EF4-FFF2-40B4-BE49-F238E27FC236}">
+                <a16:creationId xmlns:a16="http://schemas.microsoft.com/office/drawing/2014/main" id="{0DEACE45-74C5-6B29-1100-7057EAE79684}"/>
+              </a:ext>
+            </a:extLst>
+          </p:cNvPr>
+          <p:cNvSpPr>
+            <a:spLocks noGrp="1"/>
+          </p:cNvSpPr>
+          <p:nvPr>
+            <p:ph type="sldNum" sz="quarter" idx="12"/>
+          </p:nvPr>
+        </p:nvSpPr>
+        <p:spPr/>
+        <p:txBody>
+          <a:bodyPr/>
+          <a:lstStyle/>
+          <a:p>
+            <a:fld id="{3C19BDA9-2901-49C8-A8E5-942BE4CA4E52}" type="slidenum">
+              <a:rPr lang="en-US" smtClean="0"/>
+              <a:t>32</a:t>
+            </a:fld>
+            <a:endParaRPr lang="en-US"/>
+          </a:p>
+        </p:txBody>
+      </p:sp>
     </p:spTree>
     <p:extLst>
       <p:ext uri="{BB962C8B-B14F-4D97-AF65-F5344CB8AC3E}">
@@ -9094,6 +11088,63 @@
           </a:p>
         </p:txBody>
       </p:sp>
+      <p:sp>
+        <p:nvSpPr>
+          <p:cNvPr id="8" name="Date Placeholder 7">
+            <a:extLst>
+              <a:ext uri="{FF2B5EF4-FFF2-40B4-BE49-F238E27FC236}">
+                <a16:creationId xmlns:a16="http://schemas.microsoft.com/office/drawing/2014/main" id="{8AF8E669-21BC-109D-5E34-B69B51818504}"/>
+              </a:ext>
+            </a:extLst>
+          </p:cNvPr>
+          <p:cNvSpPr>
+            <a:spLocks noGrp="1"/>
+          </p:cNvSpPr>
+          <p:nvPr>
+            <p:ph type="dt" sz="half" idx="10"/>
+          </p:nvPr>
+        </p:nvSpPr>
+        <p:spPr/>
+        <p:txBody>
+          <a:bodyPr/>
+          <a:lstStyle/>
+          <a:p>
+            <a:r>
+              <a:rPr lang="en-US"/>
+              <a:t>By: Riham Muneer Katout</a:t>
+            </a:r>
+          </a:p>
+        </p:txBody>
+      </p:sp>
+      <p:sp>
+        <p:nvSpPr>
+          <p:cNvPr id="9" name="Slide Number Placeholder 8">
+            <a:extLst>
+              <a:ext uri="{FF2B5EF4-FFF2-40B4-BE49-F238E27FC236}">
+                <a16:creationId xmlns:a16="http://schemas.microsoft.com/office/drawing/2014/main" id="{91897853-8B5A-785B-6015-CF9B6370982F}"/>
+              </a:ext>
+            </a:extLst>
+          </p:cNvPr>
+          <p:cNvSpPr>
+            <a:spLocks noGrp="1"/>
+          </p:cNvSpPr>
+          <p:nvPr>
+            <p:ph type="sldNum" sz="quarter" idx="12"/>
+          </p:nvPr>
+        </p:nvSpPr>
+        <p:spPr/>
+        <p:txBody>
+          <a:bodyPr/>
+          <a:lstStyle/>
+          <a:p>
+            <a:fld id="{3C19BDA9-2901-49C8-A8E5-942BE4CA4E52}" type="slidenum">
+              <a:rPr lang="en-US" smtClean="0"/>
+              <a:t>33</a:t>
+            </a:fld>
+            <a:endParaRPr lang="en-US"/>
+          </a:p>
+        </p:txBody>
+      </p:sp>
     </p:spTree>
     <p:extLst>
       <p:ext uri="{BB962C8B-B14F-4D97-AF65-F5344CB8AC3E}">
@@ -9259,6 +11310,63 @@
           </a:p>
         </p:txBody>
       </p:sp>
+      <p:sp>
+        <p:nvSpPr>
+          <p:cNvPr id="9" name="Date Placeholder 8">
+            <a:extLst>
+              <a:ext uri="{FF2B5EF4-FFF2-40B4-BE49-F238E27FC236}">
+                <a16:creationId xmlns:a16="http://schemas.microsoft.com/office/drawing/2014/main" id="{27752527-59D1-92E1-C2AB-DE2BB859E538}"/>
+              </a:ext>
+            </a:extLst>
+          </p:cNvPr>
+          <p:cNvSpPr>
+            <a:spLocks noGrp="1"/>
+          </p:cNvSpPr>
+          <p:nvPr>
+            <p:ph type="dt" sz="half" idx="10"/>
+          </p:nvPr>
+        </p:nvSpPr>
+        <p:spPr/>
+        <p:txBody>
+          <a:bodyPr/>
+          <a:lstStyle/>
+          <a:p>
+            <a:r>
+              <a:rPr lang="en-US"/>
+              <a:t>By: Riham Muneer Katout</a:t>
+            </a:r>
+          </a:p>
+        </p:txBody>
+      </p:sp>
+      <p:sp>
+        <p:nvSpPr>
+          <p:cNvPr id="10" name="Slide Number Placeholder 9">
+            <a:extLst>
+              <a:ext uri="{FF2B5EF4-FFF2-40B4-BE49-F238E27FC236}">
+                <a16:creationId xmlns:a16="http://schemas.microsoft.com/office/drawing/2014/main" id="{E1EB3434-99FC-6E6F-1D87-2A7A3643C335}"/>
+              </a:ext>
+            </a:extLst>
+          </p:cNvPr>
+          <p:cNvSpPr>
+            <a:spLocks noGrp="1"/>
+          </p:cNvSpPr>
+          <p:nvPr>
+            <p:ph type="sldNum" sz="quarter" idx="12"/>
+          </p:nvPr>
+        </p:nvSpPr>
+        <p:spPr/>
+        <p:txBody>
+          <a:bodyPr/>
+          <a:lstStyle/>
+          <a:p>
+            <a:fld id="{3C19BDA9-2901-49C8-A8E5-942BE4CA4E52}" type="slidenum">
+              <a:rPr lang="en-US" smtClean="0"/>
+              <a:t>34</a:t>
+            </a:fld>
+            <a:endParaRPr lang="en-US"/>
+          </a:p>
+        </p:txBody>
+      </p:sp>
     </p:spTree>
     <p:extLst>
       <p:ext uri="{BB962C8B-B14F-4D97-AF65-F5344CB8AC3E}">
@@ -9949,6 +12057,63 @@
           </a:p>
         </p:txBody>
       </p:sp>
+      <p:sp>
+        <p:nvSpPr>
+          <p:cNvPr id="8" name="Date Placeholder 7">
+            <a:extLst>
+              <a:ext uri="{FF2B5EF4-FFF2-40B4-BE49-F238E27FC236}">
+                <a16:creationId xmlns:a16="http://schemas.microsoft.com/office/drawing/2014/main" id="{FB42E4E3-65C6-CC06-21D8-9F5269403F8F}"/>
+              </a:ext>
+            </a:extLst>
+          </p:cNvPr>
+          <p:cNvSpPr>
+            <a:spLocks noGrp="1"/>
+          </p:cNvSpPr>
+          <p:nvPr>
+            <p:ph type="dt" sz="half" idx="10"/>
+          </p:nvPr>
+        </p:nvSpPr>
+        <p:spPr/>
+        <p:txBody>
+          <a:bodyPr/>
+          <a:lstStyle/>
+          <a:p>
+            <a:r>
+              <a:rPr lang="en-US"/>
+              <a:t>By: Riham Muneer Katout</a:t>
+            </a:r>
+          </a:p>
+        </p:txBody>
+      </p:sp>
+      <p:sp>
+        <p:nvSpPr>
+          <p:cNvPr id="9" name="Slide Number Placeholder 8">
+            <a:extLst>
+              <a:ext uri="{FF2B5EF4-FFF2-40B4-BE49-F238E27FC236}">
+                <a16:creationId xmlns:a16="http://schemas.microsoft.com/office/drawing/2014/main" id="{D00FF7EC-29C3-C9CB-61F4-E4716AF9B066}"/>
+              </a:ext>
+            </a:extLst>
+          </p:cNvPr>
+          <p:cNvSpPr>
+            <a:spLocks noGrp="1"/>
+          </p:cNvSpPr>
+          <p:nvPr>
+            <p:ph type="sldNum" sz="quarter" idx="12"/>
+          </p:nvPr>
+        </p:nvSpPr>
+        <p:spPr/>
+        <p:txBody>
+          <a:bodyPr/>
+          <a:lstStyle/>
+          <a:p>
+            <a:fld id="{3C19BDA9-2901-49C8-A8E5-942BE4CA4E52}" type="slidenum">
+              <a:rPr lang="en-US" smtClean="0"/>
+              <a:t>35</a:t>
+            </a:fld>
+            <a:endParaRPr lang="en-US"/>
+          </a:p>
+        </p:txBody>
+      </p:sp>
     </p:spTree>
     <p:extLst>
       <p:ext uri="{BB962C8B-B14F-4D97-AF65-F5344CB8AC3E}">
@@ -10349,6 +12514,63 @@
           </a:p>
         </p:txBody>
       </p:sp>
+      <p:sp>
+        <p:nvSpPr>
+          <p:cNvPr id="8" name="Date Placeholder 7">
+            <a:extLst>
+              <a:ext uri="{FF2B5EF4-FFF2-40B4-BE49-F238E27FC236}">
+                <a16:creationId xmlns:a16="http://schemas.microsoft.com/office/drawing/2014/main" id="{BC4292D6-1CEE-B1E4-0C38-12232ABC14C2}"/>
+              </a:ext>
+            </a:extLst>
+          </p:cNvPr>
+          <p:cNvSpPr>
+            <a:spLocks noGrp="1"/>
+          </p:cNvSpPr>
+          <p:nvPr>
+            <p:ph type="dt" sz="half" idx="10"/>
+          </p:nvPr>
+        </p:nvSpPr>
+        <p:spPr/>
+        <p:txBody>
+          <a:bodyPr/>
+          <a:lstStyle/>
+          <a:p>
+            <a:r>
+              <a:rPr lang="en-US"/>
+              <a:t>By: Riham Muneer Katout</a:t>
+            </a:r>
+          </a:p>
+        </p:txBody>
+      </p:sp>
+      <p:sp>
+        <p:nvSpPr>
+          <p:cNvPr id="9" name="Slide Number Placeholder 8">
+            <a:extLst>
+              <a:ext uri="{FF2B5EF4-FFF2-40B4-BE49-F238E27FC236}">
+                <a16:creationId xmlns:a16="http://schemas.microsoft.com/office/drawing/2014/main" id="{DD40264B-401F-9788-0953-3627AC5E5E9B}"/>
+              </a:ext>
+            </a:extLst>
+          </p:cNvPr>
+          <p:cNvSpPr>
+            <a:spLocks noGrp="1"/>
+          </p:cNvSpPr>
+          <p:nvPr>
+            <p:ph type="sldNum" sz="quarter" idx="12"/>
+          </p:nvPr>
+        </p:nvSpPr>
+        <p:spPr/>
+        <p:txBody>
+          <a:bodyPr/>
+          <a:lstStyle/>
+          <a:p>
+            <a:fld id="{3C19BDA9-2901-49C8-A8E5-942BE4CA4E52}" type="slidenum">
+              <a:rPr lang="en-US" smtClean="0"/>
+              <a:t>4</a:t>
+            </a:fld>
+            <a:endParaRPr lang="en-US"/>
+          </a:p>
+        </p:txBody>
+      </p:sp>
     </p:spTree>
     <p:extLst>
       <p:ext uri="{BB962C8B-B14F-4D97-AF65-F5344CB8AC3E}">
@@ -10546,6 +12768,63 @@
           </a:p>
         </p:txBody>
       </p:sp>
+      <p:sp>
+        <p:nvSpPr>
+          <p:cNvPr id="8" name="Date Placeholder 7">
+            <a:extLst>
+              <a:ext uri="{FF2B5EF4-FFF2-40B4-BE49-F238E27FC236}">
+                <a16:creationId xmlns:a16="http://schemas.microsoft.com/office/drawing/2014/main" id="{2EEBCD87-206F-0655-FF71-3FBF9CD0750E}"/>
+              </a:ext>
+            </a:extLst>
+          </p:cNvPr>
+          <p:cNvSpPr>
+            <a:spLocks noGrp="1"/>
+          </p:cNvSpPr>
+          <p:nvPr>
+            <p:ph type="dt" sz="half" idx="10"/>
+          </p:nvPr>
+        </p:nvSpPr>
+        <p:spPr/>
+        <p:txBody>
+          <a:bodyPr/>
+          <a:lstStyle/>
+          <a:p>
+            <a:r>
+              <a:rPr lang="en-US"/>
+              <a:t>By: Riham Muneer Katout</a:t>
+            </a:r>
+          </a:p>
+        </p:txBody>
+      </p:sp>
+      <p:sp>
+        <p:nvSpPr>
+          <p:cNvPr id="9" name="Slide Number Placeholder 8">
+            <a:extLst>
+              <a:ext uri="{FF2B5EF4-FFF2-40B4-BE49-F238E27FC236}">
+                <a16:creationId xmlns:a16="http://schemas.microsoft.com/office/drawing/2014/main" id="{3D893D0D-6C02-E745-7333-4025F508C537}"/>
+              </a:ext>
+            </a:extLst>
+          </p:cNvPr>
+          <p:cNvSpPr>
+            <a:spLocks noGrp="1"/>
+          </p:cNvSpPr>
+          <p:nvPr>
+            <p:ph type="sldNum" sz="quarter" idx="12"/>
+          </p:nvPr>
+        </p:nvSpPr>
+        <p:spPr/>
+        <p:txBody>
+          <a:bodyPr/>
+          <a:lstStyle/>
+          <a:p>
+            <a:fld id="{3C19BDA9-2901-49C8-A8E5-942BE4CA4E52}" type="slidenum">
+              <a:rPr lang="en-US" smtClean="0"/>
+              <a:t>5</a:t>
+            </a:fld>
+            <a:endParaRPr lang="en-US"/>
+          </a:p>
+        </p:txBody>
+      </p:sp>
     </p:spTree>
     <p:extLst>
       <p:ext uri="{BB962C8B-B14F-4D97-AF65-F5344CB8AC3E}">
@@ -10732,6 +13011,63 @@
           </a:p>
         </p:txBody>
       </p:sp>
+      <p:sp>
+        <p:nvSpPr>
+          <p:cNvPr id="8" name="Date Placeholder 7">
+            <a:extLst>
+              <a:ext uri="{FF2B5EF4-FFF2-40B4-BE49-F238E27FC236}">
+                <a16:creationId xmlns:a16="http://schemas.microsoft.com/office/drawing/2014/main" id="{B1691E15-4064-2EA3-DB72-CA333CA47D42}"/>
+              </a:ext>
+            </a:extLst>
+          </p:cNvPr>
+          <p:cNvSpPr>
+            <a:spLocks noGrp="1"/>
+          </p:cNvSpPr>
+          <p:nvPr>
+            <p:ph type="dt" sz="half" idx="10"/>
+          </p:nvPr>
+        </p:nvSpPr>
+        <p:spPr/>
+        <p:txBody>
+          <a:bodyPr/>
+          <a:lstStyle/>
+          <a:p>
+            <a:r>
+              <a:rPr lang="en-US"/>
+              <a:t>By: Riham Muneer Katout</a:t>
+            </a:r>
+          </a:p>
+        </p:txBody>
+      </p:sp>
+      <p:sp>
+        <p:nvSpPr>
+          <p:cNvPr id="9" name="Slide Number Placeholder 8">
+            <a:extLst>
+              <a:ext uri="{FF2B5EF4-FFF2-40B4-BE49-F238E27FC236}">
+                <a16:creationId xmlns:a16="http://schemas.microsoft.com/office/drawing/2014/main" id="{91CDBFB9-7C33-8CDC-D81B-162AC0C73AB9}"/>
+              </a:ext>
+            </a:extLst>
+          </p:cNvPr>
+          <p:cNvSpPr>
+            <a:spLocks noGrp="1"/>
+          </p:cNvSpPr>
+          <p:nvPr>
+            <p:ph type="sldNum" sz="quarter" idx="12"/>
+          </p:nvPr>
+        </p:nvSpPr>
+        <p:spPr/>
+        <p:txBody>
+          <a:bodyPr/>
+          <a:lstStyle/>
+          <a:p>
+            <a:fld id="{3C19BDA9-2901-49C8-A8E5-942BE4CA4E52}" type="slidenum">
+              <a:rPr lang="en-US" smtClean="0"/>
+              <a:t>6</a:t>
+            </a:fld>
+            <a:endParaRPr lang="en-US"/>
+          </a:p>
+        </p:txBody>
+      </p:sp>
     </p:spTree>
     <p:extLst>
       <p:ext uri="{BB962C8B-B14F-4D97-AF65-F5344CB8AC3E}">
@@ -10800,6 +13136,63 @@
           </a:p>
         </p:txBody>
       </p:sp>
+      <p:sp>
+        <p:nvSpPr>
+          <p:cNvPr id="7" name="Date Placeholder 6">
+            <a:extLst>
+              <a:ext uri="{FF2B5EF4-FFF2-40B4-BE49-F238E27FC236}">
+                <a16:creationId xmlns:a16="http://schemas.microsoft.com/office/drawing/2014/main" id="{0966BDD5-4D2E-6317-20A1-E8D9C3ED2B2C}"/>
+              </a:ext>
+            </a:extLst>
+          </p:cNvPr>
+          <p:cNvSpPr>
+            <a:spLocks noGrp="1"/>
+          </p:cNvSpPr>
+          <p:nvPr>
+            <p:ph type="dt" sz="half" idx="10"/>
+          </p:nvPr>
+        </p:nvSpPr>
+        <p:spPr/>
+        <p:txBody>
+          <a:bodyPr/>
+          <a:lstStyle/>
+          <a:p>
+            <a:r>
+              <a:rPr lang="en-US"/>
+              <a:t>By: Riham Muneer Katout</a:t>
+            </a:r>
+          </a:p>
+        </p:txBody>
+      </p:sp>
+      <p:sp>
+        <p:nvSpPr>
+          <p:cNvPr id="8" name="Slide Number Placeholder 7">
+            <a:extLst>
+              <a:ext uri="{FF2B5EF4-FFF2-40B4-BE49-F238E27FC236}">
+                <a16:creationId xmlns:a16="http://schemas.microsoft.com/office/drawing/2014/main" id="{37F9DE97-CA48-9089-41BF-216F2A94D4C6}"/>
+              </a:ext>
+            </a:extLst>
+          </p:cNvPr>
+          <p:cNvSpPr>
+            <a:spLocks noGrp="1"/>
+          </p:cNvSpPr>
+          <p:nvPr>
+            <p:ph type="sldNum" sz="quarter" idx="12"/>
+          </p:nvPr>
+        </p:nvSpPr>
+        <p:spPr/>
+        <p:txBody>
+          <a:bodyPr/>
+          <a:lstStyle/>
+          <a:p>
+            <a:fld id="{3C19BDA9-2901-49C8-A8E5-942BE4CA4E52}" type="slidenum">
+              <a:rPr lang="en-US" smtClean="0"/>
+              <a:t>7</a:t>
+            </a:fld>
+            <a:endParaRPr lang="en-US"/>
+          </a:p>
+        </p:txBody>
+      </p:sp>
     </p:spTree>
     <p:extLst>
       <p:ext uri="{BB962C8B-B14F-4D97-AF65-F5344CB8AC3E}">
@@ -11076,6 +13469,63 @@
               <a:latin typeface="Cambria" panose="02040503050406030204" pitchFamily="18" charset="0"/>
               <a:ea typeface="Cambria" panose="02040503050406030204" pitchFamily="18" charset="0"/>
             </a:endParaRPr>
+          </a:p>
+        </p:txBody>
+      </p:sp>
+      <p:sp>
+        <p:nvSpPr>
+          <p:cNvPr id="8" name="Date Placeholder 7">
+            <a:extLst>
+              <a:ext uri="{FF2B5EF4-FFF2-40B4-BE49-F238E27FC236}">
+                <a16:creationId xmlns:a16="http://schemas.microsoft.com/office/drawing/2014/main" id="{7FCFD034-C08F-82E2-729B-3B1EBBBD09C0}"/>
+              </a:ext>
+            </a:extLst>
+          </p:cNvPr>
+          <p:cNvSpPr>
+            <a:spLocks noGrp="1"/>
+          </p:cNvSpPr>
+          <p:nvPr>
+            <p:ph type="dt" sz="half" idx="10"/>
+          </p:nvPr>
+        </p:nvSpPr>
+        <p:spPr/>
+        <p:txBody>
+          <a:bodyPr/>
+          <a:lstStyle/>
+          <a:p>
+            <a:r>
+              <a:rPr lang="en-US"/>
+              <a:t>By: Riham Muneer Katout</a:t>
+            </a:r>
+          </a:p>
+        </p:txBody>
+      </p:sp>
+      <p:sp>
+        <p:nvSpPr>
+          <p:cNvPr id="9" name="Slide Number Placeholder 8">
+            <a:extLst>
+              <a:ext uri="{FF2B5EF4-FFF2-40B4-BE49-F238E27FC236}">
+                <a16:creationId xmlns:a16="http://schemas.microsoft.com/office/drawing/2014/main" id="{74DBCA45-C548-037B-4EFD-D818A6685FE7}"/>
+              </a:ext>
+            </a:extLst>
+          </p:cNvPr>
+          <p:cNvSpPr>
+            <a:spLocks noGrp="1"/>
+          </p:cNvSpPr>
+          <p:nvPr>
+            <p:ph type="sldNum" sz="quarter" idx="12"/>
+          </p:nvPr>
+        </p:nvSpPr>
+        <p:spPr/>
+        <p:txBody>
+          <a:bodyPr/>
+          <a:lstStyle/>
+          <a:p>
+            <a:fld id="{3C19BDA9-2901-49C8-A8E5-942BE4CA4E52}" type="slidenum">
+              <a:rPr lang="en-US" smtClean="0"/>
+              <a:t>8</a:t>
+            </a:fld>
+            <a:endParaRPr lang="en-US"/>
           </a:p>
         </p:txBody>
       </p:sp>
@@ -11381,6 +13831,63 @@
           </p:txBody>
         </p:sp>
       </p:grpSp>
+      <p:sp>
+        <p:nvSpPr>
+          <p:cNvPr id="8" name="Date Placeholder 7">
+            <a:extLst>
+              <a:ext uri="{FF2B5EF4-FFF2-40B4-BE49-F238E27FC236}">
+                <a16:creationId xmlns:a16="http://schemas.microsoft.com/office/drawing/2014/main" id="{24173DC5-2CC7-8ADA-1A1D-C003AAE04462}"/>
+              </a:ext>
+            </a:extLst>
+          </p:cNvPr>
+          <p:cNvSpPr>
+            <a:spLocks noGrp="1"/>
+          </p:cNvSpPr>
+          <p:nvPr>
+            <p:ph type="dt" sz="half" idx="10"/>
+          </p:nvPr>
+        </p:nvSpPr>
+        <p:spPr/>
+        <p:txBody>
+          <a:bodyPr/>
+          <a:lstStyle/>
+          <a:p>
+            <a:r>
+              <a:rPr lang="en-US"/>
+              <a:t>By: Riham Muneer Katout</a:t>
+            </a:r>
+          </a:p>
+        </p:txBody>
+      </p:sp>
+      <p:sp>
+        <p:nvSpPr>
+          <p:cNvPr id="9" name="Slide Number Placeholder 8">
+            <a:extLst>
+              <a:ext uri="{FF2B5EF4-FFF2-40B4-BE49-F238E27FC236}">
+                <a16:creationId xmlns:a16="http://schemas.microsoft.com/office/drawing/2014/main" id="{0C7B3A15-B4A9-EC62-0476-E4E6B1692B14}"/>
+              </a:ext>
+            </a:extLst>
+          </p:cNvPr>
+          <p:cNvSpPr>
+            <a:spLocks noGrp="1"/>
+          </p:cNvSpPr>
+          <p:nvPr>
+            <p:ph type="sldNum" sz="quarter" idx="12"/>
+          </p:nvPr>
+        </p:nvSpPr>
+        <p:spPr/>
+        <p:txBody>
+          <a:bodyPr/>
+          <a:lstStyle/>
+          <a:p>
+            <a:fld id="{3C19BDA9-2901-49C8-A8E5-942BE4CA4E52}" type="slidenum">
+              <a:rPr lang="en-US" smtClean="0"/>
+              <a:t>9</a:t>
+            </a:fld>
+            <a:endParaRPr lang="en-US"/>
+          </a:p>
+        </p:txBody>
+      </p:sp>
     </p:spTree>
     <p:extLst>
       <p:ext uri="{BB962C8B-B14F-4D97-AF65-F5344CB8AC3E}">
@@ -11687,4 +14194,594 @@
     </a:ext>
   </a:extLst>
 </a:theme>
+</file>
+
+<file path=ppt/theme/theme2.xml><?xml version="1.0" encoding="utf-8"?>
+<a:theme xmlns:a="http://schemas.openxmlformats.org/drawingml/2006/main" name="Office Theme">
+  <a:themeElements>
+    <a:clrScheme name="Office">
+      <a:dk1>
+        <a:sysClr val="windowText" lastClr="000000"/>
+      </a:dk1>
+      <a:lt1>
+        <a:sysClr val="window" lastClr="FFFFFF"/>
+      </a:lt1>
+      <a:dk2>
+        <a:srgbClr val="44546A"/>
+      </a:dk2>
+      <a:lt2>
+        <a:srgbClr val="E7E6E6"/>
+      </a:lt2>
+      <a:accent1>
+        <a:srgbClr val="4472C4"/>
+      </a:accent1>
+      <a:accent2>
+        <a:srgbClr val="ED7D31"/>
+      </a:accent2>
+      <a:accent3>
+        <a:srgbClr val="A5A5A5"/>
+      </a:accent3>
+      <a:accent4>
+        <a:srgbClr val="FFC000"/>
+      </a:accent4>
+      <a:accent5>
+        <a:srgbClr val="5B9BD5"/>
+      </a:accent5>
+      <a:accent6>
+        <a:srgbClr val="70AD47"/>
+      </a:accent6>
+      <a:hlink>
+        <a:srgbClr val="0563C1"/>
+      </a:hlink>
+      <a:folHlink>
+        <a:srgbClr val="954F72"/>
+      </a:folHlink>
+    </a:clrScheme>
+    <a:fontScheme name="Office">
+      <a:majorFont>
+        <a:latin typeface="Calibri Light" panose="020F0302020204030204"/>
+        <a:ea typeface=""/>
+        <a:cs typeface=""/>
+        <a:font script="Jpan" typeface="游ゴシック Light"/>
+        <a:font script="Hang" typeface="맑은 고딕"/>
+        <a:font script="Hans" typeface="等线 Light"/>
+        <a:font script="Hant" typeface="新細明體"/>
+        <a:font script="Arab" typeface="Times New Roman"/>
+        <a:font script="Hebr" typeface="Times New Roman"/>
+        <a:font script="Thai" typeface="Angsana New"/>
+        <a:font script="Ethi" typeface="Nyala"/>
+        <a:font script="Beng" typeface="Vrinda"/>
+        <a:font script="Gujr" typeface="Shruti"/>
+        <a:font script="Khmr" typeface="MoolBoran"/>
+        <a:font script="Knda" typeface="Tunga"/>
+        <a:font script="Guru" typeface="Raavi"/>
+        <a:font script="Cans" typeface="Euphemia"/>
+        <a:font script="Cher" typeface="Plantagenet Cherokee"/>
+        <a:font script="Yiii" typeface="Microsoft Yi Baiti"/>
+        <a:font script="Tibt" typeface="Microsoft Himalaya"/>
+        <a:font script="Thaa" typeface="MV Boli"/>
+        <a:font script="Deva" typeface="Mangal"/>
+        <a:font script="Telu" typeface="Gautami"/>
+        <a:font script="Taml" typeface="Latha"/>
+        <a:font script="Syrc" typeface="Estrangelo Edessa"/>
+        <a:font script="Orya" typeface="Kalinga"/>
+        <a:font script="Mlym" typeface="Kartika"/>
+        <a:font script="Laoo" typeface="DokChampa"/>
+        <a:font script="Sinh" typeface="Iskoola Pota"/>
+        <a:font script="Mong" typeface="Mongolian Baiti"/>
+        <a:font script="Viet" typeface="Times New Roman"/>
+        <a:font script="Uigh" typeface="Microsoft Uighur"/>
+        <a:font script="Geor" typeface="Sylfaen"/>
+        <a:font script="Armn" typeface="Arial"/>
+        <a:font script="Bugi" typeface="Leelawadee UI"/>
+        <a:font script="Bopo" typeface="Microsoft JhengHei"/>
+        <a:font script="Java" typeface="Javanese Text"/>
+        <a:font script="Lisu" typeface="Segoe UI"/>
+        <a:font script="Mymr" typeface="Myanmar Text"/>
+        <a:font script="Nkoo" typeface="Ebrima"/>
+        <a:font script="Olck" typeface="Nirmala UI"/>
+        <a:font script="Osma" typeface="Ebrima"/>
+        <a:font script="Phag" typeface="Phagspa"/>
+        <a:font script="Syrn" typeface="Estrangelo Edessa"/>
+        <a:font script="Syrj" typeface="Estrangelo Edessa"/>
+        <a:font script="Syre" typeface="Estrangelo Edessa"/>
+        <a:font script="Sora" typeface="Nirmala UI"/>
+        <a:font script="Tale" typeface="Microsoft Tai Le"/>
+        <a:font script="Talu" typeface="Microsoft New Tai Lue"/>
+        <a:font script="Tfng" typeface="Ebrima"/>
+      </a:majorFont>
+      <a:minorFont>
+        <a:latin typeface="Calibri" panose="020F0502020204030204"/>
+        <a:ea typeface=""/>
+        <a:cs typeface=""/>
+        <a:font script="Jpan" typeface="游ゴシック"/>
+        <a:font script="Hang" typeface="맑은 고딕"/>
+        <a:font script="Hans" typeface="等线"/>
+        <a:font script="Hant" typeface="新細明體"/>
+        <a:font script="Arab" typeface="Arial"/>
+        <a:font script="Hebr" typeface="Arial"/>
+        <a:font script="Thai" typeface="Cordia New"/>
+        <a:font script="Ethi" typeface="Nyala"/>
+        <a:font script="Beng" typeface="Vrinda"/>
+        <a:font script="Gujr" typeface="Shruti"/>
+        <a:font script="Khmr" typeface="DaunPenh"/>
+        <a:font script="Knda" typeface="Tunga"/>
+        <a:font script="Guru" typeface="Raavi"/>
+        <a:font script="Cans" typeface="Euphemia"/>
+        <a:font script="Cher" typeface="Plantagenet Cherokee"/>
+        <a:font script="Yiii" typeface="Microsoft Yi Baiti"/>
+        <a:font script="Tibt" typeface="Microsoft Himalaya"/>
+        <a:font script="Thaa" typeface="MV Boli"/>
+        <a:font script="Deva" typeface="Mangal"/>
+        <a:font script="Telu" typeface="Gautami"/>
+        <a:font script="Taml" typeface="Latha"/>
+        <a:font script="Syrc" typeface="Estrangelo Edessa"/>
+        <a:font script="Orya" typeface="Kalinga"/>
+        <a:font script="Mlym" typeface="Kartika"/>
+        <a:font script="Laoo" typeface="DokChampa"/>
+        <a:font script="Sinh" typeface="Iskoola Pota"/>
+        <a:font script="Mong" typeface="Mongolian Baiti"/>
+        <a:font script="Viet" typeface="Arial"/>
+        <a:font script="Uigh" typeface="Microsoft Uighur"/>
+        <a:font script="Geor" typeface="Sylfaen"/>
+        <a:font script="Armn" typeface="Arial"/>
+        <a:font script="Bugi" typeface="Leelawadee UI"/>
+        <a:font script="Bopo" typeface="Microsoft JhengHei"/>
+        <a:font script="Java" typeface="Javanese Text"/>
+        <a:font script="Lisu" typeface="Segoe UI"/>
+        <a:font script="Mymr" typeface="Myanmar Text"/>
+        <a:font script="Nkoo" typeface="Ebrima"/>
+        <a:font script="Olck" typeface="Nirmala UI"/>
+        <a:font script="Osma" typeface="Ebrima"/>
+        <a:font script="Phag" typeface="Phagspa"/>
+        <a:font script="Syrn" typeface="Estrangelo Edessa"/>
+        <a:font script="Syrj" typeface="Estrangelo Edessa"/>
+        <a:font script="Syre" typeface="Estrangelo Edessa"/>
+        <a:font script="Sora" typeface="Nirmala UI"/>
+        <a:font script="Tale" typeface="Microsoft Tai Le"/>
+        <a:font script="Talu" typeface="Microsoft New Tai Lue"/>
+        <a:font script="Tfng" typeface="Ebrima"/>
+      </a:minorFont>
+    </a:fontScheme>
+    <a:fmtScheme name="Office">
+      <a:fillStyleLst>
+        <a:solidFill>
+          <a:schemeClr val="phClr"/>
+        </a:solidFill>
+        <a:gradFill rotWithShape="1">
+          <a:gsLst>
+            <a:gs pos="0">
+              <a:schemeClr val="phClr">
+                <a:lumMod val="110000"/>
+                <a:satMod val="105000"/>
+                <a:tint val="67000"/>
+              </a:schemeClr>
+            </a:gs>
+            <a:gs pos="50000">
+              <a:schemeClr val="phClr">
+                <a:lumMod val="105000"/>
+                <a:satMod val="103000"/>
+                <a:tint val="73000"/>
+              </a:schemeClr>
+            </a:gs>
+            <a:gs pos="100000">
+              <a:schemeClr val="phClr">
+                <a:lumMod val="105000"/>
+                <a:satMod val="109000"/>
+                <a:tint val="81000"/>
+              </a:schemeClr>
+            </a:gs>
+          </a:gsLst>
+          <a:lin ang="5400000" scaled="0"/>
+        </a:gradFill>
+        <a:gradFill rotWithShape="1">
+          <a:gsLst>
+            <a:gs pos="0">
+              <a:schemeClr val="phClr">
+                <a:satMod val="103000"/>
+                <a:lumMod val="102000"/>
+                <a:tint val="94000"/>
+              </a:schemeClr>
+            </a:gs>
+            <a:gs pos="50000">
+              <a:schemeClr val="phClr">
+                <a:satMod val="110000"/>
+                <a:lumMod val="100000"/>
+                <a:shade val="100000"/>
+              </a:schemeClr>
+            </a:gs>
+            <a:gs pos="100000">
+              <a:schemeClr val="phClr">
+                <a:lumMod val="99000"/>
+                <a:satMod val="120000"/>
+                <a:shade val="78000"/>
+              </a:schemeClr>
+            </a:gs>
+          </a:gsLst>
+          <a:lin ang="5400000" scaled="0"/>
+        </a:gradFill>
+      </a:fillStyleLst>
+      <a:lnStyleLst>
+        <a:ln w="6350" cap="flat" cmpd="sng" algn="ctr">
+          <a:solidFill>
+            <a:schemeClr val="phClr"/>
+          </a:solidFill>
+          <a:prstDash val="solid"/>
+          <a:miter lim="800000"/>
+        </a:ln>
+        <a:ln w="12700" cap="flat" cmpd="sng" algn="ctr">
+          <a:solidFill>
+            <a:schemeClr val="phClr"/>
+          </a:solidFill>
+          <a:prstDash val="solid"/>
+          <a:miter lim="800000"/>
+        </a:ln>
+        <a:ln w="19050" cap="flat" cmpd="sng" algn="ctr">
+          <a:solidFill>
+            <a:schemeClr val="phClr"/>
+          </a:solidFill>
+          <a:prstDash val="solid"/>
+          <a:miter lim="800000"/>
+        </a:ln>
+      </a:lnStyleLst>
+      <a:effectStyleLst>
+        <a:effectStyle>
+          <a:effectLst/>
+        </a:effectStyle>
+        <a:effectStyle>
+          <a:effectLst/>
+        </a:effectStyle>
+        <a:effectStyle>
+          <a:effectLst>
+            <a:outerShdw blurRad="57150" dist="19050" dir="5400000" algn="ctr" rotWithShape="0">
+              <a:srgbClr val="000000">
+                <a:alpha val="63000"/>
+              </a:srgbClr>
+            </a:outerShdw>
+          </a:effectLst>
+        </a:effectStyle>
+      </a:effectStyleLst>
+      <a:bgFillStyleLst>
+        <a:solidFill>
+          <a:schemeClr val="phClr"/>
+        </a:solidFill>
+        <a:solidFill>
+          <a:schemeClr val="phClr">
+            <a:tint val="95000"/>
+            <a:satMod val="170000"/>
+          </a:schemeClr>
+        </a:solidFill>
+        <a:gradFill rotWithShape="1">
+          <a:gsLst>
+            <a:gs pos="0">
+              <a:schemeClr val="phClr">
+                <a:tint val="93000"/>
+                <a:satMod val="150000"/>
+                <a:shade val="98000"/>
+                <a:lumMod val="102000"/>
+              </a:schemeClr>
+            </a:gs>
+            <a:gs pos="50000">
+              <a:schemeClr val="phClr">
+                <a:tint val="98000"/>
+                <a:satMod val="130000"/>
+                <a:shade val="90000"/>
+                <a:lumMod val="103000"/>
+              </a:schemeClr>
+            </a:gs>
+            <a:gs pos="100000">
+              <a:schemeClr val="phClr">
+                <a:shade val="63000"/>
+                <a:satMod val="120000"/>
+              </a:schemeClr>
+            </a:gs>
+          </a:gsLst>
+          <a:lin ang="5400000" scaled="0"/>
+        </a:gradFill>
+      </a:bgFillStyleLst>
+    </a:fmtScheme>
+  </a:themeElements>
+  <a:objectDefaults/>
+  <a:extraClrSchemeLst/>
+  <a:extLst>
+    <a:ext uri="{05A4C25C-085E-4340-85A3-A5531E510DB2}">
+      <thm15:themeFamily xmlns:thm15="http://schemas.microsoft.com/office/thememl/2012/main" name="Office Theme" id="{62F939B6-93AF-4DB8-9C6B-D6C7DFDC589F}" vid="{4A3C46E8-61CC-4603-A589-7422A47A8E4A}"/>
+    </a:ext>
+  </a:extLst>
+</a:theme>
+</file>
+
+<file path=ppt/theme/theme3.xml><?xml version="1.0" encoding="utf-8"?>
+<a:theme xmlns:a="http://schemas.openxmlformats.org/drawingml/2006/main" name="Office Theme">
+  <a:themeElements>
+    <a:clrScheme name="Office">
+      <a:dk1>
+        <a:sysClr val="windowText" lastClr="000000"/>
+      </a:dk1>
+      <a:lt1>
+        <a:sysClr val="window" lastClr="FFFFFF"/>
+      </a:lt1>
+      <a:dk2>
+        <a:srgbClr val="44546A"/>
+      </a:dk2>
+      <a:lt2>
+        <a:srgbClr val="E7E6E6"/>
+      </a:lt2>
+      <a:accent1>
+        <a:srgbClr val="4472C4"/>
+      </a:accent1>
+      <a:accent2>
+        <a:srgbClr val="ED7D31"/>
+      </a:accent2>
+      <a:accent3>
+        <a:srgbClr val="A5A5A5"/>
+      </a:accent3>
+      <a:accent4>
+        <a:srgbClr val="FFC000"/>
+      </a:accent4>
+      <a:accent5>
+        <a:srgbClr val="5B9BD5"/>
+      </a:accent5>
+      <a:accent6>
+        <a:srgbClr val="70AD47"/>
+      </a:accent6>
+      <a:hlink>
+        <a:srgbClr val="0563C1"/>
+      </a:hlink>
+      <a:folHlink>
+        <a:srgbClr val="954F72"/>
+      </a:folHlink>
+    </a:clrScheme>
+    <a:fontScheme name="Office">
+      <a:majorFont>
+        <a:latin typeface="Calibri Light" panose="020F0302020204030204"/>
+        <a:ea typeface=""/>
+        <a:cs typeface=""/>
+        <a:font script="Jpan" typeface="游ゴシック Light"/>
+        <a:font script="Hang" typeface="맑은 고딕"/>
+        <a:font script="Hans" typeface="等线 Light"/>
+        <a:font script="Hant" typeface="新細明體"/>
+        <a:font script="Arab" typeface="Times New Roman"/>
+        <a:font script="Hebr" typeface="Times New Roman"/>
+        <a:font script="Thai" typeface="Angsana New"/>
+        <a:font script="Ethi" typeface="Nyala"/>
+        <a:font script="Beng" typeface="Vrinda"/>
+        <a:font script="Gujr" typeface="Shruti"/>
+        <a:font script="Khmr" typeface="MoolBoran"/>
+        <a:font script="Knda" typeface="Tunga"/>
+        <a:font script="Guru" typeface="Raavi"/>
+        <a:font script="Cans" typeface="Euphemia"/>
+        <a:font script="Cher" typeface="Plantagenet Cherokee"/>
+        <a:font script="Yiii" typeface="Microsoft Yi Baiti"/>
+        <a:font script="Tibt" typeface="Microsoft Himalaya"/>
+        <a:font script="Thaa" typeface="MV Boli"/>
+        <a:font script="Deva" typeface="Mangal"/>
+        <a:font script="Telu" typeface="Gautami"/>
+        <a:font script="Taml" typeface="Latha"/>
+        <a:font script="Syrc" typeface="Estrangelo Edessa"/>
+        <a:font script="Orya" typeface="Kalinga"/>
+        <a:font script="Mlym" typeface="Kartika"/>
+        <a:font script="Laoo" typeface="DokChampa"/>
+        <a:font script="Sinh" typeface="Iskoola Pota"/>
+        <a:font script="Mong" typeface="Mongolian Baiti"/>
+        <a:font script="Viet" typeface="Times New Roman"/>
+        <a:font script="Uigh" typeface="Microsoft Uighur"/>
+        <a:font script="Geor" typeface="Sylfaen"/>
+        <a:font script="Armn" typeface="Arial"/>
+        <a:font script="Bugi" typeface="Leelawadee UI"/>
+        <a:font script="Bopo" typeface="Microsoft JhengHei"/>
+        <a:font script="Java" typeface="Javanese Text"/>
+        <a:font script="Lisu" typeface="Segoe UI"/>
+        <a:font script="Mymr" typeface="Myanmar Text"/>
+        <a:font script="Nkoo" typeface="Ebrima"/>
+        <a:font script="Olck" typeface="Nirmala UI"/>
+        <a:font script="Osma" typeface="Ebrima"/>
+        <a:font script="Phag" typeface="Phagspa"/>
+        <a:font script="Syrn" typeface="Estrangelo Edessa"/>
+        <a:font script="Syrj" typeface="Estrangelo Edessa"/>
+        <a:font script="Syre" typeface="Estrangelo Edessa"/>
+        <a:font script="Sora" typeface="Nirmala UI"/>
+        <a:font script="Tale" typeface="Microsoft Tai Le"/>
+        <a:font script="Talu" typeface="Microsoft New Tai Lue"/>
+        <a:font script="Tfng" typeface="Ebrima"/>
+      </a:majorFont>
+      <a:minorFont>
+        <a:latin typeface="Calibri" panose="020F0502020204030204"/>
+        <a:ea typeface=""/>
+        <a:cs typeface=""/>
+        <a:font script="Jpan" typeface="游ゴシック"/>
+        <a:font script="Hang" typeface="맑은 고딕"/>
+        <a:font script="Hans" typeface="等线"/>
+        <a:font script="Hant" typeface="新細明體"/>
+        <a:font script="Arab" typeface="Arial"/>
+        <a:font script="Hebr" typeface="Arial"/>
+        <a:font script="Thai" typeface="Cordia New"/>
+        <a:font script="Ethi" typeface="Nyala"/>
+        <a:font script="Beng" typeface="Vrinda"/>
+        <a:font script="Gujr" typeface="Shruti"/>
+        <a:font script="Khmr" typeface="DaunPenh"/>
+        <a:font script="Knda" typeface="Tunga"/>
+        <a:font script="Guru" typeface="Raavi"/>
+        <a:font script="Cans" typeface="Euphemia"/>
+        <a:font script="Cher" typeface="Plantagenet Cherokee"/>
+        <a:font script="Yiii" typeface="Microsoft Yi Baiti"/>
+        <a:font script="Tibt" typeface="Microsoft Himalaya"/>
+        <a:font script="Thaa" typeface="MV Boli"/>
+        <a:font script="Deva" typeface="Mangal"/>
+        <a:font script="Telu" typeface="Gautami"/>
+        <a:font script="Taml" typeface="Latha"/>
+        <a:font script="Syrc" typeface="Estrangelo Edessa"/>
+        <a:font script="Orya" typeface="Kalinga"/>
+        <a:font script="Mlym" typeface="Kartika"/>
+        <a:font script="Laoo" typeface="DokChampa"/>
+        <a:font script="Sinh" typeface="Iskoola Pota"/>
+        <a:font script="Mong" typeface="Mongolian Baiti"/>
+        <a:font script="Viet" typeface="Arial"/>
+        <a:font script="Uigh" typeface="Microsoft Uighur"/>
+        <a:font script="Geor" typeface="Sylfaen"/>
+        <a:font script="Armn" typeface="Arial"/>
+        <a:font script="Bugi" typeface="Leelawadee UI"/>
+        <a:font script="Bopo" typeface="Microsoft JhengHei"/>
+        <a:font script="Java" typeface="Javanese Text"/>
+        <a:font script="Lisu" typeface="Segoe UI"/>
+        <a:font script="Mymr" typeface="Myanmar Text"/>
+        <a:font script="Nkoo" typeface="Ebrima"/>
+        <a:font script="Olck" typeface="Nirmala UI"/>
+        <a:font script="Osma" typeface="Ebrima"/>
+        <a:font script="Phag" typeface="Phagspa"/>
+        <a:font script="Syrn" typeface="Estrangelo Edessa"/>
+        <a:font script="Syrj" typeface="Estrangelo Edessa"/>
+        <a:font script="Syre" typeface="Estrangelo Edessa"/>
+        <a:font script="Sora" typeface="Nirmala UI"/>
+        <a:font script="Tale" typeface="Microsoft Tai Le"/>
+        <a:font script="Talu" typeface="Microsoft New Tai Lue"/>
+        <a:font script="Tfng" typeface="Ebrima"/>
+      </a:minorFont>
+    </a:fontScheme>
+    <a:fmtScheme name="Office">
+      <a:fillStyleLst>
+        <a:solidFill>
+          <a:schemeClr val="phClr"/>
+        </a:solidFill>
+        <a:gradFill rotWithShape="1">
+          <a:gsLst>
+            <a:gs pos="0">
+              <a:schemeClr val="phClr">
+                <a:lumMod val="110000"/>
+                <a:satMod val="105000"/>
+                <a:tint val="67000"/>
+              </a:schemeClr>
+            </a:gs>
+            <a:gs pos="50000">
+              <a:schemeClr val="phClr">
+                <a:lumMod val="105000"/>
+                <a:satMod val="103000"/>
+                <a:tint val="73000"/>
+              </a:schemeClr>
+            </a:gs>
+            <a:gs pos="100000">
+              <a:schemeClr val="phClr">
+                <a:lumMod val="105000"/>
+                <a:satMod val="109000"/>
+                <a:tint val="81000"/>
+              </a:schemeClr>
+            </a:gs>
+          </a:gsLst>
+          <a:lin ang="5400000" scaled="0"/>
+        </a:gradFill>
+        <a:gradFill rotWithShape="1">
+          <a:gsLst>
+            <a:gs pos="0">
+              <a:schemeClr val="phClr">
+                <a:satMod val="103000"/>
+                <a:lumMod val="102000"/>
+                <a:tint val="94000"/>
+              </a:schemeClr>
+            </a:gs>
+            <a:gs pos="50000">
+              <a:schemeClr val="phClr">
+                <a:satMod val="110000"/>
+                <a:lumMod val="100000"/>
+                <a:shade val="100000"/>
+              </a:schemeClr>
+            </a:gs>
+            <a:gs pos="100000">
+              <a:schemeClr val="phClr">
+                <a:lumMod val="99000"/>
+                <a:satMod val="120000"/>
+                <a:shade val="78000"/>
+              </a:schemeClr>
+            </a:gs>
+          </a:gsLst>
+          <a:lin ang="5400000" scaled="0"/>
+        </a:gradFill>
+      </a:fillStyleLst>
+      <a:lnStyleLst>
+        <a:ln w="6350" cap="flat" cmpd="sng" algn="ctr">
+          <a:solidFill>
+            <a:schemeClr val="phClr"/>
+          </a:solidFill>
+          <a:prstDash val="solid"/>
+          <a:miter lim="800000"/>
+        </a:ln>
+        <a:ln w="12700" cap="flat" cmpd="sng" algn="ctr">
+          <a:solidFill>
+            <a:schemeClr val="phClr"/>
+          </a:solidFill>
+          <a:prstDash val="solid"/>
+          <a:miter lim="800000"/>
+        </a:ln>
+        <a:ln w="19050" cap="flat" cmpd="sng" algn="ctr">
+          <a:solidFill>
+            <a:schemeClr val="phClr"/>
+          </a:solidFill>
+          <a:prstDash val="solid"/>
+          <a:miter lim="800000"/>
+        </a:ln>
+      </a:lnStyleLst>
+      <a:effectStyleLst>
+        <a:effectStyle>
+          <a:effectLst/>
+        </a:effectStyle>
+        <a:effectStyle>
+          <a:effectLst/>
+        </a:effectStyle>
+        <a:effectStyle>
+          <a:effectLst>
+            <a:outerShdw blurRad="57150" dist="19050" dir="5400000" algn="ctr" rotWithShape="0">
+              <a:srgbClr val="000000">
+                <a:alpha val="63000"/>
+              </a:srgbClr>
+            </a:outerShdw>
+          </a:effectLst>
+        </a:effectStyle>
+      </a:effectStyleLst>
+      <a:bgFillStyleLst>
+        <a:solidFill>
+          <a:schemeClr val="phClr"/>
+        </a:solidFill>
+        <a:solidFill>
+          <a:schemeClr val="phClr">
+            <a:tint val="95000"/>
+            <a:satMod val="170000"/>
+          </a:schemeClr>
+        </a:solidFill>
+        <a:gradFill rotWithShape="1">
+          <a:gsLst>
+            <a:gs pos="0">
+              <a:schemeClr val="phClr">
+                <a:tint val="93000"/>
+                <a:satMod val="150000"/>
+                <a:shade val="98000"/>
+                <a:lumMod val="102000"/>
+              </a:schemeClr>
+            </a:gs>
+            <a:gs pos="50000">
+              <a:schemeClr val="phClr">
+                <a:tint val="98000"/>
+                <a:satMod val="130000"/>
+                <a:shade val="90000"/>
+                <a:lumMod val="103000"/>
+              </a:schemeClr>
+            </a:gs>
+            <a:gs pos="100000">
+              <a:schemeClr val="phClr">
+                <a:shade val="63000"/>
+                <a:satMod val="120000"/>
+              </a:schemeClr>
+            </a:gs>
+          </a:gsLst>
+          <a:lin ang="5400000" scaled="0"/>
+        </a:gradFill>
+      </a:bgFillStyleLst>
+    </a:fmtScheme>
+  </a:themeElements>
+  <a:objectDefaults/>
+  <a:extraClrSchemeLst/>
+  <a:extLst>
+    <a:ext uri="{05A4C25C-085E-4340-85A3-A5531E510DB2}">
+      <thm15:themeFamily xmlns:thm15="http://schemas.microsoft.com/office/thememl/2012/main" name="Office Theme" id="{62F939B6-93AF-4DB8-9C6B-D6C7DFDC589F}" vid="{4A3C46E8-61CC-4603-A589-7422A47A8E4A}"/>
+    </a:ext>
+  </a:extLst>
+</a:theme>
 </file>
--- a/Level 0/Basics of CP.pptx
+++ b/Level 0/Basics of CP.pptx
@@ -5,10 +5,10 @@
     <p:sldMasterId id="2147483648" r:id="rId1"/>
   </p:sldMasterIdLst>
   <p:notesMasterIdLst>
-    <p:notesMasterId r:id="rId37"/>
+    <p:notesMasterId r:id="rId38"/>
   </p:notesMasterIdLst>
   <p:handoutMasterIdLst>
-    <p:handoutMasterId r:id="rId38"/>
+    <p:handoutMasterId r:id="rId39"/>
   </p:handoutMasterIdLst>
   <p:sldIdLst>
     <p:sldId id="262" r:id="rId2"/>
@@ -20,32 +20,33 @@
     <p:sldId id="270" r:id="rId8"/>
     <p:sldId id="264" r:id="rId9"/>
     <p:sldId id="261" r:id="rId10"/>
-    <p:sldId id="265" r:id="rId11"/>
-    <p:sldId id="263" r:id="rId12"/>
-    <p:sldId id="266" r:id="rId13"/>
-    <p:sldId id="268" r:id="rId14"/>
-    <p:sldId id="267" r:id="rId15"/>
-    <p:sldId id="271" r:id="rId16"/>
-    <p:sldId id="272" r:id="rId17"/>
-    <p:sldId id="273" r:id="rId18"/>
-    <p:sldId id="274" r:id="rId19"/>
-    <p:sldId id="275" r:id="rId20"/>
-    <p:sldId id="276" r:id="rId21"/>
-    <p:sldId id="277" r:id="rId22"/>
-    <p:sldId id="278" r:id="rId23"/>
-    <p:sldId id="279" r:id="rId24"/>
-    <p:sldId id="280" r:id="rId25"/>
-    <p:sldId id="282" r:id="rId26"/>
-    <p:sldId id="283" r:id="rId27"/>
-    <p:sldId id="284" r:id="rId28"/>
-    <p:sldId id="285" r:id="rId29"/>
-    <p:sldId id="286" r:id="rId30"/>
-    <p:sldId id="287" r:id="rId31"/>
-    <p:sldId id="289" r:id="rId32"/>
-    <p:sldId id="290" r:id="rId33"/>
-    <p:sldId id="288" r:id="rId34"/>
-    <p:sldId id="291" r:id="rId35"/>
-    <p:sldId id="292" r:id="rId36"/>
+    <p:sldId id="293" r:id="rId11"/>
+    <p:sldId id="265" r:id="rId12"/>
+    <p:sldId id="263" r:id="rId13"/>
+    <p:sldId id="266" r:id="rId14"/>
+    <p:sldId id="268" r:id="rId15"/>
+    <p:sldId id="267" r:id="rId16"/>
+    <p:sldId id="271" r:id="rId17"/>
+    <p:sldId id="272" r:id="rId18"/>
+    <p:sldId id="273" r:id="rId19"/>
+    <p:sldId id="274" r:id="rId20"/>
+    <p:sldId id="275" r:id="rId21"/>
+    <p:sldId id="276" r:id="rId22"/>
+    <p:sldId id="277" r:id="rId23"/>
+    <p:sldId id="278" r:id="rId24"/>
+    <p:sldId id="279" r:id="rId25"/>
+    <p:sldId id="280" r:id="rId26"/>
+    <p:sldId id="282" r:id="rId27"/>
+    <p:sldId id="283" r:id="rId28"/>
+    <p:sldId id="284" r:id="rId29"/>
+    <p:sldId id="285" r:id="rId30"/>
+    <p:sldId id="286" r:id="rId31"/>
+    <p:sldId id="287" r:id="rId32"/>
+    <p:sldId id="289" r:id="rId33"/>
+    <p:sldId id="290" r:id="rId34"/>
+    <p:sldId id="288" r:id="rId35"/>
+    <p:sldId id="291" r:id="rId36"/>
+    <p:sldId id="292" r:id="rId37"/>
   </p:sldIdLst>
   <p:sldSz cx="12192000" cy="6858000"/>
   <p:notesSz cx="6858000" cy="9144000"/>
@@ -165,6 +166,7 @@
             <p14:sldId id="270"/>
             <p14:sldId id="264"/>
             <p14:sldId id="261"/>
+            <p14:sldId id="293"/>
             <p14:sldId id="265"/>
             <p14:sldId id="263"/>
             <p14:sldId id="266"/>
@@ -324,7 +326,7 @@
           <a:p>
             <a:fld id="{EED35E4C-F3CB-448E-AAC2-A8FDBC6E8200}" type="datetimeFigureOut">
               <a:rPr lang="en-US" smtClean="0"/>
-              <a:t>9/14/2023</a:t>
+              <a:t>9/20/2023</a:t>
             </a:fld>
             <a:endParaRPr lang="en-US"/>
           </a:p>
@@ -502,7 +504,7 @@
           <a:p>
             <a:fld id="{91770BF1-AEE4-480A-9D6B-93722DA4C316}" type="datetimeFigureOut">
               <a:rPr lang="en-US" smtClean="0"/>
-              <a:t>9/14/2023</a:t>
+              <a:t>9/20/2023</a:t>
             </a:fld>
             <a:endParaRPr lang="en-US"/>
           </a:p>
@@ -4125,168 +4127,32 @@
             <p:ph type="title"/>
           </p:nvPr>
         </p:nvSpPr>
-        <p:spPr/>
+        <p:spPr>
+          <a:xfrm>
+            <a:off x="286139" y="290947"/>
+            <a:ext cx="2783633" cy="1642187"/>
+          </a:xfrm>
+        </p:spPr>
         <p:txBody>
           <a:bodyPr>
             <a:normAutofit/>
           </a:bodyPr>
           <a:lstStyle/>
           <a:p>
-            <a:r>
-              <a:rPr lang="en-US" sz="3200" dirty="0">
+            <a:pPr algn="just">
+              <a:lnSpc>
+                <a:spcPct val="100000"/>
+              </a:lnSpc>
+            </a:pPr>
+            <a:r>
+              <a:rPr lang="en-US" sz="3600" dirty="0">
                 <a:solidFill>
                   <a:srgbClr val="DF3D92"/>
                 </a:solidFill>
                 <a:latin typeface="Georgia" panose="02040502050405020303" pitchFamily="18" charset="0"/>
               </a:rPr>
-              <a:t>Videos to watch</a:t>
-            </a:r>
-          </a:p>
-        </p:txBody>
-      </p:sp>
-      <p:sp>
-        <p:nvSpPr>
-          <p:cNvPr id="3" name="Content Placeholder 2">
-            <a:extLst>
-              <a:ext uri="{FF2B5EF4-FFF2-40B4-BE49-F238E27FC236}">
-                <a16:creationId xmlns:a16="http://schemas.microsoft.com/office/drawing/2014/main" id="{B48CE155-C2AC-6B63-8439-3D69855A8F0B}"/>
-              </a:ext>
-            </a:extLst>
-          </p:cNvPr>
-          <p:cNvSpPr>
-            <a:spLocks noGrp="1"/>
-          </p:cNvSpPr>
-          <p:nvPr>
-            <p:ph idx="1"/>
-          </p:nvPr>
-        </p:nvSpPr>
-        <p:spPr/>
-        <p:txBody>
-          <a:bodyPr>
-            <a:normAutofit/>
-          </a:bodyPr>
-          <a:lstStyle/>
-          <a:p>
-            <a:pPr marL="457200" indent="-457200" algn="just">
-              <a:lnSpc>
-                <a:spcPct val="150000"/>
-              </a:lnSpc>
-              <a:buFont typeface="+mj-lt"/>
-              <a:buAutoNum type="arabicPeriod"/>
-            </a:pPr>
-            <a:r>
-              <a:rPr lang="en-US" sz="2400" dirty="0">
-                <a:solidFill>
-                  <a:srgbClr val="0070C0"/>
-                </a:solidFill>
-                <a:hlinkClick r:id="rId2">
-                  <a:extLst>
-                    <a:ext uri="{A12FA001-AC4F-418D-AE19-62706E023703}">
-                      <ahyp:hlinkClr xmlns:ahyp="http://schemas.microsoft.com/office/drawing/2018/hyperlinkcolor" val="tx"/>
-                    </a:ext>
-                  </a:extLst>
-                </a:hlinkClick>
-              </a:rPr>
-              <a:t>Priorities and calculations </a:t>
-            </a:r>
-            <a:endParaRPr lang="en-US" sz="2400" dirty="0">
-              <a:solidFill>
-                <a:srgbClr val="0070C0"/>
-              </a:solidFill>
-              <a:latin typeface="Cambria" panose="02040503050406030204" pitchFamily="18" charset="0"/>
-              <a:ea typeface="Cambria" panose="02040503050406030204" pitchFamily="18" charset="0"/>
-            </a:endParaRPr>
-          </a:p>
-          <a:p>
-            <a:pPr marL="457200" indent="-457200" algn="just">
-              <a:lnSpc>
-                <a:spcPct val="150000"/>
-              </a:lnSpc>
-              <a:buFont typeface="+mj-lt"/>
-              <a:buAutoNum type="arabicPeriod"/>
-            </a:pPr>
-            <a:r>
-              <a:rPr lang="en-US" sz="2400" dirty="0">
-                <a:solidFill>
-                  <a:srgbClr val="0070C0"/>
-                </a:solidFill>
-                <a:hlinkClick r:id="rId3">
-                  <a:extLst>
-                    <a:ext uri="{A12FA001-AC4F-418D-AE19-62706E023703}">
-                      <ahyp:hlinkClr xmlns:ahyp="http://schemas.microsoft.com/office/drawing/2018/hyperlinkcolor" val="tx"/>
-                    </a:ext>
-                  </a:extLst>
-                </a:hlinkClick>
-              </a:rPr>
-              <a:t>Basic Arithmetic &amp; casting</a:t>
-            </a:r>
-            <a:endParaRPr lang="en-US" sz="2400" dirty="0">
-              <a:solidFill>
-                <a:srgbClr val="0070C0"/>
-              </a:solidFill>
-              <a:latin typeface="Cambria" panose="02040503050406030204" pitchFamily="18" charset="0"/>
-              <a:ea typeface="Cambria" panose="02040503050406030204" pitchFamily="18" charset="0"/>
-            </a:endParaRPr>
-          </a:p>
-          <a:p>
-            <a:pPr marL="457200" indent="-457200" algn="just">
-              <a:lnSpc>
-                <a:spcPct val="150000"/>
-              </a:lnSpc>
-              <a:buFont typeface="+mj-lt"/>
-              <a:buAutoNum type="arabicPeriod"/>
-            </a:pPr>
-            <a:r>
-              <a:rPr lang="en-US" sz="2400" dirty="0">
-                <a:solidFill>
-                  <a:srgbClr val="0070C0"/>
-                </a:solidFill>
-                <a:hlinkClick r:id="rId4">
-                  <a:extLst>
-                    <a:ext uri="{A12FA001-AC4F-418D-AE19-62706E023703}">
-                      <ahyp:hlinkClr xmlns:ahyp="http://schemas.microsoft.com/office/drawing/2018/hyperlinkcolor" val="tx"/>
-                    </a:ext>
-                  </a:extLst>
-                </a:hlinkClick>
-              </a:rPr>
-              <a:t>Prefix &amp; postfix compound </a:t>
-            </a:r>
-            <a:endParaRPr lang="en-US" sz="2400" dirty="0">
-              <a:solidFill>
-                <a:srgbClr val="0070C0"/>
-              </a:solidFill>
-              <a:latin typeface="Cambria" panose="02040503050406030204" pitchFamily="18" charset="0"/>
-              <a:ea typeface="Cambria" panose="02040503050406030204" pitchFamily="18" charset="0"/>
-            </a:endParaRPr>
-          </a:p>
-          <a:p>
-            <a:pPr marL="457200" indent="-457200" algn="just">
-              <a:lnSpc>
-                <a:spcPct val="150000"/>
-              </a:lnSpc>
-              <a:buFont typeface="+mj-lt"/>
-              <a:buAutoNum type="arabicPeriod"/>
-            </a:pPr>
-            <a:r>
-              <a:rPr lang="en-US" sz="2400" dirty="0">
-                <a:solidFill>
-                  <a:srgbClr val="0070C0"/>
-                </a:solidFill>
-                <a:hlinkClick r:id="rId5">
-                  <a:extLst>
-                    <a:ext uri="{A12FA001-AC4F-418D-AE19-62706E023703}">
-                      <ahyp:hlinkClr xmlns:ahyp="http://schemas.microsoft.com/office/drawing/2018/hyperlinkcolor" val="tx"/>
-                    </a:ext>
-                  </a:extLst>
-                </a:hlinkClick>
-              </a:rPr>
-              <a:t>Variable scope (local vs. global)</a:t>
-            </a:r>
-            <a:endParaRPr lang="en-US" sz="2400" dirty="0">
-              <a:solidFill>
-                <a:srgbClr val="0070C0"/>
-              </a:solidFill>
-            </a:endParaRPr>
+              <a:t>ASCII Table</a:t>
+            </a:r>
           </a:p>
         </p:txBody>
       </p:sp>
@@ -4295,7 +4161,7 @@
           <p:cNvPr id="8" name="Date Placeholder 7">
             <a:extLst>
               <a:ext uri="{FF2B5EF4-FFF2-40B4-BE49-F238E27FC236}">
-                <a16:creationId xmlns:a16="http://schemas.microsoft.com/office/drawing/2014/main" id="{6AF76DBC-CDA3-6905-D86B-F3629E1B6475}"/>
+                <a16:creationId xmlns:a16="http://schemas.microsoft.com/office/drawing/2014/main" id="{24173DC5-2CC7-8ADA-1A1D-C003AAE04462}"/>
               </a:ext>
             </a:extLst>
           </p:cNvPr>
@@ -4323,7 +4189,7 @@
           <p:cNvPr id="9" name="Slide Number Placeholder 8">
             <a:extLst>
               <a:ext uri="{FF2B5EF4-FFF2-40B4-BE49-F238E27FC236}">
-                <a16:creationId xmlns:a16="http://schemas.microsoft.com/office/drawing/2014/main" id="{BB140932-65C2-33D7-0F5F-2AF43E6DFF85}"/>
+                <a16:creationId xmlns:a16="http://schemas.microsoft.com/office/drawing/2014/main" id="{0C7B3A15-B4A9-EC62-0476-E4E6B1692B14}"/>
               </a:ext>
             </a:extLst>
           </p:cNvPr>
@@ -4347,10 +4213,57 @@
           </a:p>
         </p:txBody>
       </p:sp>
+      <p:pic>
+        <p:nvPicPr>
+          <p:cNvPr id="1026" name="Picture 2" descr="Reference ASCII Table - Character codes in decimal, hexadecimal, octal and  binary">
+            <a:extLst>
+              <a:ext uri="{FF2B5EF4-FFF2-40B4-BE49-F238E27FC236}">
+                <a16:creationId xmlns:a16="http://schemas.microsoft.com/office/drawing/2014/main" id="{8534D819-0008-2812-D427-CCB9BC33EF5D}"/>
+              </a:ext>
+            </a:extLst>
+          </p:cNvPr>
+          <p:cNvPicPr>
+            <a:picLocks noChangeAspect="1" noChangeArrowheads="1"/>
+          </p:cNvPicPr>
+          <p:nvPr/>
+        </p:nvPicPr>
+        <p:blipFill>
+          <a:blip r:embed="rId2">
+            <a:extLst>
+              <a:ext uri="{28A0092B-C50C-407E-A947-70E740481C1C}">
+                <a14:useLocalDpi xmlns:a14="http://schemas.microsoft.com/office/drawing/2010/main" val="0"/>
+              </a:ext>
+            </a:extLst>
+          </a:blip>
+          <a:srcRect/>
+          <a:stretch>
+            <a:fillRect/>
+          </a:stretch>
+        </p:blipFill>
+        <p:spPr bwMode="auto">
+          <a:xfrm>
+            <a:off x="3134549" y="136525"/>
+            <a:ext cx="8882048" cy="6333286"/>
+          </a:xfrm>
+          <a:prstGeom prst="rect">
+            <a:avLst/>
+          </a:prstGeom>
+          <a:noFill/>
+          <a:extLst>
+            <a:ext uri="{909E8E84-426E-40DD-AFC4-6F175D3DCCD1}">
+              <a14:hiddenFill xmlns:a14="http://schemas.microsoft.com/office/drawing/2010/main">
+                <a:solidFill>
+                  <a:srgbClr val="FFFFFF"/>
+                </a:solidFill>
+              </a14:hiddenFill>
+            </a:ext>
+          </a:extLst>
+        </p:spPr>
+      </p:pic>
     </p:spTree>
     <p:extLst>
       <p:ext uri="{BB962C8B-B14F-4D97-AF65-F5344CB8AC3E}">
-        <p14:creationId xmlns:p14="http://schemas.microsoft.com/office/powerpoint/2010/main" val="1983031700"/>
+        <p14:creationId xmlns:p14="http://schemas.microsoft.com/office/powerpoint/2010/main" val="4178055344"/>
       </p:ext>
     </p:extLst>
   </p:cSld>
@@ -4393,86 +4306,177 @@
             <p:ph type="title"/>
           </p:nvPr>
         </p:nvSpPr>
-        <p:spPr>
-          <a:xfrm>
-            <a:off x="838200" y="-95250"/>
-            <a:ext cx="10515600" cy="1325563"/>
-          </a:xfrm>
-        </p:spPr>
+        <p:spPr/>
         <p:txBody>
           <a:bodyPr>
             <a:normAutofit/>
           </a:bodyPr>
           <a:lstStyle/>
           <a:p>
-            <a:pPr algn="ctr"/>
-            <a:r>
-              <a:rPr lang="en-US" sz="3600" dirty="0">
+            <a:r>
+              <a:rPr lang="en-US" sz="3200" dirty="0">
                 <a:solidFill>
                   <a:srgbClr val="DF3D92"/>
                 </a:solidFill>
                 <a:latin typeface="Georgia" panose="02040502050405020303" pitchFamily="18" charset="0"/>
               </a:rPr>
-              <a:t>Priorities &amp; Calculations</a:t>
-            </a:r>
-          </a:p>
-        </p:txBody>
-      </p:sp>
-      <p:pic>
-        <p:nvPicPr>
-          <p:cNvPr id="2050" name="Picture 2" descr="C++. Priority table for C++ operations | BestProg">
-            <a:extLst>
-              <a:ext uri="{FF2B5EF4-FFF2-40B4-BE49-F238E27FC236}">
-                <a16:creationId xmlns:a16="http://schemas.microsoft.com/office/drawing/2014/main" id="{640332F8-EEF8-A54B-1BBC-6994E865E476}"/>
-              </a:ext>
-            </a:extLst>
-          </p:cNvPr>
-          <p:cNvPicPr>
-            <a:picLocks noGrp="1" noChangeAspect="1" noChangeArrowheads="1"/>
-          </p:cNvPicPr>
+              <a:t>Videos to watch</a:t>
+            </a:r>
+          </a:p>
+        </p:txBody>
+      </p:sp>
+      <p:sp>
+        <p:nvSpPr>
+          <p:cNvPr id="3" name="Content Placeholder 2">
+            <a:extLst>
+              <a:ext uri="{FF2B5EF4-FFF2-40B4-BE49-F238E27FC236}">
+                <a16:creationId xmlns:a16="http://schemas.microsoft.com/office/drawing/2014/main" id="{B48CE155-C2AC-6B63-8439-3D69855A8F0B}"/>
+              </a:ext>
+            </a:extLst>
+          </p:cNvPr>
+          <p:cNvSpPr>
+            <a:spLocks noGrp="1"/>
+          </p:cNvSpPr>
           <p:nvPr>
             <p:ph idx="1"/>
           </p:nvPr>
-        </p:nvPicPr>
-        <p:blipFill>
-          <a:blip r:embed="rId2">
-            <a:extLst>
-              <a:ext uri="{28A0092B-C50C-407E-A947-70E740481C1C}">
-                <a14:useLocalDpi xmlns:a14="http://schemas.microsoft.com/office/drawing/2010/main" val="0"/>
-              </a:ext>
-            </a:extLst>
-          </a:blip>
-          <a:srcRect/>
-          <a:stretch>
-            <a:fillRect/>
-          </a:stretch>
-        </p:blipFill>
-        <p:spPr bwMode="auto">
-          <a:xfrm>
-            <a:off x="1790298" y="1043961"/>
-            <a:ext cx="8611403" cy="5747364"/>
-          </a:xfrm>
-          <a:prstGeom prst="rect">
-            <a:avLst/>
-          </a:prstGeom>
-          <a:noFill/>
-          <a:extLst>
-            <a:ext uri="{909E8E84-426E-40DD-AFC4-6F175D3DCCD1}">
-              <a14:hiddenFill xmlns:a14="http://schemas.microsoft.com/office/drawing/2010/main">
-                <a:solidFill>
-                  <a:srgbClr val="FFFFFF"/>
-                </a:solidFill>
-              </a14:hiddenFill>
-            </a:ext>
-          </a:extLst>
-        </p:spPr>
-      </p:pic>
-      <p:sp>
-        <p:nvSpPr>
-          <p:cNvPr id="7" name="Date Placeholder 6">
-            <a:extLst>
-              <a:ext uri="{FF2B5EF4-FFF2-40B4-BE49-F238E27FC236}">
-                <a16:creationId xmlns:a16="http://schemas.microsoft.com/office/drawing/2014/main" id="{BA4B7EB5-7384-23E2-3895-0B77C32FB306}"/>
+        </p:nvSpPr>
+        <p:spPr/>
+        <p:txBody>
+          <a:bodyPr>
+            <a:normAutofit/>
+          </a:bodyPr>
+          <a:lstStyle/>
+          <a:p>
+            <a:pPr marL="457200" indent="-457200" algn="just">
+              <a:lnSpc>
+                <a:spcPct val="150000"/>
+              </a:lnSpc>
+              <a:buFont typeface="+mj-lt"/>
+              <a:buAutoNum type="arabicPeriod"/>
+            </a:pPr>
+            <a:r>
+              <a:rPr lang="en-US" sz="2400" dirty="0">
+                <a:solidFill>
+                  <a:srgbClr val="0070C0"/>
+                </a:solidFill>
+                <a:hlinkClick r:id="rId2">
+                  <a:extLst>
+                    <a:ext uri="{A12FA001-AC4F-418D-AE19-62706E023703}">
+                      <ahyp:hlinkClr xmlns:ahyp="http://schemas.microsoft.com/office/drawing/2018/hyperlinkcolor" val="tx"/>
+                    </a:ext>
+                  </a:extLst>
+                </a:hlinkClick>
+              </a:rPr>
+              <a:t>Priorities and calculations </a:t>
+            </a:r>
+            <a:endParaRPr lang="en-US" sz="2400" dirty="0">
+              <a:solidFill>
+                <a:srgbClr val="0070C0"/>
+              </a:solidFill>
+              <a:latin typeface="Cambria" panose="02040503050406030204" pitchFamily="18" charset="0"/>
+              <a:ea typeface="Cambria" panose="02040503050406030204" pitchFamily="18" charset="0"/>
+            </a:endParaRPr>
+          </a:p>
+          <a:p>
+            <a:pPr marL="457200" indent="-457200" algn="just">
+              <a:lnSpc>
+                <a:spcPct val="150000"/>
+              </a:lnSpc>
+              <a:buFont typeface="+mj-lt"/>
+              <a:buAutoNum type="arabicPeriod"/>
+            </a:pPr>
+            <a:r>
+              <a:rPr lang="en-US" sz="2400" dirty="0">
+                <a:solidFill>
+                  <a:srgbClr val="0070C0"/>
+                </a:solidFill>
+                <a:hlinkClick r:id="rId3">
+                  <a:extLst>
+                    <a:ext uri="{A12FA001-AC4F-418D-AE19-62706E023703}">
+                      <ahyp:hlinkClr xmlns:ahyp="http://schemas.microsoft.com/office/drawing/2018/hyperlinkcolor" val="tx"/>
+                    </a:ext>
+                  </a:extLst>
+                </a:hlinkClick>
+              </a:rPr>
+              <a:t>Basic Arithmetic &amp; casting</a:t>
+            </a:r>
+            <a:endParaRPr lang="en-US" sz="2400" dirty="0">
+              <a:solidFill>
+                <a:srgbClr val="0070C0"/>
+              </a:solidFill>
+              <a:latin typeface="Cambria" panose="02040503050406030204" pitchFamily="18" charset="0"/>
+              <a:ea typeface="Cambria" panose="02040503050406030204" pitchFamily="18" charset="0"/>
+            </a:endParaRPr>
+          </a:p>
+          <a:p>
+            <a:pPr marL="457200" indent="-457200" algn="just">
+              <a:lnSpc>
+                <a:spcPct val="150000"/>
+              </a:lnSpc>
+              <a:buFont typeface="+mj-lt"/>
+              <a:buAutoNum type="arabicPeriod"/>
+            </a:pPr>
+            <a:r>
+              <a:rPr lang="en-US" sz="2400" dirty="0">
+                <a:solidFill>
+                  <a:srgbClr val="0070C0"/>
+                </a:solidFill>
+                <a:hlinkClick r:id="rId4">
+                  <a:extLst>
+                    <a:ext uri="{A12FA001-AC4F-418D-AE19-62706E023703}">
+                      <ahyp:hlinkClr xmlns:ahyp="http://schemas.microsoft.com/office/drawing/2018/hyperlinkcolor" val="tx"/>
+                    </a:ext>
+                  </a:extLst>
+                </a:hlinkClick>
+              </a:rPr>
+              <a:t>Prefix &amp; postfix compound </a:t>
+            </a:r>
+            <a:endParaRPr lang="en-US" sz="2400" dirty="0">
+              <a:solidFill>
+                <a:srgbClr val="0070C0"/>
+              </a:solidFill>
+              <a:latin typeface="Cambria" panose="02040503050406030204" pitchFamily="18" charset="0"/>
+              <a:ea typeface="Cambria" panose="02040503050406030204" pitchFamily="18" charset="0"/>
+            </a:endParaRPr>
+          </a:p>
+          <a:p>
+            <a:pPr marL="457200" indent="-457200" algn="just">
+              <a:lnSpc>
+                <a:spcPct val="150000"/>
+              </a:lnSpc>
+              <a:buFont typeface="+mj-lt"/>
+              <a:buAutoNum type="arabicPeriod"/>
+            </a:pPr>
+            <a:r>
+              <a:rPr lang="en-US" sz="2400" dirty="0">
+                <a:solidFill>
+                  <a:srgbClr val="0070C0"/>
+                </a:solidFill>
+                <a:hlinkClick r:id="rId5">
+                  <a:extLst>
+                    <a:ext uri="{A12FA001-AC4F-418D-AE19-62706E023703}">
+                      <ahyp:hlinkClr xmlns:ahyp="http://schemas.microsoft.com/office/drawing/2018/hyperlinkcolor" val="tx"/>
+                    </a:ext>
+                  </a:extLst>
+                </a:hlinkClick>
+              </a:rPr>
+              <a:t>Variable scope (local vs. global)</a:t>
+            </a:r>
+            <a:endParaRPr lang="en-US" sz="2400" dirty="0">
+              <a:solidFill>
+                <a:srgbClr val="0070C0"/>
+              </a:solidFill>
+            </a:endParaRPr>
+          </a:p>
+        </p:txBody>
+      </p:sp>
+      <p:sp>
+        <p:nvSpPr>
+          <p:cNvPr id="8" name="Date Placeholder 7">
+            <a:extLst>
+              <a:ext uri="{FF2B5EF4-FFF2-40B4-BE49-F238E27FC236}">
+                <a16:creationId xmlns:a16="http://schemas.microsoft.com/office/drawing/2014/main" id="{6AF76DBC-CDA3-6905-D86B-F3629E1B6475}"/>
               </a:ext>
             </a:extLst>
           </p:cNvPr>
@@ -4483,18 +4487,13 @@
             <p:ph type="dt" sz="half" idx="10"/>
           </p:nvPr>
         </p:nvSpPr>
-        <p:spPr>
-          <a:xfrm>
-            <a:off x="0" y="6538912"/>
-            <a:ext cx="2743200" cy="365125"/>
-          </a:xfrm>
-        </p:spPr>
+        <p:spPr/>
         <p:txBody>
           <a:bodyPr/>
           <a:lstStyle/>
           <a:p>
             <a:r>
-              <a:rPr lang="en-US" dirty="0"/>
+              <a:rPr lang="en-US"/>
               <a:t>By: Riham Muneer Katout</a:t>
             </a:r>
           </a:p>
@@ -4502,10 +4501,10 @@
       </p:sp>
       <p:sp>
         <p:nvSpPr>
-          <p:cNvPr id="8" name="Slide Number Placeholder 7">
-            <a:extLst>
-              <a:ext uri="{FF2B5EF4-FFF2-40B4-BE49-F238E27FC236}">
-                <a16:creationId xmlns:a16="http://schemas.microsoft.com/office/drawing/2014/main" id="{DE6DD250-BAD4-A14E-9086-0F26A9FF4CF0}"/>
+          <p:cNvPr id="9" name="Slide Number Placeholder 8">
+            <a:extLst>
+              <a:ext uri="{FF2B5EF4-FFF2-40B4-BE49-F238E27FC236}">
+                <a16:creationId xmlns:a16="http://schemas.microsoft.com/office/drawing/2014/main" id="{BB140932-65C2-33D7-0F5F-2AF43E6DFF85}"/>
               </a:ext>
             </a:extLst>
           </p:cNvPr>
@@ -4532,7 +4531,7 @@
     </p:spTree>
     <p:extLst>
       <p:ext uri="{BB962C8B-B14F-4D97-AF65-F5344CB8AC3E}">
-        <p14:creationId xmlns:p14="http://schemas.microsoft.com/office/powerpoint/2010/main" val="603339613"/>
+        <p14:creationId xmlns:p14="http://schemas.microsoft.com/office/powerpoint/2010/main" val="1983031700"/>
       </p:ext>
     </p:extLst>
   </p:cSld>
@@ -4575,184 +4574,108 @@
             <p:ph type="title"/>
           </p:nvPr>
         </p:nvSpPr>
-        <p:spPr/>
+        <p:spPr>
+          <a:xfrm>
+            <a:off x="838200" y="-95250"/>
+            <a:ext cx="10515600" cy="1325563"/>
+          </a:xfrm>
+        </p:spPr>
         <p:txBody>
           <a:bodyPr>
             <a:normAutofit/>
           </a:bodyPr>
           <a:lstStyle/>
           <a:p>
-            <a:r>
-              <a:rPr lang="en-US" sz="3200" dirty="0">
+            <a:pPr algn="ctr"/>
+            <a:r>
+              <a:rPr lang="en-US" sz="3600" dirty="0">
                 <a:solidFill>
                   <a:srgbClr val="DF3D92"/>
                 </a:solidFill>
                 <a:latin typeface="Georgia" panose="02040502050405020303" pitchFamily="18" charset="0"/>
               </a:rPr>
-              <a:t>Solve problems is the best way to practice </a:t>
-            </a:r>
-            <a:r>
-              <a:rPr lang="en-US" sz="3200" dirty="0">
-                <a:solidFill>
-                  <a:srgbClr val="DF3D92"/>
-                </a:solidFill>
-                <a:latin typeface="Georgia" panose="02040502050405020303" pitchFamily="18" charset="0"/>
-                <a:sym typeface="Wingdings" panose="05000000000000000000" pitchFamily="2" charset="2"/>
-              </a:rPr>
-              <a:t></a:t>
-            </a:r>
-            <a:endParaRPr lang="en-US" sz="3200" dirty="0">
-              <a:solidFill>
-                <a:srgbClr val="DF3D92"/>
-              </a:solidFill>
-              <a:latin typeface="Georgia" panose="02040502050405020303" pitchFamily="18" charset="0"/>
-            </a:endParaRPr>
-          </a:p>
-        </p:txBody>
-      </p:sp>
-      <p:sp>
-        <p:nvSpPr>
-          <p:cNvPr id="3" name="Content Placeholder 2">
-            <a:extLst>
-              <a:ext uri="{FF2B5EF4-FFF2-40B4-BE49-F238E27FC236}">
-                <a16:creationId xmlns:a16="http://schemas.microsoft.com/office/drawing/2014/main" id="{B48CE155-C2AC-6B63-8439-3D69855A8F0B}"/>
-              </a:ext>
-            </a:extLst>
-          </p:cNvPr>
-          <p:cNvSpPr>
-            <a:spLocks noGrp="1"/>
-          </p:cNvSpPr>
+              <a:t>Priorities &amp; Calculations</a:t>
+            </a:r>
+          </a:p>
+        </p:txBody>
+      </p:sp>
+      <p:pic>
+        <p:nvPicPr>
+          <p:cNvPr id="2050" name="Picture 2" descr="C++. Priority table for C++ operations | BestProg">
+            <a:extLst>
+              <a:ext uri="{FF2B5EF4-FFF2-40B4-BE49-F238E27FC236}">
+                <a16:creationId xmlns:a16="http://schemas.microsoft.com/office/drawing/2014/main" id="{640332F8-EEF8-A54B-1BBC-6994E865E476}"/>
+              </a:ext>
+            </a:extLst>
+          </p:cNvPr>
+          <p:cNvPicPr>
+            <a:picLocks noGrp="1" noChangeAspect="1" noChangeArrowheads="1"/>
+          </p:cNvPicPr>
           <p:nvPr>
             <p:ph idx="1"/>
+          </p:nvPr>
+        </p:nvPicPr>
+        <p:blipFill>
+          <a:blip r:embed="rId2">
+            <a:extLst>
+              <a:ext uri="{28A0092B-C50C-407E-A947-70E740481C1C}">
+                <a14:useLocalDpi xmlns:a14="http://schemas.microsoft.com/office/drawing/2010/main" val="0"/>
+              </a:ext>
+            </a:extLst>
+          </a:blip>
+          <a:srcRect/>
+          <a:stretch>
+            <a:fillRect/>
+          </a:stretch>
+        </p:blipFill>
+        <p:spPr bwMode="auto">
+          <a:xfrm>
+            <a:off x="1790298" y="1043961"/>
+            <a:ext cx="8611403" cy="5747364"/>
+          </a:xfrm>
+          <a:prstGeom prst="rect">
+            <a:avLst/>
+          </a:prstGeom>
+          <a:noFill/>
+          <a:extLst>
+            <a:ext uri="{909E8E84-426E-40DD-AFC4-6F175D3DCCD1}">
+              <a14:hiddenFill xmlns:a14="http://schemas.microsoft.com/office/drawing/2010/main">
+                <a:solidFill>
+                  <a:srgbClr val="FFFFFF"/>
+                </a:solidFill>
+              </a14:hiddenFill>
+            </a:ext>
+          </a:extLst>
+        </p:spPr>
+      </p:pic>
+      <p:sp>
+        <p:nvSpPr>
+          <p:cNvPr id="7" name="Date Placeholder 6">
+            <a:extLst>
+              <a:ext uri="{FF2B5EF4-FFF2-40B4-BE49-F238E27FC236}">
+                <a16:creationId xmlns:a16="http://schemas.microsoft.com/office/drawing/2014/main" id="{BA4B7EB5-7384-23E2-3895-0B77C32FB306}"/>
+              </a:ext>
+            </a:extLst>
+          </p:cNvPr>
+          <p:cNvSpPr>
+            <a:spLocks noGrp="1"/>
+          </p:cNvSpPr>
+          <p:nvPr>
+            <p:ph type="dt" sz="half" idx="10"/>
           </p:nvPr>
         </p:nvSpPr>
         <p:spPr>
           <a:xfrm>
-            <a:off x="838200" y="1854200"/>
-            <a:ext cx="10515600" cy="4351338"/>
+            <a:off x="0" y="6538912"/>
+            <a:ext cx="2743200" cy="365125"/>
           </a:xfrm>
         </p:spPr>
         <p:txBody>
-          <a:bodyPr>
-            <a:normAutofit/>
-          </a:bodyPr>
-          <a:lstStyle/>
-          <a:p>
-            <a:pPr marL="0" indent="0" algn="just">
-              <a:lnSpc>
-                <a:spcPct val="150000"/>
-              </a:lnSpc>
-              <a:buNone/>
-            </a:pPr>
-            <a:r>
-              <a:rPr lang="en-US" sz="2400" dirty="0">
-                <a:solidFill>
-                  <a:schemeClr val="bg2">
-                    <a:lumMod val="50000"/>
-                  </a:schemeClr>
-                </a:solidFill>
-              </a:rPr>
-              <a:t>It may be hard at the beginning, it’s OK you won’t die ^_^</a:t>
-            </a:r>
-          </a:p>
-          <a:p>
-            <a:pPr marL="0" indent="0" algn="just">
-              <a:lnSpc>
-                <a:spcPct val="150000"/>
-              </a:lnSpc>
-              <a:buNone/>
-            </a:pPr>
-            <a:r>
-              <a:rPr lang="en-US" sz="2400" dirty="0">
-                <a:solidFill>
-                  <a:schemeClr val="bg2">
-                    <a:lumMod val="50000"/>
-                  </a:schemeClr>
-                </a:solidFill>
-              </a:rPr>
-              <a:t>Remember it’s a new thing so the normal situation is being difficult but you can ask for help in our communities </a:t>
-            </a:r>
-          </a:p>
-          <a:p>
-            <a:pPr marL="0" indent="0" algn="just">
-              <a:lnSpc>
-                <a:spcPct val="150000"/>
-              </a:lnSpc>
-              <a:buNone/>
-            </a:pPr>
-            <a:r>
-              <a:rPr lang="en-US" sz="2400" dirty="0">
-                <a:solidFill>
-                  <a:schemeClr val="bg2">
-                    <a:lumMod val="50000"/>
-                  </a:schemeClr>
-                </a:solidFill>
-                <a:hlinkClick r:id="rId2"/>
-              </a:rPr>
-              <a:t>Palestinian community</a:t>
-            </a:r>
-            <a:r>
-              <a:rPr lang="en-US" sz="2400" dirty="0">
-                <a:solidFill>
-                  <a:schemeClr val="bg2">
-                    <a:lumMod val="50000"/>
-                  </a:schemeClr>
-                </a:solidFill>
-              </a:rPr>
-              <a:t> </a:t>
-            </a:r>
-          </a:p>
-          <a:p>
-            <a:pPr marL="0" indent="0" algn="just">
-              <a:lnSpc>
-                <a:spcPct val="150000"/>
-              </a:lnSpc>
-              <a:buNone/>
-            </a:pPr>
-            <a:r>
-              <a:rPr lang="en-US" sz="2400" dirty="0">
-                <a:solidFill>
-                  <a:schemeClr val="bg2">
-                    <a:lumMod val="50000"/>
-                  </a:schemeClr>
-                </a:solidFill>
-                <a:hlinkClick r:id="rId3"/>
-              </a:rPr>
-              <a:t>Najah National University Community</a:t>
-            </a:r>
-            <a:endParaRPr lang="en-US" sz="2400" dirty="0">
-              <a:solidFill>
-                <a:schemeClr val="bg2">
-                  <a:lumMod val="50000"/>
-                </a:schemeClr>
-              </a:solidFill>
-            </a:endParaRPr>
-          </a:p>
-        </p:txBody>
-      </p:sp>
-      <p:sp>
-        <p:nvSpPr>
-          <p:cNvPr id="8" name="Date Placeholder 7">
-            <a:extLst>
-              <a:ext uri="{FF2B5EF4-FFF2-40B4-BE49-F238E27FC236}">
-                <a16:creationId xmlns:a16="http://schemas.microsoft.com/office/drawing/2014/main" id="{44876950-4FB1-E576-62D0-08E2BCF3833C}"/>
-              </a:ext>
-            </a:extLst>
-          </p:cNvPr>
-          <p:cNvSpPr>
-            <a:spLocks noGrp="1"/>
-          </p:cNvSpPr>
-          <p:nvPr>
-            <p:ph type="dt" sz="half" idx="10"/>
-          </p:nvPr>
-        </p:nvSpPr>
-        <p:spPr/>
-        <p:txBody>
           <a:bodyPr/>
           <a:lstStyle/>
           <a:p>
             <a:r>
-              <a:rPr lang="en-US"/>
+              <a:rPr lang="en-US" dirty="0"/>
               <a:t>By: Riham Muneer Katout</a:t>
             </a:r>
           </a:p>
@@ -4760,10 +4683,10 @@
       </p:sp>
       <p:sp>
         <p:nvSpPr>
-          <p:cNvPr id="9" name="Slide Number Placeholder 8">
-            <a:extLst>
-              <a:ext uri="{FF2B5EF4-FFF2-40B4-BE49-F238E27FC236}">
-                <a16:creationId xmlns:a16="http://schemas.microsoft.com/office/drawing/2014/main" id="{81347BE0-76E1-ECC6-A7A3-CB9E6DE45DFB}"/>
+          <p:cNvPr id="8" name="Slide Number Placeholder 7">
+            <a:extLst>
+              <a:ext uri="{FF2B5EF4-FFF2-40B4-BE49-F238E27FC236}">
+                <a16:creationId xmlns:a16="http://schemas.microsoft.com/office/drawing/2014/main" id="{DE6DD250-BAD4-A14E-9086-0F26A9FF4CF0}"/>
               </a:ext>
             </a:extLst>
           </p:cNvPr>
@@ -4790,7 +4713,7 @@
     </p:spTree>
     <p:extLst>
       <p:ext uri="{BB962C8B-B14F-4D97-AF65-F5344CB8AC3E}">
-        <p14:creationId xmlns:p14="http://schemas.microsoft.com/office/powerpoint/2010/main" val="869825829"/>
+        <p14:creationId xmlns:p14="http://schemas.microsoft.com/office/powerpoint/2010/main" val="603339613"/>
       </p:ext>
     </p:extLst>
   </p:cSld>
@@ -4847,8 +4770,24 @@
                 </a:solidFill>
                 <a:latin typeface="Georgia" panose="02040502050405020303" pitchFamily="18" charset="0"/>
               </a:rPr>
-              <a:t>We’ll solve problems on the following sites</a:t>
-            </a:r>
+              <a:t>Solve problems is the best way to practice </a:t>
+            </a:r>
+            <a:r>
+              <a:rPr lang="en-US" sz="3200" dirty="0">
+                <a:solidFill>
+                  <a:srgbClr val="DF3D92"/>
+                </a:solidFill>
+                <a:latin typeface="Georgia" panose="02040502050405020303" pitchFamily="18" charset="0"/>
+                <a:sym typeface="Wingdings" panose="05000000000000000000" pitchFamily="2" charset="2"/>
+              </a:rPr>
+              <a:t></a:t>
+            </a:r>
+            <a:endParaRPr lang="en-US" sz="3200" dirty="0">
+              <a:solidFill>
+                <a:srgbClr val="DF3D92"/>
+              </a:solidFill>
+              <a:latin typeface="Georgia" panose="02040502050405020303" pitchFamily="18" charset="0"/>
+            </a:endParaRPr>
           </a:p>
         </p:txBody>
       </p:sp>
@@ -4870,194 +4809,103 @@
         </p:nvSpPr>
         <p:spPr>
           <a:xfrm>
-            <a:off x="838200" y="2389187"/>
-            <a:ext cx="10515600" cy="1860550"/>
+            <a:off x="838200" y="1854200"/>
+            <a:ext cx="10515600" cy="4351338"/>
           </a:xfrm>
         </p:spPr>
         <p:txBody>
           <a:bodyPr>
-            <a:normAutofit lnSpcReduction="10000"/>
+            <a:normAutofit/>
           </a:bodyPr>
           <a:lstStyle/>
           <a:p>
-            <a:pPr algn="just">
+            <a:pPr marL="0" indent="0" algn="just">
               <a:lnSpc>
                 <a:spcPct val="150000"/>
               </a:lnSpc>
-              <a:buFontTx/>
-              <a:buChar char="-"/>
+              <a:buNone/>
             </a:pPr>
             <a:r>
-              <a:rPr lang="en-US" sz="2400" dirty="0" err="1">
-                <a:solidFill>
-                  <a:srgbClr val="0070C0"/>
-                </a:solidFill>
-                <a:hlinkClick r:id="rId2">
-                  <a:extLst>
-                    <a:ext uri="{A12FA001-AC4F-418D-AE19-62706E023703}">
-                      <ahyp:hlinkClr xmlns:ahyp="http://schemas.microsoft.com/office/drawing/2018/hyperlinkcolor" val="tx"/>
-                    </a:ext>
-                  </a:extLst>
-                </a:hlinkClick>
-              </a:rPr>
-              <a:t>Hackerrank</a:t>
-            </a:r>
-            <a:r>
               <a:rPr lang="en-US" sz="2400" dirty="0">
                 <a:solidFill>
-                  <a:srgbClr val="0070C0"/>
-                </a:solidFill>
-              </a:rPr>
-              <a:t>	 </a:t>
-            </a:r>
-            <a:r>
-              <a:rPr lang="en-US" sz="2400" dirty="0">
-                <a:solidFill>
-                  <a:srgbClr val="0070C0"/>
-                </a:solidFill>
-                <a:sym typeface="Wingdings" panose="05000000000000000000" pitchFamily="2" charset="2"/>
-              </a:rPr>
-              <a:t>  	</a:t>
-            </a:r>
-            <a:r>
-              <a:rPr lang="en-US" sz="2400" dirty="0">
-                <a:solidFill>
-                  <a:srgbClr val="0070C0"/>
-                </a:solidFill>
-                <a:sym typeface="Wingdings" panose="05000000000000000000" pitchFamily="2" charset="2"/>
-                <a:hlinkClick r:id="rId3">
-                  <a:extLst>
-                    <a:ext uri="{A12FA001-AC4F-418D-AE19-62706E023703}">
-                      <ahyp:hlinkClr xmlns:ahyp="http://schemas.microsoft.com/office/drawing/2018/hyperlinkcolor" val="tx"/>
-                    </a:ext>
-                  </a:extLst>
-                </a:hlinkClick>
-              </a:rPr>
-              <a:t>how to register and use it (at 2:40 min)</a:t>
-            </a:r>
-            <a:endParaRPr lang="en-US" sz="2400" dirty="0">
-              <a:solidFill>
-                <a:srgbClr val="0070C0"/>
-              </a:solidFill>
-              <a:sym typeface="Wingdings" panose="05000000000000000000" pitchFamily="2" charset="2"/>
-            </a:endParaRPr>
-          </a:p>
-          <a:p>
-            <a:pPr algn="just">
+                  <a:schemeClr val="bg2">
+                    <a:lumMod val="50000"/>
+                  </a:schemeClr>
+                </a:solidFill>
+              </a:rPr>
+              <a:t>It may be hard at the beginning, it’s OK you won’t die ^_^</a:t>
+            </a:r>
+          </a:p>
+          <a:p>
+            <a:pPr marL="0" indent="0" algn="just">
               <a:lnSpc>
                 <a:spcPct val="150000"/>
               </a:lnSpc>
-              <a:buFontTx/>
-              <a:buChar char="-"/>
+              <a:buNone/>
             </a:pPr>
             <a:r>
-              <a:rPr lang="en-US" sz="2400" dirty="0" err="1">
-                <a:solidFill>
-                  <a:srgbClr val="0070C0"/>
-                </a:solidFill>
-                <a:hlinkClick r:id="rId4">
-                  <a:extLst>
-                    <a:ext uri="{A12FA001-AC4F-418D-AE19-62706E023703}">
-                      <ahyp:hlinkClr xmlns:ahyp="http://schemas.microsoft.com/office/drawing/2018/hyperlinkcolor" val="tx"/>
-                    </a:ext>
-                  </a:extLst>
-                </a:hlinkClick>
-              </a:rPr>
-              <a:t>Codeforces</a:t>
-            </a:r>
-            <a:r>
               <a:rPr lang="en-US" sz="2400" dirty="0">
                 <a:solidFill>
-                  <a:srgbClr val="0070C0"/>
-                </a:solidFill>
-              </a:rPr>
-              <a:t> 	 </a:t>
-            </a:r>
-            <a:r>
-              <a:rPr lang="en-US" sz="2400" dirty="0">
-                <a:solidFill>
-                  <a:srgbClr val="0070C0"/>
-                </a:solidFill>
-                <a:sym typeface="Wingdings" panose="05000000000000000000" pitchFamily="2" charset="2"/>
-              </a:rPr>
-              <a:t>	</a:t>
-            </a:r>
-            <a:r>
-              <a:rPr lang="en-US" sz="2400" dirty="0">
-                <a:solidFill>
-                  <a:srgbClr val="0070C0"/>
-                </a:solidFill>
-                <a:sym typeface="Wingdings" panose="05000000000000000000" pitchFamily="2" charset="2"/>
-                <a:hlinkClick r:id="rId5">
-                  <a:extLst>
-                    <a:ext uri="{A12FA001-AC4F-418D-AE19-62706E023703}">
-                      <ahyp:hlinkClr xmlns:ahyp="http://schemas.microsoft.com/office/drawing/2018/hyperlinkcolor" val="tx"/>
-                    </a:ext>
-                  </a:extLst>
-                </a:hlinkClick>
-              </a:rPr>
-              <a:t>how to register and use it</a:t>
-            </a:r>
-            <a:endParaRPr lang="en-US" sz="2400" dirty="0">
-              <a:solidFill>
-                <a:srgbClr val="0070C0"/>
-              </a:solidFill>
-              <a:sym typeface="Wingdings" panose="05000000000000000000" pitchFamily="2" charset="2"/>
-            </a:endParaRPr>
-          </a:p>
-          <a:p>
-            <a:pPr algn="just">
+                  <a:schemeClr val="bg2">
+                    <a:lumMod val="50000"/>
+                  </a:schemeClr>
+                </a:solidFill>
+              </a:rPr>
+              <a:t>Remember it’s a new thing so the normal situation is being difficult but you can ask for help in our communities </a:t>
+            </a:r>
+          </a:p>
+          <a:p>
+            <a:pPr marL="0" indent="0" algn="just">
               <a:lnSpc>
                 <a:spcPct val="150000"/>
               </a:lnSpc>
-              <a:buFontTx/>
-              <a:buChar char="-"/>
+              <a:buNone/>
             </a:pPr>
             <a:r>
-              <a:rPr lang="en-US" sz="2400" dirty="0" err="1">
-                <a:solidFill>
-                  <a:srgbClr val="0070C0"/>
-                </a:solidFill>
-                <a:hlinkClick r:id="rId6">
-                  <a:extLst>
-                    <a:ext uri="{A12FA001-AC4F-418D-AE19-62706E023703}">
-                      <ahyp:hlinkClr xmlns:ahyp="http://schemas.microsoft.com/office/drawing/2018/hyperlinkcolor" val="tx"/>
-                    </a:ext>
-                  </a:extLst>
-                </a:hlinkClick>
-              </a:rPr>
-              <a:t>Atcoder</a:t>
-            </a:r>
-            <a:r>
               <a:rPr lang="en-US" sz="2400" dirty="0">
                 <a:solidFill>
-                  <a:srgbClr val="0070C0"/>
-                </a:solidFill>
-              </a:rPr>
-              <a:t>	 </a:t>
+                  <a:schemeClr val="bg2">
+                    <a:lumMod val="50000"/>
+                  </a:schemeClr>
+                </a:solidFill>
+                <a:hlinkClick r:id="rId2"/>
+              </a:rPr>
+              <a:t>Palestinian community</a:t>
             </a:r>
             <a:r>
               <a:rPr lang="en-US" sz="2400" dirty="0">
                 <a:solidFill>
-                  <a:srgbClr val="0070C0"/>
-                </a:solidFill>
-                <a:sym typeface="Wingdings" panose="05000000000000000000" pitchFamily="2" charset="2"/>
-              </a:rPr>
-              <a:t> 	h</a:t>
-            </a:r>
+                  <a:schemeClr val="bg2">
+                    <a:lumMod val="50000"/>
+                  </a:schemeClr>
+                </a:solidFill>
+              </a:rPr>
+              <a:t> </a:t>
+            </a:r>
+          </a:p>
+          <a:p>
+            <a:pPr marL="0" indent="0" algn="just">
+              <a:lnSpc>
+                <a:spcPct val="150000"/>
+              </a:lnSpc>
+              <a:buNone/>
+            </a:pPr>
             <a:r>
               <a:rPr lang="en-US" sz="2400" dirty="0">
                 <a:solidFill>
-                  <a:srgbClr val="0070C0"/>
-                </a:solidFill>
-                <a:sym typeface="Wingdings" panose="05000000000000000000" pitchFamily="2" charset="2"/>
-                <a:hlinkClick r:id="rId7"/>
-              </a:rPr>
-              <a:t>ow to register and use it</a:t>
+                  <a:schemeClr val="bg2">
+                    <a:lumMod val="50000"/>
+                  </a:schemeClr>
+                </a:solidFill>
+                <a:hlinkClick r:id="rId3"/>
+              </a:rPr>
+              <a:t>Najah National University Community</a:t>
             </a:r>
             <a:endParaRPr lang="en-US" sz="2400" dirty="0">
               <a:solidFill>
-                <a:srgbClr val="0070C0"/>
+                <a:schemeClr val="bg2">
+                  <a:lumMod val="50000"/>
+                </a:schemeClr>
               </a:solidFill>
             </a:endParaRPr>
           </a:p>
@@ -5068,7 +4916,7 @@
           <p:cNvPr id="8" name="Date Placeholder 7">
             <a:extLst>
               <a:ext uri="{FF2B5EF4-FFF2-40B4-BE49-F238E27FC236}">
-                <a16:creationId xmlns:a16="http://schemas.microsoft.com/office/drawing/2014/main" id="{7341FB27-1DD7-2477-77B9-32DDBF0933D8}"/>
+                <a16:creationId xmlns:a16="http://schemas.microsoft.com/office/drawing/2014/main" id="{44876950-4FB1-E576-62D0-08E2BCF3833C}"/>
               </a:ext>
             </a:extLst>
           </p:cNvPr>
@@ -5096,7 +4944,7 @@
           <p:cNvPr id="9" name="Slide Number Placeholder 8">
             <a:extLst>
               <a:ext uri="{FF2B5EF4-FFF2-40B4-BE49-F238E27FC236}">
-                <a16:creationId xmlns:a16="http://schemas.microsoft.com/office/drawing/2014/main" id="{167622AF-0A46-34DB-BFC5-115DD6E0D232}"/>
+                <a16:creationId xmlns:a16="http://schemas.microsoft.com/office/drawing/2014/main" id="{81347BE0-76E1-ECC6-A7A3-CB9E6DE45DFB}"/>
               </a:ext>
             </a:extLst>
           </p:cNvPr>
@@ -5123,7 +4971,7 @@
     </p:spTree>
     <p:extLst>
       <p:ext uri="{BB962C8B-B14F-4D97-AF65-F5344CB8AC3E}">
-        <p14:creationId xmlns:p14="http://schemas.microsoft.com/office/powerpoint/2010/main" val="1234894950"/>
+        <p14:creationId xmlns:p14="http://schemas.microsoft.com/office/powerpoint/2010/main" val="869825829"/>
       </p:ext>
     </p:extLst>
   </p:cSld>
@@ -5180,7 +5028,7 @@
                 </a:solidFill>
                 <a:latin typeface="Georgia" panose="02040502050405020303" pitchFamily="18" charset="0"/>
               </a:rPr>
-              <a:t>Basic problems</a:t>
+              <a:t>We’ll solve problems on the following sites</a:t>
             </a:r>
           </a:p>
         </p:txBody>
@@ -5201,218 +5049,199 @@
             <p:ph idx="1"/>
           </p:nvPr>
         </p:nvSpPr>
-        <p:spPr/>
+        <p:spPr>
+          <a:xfrm>
+            <a:off x="838200" y="2389187"/>
+            <a:ext cx="10515600" cy="1860550"/>
+          </a:xfrm>
+        </p:spPr>
         <p:txBody>
           <a:bodyPr>
-            <a:normAutofit/>
+            <a:normAutofit lnSpcReduction="10000"/>
           </a:bodyPr>
           <a:lstStyle/>
           <a:p>
-            <a:pPr marL="457200" indent="-457200" algn="just">
+            <a:pPr algn="just">
               <a:lnSpc>
                 <a:spcPct val="150000"/>
               </a:lnSpc>
-              <a:buFont typeface="+mj-lt"/>
-              <a:buAutoNum type="arabicPeriod"/>
+              <a:buFontTx/>
+              <a:buChar char="-"/>
             </a:pPr>
             <a:r>
               <a:rPr lang="en-US" sz="2400" dirty="0" err="1">
                 <a:solidFill>
-                  <a:schemeClr val="bg2">
-                    <a:lumMod val="50000"/>
-                  </a:schemeClr>
-                </a:solidFill>
-                <a:hlinkClick r:id="rId2"/>
+                  <a:srgbClr val="0070C0"/>
+                </a:solidFill>
+                <a:hlinkClick r:id="rId2">
+                  <a:extLst>
+                    <a:ext uri="{A12FA001-AC4F-418D-AE19-62706E023703}">
+                      <ahyp:hlinkClr xmlns:ahyp="http://schemas.microsoft.com/office/drawing/2018/hyperlinkcolor" val="tx"/>
+                    </a:ext>
+                  </a:extLst>
+                </a:hlinkClick>
               </a:rPr>
               <a:t>Hackerrank</a:t>
             </a:r>
             <a:r>
               <a:rPr lang="en-US" sz="2400" dirty="0">
                 <a:solidFill>
-                  <a:schemeClr val="bg2">
-                    <a:lumMod val="50000"/>
-                  </a:schemeClr>
-                </a:solidFill>
-                <a:hlinkClick r:id="rId2"/>
-              </a:rPr>
-              <a:t> - say Hello, World!</a:t>
+                  <a:srgbClr val="0070C0"/>
+                </a:solidFill>
+              </a:rPr>
+              <a:t>	 </a:t>
+            </a:r>
+            <a:r>
+              <a:rPr lang="en-US" sz="2400" dirty="0">
+                <a:solidFill>
+                  <a:srgbClr val="0070C0"/>
+                </a:solidFill>
+                <a:sym typeface="Wingdings" panose="05000000000000000000" pitchFamily="2" charset="2"/>
+              </a:rPr>
+              <a:t>  	</a:t>
+            </a:r>
+            <a:r>
+              <a:rPr lang="en-US" sz="2400" dirty="0">
+                <a:solidFill>
+                  <a:srgbClr val="0070C0"/>
+                </a:solidFill>
+                <a:sym typeface="Wingdings" panose="05000000000000000000" pitchFamily="2" charset="2"/>
+                <a:hlinkClick r:id="rId3">
+                  <a:extLst>
+                    <a:ext uri="{A12FA001-AC4F-418D-AE19-62706E023703}">
+                      <ahyp:hlinkClr xmlns:ahyp="http://schemas.microsoft.com/office/drawing/2018/hyperlinkcolor" val="tx"/>
+                    </a:ext>
+                  </a:extLst>
+                </a:hlinkClick>
+              </a:rPr>
+              <a:t>how to register and use it (at 2:40 min)</a:t>
             </a:r>
             <a:endParaRPr lang="en-US" sz="2400" dirty="0">
               <a:solidFill>
-                <a:schemeClr val="bg2">
-                  <a:lumMod val="50000"/>
-                </a:schemeClr>
+                <a:srgbClr val="0070C0"/>
               </a:solidFill>
+              <a:sym typeface="Wingdings" panose="05000000000000000000" pitchFamily="2" charset="2"/>
             </a:endParaRPr>
           </a:p>
           <a:p>
-            <a:pPr marL="457200" indent="-457200" algn="just">
+            <a:pPr algn="just">
               <a:lnSpc>
                 <a:spcPct val="150000"/>
               </a:lnSpc>
-              <a:buFont typeface="+mj-lt"/>
-              <a:buAutoNum type="arabicPeriod"/>
+              <a:buFontTx/>
+              <a:buChar char="-"/>
             </a:pPr>
             <a:r>
               <a:rPr lang="en-US" sz="2400" dirty="0" err="1">
                 <a:solidFill>
-                  <a:schemeClr val="bg2">
-                    <a:lumMod val="50000"/>
-                  </a:schemeClr>
-                </a:solidFill>
-                <a:hlinkClick r:id="rId3"/>
-              </a:rPr>
-              <a:t>Hackerrank</a:t>
+                  <a:srgbClr val="0070C0"/>
+                </a:solidFill>
+                <a:hlinkClick r:id="rId4">
+                  <a:extLst>
+                    <a:ext uri="{A12FA001-AC4F-418D-AE19-62706E023703}">
+                      <ahyp:hlinkClr xmlns:ahyp="http://schemas.microsoft.com/office/drawing/2018/hyperlinkcolor" val="tx"/>
+                    </a:ext>
+                  </a:extLst>
+                </a:hlinkClick>
+              </a:rPr>
+              <a:t>Codeforces</a:t>
             </a:r>
             <a:r>
               <a:rPr lang="en-US" sz="2400" dirty="0">
                 <a:solidFill>
-                  <a:schemeClr val="bg2">
-                    <a:lumMod val="50000"/>
-                  </a:schemeClr>
-                </a:solidFill>
-                <a:hlinkClick r:id="rId3"/>
-              </a:rPr>
-              <a:t> - print sum</a:t>
+                  <a:srgbClr val="0070C0"/>
+                </a:solidFill>
+              </a:rPr>
+              <a:t> 	 </a:t>
+            </a:r>
+            <a:r>
+              <a:rPr lang="en-US" sz="2400" dirty="0">
+                <a:solidFill>
+                  <a:srgbClr val="0070C0"/>
+                </a:solidFill>
+                <a:sym typeface="Wingdings" panose="05000000000000000000" pitchFamily="2" charset="2"/>
+              </a:rPr>
+              <a:t>	</a:t>
+            </a:r>
+            <a:r>
+              <a:rPr lang="en-US" sz="2400" dirty="0">
+                <a:solidFill>
+                  <a:srgbClr val="0070C0"/>
+                </a:solidFill>
+                <a:sym typeface="Wingdings" panose="05000000000000000000" pitchFamily="2" charset="2"/>
+                <a:hlinkClick r:id="rId5">
+                  <a:extLst>
+                    <a:ext uri="{A12FA001-AC4F-418D-AE19-62706E023703}">
+                      <ahyp:hlinkClr xmlns:ahyp="http://schemas.microsoft.com/office/drawing/2018/hyperlinkcolor" val="tx"/>
+                    </a:ext>
+                  </a:extLst>
+                </a:hlinkClick>
+              </a:rPr>
+              <a:t>how to register and use it</a:t>
             </a:r>
             <a:endParaRPr lang="en-US" sz="2400" dirty="0">
               <a:solidFill>
-                <a:schemeClr val="bg2">
-                  <a:lumMod val="50000"/>
-                </a:schemeClr>
+                <a:srgbClr val="0070C0"/>
               </a:solidFill>
+              <a:sym typeface="Wingdings" panose="05000000000000000000" pitchFamily="2" charset="2"/>
             </a:endParaRPr>
           </a:p>
           <a:p>
-            <a:pPr marL="457200" indent="-457200" algn="just">
+            <a:pPr algn="just">
               <a:lnSpc>
                 <a:spcPct val="150000"/>
               </a:lnSpc>
-              <a:buFont typeface="+mj-lt"/>
-              <a:buAutoNum type="arabicPeriod"/>
+              <a:buFontTx/>
+              <a:buChar char="-"/>
             </a:pPr>
             <a:r>
               <a:rPr lang="en-US" sz="2400" dirty="0" err="1">
                 <a:solidFill>
-                  <a:schemeClr val="bg2">
-                    <a:lumMod val="50000"/>
-                  </a:schemeClr>
-                </a:solidFill>
-                <a:hlinkClick r:id="rId4"/>
-              </a:rPr>
-              <a:t>Hackerrank</a:t>
+                  <a:srgbClr val="0070C0"/>
+                </a:solidFill>
+                <a:hlinkClick r:id="rId6">
+                  <a:extLst>
+                    <a:ext uri="{A12FA001-AC4F-418D-AE19-62706E023703}">
+                      <ahyp:hlinkClr xmlns:ahyp="http://schemas.microsoft.com/office/drawing/2018/hyperlinkcolor" val="tx"/>
+                    </a:ext>
+                  </a:extLst>
+                </a:hlinkClick>
+              </a:rPr>
+              <a:t>Atcoder</a:t>
             </a:r>
             <a:r>
               <a:rPr lang="en-US" sz="2400" dirty="0">
                 <a:solidFill>
-                  <a:schemeClr val="bg2">
-                    <a:lumMod val="50000"/>
-                  </a:schemeClr>
-                </a:solidFill>
-                <a:hlinkClick r:id="rId4"/>
-              </a:rPr>
-              <a:t> - Data types example </a:t>
+                  <a:srgbClr val="0070C0"/>
+                </a:solidFill>
+              </a:rPr>
+              <a:t>	 </a:t>
+            </a:r>
+            <a:r>
+              <a:rPr lang="en-US" sz="2400" dirty="0">
+                <a:solidFill>
+                  <a:srgbClr val="0070C0"/>
+                </a:solidFill>
+                <a:sym typeface="Wingdings" panose="05000000000000000000" pitchFamily="2" charset="2"/>
+              </a:rPr>
+              <a:t> 	h</a:t>
+            </a:r>
+            <a:r>
+              <a:rPr lang="en-US" sz="2400" dirty="0">
+                <a:solidFill>
+                  <a:srgbClr val="0070C0"/>
+                </a:solidFill>
+                <a:sym typeface="Wingdings" panose="05000000000000000000" pitchFamily="2" charset="2"/>
+                <a:hlinkClick r:id="rId7"/>
+              </a:rPr>
+              <a:t>ow to register and use it</a:t>
             </a:r>
             <a:endParaRPr lang="en-US" sz="2400" dirty="0">
               <a:solidFill>
-                <a:schemeClr val="bg2">
-                  <a:lumMod val="50000"/>
-                </a:schemeClr>
+                <a:srgbClr val="0070C0"/>
               </a:solidFill>
             </a:endParaRPr>
           </a:p>
-          <a:p>
-            <a:pPr marL="457200" indent="-457200" algn="just">
-              <a:lnSpc>
-                <a:spcPct val="150000"/>
-              </a:lnSpc>
-              <a:buFont typeface="+mj-lt"/>
-              <a:buAutoNum type="arabicPeriod"/>
-            </a:pPr>
-            <a:r>
-              <a:rPr lang="en-US" sz="2400" dirty="0" err="1">
-                <a:solidFill>
-                  <a:schemeClr val="bg2">
-                    <a:lumMod val="50000"/>
-                  </a:schemeClr>
-                </a:solidFill>
-                <a:hlinkClick r:id="rId5"/>
-              </a:rPr>
-              <a:t>Codeforces</a:t>
-            </a:r>
-            <a:r>
-              <a:rPr lang="en-US" sz="2400" dirty="0">
-                <a:solidFill>
-                  <a:schemeClr val="bg2">
-                    <a:lumMod val="50000"/>
-                  </a:schemeClr>
-                </a:solidFill>
-                <a:hlinkClick r:id="rId5"/>
-              </a:rPr>
-              <a:t> - domino piling</a:t>
-            </a:r>
-            <a:endParaRPr lang="en-US" sz="2400" dirty="0">
-              <a:solidFill>
-                <a:schemeClr val="bg2">
-                  <a:lumMod val="50000"/>
-                </a:schemeClr>
-              </a:solidFill>
-            </a:endParaRPr>
-          </a:p>
-          <a:p>
-            <a:pPr marL="457200" indent="-457200" algn="just">
-              <a:lnSpc>
-                <a:spcPct val="150000"/>
-              </a:lnSpc>
-              <a:buFont typeface="+mj-lt"/>
-              <a:buAutoNum type="arabicPeriod"/>
-            </a:pPr>
-            <a:r>
-              <a:rPr lang="en-US" sz="2400" dirty="0" err="1">
-                <a:solidFill>
-                  <a:schemeClr val="bg2">
-                    <a:lumMod val="50000"/>
-                  </a:schemeClr>
-                </a:solidFill>
-                <a:hlinkClick r:id="rId6"/>
-              </a:rPr>
-              <a:t>Codeforces</a:t>
-            </a:r>
-            <a:r>
-              <a:rPr lang="en-US" sz="2400" dirty="0">
-                <a:solidFill>
-                  <a:schemeClr val="bg2">
-                    <a:lumMod val="50000"/>
-                  </a:schemeClr>
-                </a:solidFill>
-                <a:hlinkClick r:id="rId6"/>
-              </a:rPr>
-              <a:t> - drinks</a:t>
-            </a:r>
-            <a:endParaRPr lang="en-US" sz="2400" dirty="0">
-              <a:solidFill>
-                <a:schemeClr val="bg2">
-                  <a:lumMod val="50000"/>
-                </a:schemeClr>
-              </a:solidFill>
-            </a:endParaRPr>
-          </a:p>
-          <a:p>
-            <a:pPr marL="457200" indent="-457200" algn="just">
-              <a:lnSpc>
-                <a:spcPct val="150000"/>
-              </a:lnSpc>
-              <a:buFont typeface="+mj-lt"/>
-              <a:buAutoNum type="arabicPeriod"/>
-            </a:pPr>
-            <a:endParaRPr lang="en-US" sz="2400" dirty="0">
-              <a:solidFill>
-                <a:schemeClr val="bg2">
-                  <a:lumMod val="50000"/>
-                </a:schemeClr>
-              </a:solidFill>
-            </a:endParaRPr>
-          </a:p>
         </p:txBody>
       </p:sp>
       <p:sp>
@@ -5420,7 +5249,7 @@
           <p:cNvPr id="8" name="Date Placeholder 7">
             <a:extLst>
               <a:ext uri="{FF2B5EF4-FFF2-40B4-BE49-F238E27FC236}">
-                <a16:creationId xmlns:a16="http://schemas.microsoft.com/office/drawing/2014/main" id="{510AA8C2-9AA1-71A5-5CC8-EB9A50422E9F}"/>
+                <a16:creationId xmlns:a16="http://schemas.microsoft.com/office/drawing/2014/main" id="{7341FB27-1DD7-2477-77B9-32DDBF0933D8}"/>
               </a:ext>
             </a:extLst>
           </p:cNvPr>
@@ -5448,7 +5277,7 @@
           <p:cNvPr id="9" name="Slide Number Placeholder 8">
             <a:extLst>
               <a:ext uri="{FF2B5EF4-FFF2-40B4-BE49-F238E27FC236}">
-                <a16:creationId xmlns:a16="http://schemas.microsoft.com/office/drawing/2014/main" id="{E10A4BD6-AE73-64E3-D023-B25E7A6F4904}"/>
+                <a16:creationId xmlns:a16="http://schemas.microsoft.com/office/drawing/2014/main" id="{167622AF-0A46-34DB-BFC5-115DD6E0D232}"/>
               </a:ext>
             </a:extLst>
           </p:cNvPr>
@@ -5475,7 +5304,7 @@
     </p:spTree>
     <p:extLst>
       <p:ext uri="{BB962C8B-B14F-4D97-AF65-F5344CB8AC3E}">
-        <p14:creationId xmlns:p14="http://schemas.microsoft.com/office/powerpoint/2010/main" val="898295681"/>
+        <p14:creationId xmlns:p14="http://schemas.microsoft.com/office/powerpoint/2010/main" val="1234894950"/>
       </p:ext>
     </p:extLst>
   </p:cSld>
@@ -5507,97 +5336,263 @@
           <p:cNvPr id="2" name="Title 1">
             <a:extLst>
               <a:ext uri="{FF2B5EF4-FFF2-40B4-BE49-F238E27FC236}">
-                <a16:creationId xmlns:a16="http://schemas.microsoft.com/office/drawing/2014/main" id="{1A8F82CE-0DF4-3E2B-491C-CDEC706F942F}"/>
-              </a:ext>
-            </a:extLst>
-          </p:cNvPr>
-          <p:cNvSpPr>
-            <a:spLocks noGrp="1"/>
-          </p:cNvSpPr>
-          <p:nvPr>
-            <p:ph type="ctrTitle"/>
-          </p:nvPr>
-        </p:nvSpPr>
-        <p:spPr>
-          <a:xfrm>
-            <a:off x="1524000" y="1739900"/>
-            <a:ext cx="9144000" cy="2387600"/>
-          </a:xfrm>
-        </p:spPr>
-        <p:txBody>
-          <a:bodyPr anchor="ctr"/>
-          <a:lstStyle/>
-          <a:p>
-            <a:r>
-              <a:rPr lang="en-US" dirty="0">
-                <a:solidFill>
-                  <a:srgbClr val="DF3D92"/>
-                </a:solidFill>
-                <a:latin typeface="Georgia" panose="02040502050405020303" pitchFamily="18" charset="0"/>
-              </a:rPr>
-              <a:t>Selection statements</a:t>
-            </a:r>
-          </a:p>
-        </p:txBody>
-      </p:sp>
-      <p:sp>
-        <p:nvSpPr>
-          <p:cNvPr id="3" name="Title 1">
-            <a:extLst>
-              <a:ext uri="{FF2B5EF4-FFF2-40B4-BE49-F238E27FC236}">
-                <a16:creationId xmlns:a16="http://schemas.microsoft.com/office/drawing/2014/main" id="{963347CF-8C48-104F-17B4-B62266AD47CF}"/>
-              </a:ext>
-            </a:extLst>
-          </p:cNvPr>
-          <p:cNvSpPr txBox="1">
-            <a:spLocks/>
-          </p:cNvSpPr>
-          <p:nvPr/>
-        </p:nvSpPr>
-        <p:spPr>
-          <a:xfrm>
-            <a:off x="1524000" y="2933700"/>
-            <a:ext cx="9144000" cy="2387600"/>
-          </a:xfrm>
-          <a:prstGeom prst="rect">
-            <a:avLst/>
-          </a:prstGeom>
-        </p:spPr>
-        <p:txBody>
-          <a:bodyPr vert="horz" lIns="91440" tIns="45720" rIns="91440" bIns="45720" rtlCol="0" anchor="ctr">
+                <a16:creationId xmlns:a16="http://schemas.microsoft.com/office/drawing/2014/main" id="{7315F375-4439-0F71-BDF5-69ED0F9C8BDC}"/>
+              </a:ext>
+            </a:extLst>
+          </p:cNvPr>
+          <p:cNvSpPr>
+            <a:spLocks noGrp="1"/>
+          </p:cNvSpPr>
+          <p:nvPr>
+            <p:ph type="title"/>
+          </p:nvPr>
+        </p:nvSpPr>
+        <p:spPr/>
+        <p:txBody>
+          <a:bodyPr>
             <a:normAutofit/>
           </a:bodyPr>
-          <a:lstStyle>
-            <a:lvl1pPr algn="ctr" defTabSz="914400" rtl="0" eaLnBrk="1" latinLnBrk="0" hangingPunct="1">
+          <a:lstStyle/>
+          <a:p>
+            <a:r>
+              <a:rPr lang="en-US" sz="3200" dirty="0">
+                <a:solidFill>
+                  <a:srgbClr val="DF3D92"/>
+                </a:solidFill>
+                <a:latin typeface="Georgia" panose="02040502050405020303" pitchFamily="18" charset="0"/>
+              </a:rPr>
+              <a:t>Basic problems</a:t>
+            </a:r>
+          </a:p>
+        </p:txBody>
+      </p:sp>
+      <p:sp>
+        <p:nvSpPr>
+          <p:cNvPr id="3" name="Content Placeholder 2">
+            <a:extLst>
+              <a:ext uri="{FF2B5EF4-FFF2-40B4-BE49-F238E27FC236}">
+                <a16:creationId xmlns:a16="http://schemas.microsoft.com/office/drawing/2014/main" id="{B48CE155-C2AC-6B63-8439-3D69855A8F0B}"/>
+              </a:ext>
+            </a:extLst>
+          </p:cNvPr>
+          <p:cNvSpPr>
+            <a:spLocks noGrp="1"/>
+          </p:cNvSpPr>
+          <p:nvPr>
+            <p:ph idx="1"/>
+          </p:nvPr>
+        </p:nvSpPr>
+        <p:spPr/>
+        <p:txBody>
+          <a:bodyPr>
+            <a:normAutofit/>
+          </a:bodyPr>
+          <a:lstStyle/>
+          <a:p>
+            <a:pPr marL="457200" indent="-457200" algn="just">
               <a:lnSpc>
-                <a:spcPct val="90000"/>
+                <a:spcPct val="150000"/>
               </a:lnSpc>
-              <a:spcBef>
-                <a:spcPct val="0"/>
-              </a:spcBef>
-              <a:buNone/>
-              <a:defRPr sz="6000" kern="1200">
-                <a:solidFill>
-                  <a:schemeClr val="tx1"/>
-                </a:solidFill>
-                <a:latin typeface="+mj-lt"/>
-                <a:ea typeface="+mj-ea"/>
-                <a:cs typeface="+mj-cs"/>
-              </a:defRPr>
-            </a:lvl1pPr>
-          </a:lstStyle>
-          <a:p>
-            <a:r>
-              <a:rPr lang="en-US" sz="2800" dirty="0">
+              <a:buFont typeface="+mj-lt"/>
+              <a:buAutoNum type="arabicPeriod"/>
+            </a:pPr>
+            <a:r>
+              <a:rPr lang="en-US" sz="2400" dirty="0" err="1">
                 <a:solidFill>
                   <a:schemeClr val="bg2">
                     <a:lumMod val="50000"/>
                   </a:schemeClr>
                 </a:solidFill>
-                <a:latin typeface="Georgia" panose="02040502050405020303" pitchFamily="18" charset="0"/>
-              </a:rPr>
-              <a:t>if statement, switch statement</a:t>
-            </a:r>
+                <a:hlinkClick r:id="rId2"/>
+              </a:rPr>
+              <a:t>Hackerrank</a:t>
+            </a:r>
+            <a:r>
+              <a:rPr lang="en-US" sz="2400" dirty="0">
+                <a:solidFill>
+                  <a:schemeClr val="bg2">
+                    <a:lumMod val="50000"/>
+                  </a:schemeClr>
+                </a:solidFill>
+                <a:hlinkClick r:id="rId2"/>
+              </a:rPr>
+              <a:t> - say Hello, World!</a:t>
+            </a:r>
+            <a:endParaRPr lang="en-US" sz="2400" dirty="0">
+              <a:solidFill>
+                <a:schemeClr val="bg2">
+                  <a:lumMod val="50000"/>
+                </a:schemeClr>
+              </a:solidFill>
+            </a:endParaRPr>
+          </a:p>
+          <a:p>
+            <a:pPr marL="457200" indent="-457200" algn="just">
+              <a:lnSpc>
+                <a:spcPct val="150000"/>
+              </a:lnSpc>
+              <a:buFont typeface="+mj-lt"/>
+              <a:buAutoNum type="arabicPeriod"/>
+            </a:pPr>
+            <a:r>
+              <a:rPr lang="en-US" sz="2400" dirty="0" err="1">
+                <a:solidFill>
+                  <a:schemeClr val="bg2">
+                    <a:lumMod val="50000"/>
+                  </a:schemeClr>
+                </a:solidFill>
+                <a:hlinkClick r:id="rId3"/>
+              </a:rPr>
+              <a:t>Hackerrank</a:t>
+            </a:r>
+            <a:r>
+              <a:rPr lang="en-US" sz="2400" dirty="0">
+                <a:solidFill>
+                  <a:schemeClr val="bg2">
+                    <a:lumMod val="50000"/>
+                  </a:schemeClr>
+                </a:solidFill>
+                <a:hlinkClick r:id="rId3"/>
+              </a:rPr>
+              <a:t> - print sum</a:t>
+            </a:r>
+            <a:endParaRPr lang="en-US" sz="2400" dirty="0">
+              <a:solidFill>
+                <a:schemeClr val="bg2">
+                  <a:lumMod val="50000"/>
+                </a:schemeClr>
+              </a:solidFill>
+            </a:endParaRPr>
+          </a:p>
+          <a:p>
+            <a:pPr marL="457200" indent="-457200" algn="just">
+              <a:lnSpc>
+                <a:spcPct val="150000"/>
+              </a:lnSpc>
+              <a:buFont typeface="+mj-lt"/>
+              <a:buAutoNum type="arabicPeriod"/>
+            </a:pPr>
+            <a:r>
+              <a:rPr lang="en-US" sz="2400" dirty="0" err="1">
+                <a:solidFill>
+                  <a:schemeClr val="bg2">
+                    <a:lumMod val="50000"/>
+                  </a:schemeClr>
+                </a:solidFill>
+                <a:hlinkClick r:id="rId4"/>
+              </a:rPr>
+              <a:t>Hackerrank</a:t>
+            </a:r>
+            <a:r>
+              <a:rPr lang="en-US" sz="2400" dirty="0">
+                <a:solidFill>
+                  <a:schemeClr val="bg2">
+                    <a:lumMod val="50000"/>
+                  </a:schemeClr>
+                </a:solidFill>
+                <a:hlinkClick r:id="rId4"/>
+              </a:rPr>
+              <a:t> - Data types example </a:t>
+            </a:r>
+            <a:endParaRPr lang="en-US" sz="2400" dirty="0">
+              <a:solidFill>
+                <a:schemeClr val="bg2">
+                  <a:lumMod val="50000"/>
+                </a:schemeClr>
+              </a:solidFill>
+            </a:endParaRPr>
+          </a:p>
+          <a:p>
+            <a:pPr marL="457200" indent="-457200" algn="just">
+              <a:lnSpc>
+                <a:spcPct val="150000"/>
+              </a:lnSpc>
+              <a:buFont typeface="+mj-lt"/>
+              <a:buAutoNum type="arabicPeriod"/>
+            </a:pPr>
+            <a:r>
+              <a:rPr lang="en-US" sz="2400" dirty="0" err="1">
+                <a:solidFill>
+                  <a:schemeClr val="bg2">
+                    <a:lumMod val="50000"/>
+                  </a:schemeClr>
+                </a:solidFill>
+                <a:hlinkClick r:id="rId5"/>
+              </a:rPr>
+              <a:t>Codeforces</a:t>
+            </a:r>
+            <a:r>
+              <a:rPr lang="en-US" sz="2400" dirty="0">
+                <a:solidFill>
+                  <a:schemeClr val="bg2">
+                    <a:lumMod val="50000"/>
+                  </a:schemeClr>
+                </a:solidFill>
+                <a:hlinkClick r:id="rId5"/>
+              </a:rPr>
+              <a:t> - domino piling</a:t>
+            </a:r>
+            <a:endParaRPr lang="en-US" sz="2400" dirty="0">
+              <a:solidFill>
+                <a:schemeClr val="bg2">
+                  <a:lumMod val="50000"/>
+                </a:schemeClr>
+              </a:solidFill>
+            </a:endParaRPr>
+          </a:p>
+          <a:p>
+            <a:pPr marL="457200" indent="-457200" algn="just">
+              <a:lnSpc>
+                <a:spcPct val="150000"/>
+              </a:lnSpc>
+              <a:buFont typeface="+mj-lt"/>
+              <a:buAutoNum type="arabicPeriod"/>
+            </a:pPr>
+            <a:r>
+              <a:rPr lang="en-US" sz="2400" dirty="0" err="1">
+                <a:solidFill>
+                  <a:schemeClr val="bg2">
+                    <a:lumMod val="50000"/>
+                  </a:schemeClr>
+                </a:solidFill>
+                <a:hlinkClick r:id="rId6"/>
+              </a:rPr>
+              <a:t>Codeforces</a:t>
+            </a:r>
+            <a:r>
+              <a:rPr lang="en-US" sz="2400" dirty="0">
+                <a:solidFill>
+                  <a:schemeClr val="bg2">
+                    <a:lumMod val="50000"/>
+                  </a:schemeClr>
+                </a:solidFill>
+                <a:hlinkClick r:id="rId6"/>
+              </a:rPr>
+              <a:t> - drinks</a:t>
+            </a:r>
+            <a:endParaRPr lang="en-US" sz="2400" dirty="0">
+              <a:solidFill>
+                <a:schemeClr val="bg2">
+                  <a:lumMod val="50000"/>
+                </a:schemeClr>
+              </a:solidFill>
+            </a:endParaRPr>
+          </a:p>
+          <a:p>
+            <a:pPr marL="457200" indent="-457200" algn="just">
+              <a:lnSpc>
+                <a:spcPct val="150000"/>
+              </a:lnSpc>
+              <a:buFont typeface="+mj-lt"/>
+              <a:buAutoNum type="arabicPeriod"/>
+            </a:pPr>
+            <a:endParaRPr lang="en-US" sz="2400" dirty="0">
+              <a:solidFill>
+                <a:schemeClr val="bg2">
+                  <a:lumMod val="50000"/>
+                </a:schemeClr>
+              </a:solidFill>
+            </a:endParaRPr>
           </a:p>
         </p:txBody>
       </p:sp>
@@ -5606,7 +5601,7 @@
           <p:cNvPr id="8" name="Date Placeholder 7">
             <a:extLst>
               <a:ext uri="{FF2B5EF4-FFF2-40B4-BE49-F238E27FC236}">
-                <a16:creationId xmlns:a16="http://schemas.microsoft.com/office/drawing/2014/main" id="{F0B9AC0D-7C48-2AB6-9581-E0DB30546E83}"/>
+                <a16:creationId xmlns:a16="http://schemas.microsoft.com/office/drawing/2014/main" id="{510AA8C2-9AA1-71A5-5CC8-EB9A50422E9F}"/>
               </a:ext>
             </a:extLst>
           </p:cNvPr>
@@ -5634,7 +5629,7 @@
           <p:cNvPr id="9" name="Slide Number Placeholder 8">
             <a:extLst>
               <a:ext uri="{FF2B5EF4-FFF2-40B4-BE49-F238E27FC236}">
-                <a16:creationId xmlns:a16="http://schemas.microsoft.com/office/drawing/2014/main" id="{5D1C6336-5463-BEF5-5249-DF1FF3B37151}"/>
+                <a16:creationId xmlns:a16="http://schemas.microsoft.com/office/drawing/2014/main" id="{E10A4BD6-AE73-64E3-D023-B25E7A6F4904}"/>
               </a:ext>
             </a:extLst>
           </p:cNvPr>
@@ -5661,7 +5656,7 @@
     </p:spTree>
     <p:extLst>
       <p:ext uri="{BB962C8B-B14F-4D97-AF65-F5344CB8AC3E}">
-        <p14:creationId xmlns:p14="http://schemas.microsoft.com/office/powerpoint/2010/main" val="3000134314"/>
+        <p14:creationId xmlns:p14="http://schemas.microsoft.com/office/powerpoint/2010/main" val="898295681"/>
       </p:ext>
     </p:extLst>
   </p:cSld>
@@ -5693,20 +5688,25 @@
           <p:cNvPr id="2" name="Title 1">
             <a:extLst>
               <a:ext uri="{FF2B5EF4-FFF2-40B4-BE49-F238E27FC236}">
-                <a16:creationId xmlns:a16="http://schemas.microsoft.com/office/drawing/2014/main" id="{45DB07F3-2AFB-5AF3-0F07-9426B7075E19}"/>
-              </a:ext>
-            </a:extLst>
-          </p:cNvPr>
-          <p:cNvSpPr>
-            <a:spLocks noGrp="1"/>
-          </p:cNvSpPr>
-          <p:nvPr>
-            <p:ph type="title"/>
-          </p:nvPr>
-        </p:nvSpPr>
-        <p:spPr/>
-        <p:txBody>
-          <a:bodyPr/>
+                <a16:creationId xmlns:a16="http://schemas.microsoft.com/office/drawing/2014/main" id="{1A8F82CE-0DF4-3E2B-491C-CDEC706F942F}"/>
+              </a:ext>
+            </a:extLst>
+          </p:cNvPr>
+          <p:cNvSpPr>
+            <a:spLocks noGrp="1"/>
+          </p:cNvSpPr>
+          <p:nvPr>
+            <p:ph type="ctrTitle"/>
+          </p:nvPr>
+        </p:nvSpPr>
+        <p:spPr>
+          <a:xfrm>
+            <a:off x="1524000" y="1739900"/>
+            <a:ext cx="9144000" cy="2387600"/>
+          </a:xfrm>
+        </p:spPr>
+        <p:txBody>
+          <a:bodyPr anchor="ctr"/>
           <a:lstStyle/>
           <a:p>
             <a:r>
@@ -5716,129 +5716,69 @@
                 </a:solidFill>
                 <a:latin typeface="Georgia" panose="02040502050405020303" pitchFamily="18" charset="0"/>
               </a:rPr>
-              <a:t>Selection statements videos </a:t>
-            </a:r>
-          </a:p>
-        </p:txBody>
-      </p:sp>
-      <p:sp>
-        <p:nvSpPr>
-          <p:cNvPr id="3" name="Content Placeholder 2">
-            <a:extLst>
-              <a:ext uri="{FF2B5EF4-FFF2-40B4-BE49-F238E27FC236}">
-                <a16:creationId xmlns:a16="http://schemas.microsoft.com/office/drawing/2014/main" id="{16A70A26-EF28-EEFE-A37A-048162AB0FCC}"/>
-              </a:ext>
-            </a:extLst>
-          </p:cNvPr>
-          <p:cNvSpPr>
-            <a:spLocks noGrp="1"/>
-          </p:cNvSpPr>
-          <p:nvPr>
-            <p:ph idx="1"/>
-          </p:nvPr>
-        </p:nvSpPr>
-        <p:spPr/>
-        <p:txBody>
-          <a:bodyPr/>
-          <a:lstStyle/>
-          <a:p>
-            <a:pPr marL="514350" indent="-514350">
+              <a:t>Selection statements</a:t>
+            </a:r>
+          </a:p>
+        </p:txBody>
+      </p:sp>
+      <p:sp>
+        <p:nvSpPr>
+          <p:cNvPr id="3" name="Title 1">
+            <a:extLst>
+              <a:ext uri="{FF2B5EF4-FFF2-40B4-BE49-F238E27FC236}">
+                <a16:creationId xmlns:a16="http://schemas.microsoft.com/office/drawing/2014/main" id="{963347CF-8C48-104F-17B4-B62266AD47CF}"/>
+              </a:ext>
+            </a:extLst>
+          </p:cNvPr>
+          <p:cNvSpPr txBox="1">
+            <a:spLocks/>
+          </p:cNvSpPr>
+          <p:nvPr/>
+        </p:nvSpPr>
+        <p:spPr>
+          <a:xfrm>
+            <a:off x="1524000" y="2933700"/>
+            <a:ext cx="9144000" cy="2387600"/>
+          </a:xfrm>
+          <a:prstGeom prst="rect">
+            <a:avLst/>
+          </a:prstGeom>
+        </p:spPr>
+        <p:txBody>
+          <a:bodyPr vert="horz" lIns="91440" tIns="45720" rIns="91440" bIns="45720" rtlCol="0" anchor="ctr">
+            <a:normAutofit/>
+          </a:bodyPr>
+          <a:lstStyle>
+            <a:lvl1pPr algn="ctr" defTabSz="914400" rtl="0" eaLnBrk="1" latinLnBrk="0" hangingPunct="1">
               <a:lnSpc>
-                <a:spcPct val="150000"/>
+                <a:spcPct val="90000"/>
               </a:lnSpc>
-              <a:buFont typeface="+mj-lt"/>
-              <a:buAutoNum type="arabicPeriod"/>
-            </a:pPr>
-            <a:r>
-              <a:rPr lang="en-US" dirty="0">
-                <a:solidFill>
-                  <a:srgbClr val="0070C0"/>
-                </a:solidFill>
-                <a:latin typeface="Cambria" panose="02040503050406030204" pitchFamily="18" charset="0"/>
-                <a:ea typeface="Cambria" panose="02040503050406030204" pitchFamily="18" charset="0"/>
-                <a:hlinkClick r:id="rId2">
-                  <a:extLst>
-                    <a:ext uri="{A12FA001-AC4F-418D-AE19-62706E023703}">
-                      <ahyp:hlinkClr xmlns:ahyp="http://schemas.microsoft.com/office/drawing/2018/hyperlinkcolor" val="tx"/>
-                    </a:ext>
-                  </a:extLst>
-                </a:hlinkClick>
-              </a:rPr>
-              <a:t>if statement</a:t>
-            </a:r>
-            <a:endParaRPr lang="en-US" dirty="0">
-              <a:solidFill>
-                <a:srgbClr val="0070C0"/>
-              </a:solidFill>
-              <a:latin typeface="Cambria" panose="02040503050406030204" pitchFamily="18" charset="0"/>
-              <a:ea typeface="Cambria" panose="02040503050406030204" pitchFamily="18" charset="0"/>
-            </a:endParaRPr>
-          </a:p>
-          <a:p>
-            <a:pPr marL="514350" indent="-514350">
-              <a:lnSpc>
-                <a:spcPct val="150000"/>
-              </a:lnSpc>
-              <a:buFont typeface="+mj-lt"/>
-              <a:buAutoNum type="arabicPeriod"/>
-            </a:pPr>
-            <a:r>
-              <a:rPr lang="en-US" dirty="0">
-                <a:solidFill>
-                  <a:srgbClr val="0070C0"/>
-                </a:solidFill>
-                <a:latin typeface="Cambria" panose="02040503050406030204" pitchFamily="18" charset="0"/>
-                <a:ea typeface="Cambria" panose="02040503050406030204" pitchFamily="18" charset="0"/>
-                <a:hlinkClick r:id="rId3">
-                  <a:extLst>
-                    <a:ext uri="{A12FA001-AC4F-418D-AE19-62706E023703}">
-                      <ahyp:hlinkClr xmlns:ahyp="http://schemas.microsoft.com/office/drawing/2018/hyperlinkcolor" val="tx"/>
-                    </a:ext>
-                  </a:extLst>
-                </a:hlinkClick>
-              </a:rPr>
-              <a:t>logical operators</a:t>
-            </a:r>
-            <a:endParaRPr lang="en-US" dirty="0">
-              <a:solidFill>
-                <a:srgbClr val="0070C0"/>
-              </a:solidFill>
-              <a:latin typeface="Cambria" panose="02040503050406030204" pitchFamily="18" charset="0"/>
-              <a:ea typeface="Cambria" panose="02040503050406030204" pitchFamily="18" charset="0"/>
-            </a:endParaRPr>
-          </a:p>
-          <a:p>
-            <a:pPr marL="514350" indent="-514350">
-              <a:lnSpc>
-                <a:spcPct val="150000"/>
-              </a:lnSpc>
-              <a:buFont typeface="+mj-lt"/>
-              <a:buAutoNum type="arabicPeriod"/>
-            </a:pPr>
-            <a:r>
-              <a:rPr lang="en-US" dirty="0">
-                <a:solidFill>
-                  <a:srgbClr val="0070C0"/>
-                </a:solidFill>
-                <a:latin typeface="Cambria" panose="02040503050406030204" pitchFamily="18" charset="0"/>
-                <a:ea typeface="Cambria" panose="02040503050406030204" pitchFamily="18" charset="0"/>
-                <a:hlinkClick r:id="rId4">
-                  <a:extLst>
-                    <a:ext uri="{A12FA001-AC4F-418D-AE19-62706E023703}">
-                      <ahyp:hlinkClr xmlns:ahyp="http://schemas.microsoft.com/office/drawing/2018/hyperlinkcolor" val="tx"/>
-                    </a:ext>
-                  </a:extLst>
-                </a:hlinkClick>
-              </a:rPr>
-              <a:t>switch statement</a:t>
-            </a:r>
-            <a:endParaRPr lang="en-US" dirty="0">
-              <a:solidFill>
-                <a:srgbClr val="0070C0"/>
-              </a:solidFill>
-              <a:latin typeface="Cambria" panose="02040503050406030204" pitchFamily="18" charset="0"/>
-              <a:ea typeface="Cambria" panose="02040503050406030204" pitchFamily="18" charset="0"/>
-            </a:endParaRPr>
+              <a:spcBef>
+                <a:spcPct val="0"/>
+              </a:spcBef>
+              <a:buNone/>
+              <a:defRPr sz="6000" kern="1200">
+                <a:solidFill>
+                  <a:schemeClr val="tx1"/>
+                </a:solidFill>
+                <a:latin typeface="+mj-lt"/>
+                <a:ea typeface="+mj-ea"/>
+                <a:cs typeface="+mj-cs"/>
+              </a:defRPr>
+            </a:lvl1pPr>
+          </a:lstStyle>
+          <a:p>
+            <a:r>
+              <a:rPr lang="en-US" sz="2800" dirty="0">
+                <a:solidFill>
+                  <a:schemeClr val="bg2">
+                    <a:lumMod val="50000"/>
+                  </a:schemeClr>
+                </a:solidFill>
+                <a:latin typeface="Georgia" panose="02040502050405020303" pitchFamily="18" charset="0"/>
+              </a:rPr>
+              <a:t>if statement, switch statement</a:t>
+            </a:r>
           </a:p>
         </p:txBody>
       </p:sp>
@@ -5847,7 +5787,7 @@
           <p:cNvPr id="8" name="Date Placeholder 7">
             <a:extLst>
               <a:ext uri="{FF2B5EF4-FFF2-40B4-BE49-F238E27FC236}">
-                <a16:creationId xmlns:a16="http://schemas.microsoft.com/office/drawing/2014/main" id="{C6B276BB-D9C5-4E59-4FC4-5C95D3C64CEB}"/>
+                <a16:creationId xmlns:a16="http://schemas.microsoft.com/office/drawing/2014/main" id="{F0B9AC0D-7C48-2AB6-9581-E0DB30546E83}"/>
               </a:ext>
             </a:extLst>
           </p:cNvPr>
@@ -5875,7 +5815,7 @@
           <p:cNvPr id="9" name="Slide Number Placeholder 8">
             <a:extLst>
               <a:ext uri="{FF2B5EF4-FFF2-40B4-BE49-F238E27FC236}">
-                <a16:creationId xmlns:a16="http://schemas.microsoft.com/office/drawing/2014/main" id="{5478EF6B-1460-30E8-BB25-46322BFC6BC1}"/>
+                <a16:creationId xmlns:a16="http://schemas.microsoft.com/office/drawing/2014/main" id="{5D1C6336-5463-BEF5-5249-DF1FF3B37151}"/>
               </a:ext>
             </a:extLst>
           </p:cNvPr>
@@ -5902,7 +5842,7 @@
     </p:spTree>
     <p:extLst>
       <p:ext uri="{BB962C8B-B14F-4D97-AF65-F5344CB8AC3E}">
-        <p14:creationId xmlns:p14="http://schemas.microsoft.com/office/powerpoint/2010/main" val="730789784"/>
+        <p14:creationId xmlns:p14="http://schemas.microsoft.com/office/powerpoint/2010/main" val="3000134314"/>
       </p:ext>
     </p:extLst>
   </p:cSld>
@@ -5945,26 +5885,19 @@
             <p:ph type="title"/>
           </p:nvPr>
         </p:nvSpPr>
-        <p:spPr>
-          <a:xfrm>
-            <a:off x="838200" y="328612"/>
-            <a:ext cx="10515600" cy="1325563"/>
-          </a:xfrm>
-        </p:spPr>
-        <p:txBody>
-          <a:bodyPr>
-            <a:normAutofit/>
-          </a:bodyPr>
-          <a:lstStyle/>
-          <a:p>
-            <a:r>
-              <a:rPr lang="en-US" sz="3600" dirty="0">
+        <p:spPr/>
+        <p:txBody>
+          <a:bodyPr/>
+          <a:lstStyle/>
+          <a:p>
+            <a:r>
+              <a:rPr lang="en-US" dirty="0">
                 <a:solidFill>
                   <a:srgbClr val="DF3D92"/>
                 </a:solidFill>
                 <a:latin typeface="Georgia" panose="02040502050405020303" pitchFamily="18" charset="0"/>
               </a:rPr>
-              <a:t>Selection statements problems</a:t>
+              <a:t>Selection statements videos </a:t>
             </a:r>
           </a:p>
         </p:txBody>
@@ -5985,16 +5918,9 @@
             <p:ph idx="1"/>
           </p:nvPr>
         </p:nvSpPr>
-        <p:spPr>
-          <a:xfrm>
-            <a:off x="838200" y="1654175"/>
-            <a:ext cx="10515600" cy="4351338"/>
-          </a:xfrm>
-        </p:spPr>
-        <p:txBody>
-          <a:bodyPr numCol="1">
-            <a:normAutofit fontScale="92500"/>
-          </a:bodyPr>
+        <p:spPr/>
+        <p:txBody>
+          <a:bodyPr/>
           <a:lstStyle/>
           <a:p>
             <a:pPr marL="514350" indent="-514350">
@@ -6005,28 +5931,23 @@
               <a:buAutoNum type="arabicPeriod"/>
             </a:pPr>
             <a:r>
-              <a:rPr lang="en-US" sz="2400" dirty="0" err="1">
-                <a:solidFill>
-                  <a:srgbClr val="0070C0"/>
-                </a:solidFill>
-                <a:latin typeface="Cambria" panose="02040503050406030204" pitchFamily="18" charset="0"/>
-                <a:ea typeface="Cambria" panose="02040503050406030204" pitchFamily="18" charset="0"/>
-                <a:hlinkClick r:id="rId2"/>
-              </a:rPr>
-              <a:t>Hackerrank</a:t>
-            </a:r>
-            <a:r>
-              <a:rPr lang="en-US" sz="2400" dirty="0">
-                <a:solidFill>
-                  <a:srgbClr val="0070C0"/>
-                </a:solidFill>
-                <a:latin typeface="Cambria" panose="02040503050406030204" pitchFamily="18" charset="0"/>
-                <a:ea typeface="Cambria" panose="02040503050406030204" pitchFamily="18" charset="0"/>
-                <a:hlinkClick r:id="rId2"/>
-              </a:rPr>
-              <a:t> - Conditional statements</a:t>
-            </a:r>
-            <a:endParaRPr lang="en-US" sz="2400" dirty="0">
+              <a:rPr lang="en-US" dirty="0">
+                <a:solidFill>
+                  <a:srgbClr val="0070C0"/>
+                </a:solidFill>
+                <a:latin typeface="Cambria" panose="02040503050406030204" pitchFamily="18" charset="0"/>
+                <a:ea typeface="Cambria" panose="02040503050406030204" pitchFamily="18" charset="0"/>
+                <a:hlinkClick r:id="rId2">
+                  <a:extLst>
+                    <a:ext uri="{A12FA001-AC4F-418D-AE19-62706E023703}">
+                      <ahyp:hlinkClr xmlns:ahyp="http://schemas.microsoft.com/office/drawing/2018/hyperlinkcolor" val="tx"/>
+                    </a:ext>
+                  </a:extLst>
+                </a:hlinkClick>
+              </a:rPr>
+              <a:t>if statement</a:t>
+            </a:r>
+            <a:endParaRPr lang="en-US" dirty="0">
               <a:solidFill>
                 <a:srgbClr val="0070C0"/>
               </a:solidFill>
@@ -6043,28 +5964,23 @@
               <a:buAutoNum type="arabicPeriod"/>
             </a:pPr>
             <a:r>
-              <a:rPr lang="en-US" sz="2400" dirty="0" err="1">
-                <a:solidFill>
-                  <a:srgbClr val="0070C0"/>
-                </a:solidFill>
-                <a:latin typeface="Cambria" panose="02040503050406030204" pitchFamily="18" charset="0"/>
-                <a:ea typeface="Cambria" panose="02040503050406030204" pitchFamily="18" charset="0"/>
-                <a:hlinkClick r:id="rId3"/>
-              </a:rPr>
-              <a:t>Codeforces</a:t>
-            </a:r>
-            <a:r>
-              <a:rPr lang="en-US" sz="2400" dirty="0">
-                <a:solidFill>
-                  <a:srgbClr val="0070C0"/>
-                </a:solidFill>
-                <a:latin typeface="Cambria" panose="02040503050406030204" pitchFamily="18" charset="0"/>
-                <a:ea typeface="Cambria" panose="02040503050406030204" pitchFamily="18" charset="0"/>
-                <a:hlinkClick r:id="rId3"/>
-              </a:rPr>
-              <a:t> – watermelon</a:t>
-            </a:r>
-            <a:endParaRPr lang="en-US" sz="2400" dirty="0">
+              <a:rPr lang="en-US" dirty="0">
+                <a:solidFill>
+                  <a:srgbClr val="0070C0"/>
+                </a:solidFill>
+                <a:latin typeface="Cambria" panose="02040503050406030204" pitchFamily="18" charset="0"/>
+                <a:ea typeface="Cambria" panose="02040503050406030204" pitchFamily="18" charset="0"/>
+                <a:hlinkClick r:id="rId3">
+                  <a:extLst>
+                    <a:ext uri="{A12FA001-AC4F-418D-AE19-62706E023703}">
+                      <ahyp:hlinkClr xmlns:ahyp="http://schemas.microsoft.com/office/drawing/2018/hyperlinkcolor" val="tx"/>
+                    </a:ext>
+                  </a:extLst>
+                </a:hlinkClick>
+              </a:rPr>
+              <a:t>logical operators</a:t>
+            </a:r>
+            <a:endParaRPr lang="en-US" dirty="0">
               <a:solidFill>
                 <a:srgbClr val="0070C0"/>
               </a:solidFill>
@@ -6081,28 +5997,23 @@
               <a:buAutoNum type="arabicPeriod"/>
             </a:pPr>
             <a:r>
-              <a:rPr lang="en-US" sz="2400" dirty="0" err="1">
-                <a:solidFill>
-                  <a:srgbClr val="0070C0"/>
-                </a:solidFill>
-                <a:latin typeface="Cambria" panose="02040503050406030204" pitchFamily="18" charset="0"/>
-                <a:ea typeface="Cambria" panose="02040503050406030204" pitchFamily="18" charset="0"/>
-                <a:hlinkClick r:id="rId4"/>
-              </a:rPr>
-              <a:t>Codeforces</a:t>
-            </a:r>
-            <a:r>
-              <a:rPr lang="en-US" sz="2400" dirty="0">
-                <a:solidFill>
-                  <a:srgbClr val="0070C0"/>
-                </a:solidFill>
-                <a:latin typeface="Cambria" panose="02040503050406030204" pitchFamily="18" charset="0"/>
-                <a:ea typeface="Cambria" panose="02040503050406030204" pitchFamily="18" charset="0"/>
-                <a:hlinkClick r:id="rId4"/>
-              </a:rPr>
-              <a:t> - Soldier and Bananas</a:t>
-            </a:r>
-            <a:endParaRPr lang="en-US" sz="2400" dirty="0">
+              <a:rPr lang="en-US" dirty="0">
+                <a:solidFill>
+                  <a:srgbClr val="0070C0"/>
+                </a:solidFill>
+                <a:latin typeface="Cambria" panose="02040503050406030204" pitchFamily="18" charset="0"/>
+                <a:ea typeface="Cambria" panose="02040503050406030204" pitchFamily="18" charset="0"/>
+                <a:hlinkClick r:id="rId4">
+                  <a:extLst>
+                    <a:ext uri="{A12FA001-AC4F-418D-AE19-62706E023703}">
+                      <ahyp:hlinkClr xmlns:ahyp="http://schemas.microsoft.com/office/drawing/2018/hyperlinkcolor" val="tx"/>
+                    </a:ext>
+                  </a:extLst>
+                </a:hlinkClick>
+              </a:rPr>
+              <a:t>switch statement</a:t>
+            </a:r>
+            <a:endParaRPr lang="en-US" dirty="0">
               <a:solidFill>
                 <a:srgbClr val="0070C0"/>
               </a:solidFill>
@@ -6110,158 +6021,6 @@
               <a:ea typeface="Cambria" panose="02040503050406030204" pitchFamily="18" charset="0"/>
             </a:endParaRPr>
           </a:p>
-          <a:p>
-            <a:pPr marL="514350" indent="-514350">
-              <a:lnSpc>
-                <a:spcPct val="150000"/>
-              </a:lnSpc>
-              <a:buFont typeface="+mj-lt"/>
-              <a:buAutoNum type="arabicPeriod"/>
-            </a:pPr>
-            <a:r>
-              <a:rPr lang="en-US" sz="2400" dirty="0" err="1">
-                <a:solidFill>
-                  <a:srgbClr val="0070C0"/>
-                </a:solidFill>
-                <a:latin typeface="Cambria" panose="02040503050406030204" pitchFamily="18" charset="0"/>
-                <a:ea typeface="Cambria" panose="02040503050406030204" pitchFamily="18" charset="0"/>
-                <a:hlinkClick r:id="rId5"/>
-              </a:rPr>
-              <a:t>Codeforces</a:t>
-            </a:r>
-            <a:r>
-              <a:rPr lang="en-US" sz="2400" dirty="0">
-                <a:solidFill>
-                  <a:srgbClr val="0070C0"/>
-                </a:solidFill>
-                <a:latin typeface="Cambria" panose="02040503050406030204" pitchFamily="18" charset="0"/>
-                <a:ea typeface="Cambria" panose="02040503050406030204" pitchFamily="18" charset="0"/>
-                <a:hlinkClick r:id="rId5"/>
-              </a:rPr>
-              <a:t> -  Lucky division</a:t>
-            </a:r>
-            <a:endParaRPr lang="en-US" sz="2400" dirty="0">
-              <a:solidFill>
-                <a:srgbClr val="0070C0"/>
-              </a:solidFill>
-              <a:latin typeface="Cambria" panose="02040503050406030204" pitchFamily="18" charset="0"/>
-              <a:ea typeface="Cambria" panose="02040503050406030204" pitchFamily="18" charset="0"/>
-            </a:endParaRPr>
-          </a:p>
-          <a:p>
-            <a:pPr marL="514350" indent="-514350">
-              <a:lnSpc>
-                <a:spcPct val="150000"/>
-              </a:lnSpc>
-              <a:buFont typeface="+mj-lt"/>
-              <a:buAutoNum type="arabicPeriod"/>
-            </a:pPr>
-            <a:r>
-              <a:rPr lang="en-US" sz="2400" dirty="0" err="1">
-                <a:solidFill>
-                  <a:srgbClr val="0070C0"/>
-                </a:solidFill>
-                <a:latin typeface="Cambria" panose="02040503050406030204" pitchFamily="18" charset="0"/>
-                <a:ea typeface="Cambria" panose="02040503050406030204" pitchFamily="18" charset="0"/>
-                <a:hlinkClick r:id="rId6"/>
-              </a:rPr>
-              <a:t>Codeforces</a:t>
-            </a:r>
-            <a:r>
-              <a:rPr lang="en-US" sz="2400" dirty="0">
-                <a:solidFill>
-                  <a:srgbClr val="0070C0"/>
-                </a:solidFill>
-                <a:latin typeface="Cambria" panose="02040503050406030204" pitchFamily="18" charset="0"/>
-                <a:ea typeface="Cambria" panose="02040503050406030204" pitchFamily="18" charset="0"/>
-                <a:hlinkClick r:id="rId6"/>
-              </a:rPr>
-              <a:t> - Theatre square</a:t>
-            </a:r>
-            <a:endParaRPr lang="en-US" sz="2400" dirty="0">
-              <a:solidFill>
-                <a:srgbClr val="0070C0"/>
-              </a:solidFill>
-              <a:latin typeface="Cambria" panose="02040503050406030204" pitchFamily="18" charset="0"/>
-              <a:ea typeface="Cambria" panose="02040503050406030204" pitchFamily="18" charset="0"/>
-            </a:endParaRPr>
-          </a:p>
-          <a:p>
-            <a:pPr marL="514350" indent="-514350">
-              <a:lnSpc>
-                <a:spcPct val="150000"/>
-              </a:lnSpc>
-              <a:buFont typeface="+mj-lt"/>
-              <a:buAutoNum type="arabicPeriod"/>
-            </a:pPr>
-            <a:r>
-              <a:rPr lang="en-US" sz="2400" dirty="0" err="1">
-                <a:solidFill>
-                  <a:srgbClr val="0070C0"/>
-                </a:solidFill>
-                <a:latin typeface="Cambria" panose="02040503050406030204" pitchFamily="18" charset="0"/>
-                <a:ea typeface="Cambria" panose="02040503050406030204" pitchFamily="18" charset="0"/>
-                <a:hlinkClick r:id="rId7"/>
-              </a:rPr>
-              <a:t>Codeforces</a:t>
-            </a:r>
-            <a:r>
-              <a:rPr lang="en-US" sz="2400" dirty="0">
-                <a:solidFill>
-                  <a:srgbClr val="0070C0"/>
-                </a:solidFill>
-                <a:latin typeface="Cambria" panose="02040503050406030204" pitchFamily="18" charset="0"/>
-                <a:ea typeface="Cambria" panose="02040503050406030204" pitchFamily="18" charset="0"/>
-                <a:hlinkClick r:id="rId7"/>
-              </a:rPr>
-              <a:t> - Cheap travel</a:t>
-            </a:r>
-            <a:endParaRPr lang="en-US" sz="2400" dirty="0">
-              <a:solidFill>
-                <a:srgbClr val="0070C0"/>
-              </a:solidFill>
-              <a:latin typeface="Cambria" panose="02040503050406030204" pitchFamily="18" charset="0"/>
-              <a:ea typeface="Cambria" panose="02040503050406030204" pitchFamily="18" charset="0"/>
-            </a:endParaRPr>
-          </a:p>
-          <a:p>
-            <a:pPr marL="514350" indent="-514350">
-              <a:lnSpc>
-                <a:spcPct val="150000"/>
-              </a:lnSpc>
-              <a:buFont typeface="+mj-lt"/>
-              <a:buAutoNum type="arabicPeriod"/>
-            </a:pPr>
-            <a:r>
-              <a:rPr lang="en-US" sz="2400" dirty="0" err="1">
-                <a:solidFill>
-                  <a:srgbClr val="0070C0"/>
-                </a:solidFill>
-                <a:latin typeface="Cambria" panose="02040503050406030204" pitchFamily="18" charset="0"/>
-                <a:ea typeface="Cambria" panose="02040503050406030204" pitchFamily="18" charset="0"/>
-                <a:hlinkClick r:id="rId8"/>
-              </a:rPr>
-              <a:t>Codeforces</a:t>
-            </a:r>
-            <a:r>
-              <a:rPr lang="en-US" sz="2400" dirty="0">
-                <a:solidFill>
-                  <a:srgbClr val="0070C0"/>
-                </a:solidFill>
-                <a:latin typeface="Cambria" panose="02040503050406030204" pitchFamily="18" charset="0"/>
-                <a:ea typeface="Cambria" panose="02040503050406030204" pitchFamily="18" charset="0"/>
-                <a:hlinkClick r:id="rId8"/>
-              </a:rPr>
-              <a:t> - Even odds</a:t>
-            </a:r>
-            <a:endParaRPr lang="en-US" sz="2400" dirty="0">
-              <a:solidFill>
-                <a:srgbClr val="0070C0"/>
-              </a:solidFill>
-              <a:latin typeface="Cambria" panose="02040503050406030204" pitchFamily="18" charset="0"/>
-              <a:ea typeface="Cambria" panose="02040503050406030204" pitchFamily="18" charset="0"/>
-            </a:endParaRPr>
-          </a:p>
         </p:txBody>
       </p:sp>
       <p:sp>
@@ -6269,7 +6028,7 @@
           <p:cNvPr id="8" name="Date Placeholder 7">
             <a:extLst>
               <a:ext uri="{FF2B5EF4-FFF2-40B4-BE49-F238E27FC236}">
-                <a16:creationId xmlns:a16="http://schemas.microsoft.com/office/drawing/2014/main" id="{267398C4-5433-815B-534A-5548BEB93D24}"/>
+                <a16:creationId xmlns:a16="http://schemas.microsoft.com/office/drawing/2014/main" id="{C6B276BB-D9C5-4E59-4FC4-5C95D3C64CEB}"/>
               </a:ext>
             </a:extLst>
           </p:cNvPr>
@@ -6297,7 +6056,7 @@
           <p:cNvPr id="9" name="Slide Number Placeholder 8">
             <a:extLst>
               <a:ext uri="{FF2B5EF4-FFF2-40B4-BE49-F238E27FC236}">
-                <a16:creationId xmlns:a16="http://schemas.microsoft.com/office/drawing/2014/main" id="{13A379CF-F08E-4718-EFF0-69E358C021AA}"/>
+                <a16:creationId xmlns:a16="http://schemas.microsoft.com/office/drawing/2014/main" id="{5478EF6B-1460-30E8-BB25-46322BFC6BC1}"/>
               </a:ext>
             </a:extLst>
           </p:cNvPr>
@@ -6324,7 +6083,7 @@
     </p:spTree>
     <p:extLst>
       <p:ext uri="{BB962C8B-B14F-4D97-AF65-F5344CB8AC3E}">
-        <p14:creationId xmlns:p14="http://schemas.microsoft.com/office/powerpoint/2010/main" val="74456885"/>
+        <p14:creationId xmlns:p14="http://schemas.microsoft.com/office/powerpoint/2010/main" val="730789784"/>
       </p:ext>
     </p:extLst>
   </p:cSld>
@@ -6356,97 +6115,333 @@
           <p:cNvPr id="2" name="Title 1">
             <a:extLst>
               <a:ext uri="{FF2B5EF4-FFF2-40B4-BE49-F238E27FC236}">
-                <a16:creationId xmlns:a16="http://schemas.microsoft.com/office/drawing/2014/main" id="{1A8F82CE-0DF4-3E2B-491C-CDEC706F942F}"/>
-              </a:ext>
-            </a:extLst>
-          </p:cNvPr>
-          <p:cNvSpPr>
-            <a:spLocks noGrp="1"/>
-          </p:cNvSpPr>
-          <p:nvPr>
-            <p:ph type="ctrTitle"/>
+                <a16:creationId xmlns:a16="http://schemas.microsoft.com/office/drawing/2014/main" id="{45DB07F3-2AFB-5AF3-0F07-9426B7075E19}"/>
+              </a:ext>
+            </a:extLst>
+          </p:cNvPr>
+          <p:cNvSpPr>
+            <a:spLocks noGrp="1"/>
+          </p:cNvSpPr>
+          <p:nvPr>
+            <p:ph type="title"/>
           </p:nvPr>
         </p:nvSpPr>
         <p:spPr>
           <a:xfrm>
-            <a:off x="1524000" y="1739900"/>
-            <a:ext cx="9144000" cy="2387600"/>
+            <a:off x="838200" y="328612"/>
+            <a:ext cx="10515600" cy="1325563"/>
           </a:xfrm>
         </p:spPr>
         <p:txBody>
-          <a:bodyPr anchor="ctr"/>
-          <a:lstStyle/>
-          <a:p>
-            <a:r>
-              <a:rPr lang="en-US" dirty="0">
+          <a:bodyPr>
+            <a:normAutofit/>
+          </a:bodyPr>
+          <a:lstStyle/>
+          <a:p>
+            <a:r>
+              <a:rPr lang="en-US" sz="3600" dirty="0">
                 <a:solidFill>
                   <a:srgbClr val="DF3D92"/>
                 </a:solidFill>
                 <a:latin typeface="Georgia" panose="02040502050405020303" pitchFamily="18" charset="0"/>
               </a:rPr>
-              <a:t>Loops</a:t>
-            </a:r>
-          </a:p>
-        </p:txBody>
-      </p:sp>
-      <p:sp>
-        <p:nvSpPr>
-          <p:cNvPr id="3" name="Title 1">
-            <a:extLst>
-              <a:ext uri="{FF2B5EF4-FFF2-40B4-BE49-F238E27FC236}">
-                <a16:creationId xmlns:a16="http://schemas.microsoft.com/office/drawing/2014/main" id="{963347CF-8C48-104F-17B4-B62266AD47CF}"/>
-              </a:ext>
-            </a:extLst>
-          </p:cNvPr>
-          <p:cNvSpPr txBox="1">
-            <a:spLocks/>
-          </p:cNvSpPr>
-          <p:nvPr/>
+              <a:t>Selection statements problems</a:t>
+            </a:r>
+          </a:p>
+        </p:txBody>
+      </p:sp>
+      <p:sp>
+        <p:nvSpPr>
+          <p:cNvPr id="3" name="Content Placeholder 2">
+            <a:extLst>
+              <a:ext uri="{FF2B5EF4-FFF2-40B4-BE49-F238E27FC236}">
+                <a16:creationId xmlns:a16="http://schemas.microsoft.com/office/drawing/2014/main" id="{16A70A26-EF28-EEFE-A37A-048162AB0FCC}"/>
+              </a:ext>
+            </a:extLst>
+          </p:cNvPr>
+          <p:cNvSpPr>
+            <a:spLocks noGrp="1"/>
+          </p:cNvSpPr>
+          <p:nvPr>
+            <p:ph idx="1"/>
+          </p:nvPr>
         </p:nvSpPr>
         <p:spPr>
           <a:xfrm>
-            <a:off x="1524000" y="2933700"/>
-            <a:ext cx="9144000" cy="2387600"/>
+            <a:off x="838200" y="1654175"/>
+            <a:ext cx="10515600" cy="4351338"/>
           </a:xfrm>
-          <a:prstGeom prst="rect">
-            <a:avLst/>
-          </a:prstGeom>
         </p:spPr>
         <p:txBody>
-          <a:bodyPr vert="horz" lIns="91440" tIns="45720" rIns="91440" bIns="45720" rtlCol="0" anchor="ctr">
-            <a:normAutofit/>
+          <a:bodyPr numCol="1">
+            <a:normAutofit fontScale="92500"/>
           </a:bodyPr>
-          <a:lstStyle>
-            <a:lvl1pPr algn="ctr" defTabSz="914400" rtl="0" eaLnBrk="1" latinLnBrk="0" hangingPunct="1">
+          <a:lstStyle/>
+          <a:p>
+            <a:pPr marL="514350" indent="-514350">
               <a:lnSpc>
-                <a:spcPct val="90000"/>
+                <a:spcPct val="150000"/>
               </a:lnSpc>
-              <a:spcBef>
-                <a:spcPct val="0"/>
-              </a:spcBef>
-              <a:buNone/>
-              <a:defRPr sz="6000" kern="1200">
-                <a:solidFill>
-                  <a:schemeClr val="tx1"/>
-                </a:solidFill>
-                <a:latin typeface="+mj-lt"/>
-                <a:ea typeface="+mj-ea"/>
-                <a:cs typeface="+mj-cs"/>
-              </a:defRPr>
-            </a:lvl1pPr>
-          </a:lstStyle>
-          <a:p>
-            <a:r>
-              <a:rPr lang="en-US" sz="2800" dirty="0">
-                <a:solidFill>
-                  <a:schemeClr val="bg2">
-                    <a:lumMod val="50000"/>
-                  </a:schemeClr>
-                </a:solidFill>
-                <a:latin typeface="Georgia" panose="02040502050405020303" pitchFamily="18" charset="0"/>
-              </a:rPr>
-              <a:t>for, while, do-while</a:t>
-            </a:r>
+              <a:buFont typeface="+mj-lt"/>
+              <a:buAutoNum type="arabicPeriod"/>
+            </a:pPr>
+            <a:r>
+              <a:rPr lang="en-US" sz="2400" dirty="0" err="1">
+                <a:solidFill>
+                  <a:srgbClr val="0070C0"/>
+                </a:solidFill>
+                <a:latin typeface="Cambria" panose="02040503050406030204" pitchFamily="18" charset="0"/>
+                <a:ea typeface="Cambria" panose="02040503050406030204" pitchFamily="18" charset="0"/>
+                <a:hlinkClick r:id="rId2"/>
+              </a:rPr>
+              <a:t>Hackerrank</a:t>
+            </a:r>
+            <a:r>
+              <a:rPr lang="en-US" sz="2400" dirty="0">
+                <a:solidFill>
+                  <a:srgbClr val="0070C0"/>
+                </a:solidFill>
+                <a:latin typeface="Cambria" panose="02040503050406030204" pitchFamily="18" charset="0"/>
+                <a:ea typeface="Cambria" panose="02040503050406030204" pitchFamily="18" charset="0"/>
+                <a:hlinkClick r:id="rId2"/>
+              </a:rPr>
+              <a:t> - Conditional statements</a:t>
+            </a:r>
+            <a:endParaRPr lang="en-US" sz="2400" dirty="0">
+              <a:solidFill>
+                <a:srgbClr val="0070C0"/>
+              </a:solidFill>
+              <a:latin typeface="Cambria" panose="02040503050406030204" pitchFamily="18" charset="0"/>
+              <a:ea typeface="Cambria" panose="02040503050406030204" pitchFamily="18" charset="0"/>
+            </a:endParaRPr>
+          </a:p>
+          <a:p>
+            <a:pPr marL="514350" indent="-514350">
+              <a:lnSpc>
+                <a:spcPct val="150000"/>
+              </a:lnSpc>
+              <a:buFont typeface="+mj-lt"/>
+              <a:buAutoNum type="arabicPeriod"/>
+            </a:pPr>
+            <a:r>
+              <a:rPr lang="en-US" sz="2400" dirty="0" err="1">
+                <a:solidFill>
+                  <a:srgbClr val="0070C0"/>
+                </a:solidFill>
+                <a:latin typeface="Cambria" panose="02040503050406030204" pitchFamily="18" charset="0"/>
+                <a:ea typeface="Cambria" panose="02040503050406030204" pitchFamily="18" charset="0"/>
+                <a:hlinkClick r:id="rId3"/>
+              </a:rPr>
+              <a:t>Codeforces</a:t>
+            </a:r>
+            <a:r>
+              <a:rPr lang="en-US" sz="2400" dirty="0">
+                <a:solidFill>
+                  <a:srgbClr val="0070C0"/>
+                </a:solidFill>
+                <a:latin typeface="Cambria" panose="02040503050406030204" pitchFamily="18" charset="0"/>
+                <a:ea typeface="Cambria" panose="02040503050406030204" pitchFamily="18" charset="0"/>
+                <a:hlinkClick r:id="rId3"/>
+              </a:rPr>
+              <a:t> – watermelon</a:t>
+            </a:r>
+            <a:endParaRPr lang="en-US" sz="2400" dirty="0">
+              <a:solidFill>
+                <a:srgbClr val="0070C0"/>
+              </a:solidFill>
+              <a:latin typeface="Cambria" panose="02040503050406030204" pitchFamily="18" charset="0"/>
+              <a:ea typeface="Cambria" panose="02040503050406030204" pitchFamily="18" charset="0"/>
+            </a:endParaRPr>
+          </a:p>
+          <a:p>
+            <a:pPr marL="514350" indent="-514350">
+              <a:lnSpc>
+                <a:spcPct val="150000"/>
+              </a:lnSpc>
+              <a:buFont typeface="+mj-lt"/>
+              <a:buAutoNum type="arabicPeriod"/>
+            </a:pPr>
+            <a:r>
+              <a:rPr lang="en-US" sz="2400" dirty="0" err="1">
+                <a:solidFill>
+                  <a:srgbClr val="0070C0"/>
+                </a:solidFill>
+                <a:latin typeface="Cambria" panose="02040503050406030204" pitchFamily="18" charset="0"/>
+                <a:ea typeface="Cambria" panose="02040503050406030204" pitchFamily="18" charset="0"/>
+                <a:hlinkClick r:id="rId4"/>
+              </a:rPr>
+              <a:t>Codeforces</a:t>
+            </a:r>
+            <a:r>
+              <a:rPr lang="en-US" sz="2400" dirty="0">
+                <a:solidFill>
+                  <a:srgbClr val="0070C0"/>
+                </a:solidFill>
+                <a:latin typeface="Cambria" panose="02040503050406030204" pitchFamily="18" charset="0"/>
+                <a:ea typeface="Cambria" panose="02040503050406030204" pitchFamily="18" charset="0"/>
+                <a:hlinkClick r:id="rId4"/>
+              </a:rPr>
+              <a:t> - Soldier and Bananas</a:t>
+            </a:r>
+            <a:endParaRPr lang="en-US" sz="2400" dirty="0">
+              <a:solidFill>
+                <a:srgbClr val="0070C0"/>
+              </a:solidFill>
+              <a:latin typeface="Cambria" panose="02040503050406030204" pitchFamily="18" charset="0"/>
+              <a:ea typeface="Cambria" panose="02040503050406030204" pitchFamily="18" charset="0"/>
+            </a:endParaRPr>
+          </a:p>
+          <a:p>
+            <a:pPr marL="514350" indent="-514350">
+              <a:lnSpc>
+                <a:spcPct val="150000"/>
+              </a:lnSpc>
+              <a:buFont typeface="+mj-lt"/>
+              <a:buAutoNum type="arabicPeriod"/>
+            </a:pPr>
+            <a:r>
+              <a:rPr lang="en-US" sz="2400" dirty="0" err="1">
+                <a:solidFill>
+                  <a:srgbClr val="0070C0"/>
+                </a:solidFill>
+                <a:latin typeface="Cambria" panose="02040503050406030204" pitchFamily="18" charset="0"/>
+                <a:ea typeface="Cambria" panose="02040503050406030204" pitchFamily="18" charset="0"/>
+                <a:hlinkClick r:id="rId5"/>
+              </a:rPr>
+              <a:t>Codeforces</a:t>
+            </a:r>
+            <a:r>
+              <a:rPr lang="en-US" sz="2400" dirty="0">
+                <a:solidFill>
+                  <a:srgbClr val="0070C0"/>
+                </a:solidFill>
+                <a:latin typeface="Cambria" panose="02040503050406030204" pitchFamily="18" charset="0"/>
+                <a:ea typeface="Cambria" panose="02040503050406030204" pitchFamily="18" charset="0"/>
+                <a:hlinkClick r:id="rId5"/>
+              </a:rPr>
+              <a:t> -  Lucky division</a:t>
+            </a:r>
+            <a:endParaRPr lang="en-US" sz="2400" dirty="0">
+              <a:solidFill>
+                <a:srgbClr val="0070C0"/>
+              </a:solidFill>
+              <a:latin typeface="Cambria" panose="02040503050406030204" pitchFamily="18" charset="0"/>
+              <a:ea typeface="Cambria" panose="02040503050406030204" pitchFamily="18" charset="0"/>
+            </a:endParaRPr>
+          </a:p>
+          <a:p>
+            <a:pPr marL="514350" indent="-514350">
+              <a:lnSpc>
+                <a:spcPct val="150000"/>
+              </a:lnSpc>
+              <a:buFont typeface="+mj-lt"/>
+              <a:buAutoNum type="arabicPeriod"/>
+            </a:pPr>
+            <a:r>
+              <a:rPr lang="en-US" sz="2400" dirty="0" err="1">
+                <a:solidFill>
+                  <a:srgbClr val="0070C0"/>
+                </a:solidFill>
+                <a:latin typeface="Cambria" panose="02040503050406030204" pitchFamily="18" charset="0"/>
+                <a:ea typeface="Cambria" panose="02040503050406030204" pitchFamily="18" charset="0"/>
+                <a:hlinkClick r:id="rId6"/>
+              </a:rPr>
+              <a:t>Codeforces</a:t>
+            </a:r>
+            <a:r>
+              <a:rPr lang="en-US" sz="2400" dirty="0">
+                <a:solidFill>
+                  <a:srgbClr val="0070C0"/>
+                </a:solidFill>
+                <a:latin typeface="Cambria" panose="02040503050406030204" pitchFamily="18" charset="0"/>
+                <a:ea typeface="Cambria" panose="02040503050406030204" pitchFamily="18" charset="0"/>
+                <a:hlinkClick r:id="rId6"/>
+              </a:rPr>
+              <a:t> - Theatre square</a:t>
+            </a:r>
+            <a:endParaRPr lang="en-US" sz="2400" dirty="0">
+              <a:solidFill>
+                <a:srgbClr val="0070C0"/>
+              </a:solidFill>
+              <a:latin typeface="Cambria" panose="02040503050406030204" pitchFamily="18" charset="0"/>
+              <a:ea typeface="Cambria" panose="02040503050406030204" pitchFamily="18" charset="0"/>
+            </a:endParaRPr>
+          </a:p>
+          <a:p>
+            <a:pPr marL="514350" indent="-514350">
+              <a:lnSpc>
+                <a:spcPct val="150000"/>
+              </a:lnSpc>
+              <a:buFont typeface="+mj-lt"/>
+              <a:buAutoNum type="arabicPeriod"/>
+            </a:pPr>
+            <a:r>
+              <a:rPr lang="en-US" sz="2400" dirty="0" err="1">
+                <a:solidFill>
+                  <a:srgbClr val="0070C0"/>
+                </a:solidFill>
+                <a:latin typeface="Cambria" panose="02040503050406030204" pitchFamily="18" charset="0"/>
+                <a:ea typeface="Cambria" panose="02040503050406030204" pitchFamily="18" charset="0"/>
+                <a:hlinkClick r:id="rId7"/>
+              </a:rPr>
+              <a:t>Codeforces</a:t>
+            </a:r>
+            <a:r>
+              <a:rPr lang="en-US" sz="2400" dirty="0">
+                <a:solidFill>
+                  <a:srgbClr val="0070C0"/>
+                </a:solidFill>
+                <a:latin typeface="Cambria" panose="02040503050406030204" pitchFamily="18" charset="0"/>
+                <a:ea typeface="Cambria" panose="02040503050406030204" pitchFamily="18" charset="0"/>
+                <a:hlinkClick r:id="rId7"/>
+              </a:rPr>
+              <a:t> - Cheap travel</a:t>
+            </a:r>
+            <a:endParaRPr lang="en-US" sz="2400" dirty="0">
+              <a:solidFill>
+                <a:srgbClr val="0070C0"/>
+              </a:solidFill>
+              <a:latin typeface="Cambria" panose="02040503050406030204" pitchFamily="18" charset="0"/>
+              <a:ea typeface="Cambria" panose="02040503050406030204" pitchFamily="18" charset="0"/>
+            </a:endParaRPr>
+          </a:p>
+          <a:p>
+            <a:pPr marL="514350" indent="-514350">
+              <a:lnSpc>
+                <a:spcPct val="150000"/>
+              </a:lnSpc>
+              <a:buFont typeface="+mj-lt"/>
+              <a:buAutoNum type="arabicPeriod"/>
+            </a:pPr>
+            <a:r>
+              <a:rPr lang="en-US" sz="2400" dirty="0" err="1">
+                <a:solidFill>
+                  <a:srgbClr val="0070C0"/>
+                </a:solidFill>
+                <a:latin typeface="Cambria" panose="02040503050406030204" pitchFamily="18" charset="0"/>
+                <a:ea typeface="Cambria" panose="02040503050406030204" pitchFamily="18" charset="0"/>
+                <a:hlinkClick r:id="rId8"/>
+              </a:rPr>
+              <a:t>Codeforces</a:t>
+            </a:r>
+            <a:r>
+              <a:rPr lang="en-US" sz="2400" dirty="0">
+                <a:solidFill>
+                  <a:srgbClr val="0070C0"/>
+                </a:solidFill>
+                <a:latin typeface="Cambria" panose="02040503050406030204" pitchFamily="18" charset="0"/>
+                <a:ea typeface="Cambria" panose="02040503050406030204" pitchFamily="18" charset="0"/>
+                <a:hlinkClick r:id="rId8"/>
+              </a:rPr>
+              <a:t> - Even odds</a:t>
+            </a:r>
+            <a:endParaRPr lang="en-US" sz="2400" dirty="0">
+              <a:solidFill>
+                <a:srgbClr val="0070C0"/>
+              </a:solidFill>
+              <a:latin typeface="Cambria" panose="02040503050406030204" pitchFamily="18" charset="0"/>
+              <a:ea typeface="Cambria" panose="02040503050406030204" pitchFamily="18" charset="0"/>
+            </a:endParaRPr>
           </a:p>
         </p:txBody>
       </p:sp>
@@ -6455,7 +6450,7 @@
           <p:cNvPr id="8" name="Date Placeholder 7">
             <a:extLst>
               <a:ext uri="{FF2B5EF4-FFF2-40B4-BE49-F238E27FC236}">
-                <a16:creationId xmlns:a16="http://schemas.microsoft.com/office/drawing/2014/main" id="{55CEABB4-5BF4-5795-5B94-2118C65316CC}"/>
+                <a16:creationId xmlns:a16="http://schemas.microsoft.com/office/drawing/2014/main" id="{267398C4-5433-815B-534A-5548BEB93D24}"/>
               </a:ext>
             </a:extLst>
           </p:cNvPr>
@@ -6483,7 +6478,7 @@
           <p:cNvPr id="9" name="Slide Number Placeholder 8">
             <a:extLst>
               <a:ext uri="{FF2B5EF4-FFF2-40B4-BE49-F238E27FC236}">
-                <a16:creationId xmlns:a16="http://schemas.microsoft.com/office/drawing/2014/main" id="{57EC1B45-F0C7-E2AE-3147-C5610DD45256}"/>
+                <a16:creationId xmlns:a16="http://schemas.microsoft.com/office/drawing/2014/main" id="{13A379CF-F08E-4718-EFF0-69E358C021AA}"/>
               </a:ext>
             </a:extLst>
           </p:cNvPr>
@@ -6510,7 +6505,7 @@
     </p:spTree>
     <p:extLst>
       <p:ext uri="{BB962C8B-B14F-4D97-AF65-F5344CB8AC3E}">
-        <p14:creationId xmlns:p14="http://schemas.microsoft.com/office/powerpoint/2010/main" val="2985009230"/>
+        <p14:creationId xmlns:p14="http://schemas.microsoft.com/office/powerpoint/2010/main" val="74456885"/>
       </p:ext>
     </p:extLst>
   </p:cSld>
@@ -6542,20 +6537,25 @@
           <p:cNvPr id="2" name="Title 1">
             <a:extLst>
               <a:ext uri="{FF2B5EF4-FFF2-40B4-BE49-F238E27FC236}">
-                <a16:creationId xmlns:a16="http://schemas.microsoft.com/office/drawing/2014/main" id="{45DB07F3-2AFB-5AF3-0F07-9426B7075E19}"/>
-              </a:ext>
-            </a:extLst>
-          </p:cNvPr>
-          <p:cNvSpPr>
-            <a:spLocks noGrp="1"/>
-          </p:cNvSpPr>
-          <p:nvPr>
-            <p:ph type="title"/>
-          </p:nvPr>
-        </p:nvSpPr>
-        <p:spPr/>
-        <p:txBody>
-          <a:bodyPr/>
+                <a16:creationId xmlns:a16="http://schemas.microsoft.com/office/drawing/2014/main" id="{1A8F82CE-0DF4-3E2B-491C-CDEC706F942F}"/>
+              </a:ext>
+            </a:extLst>
+          </p:cNvPr>
+          <p:cNvSpPr>
+            <a:spLocks noGrp="1"/>
+          </p:cNvSpPr>
+          <p:nvPr>
+            <p:ph type="ctrTitle"/>
+          </p:nvPr>
+        </p:nvSpPr>
+        <p:spPr>
+          <a:xfrm>
+            <a:off x="1524000" y="1739900"/>
+            <a:ext cx="9144000" cy="2387600"/>
+          </a:xfrm>
+        </p:spPr>
+        <p:txBody>
+          <a:bodyPr anchor="ctr"/>
           <a:lstStyle/>
           <a:p>
             <a:r>
@@ -6565,194 +6565,69 @@
                 </a:solidFill>
                 <a:latin typeface="Georgia" panose="02040502050405020303" pitchFamily="18" charset="0"/>
               </a:rPr>
-              <a:t>Loops videos </a:t>
-            </a:r>
-          </a:p>
-        </p:txBody>
-      </p:sp>
-      <p:sp>
-        <p:nvSpPr>
-          <p:cNvPr id="3" name="Content Placeholder 2">
-            <a:extLst>
-              <a:ext uri="{FF2B5EF4-FFF2-40B4-BE49-F238E27FC236}">
-                <a16:creationId xmlns:a16="http://schemas.microsoft.com/office/drawing/2014/main" id="{16A70A26-EF28-EEFE-A37A-048162AB0FCC}"/>
-              </a:ext>
-            </a:extLst>
-          </p:cNvPr>
-          <p:cNvSpPr>
-            <a:spLocks noGrp="1"/>
-          </p:cNvSpPr>
-          <p:nvPr>
-            <p:ph idx="1"/>
-          </p:nvPr>
-        </p:nvSpPr>
-        <p:spPr/>
-        <p:txBody>
-          <a:bodyPr anchor="ctr">
+              <a:t>Loops</a:t>
+            </a:r>
+          </a:p>
+        </p:txBody>
+      </p:sp>
+      <p:sp>
+        <p:nvSpPr>
+          <p:cNvPr id="3" name="Title 1">
+            <a:extLst>
+              <a:ext uri="{FF2B5EF4-FFF2-40B4-BE49-F238E27FC236}">
+                <a16:creationId xmlns:a16="http://schemas.microsoft.com/office/drawing/2014/main" id="{963347CF-8C48-104F-17B4-B62266AD47CF}"/>
+              </a:ext>
+            </a:extLst>
+          </p:cNvPr>
+          <p:cNvSpPr txBox="1">
+            <a:spLocks/>
+          </p:cNvSpPr>
+          <p:nvPr/>
+        </p:nvSpPr>
+        <p:spPr>
+          <a:xfrm>
+            <a:off x="1524000" y="2933700"/>
+            <a:ext cx="9144000" cy="2387600"/>
+          </a:xfrm>
+          <a:prstGeom prst="rect">
+            <a:avLst/>
+          </a:prstGeom>
+        </p:spPr>
+        <p:txBody>
+          <a:bodyPr vert="horz" lIns="91440" tIns="45720" rIns="91440" bIns="45720" rtlCol="0" anchor="ctr">
             <a:normAutofit/>
           </a:bodyPr>
-          <a:lstStyle/>
-          <a:p>
-            <a:pPr marL="514350" indent="-514350">
+          <a:lstStyle>
+            <a:lvl1pPr algn="ctr" defTabSz="914400" rtl="0" eaLnBrk="1" latinLnBrk="0" hangingPunct="1">
               <a:lnSpc>
-                <a:spcPct val="160000"/>
+                <a:spcPct val="90000"/>
               </a:lnSpc>
-              <a:buFont typeface="+mj-lt"/>
-              <a:buAutoNum type="arabicPeriod"/>
-            </a:pPr>
-            <a:r>
-              <a:rPr lang="en-US" sz="2400" dirty="0">
-                <a:solidFill>
-                  <a:srgbClr val="0070C0"/>
-                </a:solidFill>
-                <a:latin typeface="Cambria" panose="02040503050406030204" pitchFamily="18" charset="0"/>
-                <a:ea typeface="Cambria" panose="02040503050406030204" pitchFamily="18" charset="0"/>
-                <a:hlinkClick r:id="rId2"/>
-              </a:rPr>
-              <a:t>While, do-while loops</a:t>
-            </a:r>
-            <a:endParaRPr lang="en-US" sz="2400" dirty="0">
-              <a:solidFill>
-                <a:srgbClr val="0070C0"/>
-              </a:solidFill>
-              <a:latin typeface="Cambria" panose="02040503050406030204" pitchFamily="18" charset="0"/>
-              <a:ea typeface="Cambria" panose="02040503050406030204" pitchFamily="18" charset="0"/>
-            </a:endParaRPr>
-          </a:p>
-          <a:p>
-            <a:pPr marL="514350" indent="-514350">
-              <a:lnSpc>
-                <a:spcPct val="160000"/>
-              </a:lnSpc>
-              <a:buFont typeface="+mj-lt"/>
-              <a:buAutoNum type="arabicPeriod"/>
-            </a:pPr>
-            <a:r>
-              <a:rPr lang="en-US" sz="2400" dirty="0">
-                <a:solidFill>
-                  <a:srgbClr val="0070C0"/>
-                </a:solidFill>
-                <a:latin typeface="Cambria" panose="02040503050406030204" pitchFamily="18" charset="0"/>
-                <a:ea typeface="Cambria" panose="02040503050406030204" pitchFamily="18" charset="0"/>
-                <a:hlinkClick r:id="rId3"/>
-              </a:rPr>
-              <a:t>For loop</a:t>
-            </a:r>
-            <a:endParaRPr lang="en-US" sz="2400" dirty="0">
-              <a:solidFill>
-                <a:srgbClr val="0070C0"/>
-              </a:solidFill>
-              <a:latin typeface="Cambria" panose="02040503050406030204" pitchFamily="18" charset="0"/>
-              <a:ea typeface="Cambria" panose="02040503050406030204" pitchFamily="18" charset="0"/>
-            </a:endParaRPr>
-          </a:p>
-          <a:p>
-            <a:pPr marL="514350" indent="-514350">
-              <a:lnSpc>
-                <a:spcPct val="160000"/>
-              </a:lnSpc>
-              <a:buFont typeface="+mj-lt"/>
-              <a:buAutoNum type="arabicPeriod"/>
-            </a:pPr>
-            <a:r>
-              <a:rPr lang="en-US" sz="2400" dirty="0">
-                <a:solidFill>
-                  <a:srgbClr val="0070C0"/>
-                </a:solidFill>
-                <a:latin typeface="Cambria" panose="02040503050406030204" pitchFamily="18" charset="0"/>
-                <a:ea typeface="Cambria" panose="02040503050406030204" pitchFamily="18" charset="0"/>
-                <a:hlinkClick r:id="rId4"/>
-              </a:rPr>
-              <a:t>Examples of loop, break, continue</a:t>
-            </a:r>
-            <a:endParaRPr lang="en-US" sz="2400" dirty="0">
-              <a:solidFill>
-                <a:srgbClr val="0070C0"/>
-              </a:solidFill>
-              <a:latin typeface="Cambria" panose="02040503050406030204" pitchFamily="18" charset="0"/>
-              <a:ea typeface="Cambria" panose="02040503050406030204" pitchFamily="18" charset="0"/>
-            </a:endParaRPr>
-          </a:p>
-          <a:p>
-            <a:pPr marL="514350" indent="-514350">
-              <a:lnSpc>
-                <a:spcPct val="160000"/>
-              </a:lnSpc>
-              <a:buFont typeface="+mj-lt"/>
-              <a:buAutoNum type="arabicPeriod"/>
-            </a:pPr>
-            <a:r>
-              <a:rPr lang="en-US" sz="2400" dirty="0">
-                <a:solidFill>
-                  <a:srgbClr val="0070C0"/>
-                </a:solidFill>
-                <a:latin typeface="Cambria" panose="02040503050406030204" pitchFamily="18" charset="0"/>
-                <a:ea typeface="Cambria" panose="02040503050406030204" pitchFamily="18" charset="0"/>
-                <a:hlinkClick r:id="rId5"/>
-              </a:rPr>
-              <a:t>Nested loop</a:t>
-            </a:r>
-            <a:endParaRPr lang="en-US" sz="2400" dirty="0">
-              <a:solidFill>
-                <a:srgbClr val="0070C0"/>
-              </a:solidFill>
-              <a:latin typeface="Cambria" panose="02040503050406030204" pitchFamily="18" charset="0"/>
-              <a:ea typeface="Cambria" panose="02040503050406030204" pitchFamily="18" charset="0"/>
-            </a:endParaRPr>
-          </a:p>
-          <a:p>
-            <a:pPr marL="514350" indent="-514350">
-              <a:lnSpc>
-                <a:spcPct val="160000"/>
-              </a:lnSpc>
-              <a:buFont typeface="+mj-lt"/>
-              <a:buAutoNum type="arabicPeriod"/>
-            </a:pPr>
-            <a:r>
-              <a:rPr lang="en-US" sz="2400" dirty="0">
-                <a:solidFill>
-                  <a:srgbClr val="0070C0"/>
-                </a:solidFill>
-                <a:latin typeface="Cambria" panose="02040503050406030204" pitchFamily="18" charset="0"/>
-                <a:ea typeface="Cambria" panose="02040503050406030204" pitchFamily="18" charset="0"/>
-                <a:hlinkClick r:id="rId6"/>
-              </a:rPr>
-              <a:t>Draw shapes (triangle)</a:t>
-            </a:r>
-            <a:endParaRPr lang="en-US" sz="2400" dirty="0">
-              <a:solidFill>
-                <a:srgbClr val="0070C0"/>
-              </a:solidFill>
-              <a:latin typeface="Cambria" panose="02040503050406030204" pitchFamily="18" charset="0"/>
-              <a:ea typeface="Cambria" panose="02040503050406030204" pitchFamily="18" charset="0"/>
-            </a:endParaRPr>
-          </a:p>
-          <a:p>
-            <a:pPr marL="514350" indent="-514350">
-              <a:lnSpc>
-                <a:spcPct val="160000"/>
-              </a:lnSpc>
-              <a:buFont typeface="+mj-lt"/>
-              <a:buAutoNum type="arabicPeriod"/>
-            </a:pPr>
-            <a:r>
-              <a:rPr lang="en-US" sz="2400" dirty="0">
-                <a:solidFill>
-                  <a:srgbClr val="0070C0"/>
-                </a:solidFill>
-                <a:latin typeface="Cambria" panose="02040503050406030204" pitchFamily="18" charset="0"/>
-                <a:ea typeface="Cambria" panose="02040503050406030204" pitchFamily="18" charset="0"/>
-                <a:hlinkClick r:id="rId7"/>
-              </a:rPr>
-              <a:t>Draw shapes (square &amp; some letters)</a:t>
-            </a:r>
-            <a:endParaRPr lang="en-US" sz="2400" dirty="0">
-              <a:solidFill>
-                <a:srgbClr val="0070C0"/>
-              </a:solidFill>
-              <a:latin typeface="Cambria" panose="02040503050406030204" pitchFamily="18" charset="0"/>
-              <a:ea typeface="Cambria" panose="02040503050406030204" pitchFamily="18" charset="0"/>
-            </a:endParaRPr>
+              <a:spcBef>
+                <a:spcPct val="0"/>
+              </a:spcBef>
+              <a:buNone/>
+              <a:defRPr sz="6000" kern="1200">
+                <a:solidFill>
+                  <a:schemeClr val="tx1"/>
+                </a:solidFill>
+                <a:latin typeface="+mj-lt"/>
+                <a:ea typeface="+mj-ea"/>
+                <a:cs typeface="+mj-cs"/>
+              </a:defRPr>
+            </a:lvl1pPr>
+          </a:lstStyle>
+          <a:p>
+            <a:r>
+              <a:rPr lang="en-US" sz="2800" dirty="0">
+                <a:solidFill>
+                  <a:schemeClr val="bg2">
+                    <a:lumMod val="50000"/>
+                  </a:schemeClr>
+                </a:solidFill>
+                <a:latin typeface="Georgia" panose="02040502050405020303" pitchFamily="18" charset="0"/>
+              </a:rPr>
+              <a:t>for, while, do-while</a:t>
+            </a:r>
           </a:p>
         </p:txBody>
       </p:sp>
@@ -6761,7 +6636,7 @@
           <p:cNvPr id="8" name="Date Placeholder 7">
             <a:extLst>
               <a:ext uri="{FF2B5EF4-FFF2-40B4-BE49-F238E27FC236}">
-                <a16:creationId xmlns:a16="http://schemas.microsoft.com/office/drawing/2014/main" id="{3291539D-E5FC-AB9E-B7D4-8BB4C04945EF}"/>
+                <a16:creationId xmlns:a16="http://schemas.microsoft.com/office/drawing/2014/main" id="{55CEABB4-5BF4-5795-5B94-2118C65316CC}"/>
               </a:ext>
             </a:extLst>
           </p:cNvPr>
@@ -6789,7 +6664,7 @@
           <p:cNvPr id="9" name="Slide Number Placeholder 8">
             <a:extLst>
               <a:ext uri="{FF2B5EF4-FFF2-40B4-BE49-F238E27FC236}">
-                <a16:creationId xmlns:a16="http://schemas.microsoft.com/office/drawing/2014/main" id="{7DB9E99A-737C-34A6-0C19-5F9888157F61}"/>
+                <a16:creationId xmlns:a16="http://schemas.microsoft.com/office/drawing/2014/main" id="{57EC1B45-F0C7-E2AE-3147-C5610DD45256}"/>
               </a:ext>
             </a:extLst>
           </p:cNvPr>
@@ -6816,7 +6691,7 @@
     </p:spTree>
     <p:extLst>
       <p:ext uri="{BB962C8B-B14F-4D97-AF65-F5344CB8AC3E}">
-        <p14:creationId xmlns:p14="http://schemas.microsoft.com/office/powerpoint/2010/main" val="3918814774"/>
+        <p14:creationId xmlns:p14="http://schemas.microsoft.com/office/powerpoint/2010/main" val="2985009230"/>
       </p:ext>
     </p:extLst>
   </p:cSld>
@@ -7074,67 +6949,55 @@
             <p:ph type="title"/>
           </p:nvPr>
         </p:nvSpPr>
-        <p:spPr>
-          <a:xfrm>
-            <a:off x="838200" y="471487"/>
-            <a:ext cx="10515600" cy="1325563"/>
-          </a:xfrm>
-        </p:spPr>
-        <p:txBody>
-          <a:bodyPr>
+        <p:spPr/>
+        <p:txBody>
+          <a:bodyPr/>
+          <a:lstStyle/>
+          <a:p>
+            <a:r>
+              <a:rPr lang="en-US" dirty="0">
+                <a:solidFill>
+                  <a:srgbClr val="DF3D92"/>
+                </a:solidFill>
+                <a:latin typeface="Georgia" panose="02040502050405020303" pitchFamily="18" charset="0"/>
+              </a:rPr>
+              <a:t>Loops videos </a:t>
+            </a:r>
+          </a:p>
+        </p:txBody>
+      </p:sp>
+      <p:sp>
+        <p:nvSpPr>
+          <p:cNvPr id="3" name="Content Placeholder 2">
+            <a:extLst>
+              <a:ext uri="{FF2B5EF4-FFF2-40B4-BE49-F238E27FC236}">
+                <a16:creationId xmlns:a16="http://schemas.microsoft.com/office/drawing/2014/main" id="{16A70A26-EF28-EEFE-A37A-048162AB0FCC}"/>
+              </a:ext>
+            </a:extLst>
+          </p:cNvPr>
+          <p:cNvSpPr>
+            <a:spLocks noGrp="1"/>
+          </p:cNvSpPr>
+          <p:nvPr>
+            <p:ph idx="1"/>
+          </p:nvPr>
+        </p:nvSpPr>
+        <p:spPr/>
+        <p:txBody>
+          <a:bodyPr anchor="ctr">
             <a:normAutofit/>
           </a:bodyPr>
           <a:lstStyle/>
           <a:p>
-            <a:r>
-              <a:rPr lang="en-US" sz="3600" dirty="0">
-                <a:solidFill>
-                  <a:srgbClr val="DF3D92"/>
-                </a:solidFill>
-                <a:latin typeface="Georgia" panose="02040502050405020303" pitchFamily="18" charset="0"/>
-              </a:rPr>
-              <a:t>Loops problems</a:t>
-            </a:r>
-          </a:p>
-        </p:txBody>
-      </p:sp>
-      <p:sp>
-        <p:nvSpPr>
-          <p:cNvPr id="3" name="Content Placeholder 2">
-            <a:extLst>
-              <a:ext uri="{FF2B5EF4-FFF2-40B4-BE49-F238E27FC236}">
-                <a16:creationId xmlns:a16="http://schemas.microsoft.com/office/drawing/2014/main" id="{16A70A26-EF28-EEFE-A37A-048162AB0FCC}"/>
-              </a:ext>
-            </a:extLst>
-          </p:cNvPr>
-          <p:cNvSpPr>
-            <a:spLocks noGrp="1"/>
-          </p:cNvSpPr>
-          <p:nvPr>
-            <p:ph idx="1"/>
-          </p:nvPr>
-        </p:nvSpPr>
-        <p:spPr>
-          <a:xfrm>
-            <a:off x="838200" y="1886743"/>
-            <a:ext cx="10515600" cy="4351338"/>
-          </a:xfrm>
-        </p:spPr>
-        <p:txBody>
-          <a:bodyPr numCol="2" anchor="ctr">
-            <a:normAutofit/>
-          </a:bodyPr>
-          <a:lstStyle/>
-          <a:p>
             <a:pPr marL="514350" indent="-514350">
               <a:lnSpc>
-                <a:spcPct val="150000"/>
+                <a:spcPct val="160000"/>
               </a:lnSpc>
               <a:buFont typeface="+mj-lt"/>
               <a:buAutoNum type="arabicPeriod"/>
             </a:pPr>
             <a:r>
-              <a:rPr lang="en-US" sz="2400" dirty="0" err="1">
+              <a:rPr lang="en-US" sz="2400" dirty="0">
                 <a:solidFill>
                   <a:srgbClr val="0070C0"/>
                 </a:solidFill>
@@ -7142,18 +7005,7 @@
                 <a:ea typeface="Cambria" panose="02040503050406030204" pitchFamily="18" charset="0"/>
                 <a:hlinkClick r:id="rId2"/>
               </a:rPr>
-              <a:t>Hackerrank</a:t>
-            </a:r>
-            <a:r>
-              <a:rPr lang="en-US" sz="2400" dirty="0">
-                <a:solidFill>
-                  <a:srgbClr val="0070C0"/>
-                </a:solidFill>
-                <a:latin typeface="Cambria" panose="02040503050406030204" pitchFamily="18" charset="0"/>
-                <a:ea typeface="Cambria" panose="02040503050406030204" pitchFamily="18" charset="0"/>
-                <a:hlinkClick r:id="rId2"/>
-              </a:rPr>
-              <a:t> - For Loop</a:t>
+              <a:t>While, do-while loops</a:t>
             </a:r>
             <a:endParaRPr lang="en-US" sz="2400" dirty="0">
               <a:solidFill>
@@ -7166,13 +7018,13 @@
           <a:p>
             <a:pPr marL="514350" indent="-514350">
               <a:lnSpc>
-                <a:spcPct val="150000"/>
+                <a:spcPct val="160000"/>
               </a:lnSpc>
               <a:buFont typeface="+mj-lt"/>
               <a:buAutoNum type="arabicPeriod"/>
             </a:pPr>
             <a:r>
-              <a:rPr lang="en-US" sz="2400" dirty="0" err="1">
+              <a:rPr lang="en-US" sz="2400" dirty="0">
                 <a:solidFill>
                   <a:srgbClr val="0070C0"/>
                 </a:solidFill>
@@ -7180,18 +7032,7 @@
                 <a:ea typeface="Cambria" panose="02040503050406030204" pitchFamily="18" charset="0"/>
                 <a:hlinkClick r:id="rId3"/>
               </a:rPr>
-              <a:t>Codeforces</a:t>
-            </a:r>
-            <a:r>
-              <a:rPr lang="en-US" sz="2400" dirty="0">
-                <a:solidFill>
-                  <a:srgbClr val="0070C0"/>
-                </a:solidFill>
-                <a:latin typeface="Cambria" panose="02040503050406030204" pitchFamily="18" charset="0"/>
-                <a:ea typeface="Cambria" panose="02040503050406030204" pitchFamily="18" charset="0"/>
-                <a:hlinkClick r:id="rId3"/>
-              </a:rPr>
-              <a:t> - A+B</a:t>
+              <a:t>For loop</a:t>
             </a:r>
             <a:endParaRPr lang="en-US" sz="2400" dirty="0">
               <a:solidFill>
@@ -7204,13 +7045,13 @@
           <a:p>
             <a:pPr marL="514350" indent="-514350">
               <a:lnSpc>
-                <a:spcPct val="150000"/>
+                <a:spcPct val="160000"/>
               </a:lnSpc>
               <a:buFont typeface="+mj-lt"/>
               <a:buAutoNum type="arabicPeriod"/>
             </a:pPr>
             <a:r>
-              <a:rPr lang="en-US" sz="2400" dirty="0" err="1">
+              <a:rPr lang="en-US" sz="2400" dirty="0">
                 <a:solidFill>
                   <a:srgbClr val="0070C0"/>
                 </a:solidFill>
@@ -7218,18 +7059,7 @@
                 <a:ea typeface="Cambria" panose="02040503050406030204" pitchFamily="18" charset="0"/>
                 <a:hlinkClick r:id="rId4"/>
               </a:rPr>
-              <a:t>Codeforces</a:t>
-            </a:r>
-            <a:r>
-              <a:rPr lang="en-US" sz="2400" dirty="0">
-                <a:solidFill>
-                  <a:srgbClr val="0070C0"/>
-                </a:solidFill>
-                <a:latin typeface="Cambria" panose="02040503050406030204" pitchFamily="18" charset="0"/>
-                <a:ea typeface="Cambria" panose="02040503050406030204" pitchFamily="18" charset="0"/>
-                <a:hlinkClick r:id="rId4"/>
-              </a:rPr>
-              <a:t> - Young physicist</a:t>
+              <a:t>Examples of loop, break, continue</a:t>
             </a:r>
             <a:endParaRPr lang="en-US" sz="2400" dirty="0">
               <a:solidFill>
@@ -7242,13 +7072,13 @@
           <a:p>
             <a:pPr marL="514350" indent="-514350">
               <a:lnSpc>
-                <a:spcPct val="150000"/>
+                <a:spcPct val="160000"/>
               </a:lnSpc>
               <a:buFont typeface="+mj-lt"/>
               <a:buAutoNum type="arabicPeriod"/>
             </a:pPr>
             <a:r>
-              <a:rPr lang="en-US" sz="2400" dirty="0" err="1">
+              <a:rPr lang="en-US" sz="2400" dirty="0">
                 <a:solidFill>
                   <a:srgbClr val="0070C0"/>
                 </a:solidFill>
@@ -7256,18 +7086,7 @@
                 <a:ea typeface="Cambria" panose="02040503050406030204" pitchFamily="18" charset="0"/>
                 <a:hlinkClick r:id="rId5"/>
               </a:rPr>
-              <a:t>Codeforces</a:t>
-            </a:r>
-            <a:r>
-              <a:rPr lang="en-US" sz="2400" dirty="0">
-                <a:solidFill>
-                  <a:srgbClr val="0070C0"/>
-                </a:solidFill>
-                <a:latin typeface="Cambria" panose="02040503050406030204" pitchFamily="18" charset="0"/>
-                <a:ea typeface="Cambria" panose="02040503050406030204" pitchFamily="18" charset="0"/>
-                <a:hlinkClick r:id="rId5"/>
-              </a:rPr>
-              <a:t> – Hulk</a:t>
+              <a:t>Nested loop</a:t>
             </a:r>
             <a:endParaRPr lang="en-US" sz="2400" dirty="0">
               <a:solidFill>
@@ -7280,13 +7099,13 @@
           <a:p>
             <a:pPr marL="514350" indent="-514350">
               <a:lnSpc>
-                <a:spcPct val="150000"/>
+                <a:spcPct val="160000"/>
               </a:lnSpc>
               <a:buFont typeface="+mj-lt"/>
               <a:buAutoNum type="arabicPeriod"/>
             </a:pPr>
             <a:r>
-              <a:rPr lang="en-US" sz="2400" dirty="0" err="1">
+              <a:rPr lang="en-US" sz="2400" dirty="0">
                 <a:solidFill>
                   <a:srgbClr val="0070C0"/>
                 </a:solidFill>
@@ -7294,18 +7113,7 @@
                 <a:ea typeface="Cambria" panose="02040503050406030204" pitchFamily="18" charset="0"/>
                 <a:hlinkClick r:id="rId6"/>
               </a:rPr>
-              <a:t>Codeforces</a:t>
-            </a:r>
-            <a:r>
-              <a:rPr lang="en-US" sz="2400" dirty="0">
-                <a:solidFill>
-                  <a:srgbClr val="0070C0"/>
-                </a:solidFill>
-                <a:latin typeface="Cambria" panose="02040503050406030204" pitchFamily="18" charset="0"/>
-                <a:ea typeface="Cambria" panose="02040503050406030204" pitchFamily="18" charset="0"/>
-                <a:hlinkClick r:id="rId6"/>
-              </a:rPr>
-              <a:t> - Vanya and fence</a:t>
+              <a:t>Draw shapes (triangle)</a:t>
             </a:r>
             <a:endParaRPr lang="en-US" sz="2400" dirty="0">
               <a:solidFill>
@@ -7318,13 +7126,13 @@
           <a:p>
             <a:pPr marL="514350" indent="-514350">
               <a:lnSpc>
-                <a:spcPct val="150000"/>
+                <a:spcPct val="160000"/>
               </a:lnSpc>
               <a:buFont typeface="+mj-lt"/>
               <a:buAutoNum type="arabicPeriod"/>
             </a:pPr>
             <a:r>
-              <a:rPr lang="en-US" sz="2400" dirty="0" err="1">
+              <a:rPr lang="en-US" sz="2400" dirty="0">
                 <a:solidFill>
                   <a:srgbClr val="0070C0"/>
                 </a:solidFill>
@@ -7332,18 +7140,7 @@
                 <a:ea typeface="Cambria" panose="02040503050406030204" pitchFamily="18" charset="0"/>
                 <a:hlinkClick r:id="rId7"/>
               </a:rPr>
-              <a:t>Codeforces</a:t>
-            </a:r>
-            <a:r>
-              <a:rPr lang="en-US" sz="2400" dirty="0">
-                <a:solidFill>
-                  <a:srgbClr val="0070C0"/>
-                </a:solidFill>
-                <a:latin typeface="Cambria" panose="02040503050406030204" pitchFamily="18" charset="0"/>
-                <a:ea typeface="Cambria" panose="02040503050406030204" pitchFamily="18" charset="0"/>
-                <a:hlinkClick r:id="rId7"/>
-              </a:rPr>
-              <a:t> - Bear and big brother</a:t>
+              <a:t>Draw shapes (square &amp; some letters)</a:t>
             </a:r>
             <a:endParaRPr lang="en-US" sz="2400" dirty="0">
               <a:solidFill>
@@ -7353,269 +7150,6 @@
               <a:ea typeface="Cambria" panose="02040503050406030204" pitchFamily="18" charset="0"/>
             </a:endParaRPr>
           </a:p>
-          <a:p>
-            <a:pPr marL="514350" indent="-514350">
-              <a:lnSpc>
-                <a:spcPct val="150000"/>
-              </a:lnSpc>
-              <a:buFont typeface="+mj-lt"/>
-              <a:buAutoNum type="arabicPeriod"/>
-            </a:pPr>
-            <a:r>
-              <a:rPr lang="en-US" sz="2400" dirty="0" err="1">
-                <a:solidFill>
-                  <a:srgbClr val="0070C0"/>
-                </a:solidFill>
-                <a:latin typeface="Cambria" panose="02040503050406030204" pitchFamily="18" charset="0"/>
-                <a:ea typeface="Cambria" panose="02040503050406030204" pitchFamily="18" charset="0"/>
-                <a:hlinkClick r:id="rId8"/>
-              </a:rPr>
-              <a:t>Codeforces</a:t>
-            </a:r>
-            <a:r>
-              <a:rPr lang="en-US" sz="2400" dirty="0">
-                <a:solidFill>
-                  <a:srgbClr val="0070C0"/>
-                </a:solidFill>
-                <a:latin typeface="Cambria" panose="02040503050406030204" pitchFamily="18" charset="0"/>
-                <a:ea typeface="Cambria" panose="02040503050406030204" pitchFamily="18" charset="0"/>
-                <a:hlinkClick r:id="rId8"/>
-              </a:rPr>
-              <a:t> - Wrong subtraction</a:t>
-            </a:r>
-            <a:endParaRPr lang="en-US" sz="2400" dirty="0">
-              <a:solidFill>
-                <a:srgbClr val="0070C0"/>
-              </a:solidFill>
-              <a:latin typeface="Cambria" panose="02040503050406030204" pitchFamily="18" charset="0"/>
-              <a:ea typeface="Cambria" panose="02040503050406030204" pitchFamily="18" charset="0"/>
-            </a:endParaRPr>
-          </a:p>
-          <a:p>
-            <a:pPr marL="514350" indent="-514350">
-              <a:lnSpc>
-                <a:spcPct val="150000"/>
-              </a:lnSpc>
-              <a:buFont typeface="+mj-lt"/>
-              <a:buAutoNum type="arabicPeriod"/>
-            </a:pPr>
-            <a:r>
-              <a:rPr lang="en-US" sz="2400" dirty="0" err="1">
-                <a:solidFill>
-                  <a:srgbClr val="0070C0"/>
-                </a:solidFill>
-                <a:latin typeface="Cambria" panose="02040503050406030204" pitchFamily="18" charset="0"/>
-                <a:ea typeface="Cambria" panose="02040503050406030204" pitchFamily="18" charset="0"/>
-                <a:hlinkClick r:id="rId9"/>
-              </a:rPr>
-              <a:t>Codeforces</a:t>
-            </a:r>
-            <a:r>
-              <a:rPr lang="en-US" sz="2400" dirty="0">
-                <a:solidFill>
-                  <a:srgbClr val="0070C0"/>
-                </a:solidFill>
-                <a:latin typeface="Cambria" panose="02040503050406030204" pitchFamily="18" charset="0"/>
-                <a:ea typeface="Cambria" panose="02040503050406030204" pitchFamily="18" charset="0"/>
-                <a:hlinkClick r:id="rId9"/>
-              </a:rPr>
-              <a:t> - </a:t>
-            </a:r>
-            <a:r>
-              <a:rPr lang="en-US" sz="2400" dirty="0" err="1">
-                <a:solidFill>
-                  <a:srgbClr val="0070C0"/>
-                </a:solidFill>
-                <a:latin typeface="Cambria" panose="02040503050406030204" pitchFamily="18" charset="0"/>
-                <a:ea typeface="Cambria" panose="02040503050406030204" pitchFamily="18" charset="0"/>
-                <a:hlinkClick r:id="rId9"/>
-              </a:rPr>
-              <a:t>Kefa</a:t>
-            </a:r>
-            <a:r>
-              <a:rPr lang="en-US" sz="2400" dirty="0">
-                <a:solidFill>
-                  <a:srgbClr val="0070C0"/>
-                </a:solidFill>
-                <a:latin typeface="Cambria" panose="02040503050406030204" pitchFamily="18" charset="0"/>
-                <a:ea typeface="Cambria" panose="02040503050406030204" pitchFamily="18" charset="0"/>
-                <a:hlinkClick r:id="rId9"/>
-              </a:rPr>
-              <a:t> and first steps</a:t>
-            </a:r>
-            <a:endParaRPr lang="en-US" sz="2400" dirty="0">
-              <a:solidFill>
-                <a:srgbClr val="0070C0"/>
-              </a:solidFill>
-              <a:latin typeface="Cambria" panose="02040503050406030204" pitchFamily="18" charset="0"/>
-              <a:ea typeface="Cambria" panose="02040503050406030204" pitchFamily="18" charset="0"/>
-            </a:endParaRPr>
-          </a:p>
-          <a:p>
-            <a:pPr marL="514350" indent="-514350">
-              <a:lnSpc>
-                <a:spcPct val="150000"/>
-              </a:lnSpc>
-              <a:buFont typeface="+mj-lt"/>
-              <a:buAutoNum type="arabicPeriod"/>
-            </a:pPr>
-            <a:r>
-              <a:rPr lang="en-US" sz="2400" dirty="0" err="1">
-                <a:solidFill>
-                  <a:srgbClr val="0070C0"/>
-                </a:solidFill>
-                <a:latin typeface="Cambria" panose="02040503050406030204" pitchFamily="18" charset="0"/>
-                <a:ea typeface="Cambria" panose="02040503050406030204" pitchFamily="18" charset="0"/>
-                <a:hlinkClick r:id="rId10"/>
-              </a:rPr>
-              <a:t>Codeforces</a:t>
-            </a:r>
-            <a:r>
-              <a:rPr lang="en-US" sz="2400" dirty="0">
-                <a:solidFill>
-                  <a:srgbClr val="0070C0"/>
-                </a:solidFill>
-                <a:latin typeface="Cambria" panose="02040503050406030204" pitchFamily="18" charset="0"/>
-                <a:ea typeface="Cambria" panose="02040503050406030204" pitchFamily="18" charset="0"/>
-                <a:hlinkClick r:id="rId10"/>
-              </a:rPr>
-              <a:t> – Taxi</a:t>
-            </a:r>
-            <a:r>
-              <a:rPr lang="en-US" sz="2400" dirty="0">
-                <a:solidFill>
-                  <a:srgbClr val="0070C0"/>
-                </a:solidFill>
-                <a:latin typeface="Cambria" panose="02040503050406030204" pitchFamily="18" charset="0"/>
-                <a:ea typeface="Cambria" panose="02040503050406030204" pitchFamily="18" charset="0"/>
-              </a:rPr>
-              <a:t> </a:t>
-            </a:r>
-            <a:r>
-              <a:rPr lang="en-US" sz="1400" dirty="0">
-                <a:solidFill>
-                  <a:srgbClr val="FF0000"/>
-                </a:solidFill>
-                <a:latin typeface="Cambria" panose="02040503050406030204" pitchFamily="18" charset="0"/>
-                <a:ea typeface="Cambria" panose="02040503050406030204" pitchFamily="18" charset="0"/>
-              </a:rPr>
-              <a:t>**important</a:t>
-            </a:r>
-          </a:p>
-          <a:p>
-            <a:pPr marL="514350" indent="-514350">
-              <a:lnSpc>
-                <a:spcPct val="150000"/>
-              </a:lnSpc>
-              <a:buFont typeface="+mj-lt"/>
-              <a:buAutoNum type="arabicPeriod"/>
-            </a:pPr>
-            <a:r>
-              <a:rPr lang="en-US" sz="2400" dirty="0" err="1">
-                <a:solidFill>
-                  <a:srgbClr val="0070C0"/>
-                </a:solidFill>
-                <a:latin typeface="Cambria" panose="02040503050406030204" pitchFamily="18" charset="0"/>
-                <a:ea typeface="Cambria" panose="02040503050406030204" pitchFamily="18" charset="0"/>
-                <a:hlinkClick r:id="rId11"/>
-              </a:rPr>
-              <a:t>Codeforces</a:t>
-            </a:r>
-            <a:r>
-              <a:rPr lang="en-US" sz="2400" dirty="0">
-                <a:solidFill>
-                  <a:srgbClr val="0070C0"/>
-                </a:solidFill>
-                <a:latin typeface="Cambria" panose="02040503050406030204" pitchFamily="18" charset="0"/>
-                <a:ea typeface="Cambria" panose="02040503050406030204" pitchFamily="18" charset="0"/>
-                <a:hlinkClick r:id="rId11"/>
-              </a:rPr>
-              <a:t> - Good array</a:t>
-            </a:r>
-            <a:endParaRPr lang="en-US" sz="2400" dirty="0">
-              <a:solidFill>
-                <a:srgbClr val="0070C0"/>
-              </a:solidFill>
-              <a:latin typeface="Cambria" panose="02040503050406030204" pitchFamily="18" charset="0"/>
-              <a:ea typeface="Cambria" panose="02040503050406030204" pitchFamily="18" charset="0"/>
-            </a:endParaRPr>
-          </a:p>
-          <a:p>
-            <a:pPr marL="514350" indent="-514350">
-              <a:lnSpc>
-                <a:spcPct val="150000"/>
-              </a:lnSpc>
-              <a:buFont typeface="+mj-lt"/>
-              <a:buAutoNum type="arabicPeriod"/>
-            </a:pPr>
-            <a:r>
-              <a:rPr lang="en-US" sz="2400" dirty="0" err="1">
-                <a:solidFill>
-                  <a:srgbClr val="0070C0"/>
-                </a:solidFill>
-                <a:latin typeface="Cambria" panose="02040503050406030204" pitchFamily="18" charset="0"/>
-                <a:ea typeface="Cambria" panose="02040503050406030204" pitchFamily="18" charset="0"/>
-                <a:hlinkClick r:id="rId12"/>
-              </a:rPr>
-              <a:t>Atcoder</a:t>
-            </a:r>
-            <a:r>
-              <a:rPr lang="en-US" sz="2400" dirty="0">
-                <a:solidFill>
-                  <a:srgbClr val="0070C0"/>
-                </a:solidFill>
-                <a:latin typeface="Cambria" panose="02040503050406030204" pitchFamily="18" charset="0"/>
-                <a:ea typeface="Cambria" panose="02040503050406030204" pitchFamily="18" charset="0"/>
-                <a:hlinkClick r:id="rId12"/>
-              </a:rPr>
-              <a:t> - Find Takahashi</a:t>
-            </a:r>
-            <a:endParaRPr lang="en-US" sz="2400" dirty="0">
-              <a:solidFill>
-                <a:srgbClr val="0070C0"/>
-              </a:solidFill>
-              <a:latin typeface="Cambria" panose="02040503050406030204" pitchFamily="18" charset="0"/>
-              <a:ea typeface="Cambria" panose="02040503050406030204" pitchFamily="18" charset="0"/>
-            </a:endParaRPr>
-          </a:p>
-          <a:p>
-            <a:pPr marL="514350" indent="-514350">
-              <a:lnSpc>
-                <a:spcPct val="150000"/>
-              </a:lnSpc>
-              <a:buFont typeface="+mj-lt"/>
-              <a:buAutoNum type="arabicPeriod"/>
-            </a:pPr>
-            <a:r>
-              <a:rPr lang="en-US" sz="2400" dirty="0" err="1">
-                <a:solidFill>
-                  <a:srgbClr val="0070C0"/>
-                </a:solidFill>
-                <a:latin typeface="Cambria" panose="02040503050406030204" pitchFamily="18" charset="0"/>
-                <a:ea typeface="Cambria" panose="02040503050406030204" pitchFamily="18" charset="0"/>
-                <a:hlinkClick r:id="rId13"/>
-              </a:rPr>
-              <a:t>Codeforces</a:t>
-            </a:r>
-            <a:r>
-              <a:rPr lang="en-US" sz="2400" dirty="0">
-                <a:solidFill>
-                  <a:srgbClr val="0070C0"/>
-                </a:solidFill>
-                <a:latin typeface="Cambria" panose="02040503050406030204" pitchFamily="18" charset="0"/>
-                <a:ea typeface="Cambria" panose="02040503050406030204" pitchFamily="18" charset="0"/>
-                <a:hlinkClick r:id="rId13"/>
-              </a:rPr>
-              <a:t> - The day of Pi</a:t>
-            </a:r>
-            <a:endParaRPr lang="en-US" sz="2400" dirty="0">
-              <a:solidFill>
-                <a:srgbClr val="0070C0"/>
-              </a:solidFill>
-              <a:latin typeface="Cambria" panose="02040503050406030204" pitchFamily="18" charset="0"/>
-              <a:ea typeface="Cambria" panose="02040503050406030204" pitchFamily="18" charset="0"/>
-            </a:endParaRPr>
-          </a:p>
         </p:txBody>
       </p:sp>
       <p:sp>
@@ -7623,7 +7157,7 @@
           <p:cNvPr id="8" name="Date Placeholder 7">
             <a:extLst>
               <a:ext uri="{FF2B5EF4-FFF2-40B4-BE49-F238E27FC236}">
-                <a16:creationId xmlns:a16="http://schemas.microsoft.com/office/drawing/2014/main" id="{EE14910A-945A-DF8A-F8A4-A5974EF350F7}"/>
+                <a16:creationId xmlns:a16="http://schemas.microsoft.com/office/drawing/2014/main" id="{3291539D-E5FC-AB9E-B7D4-8BB4C04945EF}"/>
               </a:ext>
             </a:extLst>
           </p:cNvPr>
@@ -7651,7 +7185,7 @@
           <p:cNvPr id="9" name="Slide Number Placeholder 8">
             <a:extLst>
               <a:ext uri="{FF2B5EF4-FFF2-40B4-BE49-F238E27FC236}">
-                <a16:creationId xmlns:a16="http://schemas.microsoft.com/office/drawing/2014/main" id="{C29DC409-1037-B45D-3D80-F16BA474D7BA}"/>
+                <a16:creationId xmlns:a16="http://schemas.microsoft.com/office/drawing/2014/main" id="{7DB9E99A-737C-34A6-0C19-5F9888157F61}"/>
               </a:ext>
             </a:extLst>
           </p:cNvPr>
@@ -7678,7 +7212,7 @@
     </p:spTree>
     <p:extLst>
       <p:ext uri="{BB962C8B-B14F-4D97-AF65-F5344CB8AC3E}">
-        <p14:creationId xmlns:p14="http://schemas.microsoft.com/office/powerpoint/2010/main" val="500470616"/>
+        <p14:creationId xmlns:p14="http://schemas.microsoft.com/office/powerpoint/2010/main" val="3918814774"/>
       </p:ext>
     </p:extLst>
   </p:cSld>
@@ -7710,45 +7244,567 @@
           <p:cNvPr id="2" name="Title 1">
             <a:extLst>
               <a:ext uri="{FF2B5EF4-FFF2-40B4-BE49-F238E27FC236}">
-                <a16:creationId xmlns:a16="http://schemas.microsoft.com/office/drawing/2014/main" id="{1A8F82CE-0DF4-3E2B-491C-CDEC706F942F}"/>
-              </a:ext>
-            </a:extLst>
-          </p:cNvPr>
-          <p:cNvSpPr>
-            <a:spLocks noGrp="1"/>
-          </p:cNvSpPr>
-          <p:nvPr>
-            <p:ph type="ctrTitle"/>
+                <a16:creationId xmlns:a16="http://schemas.microsoft.com/office/drawing/2014/main" id="{45DB07F3-2AFB-5AF3-0F07-9426B7075E19}"/>
+              </a:ext>
+            </a:extLst>
+          </p:cNvPr>
+          <p:cNvSpPr>
+            <a:spLocks noGrp="1"/>
+          </p:cNvSpPr>
+          <p:nvPr>
+            <p:ph type="title"/>
           </p:nvPr>
         </p:nvSpPr>
         <p:spPr>
           <a:xfrm>
-            <a:off x="1524000" y="2235200"/>
-            <a:ext cx="9144000" cy="2387600"/>
+            <a:off x="838200" y="471487"/>
+            <a:ext cx="10515600" cy="1325563"/>
           </a:xfrm>
         </p:spPr>
         <p:txBody>
-          <a:bodyPr anchor="ctr"/>
-          <a:lstStyle/>
-          <a:p>
-            <a:r>
-              <a:rPr lang="en-US" dirty="0">
+          <a:bodyPr>
+            <a:normAutofit/>
+          </a:bodyPr>
+          <a:lstStyle/>
+          <a:p>
+            <a:r>
+              <a:rPr lang="en-US" sz="3600" dirty="0">
                 <a:solidFill>
                   <a:srgbClr val="DF3D92"/>
                 </a:solidFill>
                 <a:latin typeface="Georgia" panose="02040502050405020303" pitchFamily="18" charset="0"/>
               </a:rPr>
-              <a:t>Functions</a:t>
-            </a:r>
-          </a:p>
-        </p:txBody>
-      </p:sp>
-      <p:sp>
-        <p:nvSpPr>
-          <p:cNvPr id="7" name="Date Placeholder 6">
-            <a:extLst>
-              <a:ext uri="{FF2B5EF4-FFF2-40B4-BE49-F238E27FC236}">
-                <a16:creationId xmlns:a16="http://schemas.microsoft.com/office/drawing/2014/main" id="{F1C9D41F-7AF7-4E98-309E-C9613A2C79F2}"/>
+              <a:t>Loops problems</a:t>
+            </a:r>
+          </a:p>
+        </p:txBody>
+      </p:sp>
+      <p:sp>
+        <p:nvSpPr>
+          <p:cNvPr id="3" name="Content Placeholder 2">
+            <a:extLst>
+              <a:ext uri="{FF2B5EF4-FFF2-40B4-BE49-F238E27FC236}">
+                <a16:creationId xmlns:a16="http://schemas.microsoft.com/office/drawing/2014/main" id="{16A70A26-EF28-EEFE-A37A-048162AB0FCC}"/>
+              </a:ext>
+            </a:extLst>
+          </p:cNvPr>
+          <p:cNvSpPr>
+            <a:spLocks noGrp="1"/>
+          </p:cNvSpPr>
+          <p:nvPr>
+            <p:ph idx="1"/>
+          </p:nvPr>
+        </p:nvSpPr>
+        <p:spPr>
+          <a:xfrm>
+            <a:off x="838200" y="1886743"/>
+            <a:ext cx="10515600" cy="4351338"/>
+          </a:xfrm>
+        </p:spPr>
+        <p:txBody>
+          <a:bodyPr numCol="2" anchor="ctr">
+            <a:normAutofit/>
+          </a:bodyPr>
+          <a:lstStyle/>
+          <a:p>
+            <a:pPr marL="514350" indent="-514350">
+              <a:lnSpc>
+                <a:spcPct val="150000"/>
+              </a:lnSpc>
+              <a:buFont typeface="+mj-lt"/>
+              <a:buAutoNum type="arabicPeriod"/>
+            </a:pPr>
+            <a:r>
+              <a:rPr lang="en-US" sz="2400" dirty="0" err="1">
+                <a:solidFill>
+                  <a:srgbClr val="0070C0"/>
+                </a:solidFill>
+                <a:latin typeface="Cambria" panose="02040503050406030204" pitchFamily="18" charset="0"/>
+                <a:ea typeface="Cambria" panose="02040503050406030204" pitchFamily="18" charset="0"/>
+                <a:hlinkClick r:id="rId2"/>
+              </a:rPr>
+              <a:t>Hackerrank</a:t>
+            </a:r>
+            <a:r>
+              <a:rPr lang="en-US" sz="2400" dirty="0">
+                <a:solidFill>
+                  <a:srgbClr val="0070C0"/>
+                </a:solidFill>
+                <a:latin typeface="Cambria" panose="02040503050406030204" pitchFamily="18" charset="0"/>
+                <a:ea typeface="Cambria" panose="02040503050406030204" pitchFamily="18" charset="0"/>
+                <a:hlinkClick r:id="rId2"/>
+              </a:rPr>
+              <a:t> - For Loop</a:t>
+            </a:r>
+            <a:endParaRPr lang="en-US" sz="2400" dirty="0">
+              <a:solidFill>
+                <a:srgbClr val="0070C0"/>
+              </a:solidFill>
+              <a:latin typeface="Cambria" panose="02040503050406030204" pitchFamily="18" charset="0"/>
+              <a:ea typeface="Cambria" panose="02040503050406030204" pitchFamily="18" charset="0"/>
+            </a:endParaRPr>
+          </a:p>
+          <a:p>
+            <a:pPr marL="514350" indent="-514350">
+              <a:lnSpc>
+                <a:spcPct val="150000"/>
+              </a:lnSpc>
+              <a:buFont typeface="+mj-lt"/>
+              <a:buAutoNum type="arabicPeriod"/>
+            </a:pPr>
+            <a:r>
+              <a:rPr lang="en-US" sz="2400" dirty="0" err="1">
+                <a:solidFill>
+                  <a:srgbClr val="0070C0"/>
+                </a:solidFill>
+                <a:latin typeface="Cambria" panose="02040503050406030204" pitchFamily="18" charset="0"/>
+                <a:ea typeface="Cambria" panose="02040503050406030204" pitchFamily="18" charset="0"/>
+                <a:hlinkClick r:id="rId3"/>
+              </a:rPr>
+              <a:t>Codeforces</a:t>
+            </a:r>
+            <a:r>
+              <a:rPr lang="en-US" sz="2400" dirty="0">
+                <a:solidFill>
+                  <a:srgbClr val="0070C0"/>
+                </a:solidFill>
+                <a:latin typeface="Cambria" panose="02040503050406030204" pitchFamily="18" charset="0"/>
+                <a:ea typeface="Cambria" panose="02040503050406030204" pitchFamily="18" charset="0"/>
+                <a:hlinkClick r:id="rId3"/>
+              </a:rPr>
+              <a:t> - A+B</a:t>
+            </a:r>
+            <a:endParaRPr lang="en-US" sz="2400" dirty="0">
+              <a:solidFill>
+                <a:srgbClr val="0070C0"/>
+              </a:solidFill>
+              <a:latin typeface="Cambria" panose="02040503050406030204" pitchFamily="18" charset="0"/>
+              <a:ea typeface="Cambria" panose="02040503050406030204" pitchFamily="18" charset="0"/>
+            </a:endParaRPr>
+          </a:p>
+          <a:p>
+            <a:pPr marL="514350" indent="-514350">
+              <a:lnSpc>
+                <a:spcPct val="150000"/>
+              </a:lnSpc>
+              <a:buFont typeface="+mj-lt"/>
+              <a:buAutoNum type="arabicPeriod"/>
+            </a:pPr>
+            <a:r>
+              <a:rPr lang="en-US" sz="2400" dirty="0" err="1">
+                <a:solidFill>
+                  <a:srgbClr val="0070C0"/>
+                </a:solidFill>
+                <a:latin typeface="Cambria" panose="02040503050406030204" pitchFamily="18" charset="0"/>
+                <a:ea typeface="Cambria" panose="02040503050406030204" pitchFamily="18" charset="0"/>
+                <a:hlinkClick r:id="rId4"/>
+              </a:rPr>
+              <a:t>Codeforces</a:t>
+            </a:r>
+            <a:r>
+              <a:rPr lang="en-US" sz="2400" dirty="0">
+                <a:solidFill>
+                  <a:srgbClr val="0070C0"/>
+                </a:solidFill>
+                <a:latin typeface="Cambria" panose="02040503050406030204" pitchFamily="18" charset="0"/>
+                <a:ea typeface="Cambria" panose="02040503050406030204" pitchFamily="18" charset="0"/>
+                <a:hlinkClick r:id="rId4"/>
+              </a:rPr>
+              <a:t> - Young physicist</a:t>
+            </a:r>
+            <a:endParaRPr lang="en-US" sz="2400" dirty="0">
+              <a:solidFill>
+                <a:srgbClr val="0070C0"/>
+              </a:solidFill>
+              <a:latin typeface="Cambria" panose="02040503050406030204" pitchFamily="18" charset="0"/>
+              <a:ea typeface="Cambria" panose="02040503050406030204" pitchFamily="18" charset="0"/>
+            </a:endParaRPr>
+          </a:p>
+          <a:p>
+            <a:pPr marL="514350" indent="-514350">
+              <a:lnSpc>
+                <a:spcPct val="150000"/>
+              </a:lnSpc>
+              <a:buFont typeface="+mj-lt"/>
+              <a:buAutoNum type="arabicPeriod"/>
+            </a:pPr>
+            <a:r>
+              <a:rPr lang="en-US" sz="2400" dirty="0" err="1">
+                <a:solidFill>
+                  <a:srgbClr val="0070C0"/>
+                </a:solidFill>
+                <a:latin typeface="Cambria" panose="02040503050406030204" pitchFamily="18" charset="0"/>
+                <a:ea typeface="Cambria" panose="02040503050406030204" pitchFamily="18" charset="0"/>
+                <a:hlinkClick r:id="rId5"/>
+              </a:rPr>
+              <a:t>Codeforces</a:t>
+            </a:r>
+            <a:r>
+              <a:rPr lang="en-US" sz="2400" dirty="0">
+                <a:solidFill>
+                  <a:srgbClr val="0070C0"/>
+                </a:solidFill>
+                <a:latin typeface="Cambria" panose="02040503050406030204" pitchFamily="18" charset="0"/>
+                <a:ea typeface="Cambria" panose="02040503050406030204" pitchFamily="18" charset="0"/>
+                <a:hlinkClick r:id="rId5"/>
+              </a:rPr>
+              <a:t> – Hulk</a:t>
+            </a:r>
+            <a:endParaRPr lang="en-US" sz="2400" dirty="0">
+              <a:solidFill>
+                <a:srgbClr val="0070C0"/>
+              </a:solidFill>
+              <a:latin typeface="Cambria" panose="02040503050406030204" pitchFamily="18" charset="0"/>
+              <a:ea typeface="Cambria" panose="02040503050406030204" pitchFamily="18" charset="0"/>
+            </a:endParaRPr>
+          </a:p>
+          <a:p>
+            <a:pPr marL="514350" indent="-514350">
+              <a:lnSpc>
+                <a:spcPct val="150000"/>
+              </a:lnSpc>
+              <a:buFont typeface="+mj-lt"/>
+              <a:buAutoNum type="arabicPeriod"/>
+            </a:pPr>
+            <a:r>
+              <a:rPr lang="en-US" sz="2400" dirty="0" err="1">
+                <a:solidFill>
+                  <a:srgbClr val="0070C0"/>
+                </a:solidFill>
+                <a:latin typeface="Cambria" panose="02040503050406030204" pitchFamily="18" charset="0"/>
+                <a:ea typeface="Cambria" panose="02040503050406030204" pitchFamily="18" charset="0"/>
+                <a:hlinkClick r:id="rId6"/>
+              </a:rPr>
+              <a:t>Codeforces</a:t>
+            </a:r>
+            <a:r>
+              <a:rPr lang="en-US" sz="2400" dirty="0">
+                <a:solidFill>
+                  <a:srgbClr val="0070C0"/>
+                </a:solidFill>
+                <a:latin typeface="Cambria" panose="02040503050406030204" pitchFamily="18" charset="0"/>
+                <a:ea typeface="Cambria" panose="02040503050406030204" pitchFamily="18" charset="0"/>
+                <a:hlinkClick r:id="rId6"/>
+              </a:rPr>
+              <a:t> - Vanya and fence</a:t>
+            </a:r>
+            <a:endParaRPr lang="en-US" sz="2400" dirty="0">
+              <a:solidFill>
+                <a:srgbClr val="0070C0"/>
+              </a:solidFill>
+              <a:latin typeface="Cambria" panose="02040503050406030204" pitchFamily="18" charset="0"/>
+              <a:ea typeface="Cambria" panose="02040503050406030204" pitchFamily="18" charset="0"/>
+            </a:endParaRPr>
+          </a:p>
+          <a:p>
+            <a:pPr marL="514350" indent="-514350">
+              <a:lnSpc>
+                <a:spcPct val="150000"/>
+              </a:lnSpc>
+              <a:buFont typeface="+mj-lt"/>
+              <a:buAutoNum type="arabicPeriod"/>
+            </a:pPr>
+            <a:r>
+              <a:rPr lang="en-US" sz="2400" dirty="0" err="1">
+                <a:solidFill>
+                  <a:srgbClr val="0070C0"/>
+                </a:solidFill>
+                <a:latin typeface="Cambria" panose="02040503050406030204" pitchFamily="18" charset="0"/>
+                <a:ea typeface="Cambria" panose="02040503050406030204" pitchFamily="18" charset="0"/>
+                <a:hlinkClick r:id="rId7"/>
+              </a:rPr>
+              <a:t>Codeforces</a:t>
+            </a:r>
+            <a:r>
+              <a:rPr lang="en-US" sz="2400" dirty="0">
+                <a:solidFill>
+                  <a:srgbClr val="0070C0"/>
+                </a:solidFill>
+                <a:latin typeface="Cambria" panose="02040503050406030204" pitchFamily="18" charset="0"/>
+                <a:ea typeface="Cambria" panose="02040503050406030204" pitchFamily="18" charset="0"/>
+                <a:hlinkClick r:id="rId7"/>
+              </a:rPr>
+              <a:t> - Bear and big brother</a:t>
+            </a:r>
+            <a:endParaRPr lang="en-US" sz="2400" dirty="0">
+              <a:solidFill>
+                <a:srgbClr val="0070C0"/>
+              </a:solidFill>
+              <a:latin typeface="Cambria" panose="02040503050406030204" pitchFamily="18" charset="0"/>
+              <a:ea typeface="Cambria" panose="02040503050406030204" pitchFamily="18" charset="0"/>
+            </a:endParaRPr>
+          </a:p>
+          <a:p>
+            <a:pPr marL="514350" indent="-514350">
+              <a:lnSpc>
+                <a:spcPct val="150000"/>
+              </a:lnSpc>
+              <a:buFont typeface="+mj-lt"/>
+              <a:buAutoNum type="arabicPeriod"/>
+            </a:pPr>
+            <a:r>
+              <a:rPr lang="en-US" sz="2400" dirty="0" err="1">
+                <a:solidFill>
+                  <a:srgbClr val="0070C0"/>
+                </a:solidFill>
+                <a:latin typeface="Cambria" panose="02040503050406030204" pitchFamily="18" charset="0"/>
+                <a:ea typeface="Cambria" panose="02040503050406030204" pitchFamily="18" charset="0"/>
+                <a:hlinkClick r:id="rId8"/>
+              </a:rPr>
+              <a:t>Codeforces</a:t>
+            </a:r>
+            <a:r>
+              <a:rPr lang="en-US" sz="2400" dirty="0">
+                <a:solidFill>
+                  <a:srgbClr val="0070C0"/>
+                </a:solidFill>
+                <a:latin typeface="Cambria" panose="02040503050406030204" pitchFamily="18" charset="0"/>
+                <a:ea typeface="Cambria" panose="02040503050406030204" pitchFamily="18" charset="0"/>
+                <a:hlinkClick r:id="rId8"/>
+              </a:rPr>
+              <a:t> - Wrong subtraction</a:t>
+            </a:r>
+            <a:endParaRPr lang="en-US" sz="2400" dirty="0">
+              <a:solidFill>
+                <a:srgbClr val="0070C0"/>
+              </a:solidFill>
+              <a:latin typeface="Cambria" panose="02040503050406030204" pitchFamily="18" charset="0"/>
+              <a:ea typeface="Cambria" panose="02040503050406030204" pitchFamily="18" charset="0"/>
+            </a:endParaRPr>
+          </a:p>
+          <a:p>
+            <a:pPr marL="514350" indent="-514350">
+              <a:lnSpc>
+                <a:spcPct val="150000"/>
+              </a:lnSpc>
+              <a:buFont typeface="+mj-lt"/>
+              <a:buAutoNum type="arabicPeriod"/>
+            </a:pPr>
+            <a:r>
+              <a:rPr lang="en-US" sz="2400" dirty="0" err="1">
+                <a:solidFill>
+                  <a:srgbClr val="0070C0"/>
+                </a:solidFill>
+                <a:latin typeface="Cambria" panose="02040503050406030204" pitchFamily="18" charset="0"/>
+                <a:ea typeface="Cambria" panose="02040503050406030204" pitchFamily="18" charset="0"/>
+                <a:hlinkClick r:id="rId9"/>
+              </a:rPr>
+              <a:t>Codeforces</a:t>
+            </a:r>
+            <a:r>
+              <a:rPr lang="en-US" sz="2400" dirty="0">
+                <a:solidFill>
+                  <a:srgbClr val="0070C0"/>
+                </a:solidFill>
+                <a:latin typeface="Cambria" panose="02040503050406030204" pitchFamily="18" charset="0"/>
+                <a:ea typeface="Cambria" panose="02040503050406030204" pitchFamily="18" charset="0"/>
+                <a:hlinkClick r:id="rId9"/>
+              </a:rPr>
+              <a:t> - </a:t>
+            </a:r>
+            <a:r>
+              <a:rPr lang="en-US" sz="2400" dirty="0" err="1">
+                <a:solidFill>
+                  <a:srgbClr val="0070C0"/>
+                </a:solidFill>
+                <a:latin typeface="Cambria" panose="02040503050406030204" pitchFamily="18" charset="0"/>
+                <a:ea typeface="Cambria" panose="02040503050406030204" pitchFamily="18" charset="0"/>
+                <a:hlinkClick r:id="rId9"/>
+              </a:rPr>
+              <a:t>Kefa</a:t>
+            </a:r>
+            <a:r>
+              <a:rPr lang="en-US" sz="2400" dirty="0">
+                <a:solidFill>
+                  <a:srgbClr val="0070C0"/>
+                </a:solidFill>
+                <a:latin typeface="Cambria" panose="02040503050406030204" pitchFamily="18" charset="0"/>
+                <a:ea typeface="Cambria" panose="02040503050406030204" pitchFamily="18" charset="0"/>
+                <a:hlinkClick r:id="rId9"/>
+              </a:rPr>
+              <a:t> and first steps</a:t>
+            </a:r>
+            <a:endParaRPr lang="en-US" sz="2400" dirty="0">
+              <a:solidFill>
+                <a:srgbClr val="0070C0"/>
+              </a:solidFill>
+              <a:latin typeface="Cambria" panose="02040503050406030204" pitchFamily="18" charset="0"/>
+              <a:ea typeface="Cambria" panose="02040503050406030204" pitchFamily="18" charset="0"/>
+            </a:endParaRPr>
+          </a:p>
+          <a:p>
+            <a:pPr marL="514350" indent="-514350">
+              <a:lnSpc>
+                <a:spcPct val="150000"/>
+              </a:lnSpc>
+              <a:buFont typeface="+mj-lt"/>
+              <a:buAutoNum type="arabicPeriod"/>
+            </a:pPr>
+            <a:r>
+              <a:rPr lang="en-US" sz="2400" dirty="0" err="1">
+                <a:solidFill>
+                  <a:srgbClr val="0070C0"/>
+                </a:solidFill>
+                <a:latin typeface="Cambria" panose="02040503050406030204" pitchFamily="18" charset="0"/>
+                <a:ea typeface="Cambria" panose="02040503050406030204" pitchFamily="18" charset="0"/>
+                <a:hlinkClick r:id="rId10"/>
+              </a:rPr>
+              <a:t>Codeforces</a:t>
+            </a:r>
+            <a:r>
+              <a:rPr lang="en-US" sz="2400" dirty="0">
+                <a:solidFill>
+                  <a:srgbClr val="0070C0"/>
+                </a:solidFill>
+                <a:latin typeface="Cambria" panose="02040503050406030204" pitchFamily="18" charset="0"/>
+                <a:ea typeface="Cambria" panose="02040503050406030204" pitchFamily="18" charset="0"/>
+                <a:hlinkClick r:id="rId10"/>
+              </a:rPr>
+              <a:t> – Taxi</a:t>
+            </a:r>
+            <a:r>
+              <a:rPr lang="en-US" sz="2400" dirty="0">
+                <a:solidFill>
+                  <a:srgbClr val="0070C0"/>
+                </a:solidFill>
+                <a:latin typeface="Cambria" panose="02040503050406030204" pitchFamily="18" charset="0"/>
+                <a:ea typeface="Cambria" panose="02040503050406030204" pitchFamily="18" charset="0"/>
+              </a:rPr>
+              <a:t> </a:t>
+            </a:r>
+            <a:r>
+              <a:rPr lang="en-US" sz="1400" dirty="0">
+                <a:solidFill>
+                  <a:srgbClr val="FF0000"/>
+                </a:solidFill>
+                <a:latin typeface="Cambria" panose="02040503050406030204" pitchFamily="18" charset="0"/>
+                <a:ea typeface="Cambria" panose="02040503050406030204" pitchFamily="18" charset="0"/>
+              </a:rPr>
+              <a:t>**important</a:t>
+            </a:r>
+          </a:p>
+          <a:p>
+            <a:pPr marL="514350" indent="-514350">
+              <a:lnSpc>
+                <a:spcPct val="150000"/>
+              </a:lnSpc>
+              <a:buFont typeface="+mj-lt"/>
+              <a:buAutoNum type="arabicPeriod"/>
+            </a:pPr>
+            <a:r>
+              <a:rPr lang="en-US" sz="2400" dirty="0" err="1">
+                <a:solidFill>
+                  <a:srgbClr val="0070C0"/>
+                </a:solidFill>
+                <a:latin typeface="Cambria" panose="02040503050406030204" pitchFamily="18" charset="0"/>
+                <a:ea typeface="Cambria" panose="02040503050406030204" pitchFamily="18" charset="0"/>
+                <a:hlinkClick r:id="rId11"/>
+              </a:rPr>
+              <a:t>Codeforces</a:t>
+            </a:r>
+            <a:r>
+              <a:rPr lang="en-US" sz="2400" dirty="0">
+                <a:solidFill>
+                  <a:srgbClr val="0070C0"/>
+                </a:solidFill>
+                <a:latin typeface="Cambria" panose="02040503050406030204" pitchFamily="18" charset="0"/>
+                <a:ea typeface="Cambria" panose="02040503050406030204" pitchFamily="18" charset="0"/>
+                <a:hlinkClick r:id="rId11"/>
+              </a:rPr>
+              <a:t> - Good array</a:t>
+            </a:r>
+            <a:endParaRPr lang="en-US" sz="2400" dirty="0">
+              <a:solidFill>
+                <a:srgbClr val="0070C0"/>
+              </a:solidFill>
+              <a:latin typeface="Cambria" panose="02040503050406030204" pitchFamily="18" charset="0"/>
+              <a:ea typeface="Cambria" panose="02040503050406030204" pitchFamily="18" charset="0"/>
+            </a:endParaRPr>
+          </a:p>
+          <a:p>
+            <a:pPr marL="514350" indent="-514350">
+              <a:lnSpc>
+                <a:spcPct val="150000"/>
+              </a:lnSpc>
+              <a:buFont typeface="+mj-lt"/>
+              <a:buAutoNum type="arabicPeriod"/>
+            </a:pPr>
+            <a:r>
+              <a:rPr lang="en-US" sz="2400" dirty="0" err="1">
+                <a:solidFill>
+                  <a:srgbClr val="0070C0"/>
+                </a:solidFill>
+                <a:latin typeface="Cambria" panose="02040503050406030204" pitchFamily="18" charset="0"/>
+                <a:ea typeface="Cambria" panose="02040503050406030204" pitchFamily="18" charset="0"/>
+                <a:hlinkClick r:id="rId12"/>
+              </a:rPr>
+              <a:t>Atcoder</a:t>
+            </a:r>
+            <a:r>
+              <a:rPr lang="en-US" sz="2400" dirty="0">
+                <a:solidFill>
+                  <a:srgbClr val="0070C0"/>
+                </a:solidFill>
+                <a:latin typeface="Cambria" panose="02040503050406030204" pitchFamily="18" charset="0"/>
+                <a:ea typeface="Cambria" panose="02040503050406030204" pitchFamily="18" charset="0"/>
+                <a:hlinkClick r:id="rId12"/>
+              </a:rPr>
+              <a:t> - Find Takahashi</a:t>
+            </a:r>
+            <a:endParaRPr lang="en-US" sz="2400" dirty="0">
+              <a:solidFill>
+                <a:srgbClr val="0070C0"/>
+              </a:solidFill>
+              <a:latin typeface="Cambria" panose="02040503050406030204" pitchFamily="18" charset="0"/>
+              <a:ea typeface="Cambria" panose="02040503050406030204" pitchFamily="18" charset="0"/>
+            </a:endParaRPr>
+          </a:p>
+          <a:p>
+            <a:pPr marL="514350" indent="-514350">
+              <a:lnSpc>
+                <a:spcPct val="150000"/>
+              </a:lnSpc>
+              <a:buFont typeface="+mj-lt"/>
+              <a:buAutoNum type="arabicPeriod"/>
+            </a:pPr>
+            <a:r>
+              <a:rPr lang="en-US" sz="2400" dirty="0" err="1">
+                <a:solidFill>
+                  <a:srgbClr val="0070C0"/>
+                </a:solidFill>
+                <a:latin typeface="Cambria" panose="02040503050406030204" pitchFamily="18" charset="0"/>
+                <a:ea typeface="Cambria" panose="02040503050406030204" pitchFamily="18" charset="0"/>
+                <a:hlinkClick r:id="rId13"/>
+              </a:rPr>
+              <a:t>Codeforces</a:t>
+            </a:r>
+            <a:r>
+              <a:rPr lang="en-US" sz="2400" dirty="0">
+                <a:solidFill>
+                  <a:srgbClr val="0070C0"/>
+                </a:solidFill>
+                <a:latin typeface="Cambria" panose="02040503050406030204" pitchFamily="18" charset="0"/>
+                <a:ea typeface="Cambria" panose="02040503050406030204" pitchFamily="18" charset="0"/>
+                <a:hlinkClick r:id="rId13"/>
+              </a:rPr>
+              <a:t> - The day of Pi</a:t>
+            </a:r>
+            <a:endParaRPr lang="en-US" sz="2400" dirty="0">
+              <a:solidFill>
+                <a:srgbClr val="0070C0"/>
+              </a:solidFill>
+              <a:latin typeface="Cambria" panose="02040503050406030204" pitchFamily="18" charset="0"/>
+              <a:ea typeface="Cambria" panose="02040503050406030204" pitchFamily="18" charset="0"/>
+            </a:endParaRPr>
+          </a:p>
+        </p:txBody>
+      </p:sp>
+      <p:sp>
+        <p:nvSpPr>
+          <p:cNvPr id="8" name="Date Placeholder 7">
+            <a:extLst>
+              <a:ext uri="{FF2B5EF4-FFF2-40B4-BE49-F238E27FC236}">
+                <a16:creationId xmlns:a16="http://schemas.microsoft.com/office/drawing/2014/main" id="{EE14910A-945A-DF8A-F8A4-A5974EF350F7}"/>
               </a:ext>
             </a:extLst>
           </p:cNvPr>
@@ -7773,10 +7829,10 @@
       </p:sp>
       <p:sp>
         <p:nvSpPr>
-          <p:cNvPr id="8" name="Slide Number Placeholder 7">
-            <a:extLst>
-              <a:ext uri="{FF2B5EF4-FFF2-40B4-BE49-F238E27FC236}">
-                <a16:creationId xmlns:a16="http://schemas.microsoft.com/office/drawing/2014/main" id="{6B100281-40B0-D31D-5A07-73676E5934E3}"/>
+          <p:cNvPr id="9" name="Slide Number Placeholder 8">
+            <a:extLst>
+              <a:ext uri="{FF2B5EF4-FFF2-40B4-BE49-F238E27FC236}">
+                <a16:creationId xmlns:a16="http://schemas.microsoft.com/office/drawing/2014/main" id="{C29DC409-1037-B45D-3D80-F16BA474D7BA}"/>
               </a:ext>
             </a:extLst>
           </p:cNvPr>
@@ -7803,7 +7859,7 @@
     </p:spTree>
     <p:extLst>
       <p:ext uri="{BB962C8B-B14F-4D97-AF65-F5344CB8AC3E}">
-        <p14:creationId xmlns:p14="http://schemas.microsoft.com/office/powerpoint/2010/main" val="3468918374"/>
+        <p14:creationId xmlns:p14="http://schemas.microsoft.com/office/powerpoint/2010/main" val="500470616"/>
       </p:ext>
     </p:extLst>
   </p:cSld>
@@ -7835,317 +7891,45 @@
           <p:cNvPr id="2" name="Title 1">
             <a:extLst>
               <a:ext uri="{FF2B5EF4-FFF2-40B4-BE49-F238E27FC236}">
-                <a16:creationId xmlns:a16="http://schemas.microsoft.com/office/drawing/2014/main" id="{45DB07F3-2AFB-5AF3-0F07-9426B7075E19}"/>
-              </a:ext>
-            </a:extLst>
-          </p:cNvPr>
-          <p:cNvSpPr>
-            <a:spLocks noGrp="1"/>
-          </p:cNvSpPr>
-          <p:nvPr>
-            <p:ph type="title"/>
-          </p:nvPr>
-        </p:nvSpPr>
-        <p:spPr/>
-        <p:txBody>
-          <a:bodyPr/>
-          <a:lstStyle/>
-          <a:p>
-            <a:r>
-              <a:rPr lang="en-US" dirty="0">
-                <a:solidFill>
-                  <a:srgbClr val="DF3D92"/>
-                </a:solidFill>
-                <a:latin typeface="Georgia" panose="02040502050405020303" pitchFamily="18" charset="0"/>
-              </a:rPr>
-              <a:t>Functions videos </a:t>
-            </a:r>
-          </a:p>
-        </p:txBody>
-      </p:sp>
-      <p:sp>
-        <p:nvSpPr>
-          <p:cNvPr id="3" name="Content Placeholder 2">
-            <a:extLst>
-              <a:ext uri="{FF2B5EF4-FFF2-40B4-BE49-F238E27FC236}">
-                <a16:creationId xmlns:a16="http://schemas.microsoft.com/office/drawing/2014/main" id="{16A70A26-EF28-EEFE-A37A-048162AB0FCC}"/>
-              </a:ext>
-            </a:extLst>
-          </p:cNvPr>
-          <p:cNvSpPr>
-            <a:spLocks noGrp="1"/>
-          </p:cNvSpPr>
-          <p:nvPr>
-            <p:ph idx="1"/>
+                <a16:creationId xmlns:a16="http://schemas.microsoft.com/office/drawing/2014/main" id="{1A8F82CE-0DF4-3E2B-491C-CDEC706F942F}"/>
+              </a:ext>
+            </a:extLst>
+          </p:cNvPr>
+          <p:cNvSpPr>
+            <a:spLocks noGrp="1"/>
+          </p:cNvSpPr>
+          <p:nvPr>
+            <p:ph type="ctrTitle"/>
           </p:nvPr>
         </p:nvSpPr>
         <p:spPr>
           <a:xfrm>
-            <a:off x="838200" y="1951037"/>
-            <a:ext cx="10515600" cy="4351338"/>
+            <a:off x="1524000" y="2235200"/>
+            <a:ext cx="9144000" cy="2387600"/>
           </a:xfrm>
         </p:spPr>
         <p:txBody>
-          <a:bodyPr numCol="2" anchor="ctr">
-            <a:normAutofit/>
-          </a:bodyPr>
-          <a:lstStyle/>
-          <a:p>
-            <a:pPr marL="514350" indent="-514350">
-              <a:lnSpc>
-                <a:spcPct val="160000"/>
-              </a:lnSpc>
-              <a:buFont typeface="+mj-lt"/>
-              <a:buAutoNum type="arabicPeriod"/>
-            </a:pPr>
-            <a:r>
-              <a:rPr lang="en-US" sz="2400" dirty="0">
-                <a:solidFill>
-                  <a:srgbClr val="0070C0"/>
-                </a:solidFill>
-                <a:latin typeface="Cambria" panose="02040503050406030204" pitchFamily="18" charset="0"/>
-                <a:ea typeface="Cambria" panose="02040503050406030204" pitchFamily="18" charset="0"/>
-                <a:hlinkClick r:id="rId2"/>
-              </a:rPr>
-              <a:t>Part 1</a:t>
-            </a:r>
-            <a:endParaRPr lang="en-US" sz="2400" dirty="0">
-              <a:solidFill>
-                <a:srgbClr val="0070C0"/>
-              </a:solidFill>
-              <a:latin typeface="Cambria" panose="02040503050406030204" pitchFamily="18" charset="0"/>
-              <a:ea typeface="Cambria" panose="02040503050406030204" pitchFamily="18" charset="0"/>
-            </a:endParaRPr>
-          </a:p>
-          <a:p>
-            <a:pPr marL="514350" indent="-514350">
-              <a:lnSpc>
-                <a:spcPct val="160000"/>
-              </a:lnSpc>
-              <a:buFont typeface="+mj-lt"/>
-              <a:buAutoNum type="arabicPeriod"/>
-            </a:pPr>
-            <a:r>
-              <a:rPr lang="en-US" sz="2400" dirty="0">
-                <a:solidFill>
-                  <a:srgbClr val="0070C0"/>
-                </a:solidFill>
-                <a:latin typeface="Cambria" panose="02040503050406030204" pitchFamily="18" charset="0"/>
-                <a:ea typeface="Cambria" panose="02040503050406030204" pitchFamily="18" charset="0"/>
-                <a:hlinkClick r:id="rId3"/>
-              </a:rPr>
-              <a:t>Part 2</a:t>
-            </a:r>
-            <a:endParaRPr lang="en-US" sz="2400" dirty="0">
-              <a:solidFill>
-                <a:srgbClr val="0070C0"/>
-              </a:solidFill>
-              <a:latin typeface="Cambria" panose="02040503050406030204" pitchFamily="18" charset="0"/>
-              <a:ea typeface="Cambria" panose="02040503050406030204" pitchFamily="18" charset="0"/>
-            </a:endParaRPr>
-          </a:p>
-          <a:p>
-            <a:pPr marL="514350" indent="-514350">
-              <a:lnSpc>
-                <a:spcPct val="160000"/>
-              </a:lnSpc>
-              <a:buFont typeface="+mj-lt"/>
-              <a:buAutoNum type="arabicPeriod"/>
-            </a:pPr>
-            <a:r>
-              <a:rPr lang="en-US" sz="2400" dirty="0">
-                <a:solidFill>
-                  <a:srgbClr val="0070C0"/>
-                </a:solidFill>
-                <a:latin typeface="Cambria" panose="02040503050406030204" pitchFamily="18" charset="0"/>
-                <a:ea typeface="Cambria" panose="02040503050406030204" pitchFamily="18" charset="0"/>
-                <a:hlinkClick r:id="rId4"/>
-              </a:rPr>
-              <a:t>Built in functions</a:t>
-            </a:r>
-            <a:endParaRPr lang="en-US" sz="2400" dirty="0">
-              <a:solidFill>
-                <a:srgbClr val="0070C0"/>
-              </a:solidFill>
-              <a:latin typeface="Cambria" panose="02040503050406030204" pitchFamily="18" charset="0"/>
-              <a:ea typeface="Cambria" panose="02040503050406030204" pitchFamily="18" charset="0"/>
-            </a:endParaRPr>
-          </a:p>
-          <a:p>
-            <a:pPr marL="514350" indent="-514350">
-              <a:lnSpc>
-                <a:spcPct val="160000"/>
-              </a:lnSpc>
-              <a:buFont typeface="+mj-lt"/>
-              <a:buAutoNum type="arabicPeriod"/>
-            </a:pPr>
-            <a:r>
-              <a:rPr lang="en-US" sz="2400" dirty="0">
-                <a:solidFill>
-                  <a:srgbClr val="0070C0"/>
-                </a:solidFill>
-                <a:latin typeface="Cambria" panose="02040503050406030204" pitchFamily="18" charset="0"/>
-                <a:ea typeface="Cambria" panose="02040503050406030204" pitchFamily="18" charset="0"/>
-                <a:hlinkClick r:id="rId5"/>
-              </a:rPr>
-              <a:t>Random function</a:t>
-            </a:r>
-            <a:endParaRPr lang="en-US" sz="2400" dirty="0">
-              <a:solidFill>
-                <a:srgbClr val="0070C0"/>
-              </a:solidFill>
-              <a:latin typeface="Cambria" panose="02040503050406030204" pitchFamily="18" charset="0"/>
-              <a:ea typeface="Cambria" panose="02040503050406030204" pitchFamily="18" charset="0"/>
-            </a:endParaRPr>
-          </a:p>
-          <a:p>
-            <a:pPr marL="514350" indent="-514350">
-              <a:lnSpc>
-                <a:spcPct val="160000"/>
-              </a:lnSpc>
-              <a:buFont typeface="+mj-lt"/>
-              <a:buAutoNum type="arabicPeriod"/>
-            </a:pPr>
-            <a:endParaRPr lang="en-US" sz="2400" dirty="0">
-              <a:solidFill>
-                <a:srgbClr val="0070C0"/>
-              </a:solidFill>
-              <a:latin typeface="Cambria" panose="02040503050406030204" pitchFamily="18" charset="0"/>
-              <a:ea typeface="Cambria" panose="02040503050406030204" pitchFamily="18" charset="0"/>
-            </a:endParaRPr>
-          </a:p>
-          <a:p>
-            <a:pPr marL="514350" indent="-514350">
-              <a:lnSpc>
-                <a:spcPct val="160000"/>
-              </a:lnSpc>
-              <a:buFont typeface="+mj-lt"/>
-              <a:buAutoNum type="arabicPeriod"/>
-            </a:pPr>
-            <a:endParaRPr lang="en-US" sz="2400" dirty="0">
-              <a:solidFill>
-                <a:srgbClr val="0070C0"/>
-              </a:solidFill>
-              <a:latin typeface="Cambria" panose="02040503050406030204" pitchFamily="18" charset="0"/>
-              <a:ea typeface="Cambria" panose="02040503050406030204" pitchFamily="18" charset="0"/>
-            </a:endParaRPr>
-          </a:p>
-          <a:p>
-            <a:pPr marL="514350" indent="-514350">
-              <a:lnSpc>
-                <a:spcPct val="160000"/>
-              </a:lnSpc>
-              <a:buFont typeface="+mj-lt"/>
-              <a:buAutoNum type="arabicPeriod"/>
-            </a:pPr>
-            <a:r>
-              <a:rPr lang="en-US" sz="2400" dirty="0">
-                <a:solidFill>
-                  <a:srgbClr val="0070C0"/>
-                </a:solidFill>
-                <a:latin typeface="Cambria" panose="02040503050406030204" pitchFamily="18" charset="0"/>
-                <a:ea typeface="Cambria" panose="02040503050406030204" pitchFamily="18" charset="0"/>
-                <a:hlinkClick r:id="rId6"/>
-              </a:rPr>
-              <a:t>Call by reference vs. call by value</a:t>
-            </a:r>
-            <a:endParaRPr lang="en-US" sz="2400" dirty="0">
-              <a:solidFill>
-                <a:srgbClr val="0070C0"/>
-              </a:solidFill>
-              <a:latin typeface="Cambria" panose="02040503050406030204" pitchFamily="18" charset="0"/>
-              <a:ea typeface="Cambria" panose="02040503050406030204" pitchFamily="18" charset="0"/>
-            </a:endParaRPr>
-          </a:p>
-          <a:p>
-            <a:pPr marL="514350" indent="-514350">
-              <a:lnSpc>
-                <a:spcPct val="160000"/>
-              </a:lnSpc>
-              <a:buFont typeface="+mj-lt"/>
-              <a:buAutoNum type="arabicPeriod"/>
-            </a:pPr>
-            <a:r>
-              <a:rPr lang="en-US" sz="2400" dirty="0">
-                <a:solidFill>
-                  <a:srgbClr val="0070C0"/>
-                </a:solidFill>
-                <a:latin typeface="Cambria" panose="02040503050406030204" pitchFamily="18" charset="0"/>
-                <a:ea typeface="Cambria" panose="02040503050406030204" pitchFamily="18" charset="0"/>
-                <a:hlinkClick r:id="rId7"/>
-              </a:rPr>
-              <a:t>Recursion 1</a:t>
-            </a:r>
-            <a:endParaRPr lang="en-US" sz="2400" dirty="0">
-              <a:solidFill>
-                <a:srgbClr val="0070C0"/>
-              </a:solidFill>
-              <a:latin typeface="Cambria" panose="02040503050406030204" pitchFamily="18" charset="0"/>
-              <a:ea typeface="Cambria" panose="02040503050406030204" pitchFamily="18" charset="0"/>
-            </a:endParaRPr>
-          </a:p>
-          <a:p>
-            <a:pPr marL="514350" indent="-514350">
-              <a:lnSpc>
-                <a:spcPct val="160000"/>
-              </a:lnSpc>
-              <a:buFont typeface="+mj-lt"/>
-              <a:buAutoNum type="arabicPeriod"/>
-            </a:pPr>
-            <a:r>
-              <a:rPr lang="en-US" sz="2400" dirty="0">
-                <a:solidFill>
-                  <a:srgbClr val="0070C0"/>
-                </a:solidFill>
-                <a:latin typeface="Cambria" panose="02040503050406030204" pitchFamily="18" charset="0"/>
-                <a:ea typeface="Cambria" panose="02040503050406030204" pitchFamily="18" charset="0"/>
-                <a:hlinkClick r:id="rId8"/>
-              </a:rPr>
-              <a:t>Recursion 2</a:t>
-            </a:r>
-            <a:endParaRPr lang="en-US" sz="2400" dirty="0">
-              <a:solidFill>
-                <a:srgbClr val="0070C0"/>
-              </a:solidFill>
-              <a:latin typeface="Cambria" panose="02040503050406030204" pitchFamily="18" charset="0"/>
-              <a:ea typeface="Cambria" panose="02040503050406030204" pitchFamily="18" charset="0"/>
-            </a:endParaRPr>
-          </a:p>
-          <a:p>
-            <a:pPr marL="514350" indent="-514350">
-              <a:lnSpc>
-                <a:spcPct val="160000"/>
-              </a:lnSpc>
-              <a:buFont typeface="+mj-lt"/>
-              <a:buAutoNum type="arabicPeriod"/>
-            </a:pPr>
-            <a:r>
-              <a:rPr lang="en-US" sz="2400" dirty="0">
-                <a:solidFill>
-                  <a:srgbClr val="0070C0"/>
-                </a:solidFill>
-                <a:latin typeface="Cambria" panose="02040503050406030204" pitchFamily="18" charset="0"/>
-                <a:ea typeface="Cambria" panose="02040503050406030204" pitchFamily="18" charset="0"/>
-                <a:hlinkClick r:id="rId9"/>
-              </a:rPr>
-              <a:t>Default arguments</a:t>
-            </a:r>
-            <a:endParaRPr lang="en-US" sz="2400" dirty="0">
-              <a:solidFill>
-                <a:srgbClr val="0070C0"/>
-              </a:solidFill>
-              <a:latin typeface="Cambria" panose="02040503050406030204" pitchFamily="18" charset="0"/>
-              <a:ea typeface="Cambria" panose="02040503050406030204" pitchFamily="18" charset="0"/>
-            </a:endParaRPr>
-          </a:p>
-        </p:txBody>
-      </p:sp>
-      <p:sp>
-        <p:nvSpPr>
-          <p:cNvPr id="8" name="Date Placeholder 7">
-            <a:extLst>
-              <a:ext uri="{FF2B5EF4-FFF2-40B4-BE49-F238E27FC236}">
-                <a16:creationId xmlns:a16="http://schemas.microsoft.com/office/drawing/2014/main" id="{1963EE9D-4F24-5A9C-A424-59F4112D73E8}"/>
+          <a:bodyPr anchor="ctr"/>
+          <a:lstStyle/>
+          <a:p>
+            <a:r>
+              <a:rPr lang="en-US" dirty="0">
+                <a:solidFill>
+                  <a:srgbClr val="DF3D92"/>
+                </a:solidFill>
+                <a:latin typeface="Georgia" panose="02040502050405020303" pitchFamily="18" charset="0"/>
+              </a:rPr>
+              <a:t>Functions</a:t>
+            </a:r>
+          </a:p>
+        </p:txBody>
+      </p:sp>
+      <p:sp>
+        <p:nvSpPr>
+          <p:cNvPr id="7" name="Date Placeholder 6">
+            <a:extLst>
+              <a:ext uri="{FF2B5EF4-FFF2-40B4-BE49-F238E27FC236}">
+                <a16:creationId xmlns:a16="http://schemas.microsoft.com/office/drawing/2014/main" id="{F1C9D41F-7AF7-4E98-309E-C9613A2C79F2}"/>
               </a:ext>
             </a:extLst>
           </p:cNvPr>
@@ -8170,10 +7954,10 @@
       </p:sp>
       <p:sp>
         <p:nvSpPr>
-          <p:cNvPr id="9" name="Slide Number Placeholder 8">
-            <a:extLst>
-              <a:ext uri="{FF2B5EF4-FFF2-40B4-BE49-F238E27FC236}">
-                <a16:creationId xmlns:a16="http://schemas.microsoft.com/office/drawing/2014/main" id="{8C8D8AAC-339A-5018-CC7E-9304D7648CDF}"/>
+          <p:cNvPr id="8" name="Slide Number Placeholder 7">
+            <a:extLst>
+              <a:ext uri="{FF2B5EF4-FFF2-40B4-BE49-F238E27FC236}">
+                <a16:creationId xmlns:a16="http://schemas.microsoft.com/office/drawing/2014/main" id="{6B100281-40B0-D31D-5A07-73676E5934E3}"/>
               </a:ext>
             </a:extLst>
           </p:cNvPr>
@@ -8200,7 +7984,7 @@
     </p:spTree>
     <p:extLst>
       <p:ext uri="{BB962C8B-B14F-4D97-AF65-F5344CB8AC3E}">
-        <p14:creationId xmlns:p14="http://schemas.microsoft.com/office/powerpoint/2010/main" val="2659171443"/>
+        <p14:creationId xmlns:p14="http://schemas.microsoft.com/office/powerpoint/2010/main" val="3468918374"/>
       </p:ext>
     </p:extLst>
   </p:cSld>
@@ -8243,85 +8027,84 @@
             <p:ph type="title"/>
           </p:nvPr>
         </p:nvSpPr>
+        <p:spPr/>
+        <p:txBody>
+          <a:bodyPr/>
+          <a:lstStyle/>
+          <a:p>
+            <a:r>
+              <a:rPr lang="en-US" dirty="0">
+                <a:solidFill>
+                  <a:srgbClr val="DF3D92"/>
+                </a:solidFill>
+                <a:latin typeface="Georgia" panose="02040502050405020303" pitchFamily="18" charset="0"/>
+              </a:rPr>
+              <a:t>Functions videos </a:t>
+            </a:r>
+          </a:p>
+        </p:txBody>
+      </p:sp>
+      <p:sp>
+        <p:nvSpPr>
+          <p:cNvPr id="3" name="Content Placeholder 2">
+            <a:extLst>
+              <a:ext uri="{FF2B5EF4-FFF2-40B4-BE49-F238E27FC236}">
+                <a16:creationId xmlns:a16="http://schemas.microsoft.com/office/drawing/2014/main" id="{16A70A26-EF28-EEFE-A37A-048162AB0FCC}"/>
+              </a:ext>
+            </a:extLst>
+          </p:cNvPr>
+          <p:cNvSpPr>
+            <a:spLocks noGrp="1"/>
+          </p:cNvSpPr>
+          <p:nvPr>
+            <p:ph idx="1"/>
+          </p:nvPr>
+        </p:nvSpPr>
         <p:spPr>
           <a:xfrm>
-            <a:off x="657226" y="389732"/>
-            <a:ext cx="3257550" cy="1325563"/>
+            <a:off x="838200" y="1951037"/>
+            <a:ext cx="10515600" cy="4351338"/>
           </a:xfrm>
         </p:spPr>
         <p:txBody>
-          <a:bodyPr>
-            <a:normAutofit fontScale="90000"/>
+          <a:bodyPr numCol="2" anchor="ctr">
+            <a:normAutofit/>
           </a:bodyPr>
           <a:lstStyle/>
           <a:p>
-            <a:pPr algn="just">
+            <a:pPr marL="514350" indent="-514350">
               <a:lnSpc>
-                <a:spcPct val="150000"/>
+                <a:spcPct val="160000"/>
               </a:lnSpc>
+              <a:buFont typeface="+mj-lt"/>
+              <a:buAutoNum type="arabicPeriod"/>
             </a:pPr>
             <a:r>
-              <a:rPr lang="en-US" sz="3600" dirty="0">
-                <a:solidFill>
-                  <a:srgbClr val="DF3D92"/>
-                </a:solidFill>
-                <a:latin typeface="Georgia" panose="02040502050405020303" pitchFamily="18" charset="0"/>
-              </a:rPr>
-              <a:t>Frequently used</a:t>
-            </a:r>
-            <a:br>
-              <a:rPr lang="en-US" sz="3600" dirty="0">
-                <a:solidFill>
-                  <a:srgbClr val="DF3D92"/>
-                </a:solidFill>
-                <a:latin typeface="Georgia" panose="02040502050405020303" pitchFamily="18" charset="0"/>
-              </a:rPr>
-            </a:br>
-            <a:r>
-              <a:rPr lang="en-US" sz="3600" dirty="0">
-                <a:solidFill>
-                  <a:srgbClr val="DF3D92"/>
-                </a:solidFill>
-                <a:latin typeface="Georgia" panose="02040502050405020303" pitchFamily="18" charset="0"/>
-              </a:rPr>
-              <a:t>built in functions</a:t>
-            </a:r>
-          </a:p>
-        </p:txBody>
-      </p:sp>
-      <p:sp>
-        <p:nvSpPr>
-          <p:cNvPr id="3" name="Content Placeholder 2">
-            <a:extLst>
-              <a:ext uri="{FF2B5EF4-FFF2-40B4-BE49-F238E27FC236}">
-                <a16:creationId xmlns:a16="http://schemas.microsoft.com/office/drawing/2014/main" id="{16A70A26-EF28-EEFE-A37A-048162AB0FCC}"/>
-              </a:ext>
-            </a:extLst>
-          </p:cNvPr>
-          <p:cNvSpPr>
-            <a:spLocks noGrp="1"/>
-          </p:cNvSpPr>
-          <p:nvPr>
-            <p:ph idx="1"/>
-          </p:nvPr>
-        </p:nvSpPr>
-        <p:spPr>
-          <a:xfrm>
-            <a:off x="752475" y="3014266"/>
-            <a:ext cx="5962649" cy="829468"/>
-          </a:xfrm>
-        </p:spPr>
-        <p:txBody>
-          <a:bodyPr numCol="2" anchor="t">
-            <a:normAutofit fontScale="77500" lnSpcReduction="20000"/>
-          </a:bodyPr>
-          <a:lstStyle/>
-          <a:p>
-            <a:pPr marL="0" indent="0">
+              <a:rPr lang="en-US" sz="2400" dirty="0">
+                <a:solidFill>
+                  <a:srgbClr val="0070C0"/>
+                </a:solidFill>
+                <a:latin typeface="Cambria" panose="02040503050406030204" pitchFamily="18" charset="0"/>
+                <a:ea typeface="Cambria" panose="02040503050406030204" pitchFamily="18" charset="0"/>
+                <a:hlinkClick r:id="rId2"/>
+              </a:rPr>
+              <a:t>Part 1</a:t>
+            </a:r>
+            <a:endParaRPr lang="en-US" sz="2400" dirty="0">
+              <a:solidFill>
+                <a:srgbClr val="0070C0"/>
+              </a:solidFill>
+              <a:latin typeface="Cambria" panose="02040503050406030204" pitchFamily="18" charset="0"/>
+              <a:ea typeface="Cambria" panose="02040503050406030204" pitchFamily="18" charset="0"/>
+            </a:endParaRPr>
+          </a:p>
+          <a:p>
+            <a:pPr marL="514350" indent="-514350">
               <a:lnSpc>
-                <a:spcPct val="150000"/>
+                <a:spcPct val="160000"/>
               </a:lnSpc>
-              <a:buNone/>
+              <a:buFont typeface="+mj-lt"/>
+              <a:buAutoNum type="arabicPeriod"/>
             </a:pPr>
             <a:r>
               <a:rPr lang="en-US" sz="2400" dirty="0">
@@ -8330,16 +8113,79 @@
                 </a:solidFill>
                 <a:latin typeface="Cambria" panose="02040503050406030204" pitchFamily="18" charset="0"/>
                 <a:ea typeface="Cambria" panose="02040503050406030204" pitchFamily="18" charset="0"/>
-              </a:rPr>
-              <a:t>#include &lt;math&gt; functions </a:t>
-            </a:r>
-          </a:p>
-          <a:p>
-            <a:pPr marL="0" indent="0">
+                <a:hlinkClick r:id="rId3"/>
+              </a:rPr>
+              <a:t>Part 2</a:t>
+            </a:r>
+            <a:endParaRPr lang="en-US" sz="2400" dirty="0">
+              <a:solidFill>
+                <a:srgbClr val="0070C0"/>
+              </a:solidFill>
+              <a:latin typeface="Cambria" panose="02040503050406030204" pitchFamily="18" charset="0"/>
+              <a:ea typeface="Cambria" panose="02040503050406030204" pitchFamily="18" charset="0"/>
+            </a:endParaRPr>
+          </a:p>
+          <a:p>
+            <a:pPr marL="514350" indent="-514350">
               <a:lnSpc>
-                <a:spcPct val="150000"/>
+                <a:spcPct val="160000"/>
               </a:lnSpc>
-              <a:buNone/>
+              <a:buFont typeface="+mj-lt"/>
+              <a:buAutoNum type="arabicPeriod"/>
+            </a:pPr>
+            <a:r>
+              <a:rPr lang="en-US" sz="2400" dirty="0">
+                <a:solidFill>
+                  <a:srgbClr val="0070C0"/>
+                </a:solidFill>
+                <a:latin typeface="Cambria" panose="02040503050406030204" pitchFamily="18" charset="0"/>
+                <a:ea typeface="Cambria" panose="02040503050406030204" pitchFamily="18" charset="0"/>
+                <a:hlinkClick r:id="rId4"/>
+              </a:rPr>
+              <a:t>Built in functions</a:t>
+            </a:r>
+            <a:endParaRPr lang="en-US" sz="2400" dirty="0">
+              <a:solidFill>
+                <a:srgbClr val="0070C0"/>
+              </a:solidFill>
+              <a:latin typeface="Cambria" panose="02040503050406030204" pitchFamily="18" charset="0"/>
+              <a:ea typeface="Cambria" panose="02040503050406030204" pitchFamily="18" charset="0"/>
+            </a:endParaRPr>
+          </a:p>
+          <a:p>
+            <a:pPr marL="514350" indent="-514350">
+              <a:lnSpc>
+                <a:spcPct val="160000"/>
+              </a:lnSpc>
+              <a:buFont typeface="+mj-lt"/>
+              <a:buAutoNum type="arabicPeriod"/>
+            </a:pPr>
+            <a:r>
+              <a:rPr lang="en-US" sz="2400" dirty="0">
+                <a:solidFill>
+                  <a:srgbClr val="0070C0"/>
+                </a:solidFill>
+                <a:latin typeface="Cambria" panose="02040503050406030204" pitchFamily="18" charset="0"/>
+                <a:ea typeface="Cambria" panose="02040503050406030204" pitchFamily="18" charset="0"/>
+                <a:hlinkClick r:id="rId5"/>
+              </a:rPr>
+              <a:t>Random function</a:t>
+            </a:r>
+            <a:endParaRPr lang="en-US" sz="2400" dirty="0">
+              <a:solidFill>
+                <a:srgbClr val="0070C0"/>
+              </a:solidFill>
+              <a:latin typeface="Cambria" panose="02040503050406030204" pitchFamily="18" charset="0"/>
+              <a:ea typeface="Cambria" panose="02040503050406030204" pitchFamily="18" charset="0"/>
+            </a:endParaRPr>
+          </a:p>
+          <a:p>
+            <a:pPr marL="514350" indent="-514350">
+              <a:lnSpc>
+                <a:spcPct val="160000"/>
+              </a:lnSpc>
+              <a:buFont typeface="+mj-lt"/>
+              <a:buAutoNum type="arabicPeriod"/>
             </a:pPr>
             <a:endParaRPr lang="en-US" sz="2400" dirty="0">
               <a:solidFill>
@@ -8349,44 +8195,138 @@
               <a:ea typeface="Cambria" panose="02040503050406030204" pitchFamily="18" charset="0"/>
             </a:endParaRPr>
           </a:p>
-        </p:txBody>
-      </p:sp>
-      <p:pic>
-        <p:nvPicPr>
-          <p:cNvPr id="5" name="Picture 4">
-            <a:extLst>
-              <a:ext uri="{FF2B5EF4-FFF2-40B4-BE49-F238E27FC236}">
-                <a16:creationId xmlns:a16="http://schemas.microsoft.com/office/drawing/2014/main" id="{78DB928D-E4CB-A4EA-957C-FAE7E9180311}"/>
-              </a:ext>
-            </a:extLst>
-          </p:cNvPr>
-          <p:cNvPicPr>
-            <a:picLocks noChangeAspect="1"/>
-          </p:cNvPicPr>
-          <p:nvPr/>
-        </p:nvPicPr>
-        <p:blipFill>
-          <a:blip r:embed="rId2"/>
-          <a:stretch>
-            <a:fillRect/>
-          </a:stretch>
-        </p:blipFill>
-        <p:spPr>
-          <a:xfrm>
-            <a:off x="4531066" y="0"/>
-            <a:ext cx="7660934" cy="6858000"/>
-          </a:xfrm>
-          <a:prstGeom prst="rect">
-            <a:avLst/>
-          </a:prstGeom>
-        </p:spPr>
-      </p:pic>
-      <p:sp>
-        <p:nvSpPr>
-          <p:cNvPr id="9" name="Date Placeholder 8">
-            <a:extLst>
-              <a:ext uri="{FF2B5EF4-FFF2-40B4-BE49-F238E27FC236}">
-                <a16:creationId xmlns:a16="http://schemas.microsoft.com/office/drawing/2014/main" id="{8064CB62-4D8A-87A9-3DBF-BCF3D9F237FA}"/>
+          <a:p>
+            <a:pPr marL="514350" indent="-514350">
+              <a:lnSpc>
+                <a:spcPct val="160000"/>
+              </a:lnSpc>
+              <a:buFont typeface="+mj-lt"/>
+              <a:buAutoNum type="arabicPeriod"/>
+            </a:pPr>
+            <a:endParaRPr lang="en-US" sz="2400" dirty="0">
+              <a:solidFill>
+                <a:srgbClr val="0070C0"/>
+              </a:solidFill>
+              <a:latin typeface="Cambria" panose="02040503050406030204" pitchFamily="18" charset="0"/>
+              <a:ea typeface="Cambria" panose="02040503050406030204" pitchFamily="18" charset="0"/>
+            </a:endParaRPr>
+          </a:p>
+          <a:p>
+            <a:pPr marL="514350" indent="-514350">
+              <a:lnSpc>
+                <a:spcPct val="160000"/>
+              </a:lnSpc>
+              <a:buFont typeface="+mj-lt"/>
+              <a:buAutoNum type="arabicPeriod"/>
+            </a:pPr>
+            <a:r>
+              <a:rPr lang="en-US" sz="2400" dirty="0">
+                <a:solidFill>
+                  <a:srgbClr val="0070C0"/>
+                </a:solidFill>
+                <a:latin typeface="Cambria" panose="02040503050406030204" pitchFamily="18" charset="0"/>
+                <a:ea typeface="Cambria" panose="02040503050406030204" pitchFamily="18" charset="0"/>
+                <a:hlinkClick r:id="rId6"/>
+              </a:rPr>
+              <a:t>Call by reference vs. call by value</a:t>
+            </a:r>
+            <a:endParaRPr lang="en-US" sz="2400" dirty="0">
+              <a:solidFill>
+                <a:srgbClr val="0070C0"/>
+              </a:solidFill>
+              <a:latin typeface="Cambria" panose="02040503050406030204" pitchFamily="18" charset="0"/>
+              <a:ea typeface="Cambria" panose="02040503050406030204" pitchFamily="18" charset="0"/>
+            </a:endParaRPr>
+          </a:p>
+          <a:p>
+            <a:pPr marL="514350" indent="-514350">
+              <a:lnSpc>
+                <a:spcPct val="160000"/>
+              </a:lnSpc>
+              <a:buFont typeface="+mj-lt"/>
+              <a:buAutoNum type="arabicPeriod"/>
+            </a:pPr>
+            <a:r>
+              <a:rPr lang="en-US" sz="2400" dirty="0">
+                <a:solidFill>
+                  <a:srgbClr val="0070C0"/>
+                </a:solidFill>
+                <a:latin typeface="Cambria" panose="02040503050406030204" pitchFamily="18" charset="0"/>
+                <a:ea typeface="Cambria" panose="02040503050406030204" pitchFamily="18" charset="0"/>
+                <a:hlinkClick r:id="rId7"/>
+              </a:rPr>
+              <a:t>Recursion 1</a:t>
+            </a:r>
+            <a:endParaRPr lang="en-US" sz="2400" dirty="0">
+              <a:solidFill>
+                <a:srgbClr val="0070C0"/>
+              </a:solidFill>
+              <a:latin typeface="Cambria" panose="02040503050406030204" pitchFamily="18" charset="0"/>
+              <a:ea typeface="Cambria" panose="02040503050406030204" pitchFamily="18" charset="0"/>
+            </a:endParaRPr>
+          </a:p>
+          <a:p>
+            <a:pPr marL="514350" indent="-514350">
+              <a:lnSpc>
+                <a:spcPct val="160000"/>
+              </a:lnSpc>
+              <a:buFont typeface="+mj-lt"/>
+              <a:buAutoNum type="arabicPeriod"/>
+            </a:pPr>
+            <a:r>
+              <a:rPr lang="en-US" sz="2400" dirty="0">
+                <a:solidFill>
+                  <a:srgbClr val="0070C0"/>
+                </a:solidFill>
+                <a:latin typeface="Cambria" panose="02040503050406030204" pitchFamily="18" charset="0"/>
+                <a:ea typeface="Cambria" panose="02040503050406030204" pitchFamily="18" charset="0"/>
+                <a:hlinkClick r:id="rId8"/>
+              </a:rPr>
+              <a:t>Recursion 2</a:t>
+            </a:r>
+            <a:endParaRPr lang="en-US" sz="2400" dirty="0">
+              <a:solidFill>
+                <a:srgbClr val="0070C0"/>
+              </a:solidFill>
+              <a:latin typeface="Cambria" panose="02040503050406030204" pitchFamily="18" charset="0"/>
+              <a:ea typeface="Cambria" panose="02040503050406030204" pitchFamily="18" charset="0"/>
+            </a:endParaRPr>
+          </a:p>
+          <a:p>
+            <a:pPr marL="514350" indent="-514350">
+              <a:lnSpc>
+                <a:spcPct val="160000"/>
+              </a:lnSpc>
+              <a:buFont typeface="+mj-lt"/>
+              <a:buAutoNum type="arabicPeriod"/>
+            </a:pPr>
+            <a:r>
+              <a:rPr lang="en-US" sz="2400" dirty="0">
+                <a:solidFill>
+                  <a:srgbClr val="0070C0"/>
+                </a:solidFill>
+                <a:latin typeface="Cambria" panose="02040503050406030204" pitchFamily="18" charset="0"/>
+                <a:ea typeface="Cambria" panose="02040503050406030204" pitchFamily="18" charset="0"/>
+                <a:hlinkClick r:id="rId9"/>
+              </a:rPr>
+              <a:t>Default arguments</a:t>
+            </a:r>
+            <a:endParaRPr lang="en-US" sz="2400" dirty="0">
+              <a:solidFill>
+                <a:srgbClr val="0070C0"/>
+              </a:solidFill>
+              <a:latin typeface="Cambria" panose="02040503050406030204" pitchFamily="18" charset="0"/>
+              <a:ea typeface="Cambria" panose="02040503050406030204" pitchFamily="18" charset="0"/>
+            </a:endParaRPr>
+          </a:p>
+        </p:txBody>
+      </p:sp>
+      <p:sp>
+        <p:nvSpPr>
+          <p:cNvPr id="8" name="Date Placeholder 7">
+            <a:extLst>
+              <a:ext uri="{FF2B5EF4-FFF2-40B4-BE49-F238E27FC236}">
+                <a16:creationId xmlns:a16="http://schemas.microsoft.com/office/drawing/2014/main" id="{1963EE9D-4F24-5A9C-A424-59F4112D73E8}"/>
               </a:ext>
             </a:extLst>
           </p:cNvPr>
@@ -8411,10 +8351,10 @@
       </p:sp>
       <p:sp>
         <p:nvSpPr>
-          <p:cNvPr id="10" name="Slide Number Placeholder 9">
-            <a:extLst>
-              <a:ext uri="{FF2B5EF4-FFF2-40B4-BE49-F238E27FC236}">
-                <a16:creationId xmlns:a16="http://schemas.microsoft.com/office/drawing/2014/main" id="{D11D2FA2-E522-A81F-22DE-C52F6260A437}"/>
+          <p:cNvPr id="9" name="Slide Number Placeholder 8">
+            <a:extLst>
+              <a:ext uri="{FF2B5EF4-FFF2-40B4-BE49-F238E27FC236}">
+                <a16:creationId xmlns:a16="http://schemas.microsoft.com/office/drawing/2014/main" id="{8C8D8AAC-339A-5018-CC7E-9304D7648CDF}"/>
               </a:ext>
             </a:extLst>
           </p:cNvPr>
@@ -8441,7 +8381,7 @@
     </p:spTree>
     <p:extLst>
       <p:ext uri="{BB962C8B-B14F-4D97-AF65-F5344CB8AC3E}">
-        <p14:creationId xmlns:p14="http://schemas.microsoft.com/office/powerpoint/2010/main" val="4236210099"/>
+        <p14:creationId xmlns:p14="http://schemas.microsoft.com/office/powerpoint/2010/main" val="2659171443"/>
       </p:ext>
     </p:extLst>
   </p:cSld>
@@ -8486,74 +8426,84 @@
         </p:nvSpPr>
         <p:spPr>
           <a:xfrm>
-            <a:off x="838200" y="176212"/>
-            <a:ext cx="10515600" cy="1325563"/>
+            <a:off x="657226" y="389732"/>
+            <a:ext cx="3257550" cy="1325563"/>
           </a:xfrm>
         </p:spPr>
         <p:txBody>
           <a:bodyPr>
-            <a:normAutofit/>
+            <a:normAutofit fontScale="90000"/>
           </a:bodyPr>
           <a:lstStyle/>
           <a:p>
-            <a:r>
-              <a:rPr lang="en-US" sz="3600" dirty="0">
-                <a:solidFill>
-                  <a:srgbClr val="DF3D92"/>
-                </a:solidFill>
-                <a:latin typeface="Georgia" panose="02040502050405020303" pitchFamily="18" charset="0"/>
-              </a:rPr>
-              <a:t>Functions problems</a:t>
-            </a:r>
-          </a:p>
-        </p:txBody>
-      </p:sp>
-      <p:sp>
-        <p:nvSpPr>
-          <p:cNvPr id="3" name="Content Placeholder 2">
-            <a:extLst>
-              <a:ext uri="{FF2B5EF4-FFF2-40B4-BE49-F238E27FC236}">
-                <a16:creationId xmlns:a16="http://schemas.microsoft.com/office/drawing/2014/main" id="{16A70A26-EF28-EEFE-A37A-048162AB0FCC}"/>
-              </a:ext>
-            </a:extLst>
-          </p:cNvPr>
-          <p:cNvSpPr>
-            <a:spLocks noGrp="1"/>
-          </p:cNvSpPr>
-          <p:nvPr>
-            <p:ph idx="1"/>
-          </p:nvPr>
-        </p:nvSpPr>
-        <p:spPr>
-          <a:xfrm>
-            <a:off x="838200" y="1501775"/>
-            <a:ext cx="10515600" cy="5060950"/>
-          </a:xfrm>
-        </p:spPr>
-        <p:txBody>
-          <a:bodyPr numCol="1" anchor="t">
-            <a:normAutofit lnSpcReduction="10000"/>
-          </a:bodyPr>
-          <a:lstStyle/>
-          <a:p>
-            <a:pPr marL="514350" indent="-514350">
+            <a:pPr algn="just">
               <a:lnSpc>
                 <a:spcPct val="150000"/>
               </a:lnSpc>
-              <a:buFont typeface="+mj-lt"/>
-              <a:buAutoNum type="arabicPeriod"/>
             </a:pPr>
             <a:r>
-              <a:rPr lang="en-US" sz="2400" dirty="0" err="1">
-                <a:solidFill>
-                  <a:srgbClr val="0070C0"/>
-                </a:solidFill>
-                <a:latin typeface="Cambria" panose="02040503050406030204" pitchFamily="18" charset="0"/>
-                <a:ea typeface="Cambria" panose="02040503050406030204" pitchFamily="18" charset="0"/>
-                <a:hlinkClick r:id="rId2"/>
-              </a:rPr>
-              <a:t>Atcoder</a:t>
-            </a:r>
+              <a:rPr lang="en-US" sz="3600" dirty="0">
+                <a:solidFill>
+                  <a:srgbClr val="DF3D92"/>
+                </a:solidFill>
+                <a:latin typeface="Georgia" panose="02040502050405020303" pitchFamily="18" charset="0"/>
+              </a:rPr>
+              <a:t>Frequently used</a:t>
+            </a:r>
+            <a:br>
+              <a:rPr lang="en-US" sz="3600" dirty="0">
+                <a:solidFill>
+                  <a:srgbClr val="DF3D92"/>
+                </a:solidFill>
+                <a:latin typeface="Georgia" panose="02040502050405020303" pitchFamily="18" charset="0"/>
+              </a:rPr>
+            </a:br>
+            <a:r>
+              <a:rPr lang="en-US" sz="3600" dirty="0">
+                <a:solidFill>
+                  <a:srgbClr val="DF3D92"/>
+                </a:solidFill>
+                <a:latin typeface="Georgia" panose="02040502050405020303" pitchFamily="18" charset="0"/>
+              </a:rPr>
+              <a:t>built in functions</a:t>
+            </a:r>
+          </a:p>
+        </p:txBody>
+      </p:sp>
+      <p:sp>
+        <p:nvSpPr>
+          <p:cNvPr id="3" name="Content Placeholder 2">
+            <a:extLst>
+              <a:ext uri="{FF2B5EF4-FFF2-40B4-BE49-F238E27FC236}">
+                <a16:creationId xmlns:a16="http://schemas.microsoft.com/office/drawing/2014/main" id="{16A70A26-EF28-EEFE-A37A-048162AB0FCC}"/>
+              </a:ext>
+            </a:extLst>
+          </p:cNvPr>
+          <p:cNvSpPr>
+            <a:spLocks noGrp="1"/>
+          </p:cNvSpPr>
+          <p:nvPr>
+            <p:ph idx="1"/>
+          </p:nvPr>
+        </p:nvSpPr>
+        <p:spPr>
+          <a:xfrm>
+            <a:off x="752475" y="3014266"/>
+            <a:ext cx="5962649" cy="829468"/>
+          </a:xfrm>
+        </p:spPr>
+        <p:txBody>
+          <a:bodyPr numCol="2" anchor="t">
+            <a:normAutofit fontScale="77500" lnSpcReduction="20000"/>
+          </a:bodyPr>
+          <a:lstStyle/>
+          <a:p>
+            <a:pPr marL="0" indent="0">
+              <a:lnSpc>
+                <a:spcPct val="150000"/>
+              </a:lnSpc>
+              <a:buNone/>
+            </a:pPr>
             <a:r>
               <a:rPr lang="en-US" sz="2400" dirty="0">
                 <a:solidFill>
@@ -8561,10 +8511,17 @@
                 </a:solidFill>
                 <a:latin typeface="Cambria" panose="02040503050406030204" pitchFamily="18" charset="0"/>
                 <a:ea typeface="Cambria" panose="02040503050406030204" pitchFamily="18" charset="0"/>
-                <a:hlinkClick r:id="rId2"/>
-              </a:rPr>
-              <a:t> – Power</a:t>
-            </a:r>
+              </a:rPr>
+              <a:t>#include &lt;math&gt; functions </a:t>
+            </a:r>
+          </a:p>
+          <a:p>
+            <a:pPr marL="0" indent="0">
+              <a:lnSpc>
+                <a:spcPct val="150000"/>
+              </a:lnSpc>
+              <a:buNone/>
+            </a:pPr>
             <a:endParaRPr lang="en-US" sz="2400" dirty="0">
               <a:solidFill>
                 <a:srgbClr val="0070C0"/>
@@ -8573,402 +8530,44 @@
               <a:ea typeface="Cambria" panose="02040503050406030204" pitchFamily="18" charset="0"/>
             </a:endParaRPr>
           </a:p>
-          <a:p>
-            <a:pPr marL="514350" indent="-514350">
-              <a:lnSpc>
-                <a:spcPct val="150000"/>
-              </a:lnSpc>
-              <a:buFont typeface="+mj-lt"/>
-              <a:buAutoNum type="arabicPeriod"/>
-            </a:pPr>
-            <a:r>
-              <a:rPr lang="en-US" sz="2400" dirty="0" err="1">
-                <a:solidFill>
-                  <a:srgbClr val="0070C0"/>
-                </a:solidFill>
-                <a:latin typeface="Cambria" panose="02040503050406030204" pitchFamily="18" charset="0"/>
-                <a:ea typeface="Cambria" panose="02040503050406030204" pitchFamily="18" charset="0"/>
-                <a:hlinkClick r:id="rId3"/>
-              </a:rPr>
-              <a:t>Codeforces</a:t>
-            </a:r>
-            <a:r>
-              <a:rPr lang="en-US" sz="2400" dirty="0">
-                <a:solidFill>
-                  <a:srgbClr val="0070C0"/>
-                </a:solidFill>
-                <a:latin typeface="Cambria" panose="02040503050406030204" pitchFamily="18" charset="0"/>
-                <a:ea typeface="Cambria" panose="02040503050406030204" pitchFamily="18" charset="0"/>
-                <a:hlinkClick r:id="rId3"/>
-              </a:rPr>
-              <a:t> - Pens and pencils</a:t>
-            </a:r>
-            <a:r>
-              <a:rPr lang="en-US" sz="2400" dirty="0">
-                <a:solidFill>
-                  <a:srgbClr val="0070C0"/>
-                </a:solidFill>
-                <a:latin typeface="Cambria" panose="02040503050406030204" pitchFamily="18" charset="0"/>
-                <a:ea typeface="Cambria" panose="02040503050406030204" pitchFamily="18" charset="0"/>
-              </a:rPr>
-              <a:t> </a:t>
-            </a:r>
-            <a:r>
-              <a:rPr lang="en-US" sz="1600" dirty="0">
-                <a:solidFill>
-                  <a:schemeClr val="accent6">
-                    <a:lumMod val="75000"/>
-                  </a:schemeClr>
-                </a:solidFill>
-                <a:latin typeface="Cambria" panose="02040503050406030204" pitchFamily="18" charset="0"/>
-                <a:ea typeface="Cambria" panose="02040503050406030204" pitchFamily="18" charset="0"/>
-              </a:rPr>
-              <a:t>**ceil function</a:t>
-            </a:r>
-          </a:p>
-          <a:p>
-            <a:pPr marL="514350" indent="-514350">
-              <a:lnSpc>
-                <a:spcPct val="150000"/>
-              </a:lnSpc>
-              <a:buFont typeface="+mj-lt"/>
-              <a:buAutoNum type="arabicPeriod"/>
-            </a:pPr>
-            <a:r>
-              <a:rPr lang="en-US" sz="2400" dirty="0" err="1">
-                <a:solidFill>
-                  <a:srgbClr val="0070C0"/>
-                </a:solidFill>
-                <a:latin typeface="Cambria" panose="02040503050406030204" pitchFamily="18" charset="0"/>
-                <a:ea typeface="Cambria" panose="02040503050406030204" pitchFamily="18" charset="0"/>
-                <a:hlinkClick r:id="rId4"/>
-              </a:rPr>
-              <a:t>Codeforces</a:t>
-            </a:r>
-            <a:r>
-              <a:rPr lang="en-US" sz="2400" dirty="0">
-                <a:solidFill>
-                  <a:srgbClr val="0070C0"/>
-                </a:solidFill>
-                <a:latin typeface="Cambria" panose="02040503050406030204" pitchFamily="18" charset="0"/>
-                <a:ea typeface="Cambria" panose="02040503050406030204" pitchFamily="18" charset="0"/>
-                <a:hlinkClick r:id="rId4"/>
-              </a:rPr>
-              <a:t> - Extremely round</a:t>
-            </a:r>
-            <a:r>
-              <a:rPr lang="en-US" sz="2400" dirty="0">
-                <a:solidFill>
-                  <a:srgbClr val="0070C0"/>
-                </a:solidFill>
-                <a:latin typeface="Cambria" panose="02040503050406030204" pitchFamily="18" charset="0"/>
-                <a:ea typeface="Cambria" panose="02040503050406030204" pitchFamily="18" charset="0"/>
-              </a:rPr>
-              <a:t> </a:t>
-            </a:r>
-            <a:r>
-              <a:rPr lang="en-US" sz="1600" dirty="0">
-                <a:solidFill>
-                  <a:schemeClr val="accent6">
-                    <a:lumMod val="75000"/>
-                  </a:schemeClr>
-                </a:solidFill>
-                <a:latin typeface="Cambria" panose="02040503050406030204" pitchFamily="18" charset="0"/>
-                <a:ea typeface="Cambria" panose="02040503050406030204" pitchFamily="18" charset="0"/>
-              </a:rPr>
-              <a:t>**try to solve it using log10 function</a:t>
-            </a:r>
-          </a:p>
-          <a:p>
-            <a:pPr marL="514350" indent="-514350">
-              <a:lnSpc>
-                <a:spcPct val="150000"/>
-              </a:lnSpc>
-              <a:buFont typeface="+mj-lt"/>
-              <a:buAutoNum type="arabicPeriod"/>
-            </a:pPr>
-            <a:r>
-              <a:rPr lang="en-US" sz="2400" dirty="0" err="1">
-                <a:solidFill>
-                  <a:srgbClr val="0070C0"/>
-                </a:solidFill>
-                <a:latin typeface="Cambria" panose="02040503050406030204" pitchFamily="18" charset="0"/>
-                <a:ea typeface="Cambria" panose="02040503050406030204" pitchFamily="18" charset="0"/>
-                <a:hlinkClick r:id="rId5"/>
-              </a:rPr>
-              <a:t>Codeforces</a:t>
-            </a:r>
-            <a:r>
-              <a:rPr lang="en-US" sz="2400" dirty="0">
-                <a:solidFill>
-                  <a:srgbClr val="0070C0"/>
-                </a:solidFill>
-                <a:latin typeface="Cambria" panose="02040503050406030204" pitchFamily="18" charset="0"/>
-                <a:ea typeface="Cambria" panose="02040503050406030204" pitchFamily="18" charset="0"/>
-                <a:hlinkClick r:id="rId5"/>
-              </a:rPr>
-              <a:t> - </a:t>
-            </a:r>
-            <a:r>
-              <a:rPr lang="en-US" sz="2400" dirty="0" err="1">
-                <a:solidFill>
-                  <a:srgbClr val="0070C0"/>
-                </a:solidFill>
-                <a:latin typeface="Cambria" panose="02040503050406030204" pitchFamily="18" charset="0"/>
-                <a:ea typeface="Cambria" panose="02040503050406030204" pitchFamily="18" charset="0"/>
-                <a:hlinkClick r:id="rId5"/>
-              </a:rPr>
-              <a:t>Dreamoon</a:t>
-            </a:r>
-            <a:r>
-              <a:rPr lang="en-US" sz="2400" dirty="0">
-                <a:solidFill>
-                  <a:srgbClr val="0070C0"/>
-                </a:solidFill>
-                <a:latin typeface="Cambria" panose="02040503050406030204" pitchFamily="18" charset="0"/>
-                <a:ea typeface="Cambria" panose="02040503050406030204" pitchFamily="18" charset="0"/>
-                <a:hlinkClick r:id="rId5"/>
-              </a:rPr>
-              <a:t> and stairs</a:t>
-            </a:r>
-            <a:endParaRPr lang="en-US" sz="2400" dirty="0">
-              <a:solidFill>
-                <a:srgbClr val="0070C0"/>
-              </a:solidFill>
-              <a:latin typeface="Cambria" panose="02040503050406030204" pitchFamily="18" charset="0"/>
-              <a:ea typeface="Cambria" panose="02040503050406030204" pitchFamily="18" charset="0"/>
-              <a:hlinkClick r:id="rId6"/>
-            </a:endParaRPr>
-          </a:p>
-          <a:p>
-            <a:pPr marL="514350" indent="-514350">
-              <a:lnSpc>
-                <a:spcPct val="150000"/>
-              </a:lnSpc>
-              <a:buFont typeface="+mj-lt"/>
-              <a:buAutoNum type="arabicPeriod"/>
-            </a:pPr>
-            <a:r>
-              <a:rPr lang="en-US" sz="2400" dirty="0" err="1">
-                <a:solidFill>
-                  <a:srgbClr val="0070C0"/>
-                </a:solidFill>
-                <a:latin typeface="Cambria" panose="02040503050406030204" pitchFamily="18" charset="0"/>
-                <a:ea typeface="Cambria" panose="02040503050406030204" pitchFamily="18" charset="0"/>
-                <a:hlinkClick r:id="rId6"/>
-              </a:rPr>
-              <a:t>Codeforces</a:t>
-            </a:r>
-            <a:r>
-              <a:rPr lang="en-US" sz="2400" dirty="0">
-                <a:solidFill>
-                  <a:srgbClr val="0070C0"/>
-                </a:solidFill>
-                <a:latin typeface="Cambria" panose="02040503050406030204" pitchFamily="18" charset="0"/>
-                <a:ea typeface="Cambria" panose="02040503050406030204" pitchFamily="18" charset="0"/>
-                <a:hlinkClick r:id="rId6"/>
-              </a:rPr>
-              <a:t> – Factorial</a:t>
-            </a:r>
-            <a:r>
-              <a:rPr lang="en-US" sz="2400" dirty="0">
-                <a:solidFill>
-                  <a:srgbClr val="0070C0"/>
-                </a:solidFill>
-                <a:latin typeface="Cambria" panose="02040503050406030204" pitchFamily="18" charset="0"/>
-                <a:ea typeface="Cambria" panose="02040503050406030204" pitchFamily="18" charset="0"/>
-              </a:rPr>
-              <a:t> </a:t>
-            </a:r>
-            <a:r>
-              <a:rPr lang="en-US" sz="1600" dirty="0">
-                <a:solidFill>
-                  <a:schemeClr val="accent6">
-                    <a:lumMod val="75000"/>
-                  </a:schemeClr>
-                </a:solidFill>
-                <a:latin typeface="Cambria" panose="02040503050406030204" pitchFamily="18" charset="0"/>
-                <a:ea typeface="Cambria" panose="02040503050406030204" pitchFamily="18" charset="0"/>
-              </a:rPr>
-              <a:t>**try to solve it using recursion</a:t>
-            </a:r>
-          </a:p>
-          <a:p>
-            <a:pPr marL="514350" indent="-514350">
-              <a:lnSpc>
-                <a:spcPct val="150000"/>
-              </a:lnSpc>
-              <a:buFont typeface="+mj-lt"/>
-              <a:buAutoNum type="arabicPeriod"/>
-            </a:pPr>
-            <a:r>
-              <a:rPr lang="en-US" sz="2400" dirty="0" err="1">
-                <a:solidFill>
-                  <a:srgbClr val="0070C0"/>
-                </a:solidFill>
-                <a:latin typeface="Cambria" panose="02040503050406030204" pitchFamily="18" charset="0"/>
-                <a:ea typeface="Cambria" panose="02040503050406030204" pitchFamily="18" charset="0"/>
-                <a:hlinkClick r:id="rId7"/>
-              </a:rPr>
-              <a:t>Atcoder</a:t>
-            </a:r>
-            <a:r>
-              <a:rPr lang="en-US" sz="2400" dirty="0">
-                <a:solidFill>
-                  <a:srgbClr val="0070C0"/>
-                </a:solidFill>
-                <a:latin typeface="Cambria" panose="02040503050406030204" pitchFamily="18" charset="0"/>
-                <a:ea typeface="Cambria" panose="02040503050406030204" pitchFamily="18" charset="0"/>
-                <a:hlinkClick r:id="rId7"/>
-              </a:rPr>
-              <a:t> - A recursive function</a:t>
-            </a:r>
-            <a:endParaRPr lang="en-US" sz="2400" dirty="0">
-              <a:solidFill>
-                <a:srgbClr val="0070C0"/>
-              </a:solidFill>
-              <a:latin typeface="Cambria" panose="02040503050406030204" pitchFamily="18" charset="0"/>
-              <a:ea typeface="Cambria" panose="02040503050406030204" pitchFamily="18" charset="0"/>
-              <a:hlinkClick r:id="rId8"/>
-            </a:endParaRPr>
-          </a:p>
-          <a:p>
-            <a:pPr marL="514350" indent="-514350">
-              <a:lnSpc>
-                <a:spcPct val="150000"/>
-              </a:lnSpc>
-              <a:buFont typeface="+mj-lt"/>
-              <a:buAutoNum type="arabicPeriod"/>
-            </a:pPr>
-            <a:r>
-              <a:rPr lang="en-US" sz="2400" dirty="0" err="1">
-                <a:solidFill>
-                  <a:srgbClr val="0070C0"/>
-                </a:solidFill>
-                <a:latin typeface="Cambria" panose="02040503050406030204" pitchFamily="18" charset="0"/>
-                <a:ea typeface="Cambria" panose="02040503050406030204" pitchFamily="18" charset="0"/>
-                <a:hlinkClick r:id="rId8"/>
-              </a:rPr>
-              <a:t>Codeforces</a:t>
-            </a:r>
-            <a:r>
-              <a:rPr lang="en-US" sz="2400" dirty="0">
-                <a:solidFill>
-                  <a:srgbClr val="0070C0"/>
-                </a:solidFill>
-                <a:latin typeface="Cambria" panose="02040503050406030204" pitchFamily="18" charset="0"/>
-                <a:ea typeface="Cambria" panose="02040503050406030204" pitchFamily="18" charset="0"/>
-                <a:hlinkClick r:id="rId8"/>
-              </a:rPr>
-              <a:t> - Stand-up Comedian</a:t>
-            </a:r>
-            <a:r>
-              <a:rPr lang="en-US" sz="2400" dirty="0">
-                <a:solidFill>
-                  <a:srgbClr val="0070C0"/>
-                </a:solidFill>
-                <a:latin typeface="Cambria" panose="02040503050406030204" pitchFamily="18" charset="0"/>
-                <a:ea typeface="Cambria" panose="02040503050406030204" pitchFamily="18" charset="0"/>
-              </a:rPr>
-              <a:t> </a:t>
-            </a:r>
-            <a:r>
-              <a:rPr lang="en-US" sz="1600" dirty="0">
-                <a:solidFill>
-                  <a:schemeClr val="accent6">
-                    <a:lumMod val="75000"/>
-                  </a:schemeClr>
-                </a:solidFill>
-                <a:latin typeface="Cambria" panose="02040503050406030204" pitchFamily="18" charset="0"/>
-                <a:ea typeface="Cambria" panose="02040503050406030204" pitchFamily="18" charset="0"/>
-              </a:rPr>
-              <a:t>*</a:t>
-            </a:r>
-            <a:r>
-              <a:rPr lang="en-US" sz="1600" kern="1200" dirty="0">
-                <a:solidFill>
-                  <a:schemeClr val="accent6">
-                    <a:lumMod val="75000"/>
-                  </a:schemeClr>
-                </a:solidFill>
-                <a:effectLst/>
-                <a:latin typeface="Cambria" panose="02040503050406030204" pitchFamily="18" charset="0"/>
-                <a:ea typeface="Cambria" panose="02040503050406030204" pitchFamily="18" charset="0"/>
-                <a:cs typeface="+mn-cs"/>
-              </a:rPr>
-              <a:t>* try to use min, max functions in &lt;algorithm&gt; library</a:t>
-            </a:r>
-            <a:endParaRPr lang="en-US" sz="1600" dirty="0">
-              <a:solidFill>
-                <a:schemeClr val="accent6">
-                  <a:lumMod val="75000"/>
-                </a:schemeClr>
-              </a:solidFill>
-              <a:latin typeface="Cambria" panose="02040503050406030204" pitchFamily="18" charset="0"/>
-              <a:ea typeface="Cambria" panose="02040503050406030204" pitchFamily="18" charset="0"/>
-            </a:endParaRPr>
-          </a:p>
-          <a:p>
-            <a:pPr marL="514350" indent="-514350">
-              <a:lnSpc>
-                <a:spcPct val="150000"/>
-              </a:lnSpc>
-              <a:buFont typeface="+mj-lt"/>
-              <a:buAutoNum type="arabicPeriod"/>
-            </a:pPr>
-            <a:r>
-              <a:rPr lang="en-US" sz="2400" dirty="0" err="1">
-                <a:solidFill>
-                  <a:srgbClr val="0070C0"/>
-                </a:solidFill>
-                <a:latin typeface="Cambria" panose="02040503050406030204" pitchFamily="18" charset="0"/>
-                <a:ea typeface="Cambria" panose="02040503050406030204" pitchFamily="18" charset="0"/>
-                <a:hlinkClick r:id="rId9"/>
-              </a:rPr>
-              <a:t>Codeforces</a:t>
-            </a:r>
-            <a:r>
-              <a:rPr lang="en-US" sz="2400" dirty="0">
-                <a:solidFill>
-                  <a:srgbClr val="0070C0"/>
-                </a:solidFill>
-                <a:latin typeface="Cambria" panose="02040503050406030204" pitchFamily="18" charset="0"/>
-                <a:ea typeface="Cambria" panose="02040503050406030204" pitchFamily="18" charset="0"/>
-                <a:hlinkClick r:id="rId9"/>
-              </a:rPr>
-              <a:t> - Cardboard for Pictures</a:t>
-            </a:r>
-            <a:r>
-              <a:rPr lang="en-US" sz="2400" dirty="0">
-                <a:solidFill>
-                  <a:srgbClr val="0070C0"/>
-                </a:solidFill>
-                <a:latin typeface="Cambria" panose="02040503050406030204" pitchFamily="18" charset="0"/>
-                <a:ea typeface="Cambria" panose="02040503050406030204" pitchFamily="18" charset="0"/>
-              </a:rPr>
-              <a:t> </a:t>
-            </a:r>
-            <a:r>
-              <a:rPr lang="en-US" sz="1600" dirty="0">
-                <a:solidFill>
-                  <a:schemeClr val="accent6">
-                    <a:lumMod val="75000"/>
-                  </a:schemeClr>
-                </a:solidFill>
-                <a:latin typeface="Cambria" panose="02040503050406030204" pitchFamily="18" charset="0"/>
-                <a:ea typeface="Cambria" panose="02040503050406030204" pitchFamily="18" charset="0"/>
-              </a:rPr>
-              <a:t>** sqrt function</a:t>
-            </a:r>
-          </a:p>
-        </p:txBody>
-      </p:sp>
-      <p:sp>
-        <p:nvSpPr>
-          <p:cNvPr id="8" name="Date Placeholder 7">
-            <a:extLst>
-              <a:ext uri="{FF2B5EF4-FFF2-40B4-BE49-F238E27FC236}">
-                <a16:creationId xmlns:a16="http://schemas.microsoft.com/office/drawing/2014/main" id="{3C0BC77B-5E05-1784-048A-EE0A5267540E}"/>
+        </p:txBody>
+      </p:sp>
+      <p:pic>
+        <p:nvPicPr>
+          <p:cNvPr id="5" name="Picture 4">
+            <a:extLst>
+              <a:ext uri="{FF2B5EF4-FFF2-40B4-BE49-F238E27FC236}">
+                <a16:creationId xmlns:a16="http://schemas.microsoft.com/office/drawing/2014/main" id="{78DB928D-E4CB-A4EA-957C-FAE7E9180311}"/>
+              </a:ext>
+            </a:extLst>
+          </p:cNvPr>
+          <p:cNvPicPr>
+            <a:picLocks noChangeAspect="1"/>
+          </p:cNvPicPr>
+          <p:nvPr/>
+        </p:nvPicPr>
+        <p:blipFill>
+          <a:blip r:embed="rId2"/>
+          <a:stretch>
+            <a:fillRect/>
+          </a:stretch>
+        </p:blipFill>
+        <p:spPr>
+          <a:xfrm>
+            <a:off x="4531066" y="0"/>
+            <a:ext cx="7660934" cy="6858000"/>
+          </a:xfrm>
+          <a:prstGeom prst="rect">
+            <a:avLst/>
+          </a:prstGeom>
+        </p:spPr>
+      </p:pic>
+      <p:sp>
+        <p:nvSpPr>
+          <p:cNvPr id="9" name="Date Placeholder 8">
+            <a:extLst>
+              <a:ext uri="{FF2B5EF4-FFF2-40B4-BE49-F238E27FC236}">
+                <a16:creationId xmlns:a16="http://schemas.microsoft.com/office/drawing/2014/main" id="{8064CB62-4D8A-87A9-3DBF-BCF3D9F237FA}"/>
               </a:ext>
             </a:extLst>
           </p:cNvPr>
@@ -8993,10 +8592,10 @@
       </p:sp>
       <p:sp>
         <p:nvSpPr>
-          <p:cNvPr id="9" name="Slide Number Placeholder 8">
-            <a:extLst>
-              <a:ext uri="{FF2B5EF4-FFF2-40B4-BE49-F238E27FC236}">
-                <a16:creationId xmlns:a16="http://schemas.microsoft.com/office/drawing/2014/main" id="{A35C7D27-AB41-00E2-0E23-3B68C6000028}"/>
+          <p:cNvPr id="10" name="Slide Number Placeholder 9">
+            <a:extLst>
+              <a:ext uri="{FF2B5EF4-FFF2-40B4-BE49-F238E27FC236}">
+                <a16:creationId xmlns:a16="http://schemas.microsoft.com/office/drawing/2014/main" id="{D11D2FA2-E522-A81F-22DE-C52F6260A437}"/>
               </a:ext>
             </a:extLst>
           </p:cNvPr>
@@ -9023,7 +8622,7 @@
     </p:spTree>
     <p:extLst>
       <p:ext uri="{BB962C8B-B14F-4D97-AF65-F5344CB8AC3E}">
-        <p14:creationId xmlns:p14="http://schemas.microsoft.com/office/powerpoint/2010/main" val="211025185"/>
+        <p14:creationId xmlns:p14="http://schemas.microsoft.com/office/powerpoint/2010/main" val="4236210099"/>
       </p:ext>
     </p:extLst>
   </p:cSld>
@@ -9055,96 +8654,492 @@
           <p:cNvPr id="2" name="Title 1">
             <a:extLst>
               <a:ext uri="{FF2B5EF4-FFF2-40B4-BE49-F238E27FC236}">
-                <a16:creationId xmlns:a16="http://schemas.microsoft.com/office/drawing/2014/main" id="{1A8F82CE-0DF4-3E2B-491C-CDEC706F942F}"/>
-              </a:ext>
-            </a:extLst>
-          </p:cNvPr>
-          <p:cNvSpPr>
-            <a:spLocks noGrp="1"/>
-          </p:cNvSpPr>
-          <p:nvPr>
-            <p:ph type="ctrTitle"/>
+                <a16:creationId xmlns:a16="http://schemas.microsoft.com/office/drawing/2014/main" id="{45DB07F3-2AFB-5AF3-0F07-9426B7075E19}"/>
+              </a:ext>
+            </a:extLst>
+          </p:cNvPr>
+          <p:cNvSpPr>
+            <a:spLocks noGrp="1"/>
+          </p:cNvSpPr>
+          <p:nvPr>
+            <p:ph type="title"/>
           </p:nvPr>
         </p:nvSpPr>
         <p:spPr>
           <a:xfrm>
-            <a:off x="1524000" y="1739900"/>
-            <a:ext cx="9144000" cy="2387600"/>
+            <a:off x="838200" y="176212"/>
+            <a:ext cx="10515600" cy="1325563"/>
           </a:xfrm>
         </p:spPr>
         <p:txBody>
-          <a:bodyPr anchor="ctr"/>
-          <a:lstStyle/>
-          <a:p>
-            <a:r>
-              <a:rPr lang="en-US" dirty="0">
+          <a:bodyPr>
+            <a:normAutofit/>
+          </a:bodyPr>
+          <a:lstStyle/>
+          <a:p>
+            <a:r>
+              <a:rPr lang="en-US" sz="3600" dirty="0">
                 <a:solidFill>
                   <a:srgbClr val="DF3D92"/>
                 </a:solidFill>
                 <a:latin typeface="Georgia" panose="02040502050405020303" pitchFamily="18" charset="0"/>
               </a:rPr>
-              <a:t>Arrays</a:t>
-            </a:r>
-          </a:p>
-        </p:txBody>
-      </p:sp>
-      <p:sp>
-        <p:nvSpPr>
-          <p:cNvPr id="3" name="Title 1">
-            <a:extLst>
-              <a:ext uri="{FF2B5EF4-FFF2-40B4-BE49-F238E27FC236}">
-                <a16:creationId xmlns:a16="http://schemas.microsoft.com/office/drawing/2014/main" id="{963347CF-8C48-104F-17B4-B62266AD47CF}"/>
-              </a:ext>
-            </a:extLst>
-          </p:cNvPr>
-          <p:cNvSpPr txBox="1">
-            <a:spLocks/>
-          </p:cNvSpPr>
-          <p:nvPr/>
+              <a:t>Functions problems</a:t>
+            </a:r>
+          </a:p>
+        </p:txBody>
+      </p:sp>
+      <p:sp>
+        <p:nvSpPr>
+          <p:cNvPr id="3" name="Content Placeholder 2">
+            <a:extLst>
+              <a:ext uri="{FF2B5EF4-FFF2-40B4-BE49-F238E27FC236}">
+                <a16:creationId xmlns:a16="http://schemas.microsoft.com/office/drawing/2014/main" id="{16A70A26-EF28-EEFE-A37A-048162AB0FCC}"/>
+              </a:ext>
+            </a:extLst>
+          </p:cNvPr>
+          <p:cNvSpPr>
+            <a:spLocks noGrp="1"/>
+          </p:cNvSpPr>
+          <p:nvPr>
+            <p:ph idx="1"/>
+          </p:nvPr>
         </p:nvSpPr>
         <p:spPr>
           <a:xfrm>
-            <a:off x="1524000" y="2933700"/>
-            <a:ext cx="9144000" cy="2387600"/>
+            <a:off x="838200" y="1501775"/>
+            <a:ext cx="10515600" cy="5060950"/>
           </a:xfrm>
-          <a:prstGeom prst="rect">
-            <a:avLst/>
-          </a:prstGeom>
         </p:spPr>
         <p:txBody>
-          <a:bodyPr vert="horz" lIns="91440" tIns="45720" rIns="91440" bIns="45720" rtlCol="0" anchor="ctr">
-            <a:normAutofit/>
+          <a:bodyPr numCol="1" anchor="t">
+            <a:normAutofit lnSpcReduction="10000"/>
           </a:bodyPr>
-          <a:lstStyle>
-            <a:lvl1pPr algn="ctr" defTabSz="914400" rtl="0" eaLnBrk="1" latinLnBrk="0" hangingPunct="1">
+          <a:lstStyle/>
+          <a:p>
+            <a:pPr marL="514350" indent="-514350">
               <a:lnSpc>
-                <a:spcPct val="90000"/>
+                <a:spcPct val="150000"/>
               </a:lnSpc>
-              <a:spcBef>
-                <a:spcPct val="0"/>
-              </a:spcBef>
-              <a:buNone/>
-              <a:defRPr sz="6000" kern="1200">
-                <a:solidFill>
-                  <a:schemeClr val="tx1"/>
-                </a:solidFill>
-                <a:latin typeface="+mj-lt"/>
-                <a:ea typeface="+mj-ea"/>
-                <a:cs typeface="+mj-cs"/>
-              </a:defRPr>
-            </a:lvl1pPr>
-          </a:lstStyle>
-          <a:p>
-            <a:r>
-              <a:rPr lang="en-US" sz="2800" dirty="0">
-                <a:solidFill>
-                  <a:schemeClr val="bg2">
-                    <a:lumMod val="50000"/>
+              <a:buFont typeface="+mj-lt"/>
+              <a:buAutoNum type="arabicPeriod"/>
+            </a:pPr>
+            <a:r>
+              <a:rPr lang="en-US" sz="2400" dirty="0" err="1">
+                <a:solidFill>
+                  <a:srgbClr val="0070C0"/>
+                </a:solidFill>
+                <a:latin typeface="Cambria" panose="02040503050406030204" pitchFamily="18" charset="0"/>
+                <a:ea typeface="Cambria" panose="02040503050406030204" pitchFamily="18" charset="0"/>
+                <a:hlinkClick r:id="rId2"/>
+              </a:rPr>
+              <a:t>Atcoder</a:t>
+            </a:r>
+            <a:r>
+              <a:rPr lang="en-US" sz="2400" dirty="0">
+                <a:solidFill>
+                  <a:srgbClr val="0070C0"/>
+                </a:solidFill>
+                <a:latin typeface="Cambria" panose="02040503050406030204" pitchFamily="18" charset="0"/>
+                <a:ea typeface="Cambria" panose="02040503050406030204" pitchFamily="18" charset="0"/>
+                <a:hlinkClick r:id="rId2"/>
+              </a:rPr>
+              <a:t> – Power</a:t>
+            </a:r>
+            <a:endParaRPr lang="en-US" sz="2400" dirty="0">
+              <a:solidFill>
+                <a:srgbClr val="0070C0"/>
+              </a:solidFill>
+              <a:latin typeface="Cambria" panose="02040503050406030204" pitchFamily="18" charset="0"/>
+              <a:ea typeface="Cambria" panose="02040503050406030204" pitchFamily="18" charset="0"/>
+            </a:endParaRPr>
+          </a:p>
+          <a:p>
+            <a:pPr marL="514350" indent="-514350">
+              <a:lnSpc>
+                <a:spcPct val="150000"/>
+              </a:lnSpc>
+              <a:buFont typeface="+mj-lt"/>
+              <a:buAutoNum type="arabicPeriod"/>
+            </a:pPr>
+            <a:r>
+              <a:rPr lang="en-US" sz="2400" dirty="0" err="1">
+                <a:solidFill>
+                  <a:srgbClr val="0070C0"/>
+                </a:solidFill>
+                <a:latin typeface="Cambria" panose="02040503050406030204" pitchFamily="18" charset="0"/>
+                <a:ea typeface="Cambria" panose="02040503050406030204" pitchFamily="18" charset="0"/>
+                <a:hlinkClick r:id="rId3"/>
+              </a:rPr>
+              <a:t>Codeforces</a:t>
+            </a:r>
+            <a:r>
+              <a:rPr lang="en-US" sz="2400" dirty="0">
+                <a:solidFill>
+                  <a:srgbClr val="0070C0"/>
+                </a:solidFill>
+                <a:latin typeface="Cambria" panose="02040503050406030204" pitchFamily="18" charset="0"/>
+                <a:ea typeface="Cambria" panose="02040503050406030204" pitchFamily="18" charset="0"/>
+                <a:hlinkClick r:id="rId3"/>
+              </a:rPr>
+              <a:t> - Pens and pencils</a:t>
+            </a:r>
+            <a:r>
+              <a:rPr lang="en-US" sz="2400" dirty="0">
+                <a:solidFill>
+                  <a:srgbClr val="0070C0"/>
+                </a:solidFill>
+                <a:latin typeface="Cambria" panose="02040503050406030204" pitchFamily="18" charset="0"/>
+                <a:ea typeface="Cambria" panose="02040503050406030204" pitchFamily="18" charset="0"/>
+              </a:rPr>
+              <a:t> </a:t>
+            </a:r>
+            <a:r>
+              <a:rPr lang="en-US" sz="1600" dirty="0">
+                <a:solidFill>
+                  <a:schemeClr val="accent6">
+                    <a:lumMod val="75000"/>
                   </a:schemeClr>
                 </a:solidFill>
-                <a:latin typeface="Georgia" panose="02040502050405020303" pitchFamily="18" charset="0"/>
-              </a:rPr>
-              <a:t>1D &amp; 2D</a:t>
+                <a:latin typeface="Cambria" panose="02040503050406030204" pitchFamily="18" charset="0"/>
+                <a:ea typeface="Cambria" panose="02040503050406030204" pitchFamily="18" charset="0"/>
+              </a:rPr>
+              <a:t>**ceil function</a:t>
+            </a:r>
+          </a:p>
+          <a:p>
+            <a:pPr marL="514350" indent="-514350">
+              <a:lnSpc>
+                <a:spcPct val="150000"/>
+              </a:lnSpc>
+              <a:buFont typeface="+mj-lt"/>
+              <a:buAutoNum type="arabicPeriod"/>
+            </a:pPr>
+            <a:r>
+              <a:rPr lang="en-US" sz="2400" dirty="0" err="1">
+                <a:solidFill>
+                  <a:srgbClr val="0070C0"/>
+                </a:solidFill>
+                <a:latin typeface="Cambria" panose="02040503050406030204" pitchFamily="18" charset="0"/>
+                <a:ea typeface="Cambria" panose="02040503050406030204" pitchFamily="18" charset="0"/>
+                <a:hlinkClick r:id="rId4"/>
+              </a:rPr>
+              <a:t>Codeforces</a:t>
+            </a:r>
+            <a:r>
+              <a:rPr lang="en-US" sz="2400" dirty="0">
+                <a:solidFill>
+                  <a:srgbClr val="0070C0"/>
+                </a:solidFill>
+                <a:latin typeface="Cambria" panose="02040503050406030204" pitchFamily="18" charset="0"/>
+                <a:ea typeface="Cambria" panose="02040503050406030204" pitchFamily="18" charset="0"/>
+                <a:hlinkClick r:id="rId4"/>
+              </a:rPr>
+              <a:t> - Extremely round</a:t>
+            </a:r>
+            <a:r>
+              <a:rPr lang="en-US" sz="2400" dirty="0">
+                <a:solidFill>
+                  <a:srgbClr val="0070C0"/>
+                </a:solidFill>
+                <a:latin typeface="Cambria" panose="02040503050406030204" pitchFamily="18" charset="0"/>
+                <a:ea typeface="Cambria" panose="02040503050406030204" pitchFamily="18" charset="0"/>
+              </a:rPr>
+              <a:t> </a:t>
+            </a:r>
+            <a:r>
+              <a:rPr lang="en-US" sz="1600" dirty="0">
+                <a:solidFill>
+                  <a:schemeClr val="accent6">
+                    <a:lumMod val="75000"/>
+                  </a:schemeClr>
+                </a:solidFill>
+                <a:latin typeface="Cambria" panose="02040503050406030204" pitchFamily="18" charset="0"/>
+                <a:ea typeface="Cambria" panose="02040503050406030204" pitchFamily="18" charset="0"/>
+              </a:rPr>
+              <a:t>**try to solve it using log10 function</a:t>
+            </a:r>
+          </a:p>
+          <a:p>
+            <a:pPr marL="514350" indent="-514350">
+              <a:lnSpc>
+                <a:spcPct val="150000"/>
+              </a:lnSpc>
+              <a:buFont typeface="+mj-lt"/>
+              <a:buAutoNum type="arabicPeriod"/>
+            </a:pPr>
+            <a:r>
+              <a:rPr lang="en-US" sz="2400" dirty="0" err="1">
+                <a:solidFill>
+                  <a:srgbClr val="0070C0"/>
+                </a:solidFill>
+                <a:latin typeface="Cambria" panose="02040503050406030204" pitchFamily="18" charset="0"/>
+                <a:ea typeface="Cambria" panose="02040503050406030204" pitchFamily="18" charset="0"/>
+                <a:hlinkClick r:id="rId5"/>
+              </a:rPr>
+              <a:t>Codeforces</a:t>
+            </a:r>
+            <a:r>
+              <a:rPr lang="en-US" sz="2400" dirty="0">
+                <a:solidFill>
+                  <a:srgbClr val="0070C0"/>
+                </a:solidFill>
+                <a:latin typeface="Cambria" panose="02040503050406030204" pitchFamily="18" charset="0"/>
+                <a:ea typeface="Cambria" panose="02040503050406030204" pitchFamily="18" charset="0"/>
+                <a:hlinkClick r:id="rId5"/>
+              </a:rPr>
+              <a:t> - </a:t>
+            </a:r>
+            <a:r>
+              <a:rPr lang="en-US" sz="2400" dirty="0" err="1">
+                <a:solidFill>
+                  <a:srgbClr val="0070C0"/>
+                </a:solidFill>
+                <a:latin typeface="Cambria" panose="02040503050406030204" pitchFamily="18" charset="0"/>
+                <a:ea typeface="Cambria" panose="02040503050406030204" pitchFamily="18" charset="0"/>
+                <a:hlinkClick r:id="rId5"/>
+              </a:rPr>
+              <a:t>Dreamoon</a:t>
+            </a:r>
+            <a:r>
+              <a:rPr lang="en-US" sz="2400" dirty="0">
+                <a:solidFill>
+                  <a:srgbClr val="0070C0"/>
+                </a:solidFill>
+                <a:latin typeface="Cambria" panose="02040503050406030204" pitchFamily="18" charset="0"/>
+                <a:ea typeface="Cambria" panose="02040503050406030204" pitchFamily="18" charset="0"/>
+                <a:hlinkClick r:id="rId5"/>
+              </a:rPr>
+              <a:t> and stairs</a:t>
+            </a:r>
+            <a:endParaRPr lang="en-US" sz="2400" dirty="0">
+              <a:solidFill>
+                <a:srgbClr val="0070C0"/>
+              </a:solidFill>
+              <a:latin typeface="Cambria" panose="02040503050406030204" pitchFamily="18" charset="0"/>
+              <a:ea typeface="Cambria" panose="02040503050406030204" pitchFamily="18" charset="0"/>
+              <a:hlinkClick r:id="rId6"/>
+            </a:endParaRPr>
+          </a:p>
+          <a:p>
+            <a:pPr marL="514350" indent="-514350">
+              <a:lnSpc>
+                <a:spcPct val="150000"/>
+              </a:lnSpc>
+              <a:buFont typeface="+mj-lt"/>
+              <a:buAutoNum type="arabicPeriod"/>
+            </a:pPr>
+            <a:r>
+              <a:rPr lang="en-US" sz="2400" dirty="0" err="1">
+                <a:solidFill>
+                  <a:srgbClr val="0070C0"/>
+                </a:solidFill>
+                <a:latin typeface="Cambria" panose="02040503050406030204" pitchFamily="18" charset="0"/>
+                <a:ea typeface="Cambria" panose="02040503050406030204" pitchFamily="18" charset="0"/>
+                <a:hlinkClick r:id="rId6"/>
+              </a:rPr>
+              <a:t>Codeforces</a:t>
+            </a:r>
+            <a:r>
+              <a:rPr lang="en-US" sz="2400" dirty="0">
+                <a:solidFill>
+                  <a:srgbClr val="0070C0"/>
+                </a:solidFill>
+                <a:latin typeface="Cambria" panose="02040503050406030204" pitchFamily="18" charset="0"/>
+                <a:ea typeface="Cambria" panose="02040503050406030204" pitchFamily="18" charset="0"/>
+                <a:hlinkClick r:id="rId6"/>
+              </a:rPr>
+              <a:t> – Factorial</a:t>
+            </a:r>
+            <a:r>
+              <a:rPr lang="en-US" sz="2400" dirty="0">
+                <a:solidFill>
+                  <a:srgbClr val="0070C0"/>
+                </a:solidFill>
+                <a:latin typeface="Cambria" panose="02040503050406030204" pitchFamily="18" charset="0"/>
+                <a:ea typeface="Cambria" panose="02040503050406030204" pitchFamily="18" charset="0"/>
+              </a:rPr>
+              <a:t> </a:t>
+            </a:r>
+            <a:r>
+              <a:rPr lang="en-US" sz="1600" dirty="0">
+                <a:solidFill>
+                  <a:schemeClr val="accent6">
+                    <a:lumMod val="75000"/>
+                  </a:schemeClr>
+                </a:solidFill>
+                <a:latin typeface="Cambria" panose="02040503050406030204" pitchFamily="18" charset="0"/>
+                <a:ea typeface="Cambria" panose="02040503050406030204" pitchFamily="18" charset="0"/>
+              </a:rPr>
+              <a:t>**try to solve it using recursion</a:t>
+            </a:r>
+          </a:p>
+          <a:p>
+            <a:pPr marL="514350" indent="-514350">
+              <a:lnSpc>
+                <a:spcPct val="150000"/>
+              </a:lnSpc>
+              <a:buFont typeface="+mj-lt"/>
+              <a:buAutoNum type="arabicPeriod"/>
+            </a:pPr>
+            <a:r>
+              <a:rPr lang="en-US" sz="2400" dirty="0" err="1">
+                <a:solidFill>
+                  <a:srgbClr val="0070C0"/>
+                </a:solidFill>
+                <a:latin typeface="Cambria" panose="02040503050406030204" pitchFamily="18" charset="0"/>
+                <a:ea typeface="Cambria" panose="02040503050406030204" pitchFamily="18" charset="0"/>
+                <a:hlinkClick r:id="rId7"/>
+              </a:rPr>
+              <a:t>Atcoder</a:t>
+            </a:r>
+            <a:r>
+              <a:rPr lang="en-US" sz="2400" dirty="0">
+                <a:solidFill>
+                  <a:srgbClr val="0070C0"/>
+                </a:solidFill>
+                <a:latin typeface="Cambria" panose="02040503050406030204" pitchFamily="18" charset="0"/>
+                <a:ea typeface="Cambria" panose="02040503050406030204" pitchFamily="18" charset="0"/>
+                <a:hlinkClick r:id="rId7"/>
+              </a:rPr>
+              <a:t> - A recursive function</a:t>
+            </a:r>
+            <a:endParaRPr lang="en-US" sz="2400" dirty="0">
+              <a:solidFill>
+                <a:srgbClr val="0070C0"/>
+              </a:solidFill>
+              <a:latin typeface="Cambria" panose="02040503050406030204" pitchFamily="18" charset="0"/>
+              <a:ea typeface="Cambria" panose="02040503050406030204" pitchFamily="18" charset="0"/>
+              <a:hlinkClick r:id="rId8"/>
+            </a:endParaRPr>
+          </a:p>
+          <a:p>
+            <a:pPr marL="514350" indent="-514350">
+              <a:lnSpc>
+                <a:spcPct val="150000"/>
+              </a:lnSpc>
+              <a:buFont typeface="+mj-lt"/>
+              <a:buAutoNum type="arabicPeriod"/>
+            </a:pPr>
+            <a:r>
+              <a:rPr lang="en-US" sz="2400" dirty="0" err="1">
+                <a:solidFill>
+                  <a:srgbClr val="0070C0"/>
+                </a:solidFill>
+                <a:latin typeface="Cambria" panose="02040503050406030204" pitchFamily="18" charset="0"/>
+                <a:ea typeface="Cambria" panose="02040503050406030204" pitchFamily="18" charset="0"/>
+                <a:hlinkClick r:id="rId8"/>
+              </a:rPr>
+              <a:t>Codeforces</a:t>
+            </a:r>
+            <a:r>
+              <a:rPr lang="en-US" sz="2400" dirty="0">
+                <a:solidFill>
+                  <a:srgbClr val="0070C0"/>
+                </a:solidFill>
+                <a:latin typeface="Cambria" panose="02040503050406030204" pitchFamily="18" charset="0"/>
+                <a:ea typeface="Cambria" panose="02040503050406030204" pitchFamily="18" charset="0"/>
+                <a:hlinkClick r:id="rId8"/>
+              </a:rPr>
+              <a:t> - Stand-up Comedian</a:t>
+            </a:r>
+            <a:r>
+              <a:rPr lang="en-US" sz="2400" dirty="0">
+                <a:solidFill>
+                  <a:srgbClr val="0070C0"/>
+                </a:solidFill>
+                <a:latin typeface="Cambria" panose="02040503050406030204" pitchFamily="18" charset="0"/>
+                <a:ea typeface="Cambria" panose="02040503050406030204" pitchFamily="18" charset="0"/>
+              </a:rPr>
+              <a:t> </a:t>
+            </a:r>
+            <a:r>
+              <a:rPr lang="en-US" sz="1600" dirty="0">
+                <a:solidFill>
+                  <a:schemeClr val="accent6">
+                    <a:lumMod val="75000"/>
+                  </a:schemeClr>
+                </a:solidFill>
+                <a:latin typeface="Cambria" panose="02040503050406030204" pitchFamily="18" charset="0"/>
+                <a:ea typeface="Cambria" panose="02040503050406030204" pitchFamily="18" charset="0"/>
+              </a:rPr>
+              <a:t>*</a:t>
+            </a:r>
+            <a:r>
+              <a:rPr lang="en-US" sz="1600" kern="1200" dirty="0">
+                <a:solidFill>
+                  <a:schemeClr val="accent6">
+                    <a:lumMod val="75000"/>
+                  </a:schemeClr>
+                </a:solidFill>
+                <a:effectLst/>
+                <a:latin typeface="Cambria" panose="02040503050406030204" pitchFamily="18" charset="0"/>
+                <a:ea typeface="Cambria" panose="02040503050406030204" pitchFamily="18" charset="0"/>
+                <a:cs typeface="+mn-cs"/>
+              </a:rPr>
+              <a:t>* try to use min, max functions in &lt;algorithm&gt; library</a:t>
+            </a:r>
+            <a:endParaRPr lang="en-US" sz="1600" dirty="0">
+              <a:solidFill>
+                <a:schemeClr val="accent6">
+                  <a:lumMod val="75000"/>
+                </a:schemeClr>
+              </a:solidFill>
+              <a:latin typeface="Cambria" panose="02040503050406030204" pitchFamily="18" charset="0"/>
+              <a:ea typeface="Cambria" panose="02040503050406030204" pitchFamily="18" charset="0"/>
+            </a:endParaRPr>
+          </a:p>
+          <a:p>
+            <a:pPr marL="514350" indent="-514350">
+              <a:lnSpc>
+                <a:spcPct val="150000"/>
+              </a:lnSpc>
+              <a:buFont typeface="+mj-lt"/>
+              <a:buAutoNum type="arabicPeriod"/>
+            </a:pPr>
+            <a:r>
+              <a:rPr lang="en-US" sz="2400" dirty="0" err="1">
+                <a:solidFill>
+                  <a:srgbClr val="0070C0"/>
+                </a:solidFill>
+                <a:latin typeface="Cambria" panose="02040503050406030204" pitchFamily="18" charset="0"/>
+                <a:ea typeface="Cambria" panose="02040503050406030204" pitchFamily="18" charset="0"/>
+                <a:hlinkClick r:id="rId9"/>
+              </a:rPr>
+              <a:t>Codeforces</a:t>
+            </a:r>
+            <a:r>
+              <a:rPr lang="en-US" sz="2400" dirty="0">
+                <a:solidFill>
+                  <a:srgbClr val="0070C0"/>
+                </a:solidFill>
+                <a:latin typeface="Cambria" panose="02040503050406030204" pitchFamily="18" charset="0"/>
+                <a:ea typeface="Cambria" panose="02040503050406030204" pitchFamily="18" charset="0"/>
+                <a:hlinkClick r:id="rId9"/>
+              </a:rPr>
+              <a:t> - Cardboard for Pictures</a:t>
+            </a:r>
+            <a:r>
+              <a:rPr lang="en-US" sz="2400" dirty="0">
+                <a:solidFill>
+                  <a:srgbClr val="0070C0"/>
+                </a:solidFill>
+                <a:latin typeface="Cambria" panose="02040503050406030204" pitchFamily="18" charset="0"/>
+                <a:ea typeface="Cambria" panose="02040503050406030204" pitchFamily="18" charset="0"/>
+              </a:rPr>
+              <a:t> </a:t>
+            </a:r>
+            <a:r>
+              <a:rPr lang="en-US" sz="1600" dirty="0">
+                <a:solidFill>
+                  <a:schemeClr val="accent6">
+                    <a:lumMod val="75000"/>
+                  </a:schemeClr>
+                </a:solidFill>
+                <a:latin typeface="Cambria" panose="02040503050406030204" pitchFamily="18" charset="0"/>
+                <a:ea typeface="Cambria" panose="02040503050406030204" pitchFamily="18" charset="0"/>
+              </a:rPr>
+              <a:t>** sqrt function</a:t>
             </a:r>
           </a:p>
         </p:txBody>
@@ -9154,7 +9149,7 @@
           <p:cNvPr id="8" name="Date Placeholder 7">
             <a:extLst>
               <a:ext uri="{FF2B5EF4-FFF2-40B4-BE49-F238E27FC236}">
-                <a16:creationId xmlns:a16="http://schemas.microsoft.com/office/drawing/2014/main" id="{032F0966-8505-7757-51B5-CE72E5D9160E}"/>
+                <a16:creationId xmlns:a16="http://schemas.microsoft.com/office/drawing/2014/main" id="{3C0BC77B-5E05-1784-048A-EE0A5267540E}"/>
               </a:ext>
             </a:extLst>
           </p:cNvPr>
@@ -9182,7 +9177,7 @@
           <p:cNvPr id="9" name="Slide Number Placeholder 8">
             <a:extLst>
               <a:ext uri="{FF2B5EF4-FFF2-40B4-BE49-F238E27FC236}">
-                <a16:creationId xmlns:a16="http://schemas.microsoft.com/office/drawing/2014/main" id="{5EF1A0BF-03F6-C089-3899-AD0AE735783D}"/>
+                <a16:creationId xmlns:a16="http://schemas.microsoft.com/office/drawing/2014/main" id="{A35C7D27-AB41-00E2-0E23-3B68C6000028}"/>
               </a:ext>
             </a:extLst>
           </p:cNvPr>
@@ -9209,7 +9204,7 @@
     </p:spTree>
     <p:extLst>
       <p:ext uri="{BB962C8B-B14F-4D97-AF65-F5344CB8AC3E}">
-        <p14:creationId xmlns:p14="http://schemas.microsoft.com/office/powerpoint/2010/main" val="130073887"/>
+        <p14:creationId xmlns:p14="http://schemas.microsoft.com/office/powerpoint/2010/main" val="211025185"/>
       </p:ext>
     </p:extLst>
   </p:cSld>
@@ -9241,209 +9236,97 @@
           <p:cNvPr id="2" name="Title 1">
             <a:extLst>
               <a:ext uri="{FF2B5EF4-FFF2-40B4-BE49-F238E27FC236}">
-                <a16:creationId xmlns:a16="http://schemas.microsoft.com/office/drawing/2014/main" id="{45DB07F3-2AFB-5AF3-0F07-9426B7075E19}"/>
-              </a:ext>
-            </a:extLst>
-          </p:cNvPr>
-          <p:cNvSpPr>
-            <a:spLocks noGrp="1"/>
-          </p:cNvSpPr>
-          <p:nvPr>
-            <p:ph type="title"/>
-          </p:nvPr>
-        </p:nvSpPr>
-        <p:spPr/>
-        <p:txBody>
-          <a:bodyPr/>
-          <a:lstStyle/>
-          <a:p>
-            <a:r>
-              <a:rPr lang="en-US" dirty="0">
-                <a:solidFill>
-                  <a:srgbClr val="DF3D92"/>
-                </a:solidFill>
-                <a:latin typeface="Georgia" panose="02040502050405020303" pitchFamily="18" charset="0"/>
-              </a:rPr>
-              <a:t>Arrays videos </a:t>
-            </a:r>
-          </a:p>
-        </p:txBody>
-      </p:sp>
-      <p:sp>
-        <p:nvSpPr>
-          <p:cNvPr id="3" name="Content Placeholder 2">
-            <a:extLst>
-              <a:ext uri="{FF2B5EF4-FFF2-40B4-BE49-F238E27FC236}">
-                <a16:creationId xmlns:a16="http://schemas.microsoft.com/office/drawing/2014/main" id="{16A70A26-EF28-EEFE-A37A-048162AB0FCC}"/>
-              </a:ext>
-            </a:extLst>
-          </p:cNvPr>
-          <p:cNvSpPr>
-            <a:spLocks noGrp="1"/>
-          </p:cNvSpPr>
-          <p:nvPr>
-            <p:ph idx="1"/>
+                <a16:creationId xmlns:a16="http://schemas.microsoft.com/office/drawing/2014/main" id="{1A8F82CE-0DF4-3E2B-491C-CDEC706F942F}"/>
+              </a:ext>
+            </a:extLst>
+          </p:cNvPr>
+          <p:cNvSpPr>
+            <a:spLocks noGrp="1"/>
+          </p:cNvSpPr>
+          <p:nvPr>
+            <p:ph type="ctrTitle"/>
           </p:nvPr>
         </p:nvSpPr>
         <p:spPr>
           <a:xfrm>
-            <a:off x="838200" y="1951037"/>
-            <a:ext cx="10515600" cy="4351338"/>
+            <a:off x="1524000" y="1739900"/>
+            <a:ext cx="9144000" cy="2387600"/>
           </a:xfrm>
         </p:spPr>
         <p:txBody>
-          <a:bodyPr numCol="1" anchor="t">
+          <a:bodyPr anchor="ctr"/>
+          <a:lstStyle/>
+          <a:p>
+            <a:r>
+              <a:rPr lang="en-US" dirty="0">
+                <a:solidFill>
+                  <a:srgbClr val="DF3D92"/>
+                </a:solidFill>
+                <a:latin typeface="Georgia" panose="02040502050405020303" pitchFamily="18" charset="0"/>
+              </a:rPr>
+              <a:t>Arrays</a:t>
+            </a:r>
+          </a:p>
+        </p:txBody>
+      </p:sp>
+      <p:sp>
+        <p:nvSpPr>
+          <p:cNvPr id="3" name="Title 1">
+            <a:extLst>
+              <a:ext uri="{FF2B5EF4-FFF2-40B4-BE49-F238E27FC236}">
+                <a16:creationId xmlns:a16="http://schemas.microsoft.com/office/drawing/2014/main" id="{963347CF-8C48-104F-17B4-B62266AD47CF}"/>
+              </a:ext>
+            </a:extLst>
+          </p:cNvPr>
+          <p:cNvSpPr txBox="1">
+            <a:spLocks/>
+          </p:cNvSpPr>
+          <p:nvPr/>
+        </p:nvSpPr>
+        <p:spPr>
+          <a:xfrm>
+            <a:off x="1524000" y="2933700"/>
+            <a:ext cx="9144000" cy="2387600"/>
+          </a:xfrm>
+          <a:prstGeom prst="rect">
+            <a:avLst/>
+          </a:prstGeom>
+        </p:spPr>
+        <p:txBody>
+          <a:bodyPr vert="horz" lIns="91440" tIns="45720" rIns="91440" bIns="45720" rtlCol="0" anchor="ctr">
             <a:normAutofit/>
           </a:bodyPr>
-          <a:lstStyle/>
-          <a:p>
-            <a:pPr marL="514350" indent="-514350">
+          <a:lstStyle>
+            <a:lvl1pPr algn="ctr" defTabSz="914400" rtl="0" eaLnBrk="1" latinLnBrk="0" hangingPunct="1">
               <a:lnSpc>
-                <a:spcPct val="160000"/>
+                <a:spcPct val="90000"/>
               </a:lnSpc>
-              <a:buFont typeface="+mj-lt"/>
-              <a:buAutoNum type="arabicPeriod"/>
-            </a:pPr>
-            <a:r>
-              <a:rPr lang="en-US" sz="2400" dirty="0">
-                <a:solidFill>
-                  <a:srgbClr val="0070C0"/>
-                </a:solidFill>
-                <a:latin typeface="Cambria" panose="02040503050406030204" pitchFamily="18" charset="0"/>
-                <a:ea typeface="Cambria" panose="02040503050406030204" pitchFamily="18" charset="0"/>
-                <a:hlinkClick r:id="rId2"/>
-              </a:rPr>
-              <a:t>1D array - part 1</a:t>
-            </a:r>
-            <a:endParaRPr lang="en-US" sz="2400" dirty="0">
-              <a:solidFill>
-                <a:srgbClr val="0070C0"/>
-              </a:solidFill>
-              <a:latin typeface="Cambria" panose="02040503050406030204" pitchFamily="18" charset="0"/>
-              <a:ea typeface="Cambria" panose="02040503050406030204" pitchFamily="18" charset="0"/>
-            </a:endParaRPr>
-          </a:p>
-          <a:p>
-            <a:pPr marL="514350" indent="-514350">
-              <a:lnSpc>
-                <a:spcPct val="160000"/>
-              </a:lnSpc>
-              <a:buFont typeface="+mj-lt"/>
-              <a:buAutoNum type="arabicPeriod"/>
-            </a:pPr>
-            <a:r>
-              <a:rPr lang="en-US" sz="2400" dirty="0">
-                <a:solidFill>
-                  <a:srgbClr val="0070C0"/>
-                </a:solidFill>
-                <a:latin typeface="Cambria" panose="02040503050406030204" pitchFamily="18" charset="0"/>
-                <a:ea typeface="Cambria" panose="02040503050406030204" pitchFamily="18" charset="0"/>
-                <a:hlinkClick r:id="rId3"/>
-              </a:rPr>
-              <a:t>1D array - part 2</a:t>
-            </a:r>
-            <a:endParaRPr lang="en-US" sz="2400" dirty="0">
-              <a:solidFill>
-                <a:srgbClr val="0070C0"/>
-              </a:solidFill>
-              <a:latin typeface="Cambria" panose="02040503050406030204" pitchFamily="18" charset="0"/>
-              <a:ea typeface="Cambria" panose="02040503050406030204" pitchFamily="18" charset="0"/>
-            </a:endParaRPr>
-          </a:p>
-          <a:p>
-            <a:pPr marL="514350" indent="-514350">
-              <a:lnSpc>
-                <a:spcPct val="160000"/>
-              </a:lnSpc>
-              <a:buFont typeface="+mj-lt"/>
-              <a:buAutoNum type="arabicPeriod"/>
-            </a:pPr>
-            <a:r>
-              <a:rPr lang="en-US" sz="2400" dirty="0">
-                <a:solidFill>
-                  <a:srgbClr val="0070C0"/>
-                </a:solidFill>
-                <a:latin typeface="Cambria" panose="02040503050406030204" pitchFamily="18" charset="0"/>
-                <a:ea typeface="Cambria" panose="02040503050406030204" pitchFamily="18" charset="0"/>
-                <a:hlinkClick r:id="rId4"/>
-              </a:rPr>
-              <a:t>1D array - part 3 - passing array to function</a:t>
-            </a:r>
-            <a:r>
-              <a:rPr lang="en-US" sz="2400" dirty="0">
-                <a:solidFill>
-                  <a:srgbClr val="0070C0"/>
-                </a:solidFill>
-                <a:latin typeface="Cambria" panose="02040503050406030204" pitchFamily="18" charset="0"/>
-                <a:ea typeface="Cambria" panose="02040503050406030204" pitchFamily="18" charset="0"/>
-              </a:rPr>
-              <a:t> </a:t>
-            </a:r>
-          </a:p>
-          <a:p>
-            <a:pPr marL="514350" indent="-514350">
-              <a:lnSpc>
-                <a:spcPct val="160000"/>
-              </a:lnSpc>
-              <a:buFont typeface="+mj-lt"/>
-              <a:buAutoNum type="arabicPeriod"/>
-            </a:pPr>
-            <a:r>
-              <a:rPr lang="en-US" sz="2400" dirty="0">
-                <a:solidFill>
-                  <a:srgbClr val="0070C0"/>
-                </a:solidFill>
-                <a:latin typeface="Cambria" panose="02040503050406030204" pitchFamily="18" charset="0"/>
-                <a:ea typeface="Cambria" panose="02040503050406030204" pitchFamily="18" charset="0"/>
-                <a:hlinkClick r:id="rId5"/>
-              </a:rPr>
-              <a:t>1D array - part 4 - array of </a:t>
-            </a:r>
-            <a:r>
-              <a:rPr lang="en-US" sz="2400" dirty="0" err="1">
-                <a:solidFill>
-                  <a:srgbClr val="0070C0"/>
-                </a:solidFill>
-                <a:latin typeface="Cambria" panose="02040503050406030204" pitchFamily="18" charset="0"/>
-                <a:ea typeface="Cambria" panose="02040503050406030204" pitchFamily="18" charset="0"/>
-                <a:hlinkClick r:id="rId5"/>
-              </a:rPr>
-              <a:t>charachters</a:t>
-            </a:r>
-            <a:endParaRPr lang="en-US" sz="2400" dirty="0">
-              <a:solidFill>
-                <a:srgbClr val="0070C0"/>
-              </a:solidFill>
-              <a:latin typeface="Cambria" panose="02040503050406030204" pitchFamily="18" charset="0"/>
-              <a:ea typeface="Cambria" panose="02040503050406030204" pitchFamily="18" charset="0"/>
-            </a:endParaRPr>
-          </a:p>
-          <a:p>
-            <a:pPr marL="514350" indent="-514350">
-              <a:lnSpc>
-                <a:spcPct val="160000"/>
-              </a:lnSpc>
-              <a:buFont typeface="+mj-lt"/>
-              <a:buAutoNum type="arabicPeriod"/>
-            </a:pPr>
-            <a:r>
-              <a:rPr lang="en-US" sz="2400" dirty="0">
-                <a:solidFill>
-                  <a:srgbClr val="0070C0"/>
-                </a:solidFill>
-                <a:latin typeface="Cambria" panose="02040503050406030204" pitchFamily="18" charset="0"/>
-                <a:ea typeface="Cambria" panose="02040503050406030204" pitchFamily="18" charset="0"/>
-                <a:hlinkClick r:id="rId6"/>
-              </a:rPr>
-              <a:t>2D array</a:t>
-            </a:r>
-            <a:endParaRPr lang="en-US" sz="2400" dirty="0">
-              <a:solidFill>
-                <a:srgbClr val="0070C0"/>
-              </a:solidFill>
-              <a:latin typeface="Cambria" panose="02040503050406030204" pitchFamily="18" charset="0"/>
-              <a:ea typeface="Cambria" panose="02040503050406030204" pitchFamily="18" charset="0"/>
-            </a:endParaRPr>
+              <a:spcBef>
+                <a:spcPct val="0"/>
+              </a:spcBef>
+              <a:buNone/>
+              <a:defRPr sz="6000" kern="1200">
+                <a:solidFill>
+                  <a:schemeClr val="tx1"/>
+                </a:solidFill>
+                <a:latin typeface="+mj-lt"/>
+                <a:ea typeface="+mj-ea"/>
+                <a:cs typeface="+mj-cs"/>
+              </a:defRPr>
+            </a:lvl1pPr>
+          </a:lstStyle>
+          <a:p>
+            <a:r>
+              <a:rPr lang="en-US" sz="2800" dirty="0">
+                <a:solidFill>
+                  <a:schemeClr val="bg2">
+                    <a:lumMod val="50000"/>
+                  </a:schemeClr>
+                </a:solidFill>
+                <a:latin typeface="Georgia" panose="02040502050405020303" pitchFamily="18" charset="0"/>
+              </a:rPr>
+              <a:t>1D &amp; 2D</a:t>
+            </a:r>
           </a:p>
         </p:txBody>
       </p:sp>
@@ -9452,7 +9335,7 @@
           <p:cNvPr id="8" name="Date Placeholder 7">
             <a:extLst>
               <a:ext uri="{FF2B5EF4-FFF2-40B4-BE49-F238E27FC236}">
-                <a16:creationId xmlns:a16="http://schemas.microsoft.com/office/drawing/2014/main" id="{51C2BB5C-DE8B-4812-CF0E-EC8E7F7E540C}"/>
+                <a16:creationId xmlns:a16="http://schemas.microsoft.com/office/drawing/2014/main" id="{032F0966-8505-7757-51B5-CE72E5D9160E}"/>
               </a:ext>
             </a:extLst>
           </p:cNvPr>
@@ -9480,7 +9363,7 @@
           <p:cNvPr id="9" name="Slide Number Placeholder 8">
             <a:extLst>
               <a:ext uri="{FF2B5EF4-FFF2-40B4-BE49-F238E27FC236}">
-                <a16:creationId xmlns:a16="http://schemas.microsoft.com/office/drawing/2014/main" id="{8A6F5846-7ADD-9FB1-2ADE-CF8C7BCA1BA6}"/>
+                <a16:creationId xmlns:a16="http://schemas.microsoft.com/office/drawing/2014/main" id="{5EF1A0BF-03F6-C089-3899-AD0AE735783D}"/>
               </a:ext>
             </a:extLst>
           </p:cNvPr>
@@ -9507,7 +9390,7 @@
     </p:spTree>
     <p:extLst>
       <p:ext uri="{BB962C8B-B14F-4D97-AF65-F5344CB8AC3E}">
-        <p14:creationId xmlns:p14="http://schemas.microsoft.com/office/powerpoint/2010/main" val="2970779330"/>
+        <p14:creationId xmlns:p14="http://schemas.microsoft.com/office/powerpoint/2010/main" val="130073887"/>
       </p:ext>
     </p:extLst>
   </p:cSld>
@@ -9550,67 +9433,60 @@
             <p:ph type="title"/>
           </p:nvPr>
         </p:nvSpPr>
+        <p:spPr/>
+        <p:txBody>
+          <a:bodyPr/>
+          <a:lstStyle/>
+          <a:p>
+            <a:r>
+              <a:rPr lang="en-US" dirty="0">
+                <a:solidFill>
+                  <a:srgbClr val="DF3D92"/>
+                </a:solidFill>
+                <a:latin typeface="Georgia" panose="02040502050405020303" pitchFamily="18" charset="0"/>
+              </a:rPr>
+              <a:t>Arrays videos </a:t>
+            </a:r>
+          </a:p>
+        </p:txBody>
+      </p:sp>
+      <p:sp>
+        <p:nvSpPr>
+          <p:cNvPr id="3" name="Content Placeholder 2">
+            <a:extLst>
+              <a:ext uri="{FF2B5EF4-FFF2-40B4-BE49-F238E27FC236}">
+                <a16:creationId xmlns:a16="http://schemas.microsoft.com/office/drawing/2014/main" id="{16A70A26-EF28-EEFE-A37A-048162AB0FCC}"/>
+              </a:ext>
+            </a:extLst>
+          </p:cNvPr>
+          <p:cNvSpPr>
+            <a:spLocks noGrp="1"/>
+          </p:cNvSpPr>
+          <p:nvPr>
+            <p:ph idx="1"/>
+          </p:nvPr>
+        </p:nvSpPr>
         <p:spPr>
           <a:xfrm>
-            <a:off x="838200" y="261937"/>
-            <a:ext cx="10515600" cy="1325563"/>
-          </a:xfrm>
-        </p:spPr>
-        <p:txBody>
-          <a:bodyPr>
-            <a:normAutofit/>
-          </a:bodyPr>
-          <a:lstStyle/>
-          <a:p>
-            <a:r>
-              <a:rPr lang="en-US" sz="3600" dirty="0">
-                <a:solidFill>
-                  <a:srgbClr val="DF3D92"/>
-                </a:solidFill>
-                <a:latin typeface="Georgia" panose="02040502050405020303" pitchFamily="18" charset="0"/>
-              </a:rPr>
-              <a:t>Array problems</a:t>
-            </a:r>
-          </a:p>
-        </p:txBody>
-      </p:sp>
-      <p:sp>
-        <p:nvSpPr>
-          <p:cNvPr id="3" name="Content Placeholder 2">
-            <a:extLst>
-              <a:ext uri="{FF2B5EF4-FFF2-40B4-BE49-F238E27FC236}">
-                <a16:creationId xmlns:a16="http://schemas.microsoft.com/office/drawing/2014/main" id="{16A70A26-EF28-EEFE-A37A-048162AB0FCC}"/>
-              </a:ext>
-            </a:extLst>
-          </p:cNvPr>
-          <p:cNvSpPr>
-            <a:spLocks noGrp="1"/>
-          </p:cNvSpPr>
-          <p:nvPr>
-            <p:ph idx="1"/>
-          </p:nvPr>
-        </p:nvSpPr>
-        <p:spPr>
-          <a:xfrm>
-            <a:off x="838200" y="1587500"/>
+            <a:off x="838200" y="1951037"/>
             <a:ext cx="10515600" cy="4351338"/>
           </a:xfrm>
         </p:spPr>
         <p:txBody>
-          <a:bodyPr numCol="1">
+          <a:bodyPr numCol="1" anchor="t">
             <a:normAutofit/>
           </a:bodyPr>
           <a:lstStyle/>
           <a:p>
             <a:pPr marL="514350" indent="-514350">
               <a:lnSpc>
-                <a:spcPct val="150000"/>
+                <a:spcPct val="160000"/>
               </a:lnSpc>
               <a:buFont typeface="+mj-lt"/>
               <a:buAutoNum type="arabicPeriod"/>
             </a:pPr>
             <a:r>
-              <a:rPr lang="en-US" sz="2400" dirty="0" err="1">
+              <a:rPr lang="en-US" sz="2400" dirty="0">
                 <a:solidFill>
                   <a:srgbClr val="0070C0"/>
                 </a:solidFill>
@@ -9618,18 +9494,7 @@
                 <a:ea typeface="Cambria" panose="02040503050406030204" pitchFamily="18" charset="0"/>
                 <a:hlinkClick r:id="rId2"/>
               </a:rPr>
-              <a:t>Hackerrank</a:t>
-            </a:r>
-            <a:r>
-              <a:rPr lang="en-US" sz="2400" dirty="0">
-                <a:solidFill>
-                  <a:srgbClr val="0070C0"/>
-                </a:solidFill>
-                <a:latin typeface="Cambria" panose="02040503050406030204" pitchFamily="18" charset="0"/>
-                <a:ea typeface="Cambria" panose="02040503050406030204" pitchFamily="18" charset="0"/>
-                <a:hlinkClick r:id="rId2"/>
-              </a:rPr>
-              <a:t> - Arrays introduction </a:t>
+              <a:t>1D array - part 1</a:t>
             </a:r>
             <a:endParaRPr lang="en-US" sz="2400" dirty="0">
               <a:solidFill>
@@ -9642,13 +9507,13 @@
           <a:p>
             <a:pPr marL="514350" indent="-514350">
               <a:lnSpc>
-                <a:spcPct val="150000"/>
+                <a:spcPct val="160000"/>
               </a:lnSpc>
               <a:buFont typeface="+mj-lt"/>
               <a:buAutoNum type="arabicPeriod"/>
             </a:pPr>
             <a:r>
-              <a:rPr lang="en-US" sz="2400" dirty="0" err="1">
+              <a:rPr lang="en-US" sz="2400" dirty="0">
                 <a:solidFill>
                   <a:srgbClr val="0070C0"/>
                 </a:solidFill>
@@ -9656,110 +9521,7 @@
                 <a:ea typeface="Cambria" panose="02040503050406030204" pitchFamily="18" charset="0"/>
                 <a:hlinkClick r:id="rId3"/>
               </a:rPr>
-              <a:t>Hackerrank</a:t>
-            </a:r>
-            <a:r>
-              <a:rPr lang="en-US" sz="2400" dirty="0">
-                <a:solidFill>
-                  <a:srgbClr val="0070C0"/>
-                </a:solidFill>
-                <a:latin typeface="Cambria" panose="02040503050406030204" pitchFamily="18" charset="0"/>
-                <a:ea typeface="Cambria" panose="02040503050406030204" pitchFamily="18" charset="0"/>
-                <a:hlinkClick r:id="rId3"/>
-              </a:rPr>
-              <a:t> - Variable sized array</a:t>
-            </a:r>
-            <a:endParaRPr lang="en-US" sz="2400" dirty="0">
-              <a:solidFill>
-                <a:srgbClr val="0070C0"/>
-              </a:solidFill>
-              <a:latin typeface="Cambria" panose="02040503050406030204" pitchFamily="18" charset="0"/>
-              <a:ea typeface="Cambria" panose="02040503050406030204" pitchFamily="18" charset="0"/>
-              <a:hlinkClick r:id="rId4"/>
-            </a:endParaRPr>
-          </a:p>
-          <a:p>
-            <a:pPr marL="514350" indent="-514350">
-              <a:lnSpc>
-                <a:spcPct val="150000"/>
-              </a:lnSpc>
-              <a:buFont typeface="+mj-lt"/>
-              <a:buAutoNum type="arabicPeriod"/>
-            </a:pPr>
-            <a:r>
-              <a:rPr lang="en-US" sz="2400" dirty="0" err="1">
-                <a:solidFill>
-                  <a:srgbClr val="0070C0"/>
-                </a:solidFill>
-                <a:latin typeface="Cambria" panose="02040503050406030204" pitchFamily="18" charset="0"/>
-                <a:ea typeface="Cambria" panose="02040503050406030204" pitchFamily="18" charset="0"/>
-                <a:hlinkClick r:id="rId4"/>
-              </a:rPr>
-              <a:t>Codeforces</a:t>
-            </a:r>
-            <a:r>
-              <a:rPr lang="en-US" sz="2400" dirty="0">
-                <a:solidFill>
-                  <a:srgbClr val="0070C0"/>
-                </a:solidFill>
-                <a:latin typeface="Cambria" panose="02040503050406030204" pitchFamily="18" charset="0"/>
-                <a:ea typeface="Cambria" panose="02040503050406030204" pitchFamily="18" charset="0"/>
-                <a:hlinkClick r:id="rId4"/>
-              </a:rPr>
-              <a:t> – Puzzles</a:t>
-            </a:r>
-            <a:r>
-              <a:rPr lang="en-US" sz="2400" dirty="0">
-                <a:solidFill>
-                  <a:srgbClr val="0070C0"/>
-                </a:solidFill>
-                <a:latin typeface="Cambria" panose="02040503050406030204" pitchFamily="18" charset="0"/>
-                <a:ea typeface="Cambria" panose="02040503050406030204" pitchFamily="18" charset="0"/>
-              </a:rPr>
-              <a:t> </a:t>
-            </a:r>
-            <a:r>
-              <a:rPr lang="en-US" sz="1600" dirty="0">
-                <a:solidFill>
-                  <a:schemeClr val="accent6">
-                    <a:lumMod val="75000"/>
-                  </a:schemeClr>
-                </a:solidFill>
-                <a:latin typeface="Cambria" panose="02040503050406030204" pitchFamily="18" charset="0"/>
-                <a:ea typeface="Cambria" panose="02040503050406030204" pitchFamily="18" charset="0"/>
-              </a:rPr>
-              <a:t>**search for sort function in &lt;algorithm&gt;</a:t>
-            </a:r>
-          </a:p>
-          <a:p>
-            <a:pPr marL="514350" indent="-514350">
-              <a:lnSpc>
-                <a:spcPct val="150000"/>
-              </a:lnSpc>
-              <a:buFont typeface="+mj-lt"/>
-              <a:buAutoNum type="arabicPeriod"/>
-            </a:pPr>
-            <a:r>
-              <a:rPr lang="en-US" sz="2400" dirty="0" err="1">
-                <a:solidFill>
-                  <a:srgbClr val="0070C0"/>
-                </a:solidFill>
-                <a:latin typeface="Cambria" panose="02040503050406030204" pitchFamily="18" charset="0"/>
-                <a:ea typeface="Cambria" panose="02040503050406030204" pitchFamily="18" charset="0"/>
-                <a:hlinkClick r:id="rId5"/>
-              </a:rPr>
-              <a:t>Atcoder</a:t>
-            </a:r>
-            <a:r>
-              <a:rPr lang="en-US" sz="2400" dirty="0">
-                <a:solidFill>
-                  <a:srgbClr val="0070C0"/>
-                </a:solidFill>
-                <a:latin typeface="Cambria" panose="02040503050406030204" pitchFamily="18" charset="0"/>
-                <a:ea typeface="Cambria" panose="02040503050406030204" pitchFamily="18" charset="0"/>
-                <a:hlinkClick r:id="rId5"/>
-              </a:rPr>
-              <a:t> - Shift</a:t>
+              <a:t>1D array - part 2</a:t>
             </a:r>
             <a:endParaRPr lang="en-US" sz="2400" dirty="0">
               <a:solidFill>
@@ -9772,32 +9534,21 @@
           <a:p>
             <a:pPr marL="514350" indent="-514350">
               <a:lnSpc>
-                <a:spcPct val="150000"/>
+                <a:spcPct val="160000"/>
               </a:lnSpc>
               <a:buFont typeface="+mj-lt"/>
               <a:buAutoNum type="arabicPeriod"/>
             </a:pPr>
             <a:r>
-              <a:rPr lang="en-US" sz="2400" dirty="0" err="1">
-                <a:solidFill>
-                  <a:srgbClr val="0070C0"/>
-                </a:solidFill>
-                <a:latin typeface="Cambria" panose="02040503050406030204" pitchFamily="18" charset="0"/>
-                <a:ea typeface="Cambria" panose="02040503050406030204" pitchFamily="18" charset="0"/>
-                <a:hlinkClick r:id="rId6"/>
-              </a:rPr>
-              <a:t>Atcoder</a:t>
-            </a:r>
-            <a:r>
               <a:rPr lang="en-US" sz="2400" dirty="0">
                 <a:solidFill>
                   <a:srgbClr val="0070C0"/>
                 </a:solidFill>
                 <a:latin typeface="Cambria" panose="02040503050406030204" pitchFamily="18" charset="0"/>
                 <a:ea typeface="Cambria" panose="02040503050406030204" pitchFamily="18" charset="0"/>
-                <a:hlinkClick r:id="rId6"/>
-              </a:rPr>
-              <a:t> - Sequence of strings</a:t>
+                <a:hlinkClick r:id="rId4"/>
+              </a:rPr>
+              <a:t>1D array - part 3 - passing array to function</a:t>
             </a:r>
             <a:r>
               <a:rPr lang="en-US" sz="2400" dirty="0">
@@ -9808,49 +9559,37 @@
                 <a:ea typeface="Cambria" panose="02040503050406030204" pitchFamily="18" charset="0"/>
               </a:rPr>
               <a:t> </a:t>
-            </a:r>
-            <a:r>
-              <a:rPr lang="en-US" sz="1600" dirty="0">
-                <a:solidFill>
-                  <a:schemeClr val="accent6">
-                    <a:lumMod val="75000"/>
-                  </a:schemeClr>
-                </a:solidFill>
-                <a:latin typeface="Cambria" panose="02040503050406030204" pitchFamily="18" charset="0"/>
-                <a:ea typeface="Cambria" panose="02040503050406030204" pitchFamily="18" charset="0"/>
-              </a:rPr>
-              <a:t>**try to use reverse function in &lt;algorithm&gt;</a:t>
             </a:r>
           </a:p>
           <a:p>
             <a:pPr marL="514350" indent="-514350">
               <a:lnSpc>
-                <a:spcPct val="150000"/>
+                <a:spcPct val="160000"/>
               </a:lnSpc>
               <a:buFont typeface="+mj-lt"/>
               <a:buAutoNum type="arabicPeriod"/>
             </a:pPr>
             <a:r>
+              <a:rPr lang="en-US" sz="2400" dirty="0">
+                <a:solidFill>
+                  <a:srgbClr val="0070C0"/>
+                </a:solidFill>
+                <a:latin typeface="Cambria" panose="02040503050406030204" pitchFamily="18" charset="0"/>
+                <a:ea typeface="Cambria" panose="02040503050406030204" pitchFamily="18" charset="0"/>
+                <a:hlinkClick r:id="rId5"/>
+              </a:rPr>
+              <a:t>1D array - part 4 - array of </a:t>
+            </a:r>
+            <a:r>
               <a:rPr lang="en-US" sz="2400" dirty="0" err="1">
                 <a:solidFill>
                   <a:srgbClr val="0070C0"/>
                 </a:solidFill>
                 <a:latin typeface="Cambria" panose="02040503050406030204" pitchFamily="18" charset="0"/>
                 <a:ea typeface="Cambria" panose="02040503050406030204" pitchFamily="18" charset="0"/>
-                <a:hlinkClick r:id="rId7"/>
-              </a:rPr>
-              <a:t>Codeforces</a:t>
-            </a:r>
-            <a:r>
-              <a:rPr lang="en-US" sz="2400" dirty="0">
-                <a:solidFill>
-                  <a:srgbClr val="0070C0"/>
-                </a:solidFill>
-                <a:latin typeface="Cambria" panose="02040503050406030204" pitchFamily="18" charset="0"/>
-                <a:ea typeface="Cambria" panose="02040503050406030204" pitchFamily="18" charset="0"/>
-                <a:hlinkClick r:id="rId7"/>
-              </a:rPr>
-              <a:t> - Beautiful matrix </a:t>
+                <a:hlinkClick r:id="rId5"/>
+              </a:rPr>
+              <a:t>charachters</a:t>
             </a:r>
             <a:endParaRPr lang="en-US" sz="2400" dirty="0">
               <a:solidFill>
@@ -9860,6 +9599,33 @@
               <a:ea typeface="Cambria" panose="02040503050406030204" pitchFamily="18" charset="0"/>
             </a:endParaRPr>
           </a:p>
+          <a:p>
+            <a:pPr marL="514350" indent="-514350">
+              <a:lnSpc>
+                <a:spcPct val="160000"/>
+              </a:lnSpc>
+              <a:buFont typeface="+mj-lt"/>
+              <a:buAutoNum type="arabicPeriod"/>
+            </a:pPr>
+            <a:r>
+              <a:rPr lang="en-US" sz="2400" dirty="0">
+                <a:solidFill>
+                  <a:srgbClr val="0070C0"/>
+                </a:solidFill>
+                <a:latin typeface="Cambria" panose="02040503050406030204" pitchFamily="18" charset="0"/>
+                <a:ea typeface="Cambria" panose="02040503050406030204" pitchFamily="18" charset="0"/>
+                <a:hlinkClick r:id="rId6"/>
+              </a:rPr>
+              <a:t>2D array</a:t>
+            </a:r>
+            <a:endParaRPr lang="en-US" sz="2400" dirty="0">
+              <a:solidFill>
+                <a:srgbClr val="0070C0"/>
+              </a:solidFill>
+              <a:latin typeface="Cambria" panose="02040503050406030204" pitchFamily="18" charset="0"/>
+              <a:ea typeface="Cambria" panose="02040503050406030204" pitchFamily="18" charset="0"/>
+            </a:endParaRPr>
+          </a:p>
         </p:txBody>
       </p:sp>
       <p:sp>
@@ -9867,7 +9633,7 @@
           <p:cNvPr id="8" name="Date Placeholder 7">
             <a:extLst>
               <a:ext uri="{FF2B5EF4-FFF2-40B4-BE49-F238E27FC236}">
-                <a16:creationId xmlns:a16="http://schemas.microsoft.com/office/drawing/2014/main" id="{6C5A2D17-4AFB-FDEF-A741-0579B6218D8C}"/>
+                <a16:creationId xmlns:a16="http://schemas.microsoft.com/office/drawing/2014/main" id="{51C2BB5C-DE8B-4812-CF0E-EC8E7F7E540C}"/>
               </a:ext>
             </a:extLst>
           </p:cNvPr>
@@ -9895,7 +9661,7 @@
           <p:cNvPr id="9" name="Slide Number Placeholder 8">
             <a:extLst>
               <a:ext uri="{FF2B5EF4-FFF2-40B4-BE49-F238E27FC236}">
-                <a16:creationId xmlns:a16="http://schemas.microsoft.com/office/drawing/2014/main" id="{AE004A4A-F050-548B-B387-5E7656A6B5C9}"/>
+                <a16:creationId xmlns:a16="http://schemas.microsoft.com/office/drawing/2014/main" id="{8A6F5846-7ADD-9FB1-2ADE-CF8C7BCA1BA6}"/>
               </a:ext>
             </a:extLst>
           </p:cNvPr>
@@ -9922,7 +9688,7 @@
     </p:spTree>
     <p:extLst>
       <p:ext uri="{BB962C8B-B14F-4D97-AF65-F5344CB8AC3E}">
-        <p14:creationId xmlns:p14="http://schemas.microsoft.com/office/powerpoint/2010/main" val="3243676015"/>
+        <p14:creationId xmlns:p14="http://schemas.microsoft.com/office/powerpoint/2010/main" val="2970779330"/>
       </p:ext>
     </p:extLst>
   </p:cSld>
@@ -9954,45 +9720,335 @@
           <p:cNvPr id="2" name="Title 1">
             <a:extLst>
               <a:ext uri="{FF2B5EF4-FFF2-40B4-BE49-F238E27FC236}">
-                <a16:creationId xmlns:a16="http://schemas.microsoft.com/office/drawing/2014/main" id="{1A8F82CE-0DF4-3E2B-491C-CDEC706F942F}"/>
-              </a:ext>
-            </a:extLst>
-          </p:cNvPr>
-          <p:cNvSpPr>
-            <a:spLocks noGrp="1"/>
-          </p:cNvSpPr>
-          <p:nvPr>
-            <p:ph type="ctrTitle"/>
+                <a16:creationId xmlns:a16="http://schemas.microsoft.com/office/drawing/2014/main" id="{45DB07F3-2AFB-5AF3-0F07-9426B7075E19}"/>
+              </a:ext>
+            </a:extLst>
+          </p:cNvPr>
+          <p:cNvSpPr>
+            <a:spLocks noGrp="1"/>
+          </p:cNvSpPr>
+          <p:nvPr>
+            <p:ph type="title"/>
           </p:nvPr>
         </p:nvSpPr>
         <p:spPr>
           <a:xfrm>
-            <a:off x="1524000" y="1739900"/>
-            <a:ext cx="9144000" cy="2387600"/>
+            <a:off x="838200" y="261937"/>
+            <a:ext cx="10515600" cy="1325563"/>
           </a:xfrm>
         </p:spPr>
         <p:txBody>
-          <a:bodyPr anchor="ctr"/>
-          <a:lstStyle/>
-          <a:p>
-            <a:r>
-              <a:rPr lang="en-US" dirty="0">
+          <a:bodyPr>
+            <a:normAutofit/>
+          </a:bodyPr>
+          <a:lstStyle/>
+          <a:p>
+            <a:r>
+              <a:rPr lang="en-US" sz="3600" dirty="0">
                 <a:solidFill>
                   <a:srgbClr val="DF3D92"/>
                 </a:solidFill>
                 <a:latin typeface="Georgia" panose="02040502050405020303" pitchFamily="18" charset="0"/>
               </a:rPr>
-              <a:t>Pointers</a:t>
-            </a:r>
-          </a:p>
-        </p:txBody>
-      </p:sp>
-      <p:sp>
-        <p:nvSpPr>
-          <p:cNvPr id="7" name="Date Placeholder 6">
-            <a:extLst>
-              <a:ext uri="{FF2B5EF4-FFF2-40B4-BE49-F238E27FC236}">
-                <a16:creationId xmlns:a16="http://schemas.microsoft.com/office/drawing/2014/main" id="{D2D709C1-1B10-F896-B46C-8A441B3A6C71}"/>
+              <a:t>Array problems</a:t>
+            </a:r>
+          </a:p>
+        </p:txBody>
+      </p:sp>
+      <p:sp>
+        <p:nvSpPr>
+          <p:cNvPr id="3" name="Content Placeholder 2">
+            <a:extLst>
+              <a:ext uri="{FF2B5EF4-FFF2-40B4-BE49-F238E27FC236}">
+                <a16:creationId xmlns:a16="http://schemas.microsoft.com/office/drawing/2014/main" id="{16A70A26-EF28-EEFE-A37A-048162AB0FCC}"/>
+              </a:ext>
+            </a:extLst>
+          </p:cNvPr>
+          <p:cNvSpPr>
+            <a:spLocks noGrp="1"/>
+          </p:cNvSpPr>
+          <p:nvPr>
+            <p:ph idx="1"/>
+          </p:nvPr>
+        </p:nvSpPr>
+        <p:spPr>
+          <a:xfrm>
+            <a:off x="838200" y="1587500"/>
+            <a:ext cx="10515600" cy="4351338"/>
+          </a:xfrm>
+        </p:spPr>
+        <p:txBody>
+          <a:bodyPr numCol="1">
+            <a:normAutofit/>
+          </a:bodyPr>
+          <a:lstStyle/>
+          <a:p>
+            <a:pPr marL="514350" indent="-514350">
+              <a:lnSpc>
+                <a:spcPct val="150000"/>
+              </a:lnSpc>
+              <a:buFont typeface="+mj-lt"/>
+              <a:buAutoNum type="arabicPeriod"/>
+            </a:pPr>
+            <a:r>
+              <a:rPr lang="en-US" sz="2400" dirty="0" err="1">
+                <a:solidFill>
+                  <a:srgbClr val="0070C0"/>
+                </a:solidFill>
+                <a:latin typeface="Cambria" panose="02040503050406030204" pitchFamily="18" charset="0"/>
+                <a:ea typeface="Cambria" panose="02040503050406030204" pitchFamily="18" charset="0"/>
+                <a:hlinkClick r:id="rId2"/>
+              </a:rPr>
+              <a:t>Hackerrank</a:t>
+            </a:r>
+            <a:r>
+              <a:rPr lang="en-US" sz="2400" dirty="0">
+                <a:solidFill>
+                  <a:srgbClr val="0070C0"/>
+                </a:solidFill>
+                <a:latin typeface="Cambria" panose="02040503050406030204" pitchFamily="18" charset="0"/>
+                <a:ea typeface="Cambria" panose="02040503050406030204" pitchFamily="18" charset="0"/>
+                <a:hlinkClick r:id="rId2"/>
+              </a:rPr>
+              <a:t> - Arrays introduction </a:t>
+            </a:r>
+            <a:endParaRPr lang="en-US" sz="2400" dirty="0">
+              <a:solidFill>
+                <a:srgbClr val="0070C0"/>
+              </a:solidFill>
+              <a:latin typeface="Cambria" panose="02040503050406030204" pitchFamily="18" charset="0"/>
+              <a:ea typeface="Cambria" panose="02040503050406030204" pitchFamily="18" charset="0"/>
+            </a:endParaRPr>
+          </a:p>
+          <a:p>
+            <a:pPr marL="514350" indent="-514350">
+              <a:lnSpc>
+                <a:spcPct val="150000"/>
+              </a:lnSpc>
+              <a:buFont typeface="+mj-lt"/>
+              <a:buAutoNum type="arabicPeriod"/>
+            </a:pPr>
+            <a:r>
+              <a:rPr lang="en-US" sz="2400" dirty="0" err="1">
+                <a:solidFill>
+                  <a:srgbClr val="0070C0"/>
+                </a:solidFill>
+                <a:latin typeface="Cambria" panose="02040503050406030204" pitchFamily="18" charset="0"/>
+                <a:ea typeface="Cambria" panose="02040503050406030204" pitchFamily="18" charset="0"/>
+                <a:hlinkClick r:id="rId3"/>
+              </a:rPr>
+              <a:t>Hackerrank</a:t>
+            </a:r>
+            <a:r>
+              <a:rPr lang="en-US" sz="2400" dirty="0">
+                <a:solidFill>
+                  <a:srgbClr val="0070C0"/>
+                </a:solidFill>
+                <a:latin typeface="Cambria" panose="02040503050406030204" pitchFamily="18" charset="0"/>
+                <a:ea typeface="Cambria" panose="02040503050406030204" pitchFamily="18" charset="0"/>
+                <a:hlinkClick r:id="rId3"/>
+              </a:rPr>
+              <a:t> - Variable sized array</a:t>
+            </a:r>
+            <a:endParaRPr lang="en-US" sz="2400" dirty="0">
+              <a:solidFill>
+                <a:srgbClr val="0070C0"/>
+              </a:solidFill>
+              <a:latin typeface="Cambria" panose="02040503050406030204" pitchFamily="18" charset="0"/>
+              <a:ea typeface="Cambria" panose="02040503050406030204" pitchFamily="18" charset="0"/>
+              <a:hlinkClick r:id="rId4"/>
+            </a:endParaRPr>
+          </a:p>
+          <a:p>
+            <a:pPr marL="514350" indent="-514350">
+              <a:lnSpc>
+                <a:spcPct val="150000"/>
+              </a:lnSpc>
+              <a:buFont typeface="+mj-lt"/>
+              <a:buAutoNum type="arabicPeriod"/>
+            </a:pPr>
+            <a:r>
+              <a:rPr lang="en-US" sz="2400" dirty="0" err="1">
+                <a:solidFill>
+                  <a:srgbClr val="0070C0"/>
+                </a:solidFill>
+                <a:latin typeface="Cambria" panose="02040503050406030204" pitchFamily="18" charset="0"/>
+                <a:ea typeface="Cambria" panose="02040503050406030204" pitchFamily="18" charset="0"/>
+                <a:hlinkClick r:id="rId4"/>
+              </a:rPr>
+              <a:t>Codeforces</a:t>
+            </a:r>
+            <a:r>
+              <a:rPr lang="en-US" sz="2400" dirty="0">
+                <a:solidFill>
+                  <a:srgbClr val="0070C0"/>
+                </a:solidFill>
+                <a:latin typeface="Cambria" panose="02040503050406030204" pitchFamily="18" charset="0"/>
+                <a:ea typeface="Cambria" panose="02040503050406030204" pitchFamily="18" charset="0"/>
+                <a:hlinkClick r:id="rId4"/>
+              </a:rPr>
+              <a:t> – Puzzles</a:t>
+            </a:r>
+            <a:r>
+              <a:rPr lang="en-US" sz="2400" dirty="0">
+                <a:solidFill>
+                  <a:srgbClr val="0070C0"/>
+                </a:solidFill>
+                <a:latin typeface="Cambria" panose="02040503050406030204" pitchFamily="18" charset="0"/>
+                <a:ea typeface="Cambria" panose="02040503050406030204" pitchFamily="18" charset="0"/>
+              </a:rPr>
+              <a:t> </a:t>
+            </a:r>
+            <a:r>
+              <a:rPr lang="en-US" sz="1600" dirty="0">
+                <a:solidFill>
+                  <a:schemeClr val="accent6">
+                    <a:lumMod val="75000"/>
+                  </a:schemeClr>
+                </a:solidFill>
+                <a:latin typeface="Cambria" panose="02040503050406030204" pitchFamily="18" charset="0"/>
+                <a:ea typeface="Cambria" panose="02040503050406030204" pitchFamily="18" charset="0"/>
+              </a:rPr>
+              <a:t>**search for sort function in &lt;algorithm&gt;</a:t>
+            </a:r>
+          </a:p>
+          <a:p>
+            <a:pPr marL="514350" indent="-514350">
+              <a:lnSpc>
+                <a:spcPct val="150000"/>
+              </a:lnSpc>
+              <a:buFont typeface="+mj-lt"/>
+              <a:buAutoNum type="arabicPeriod"/>
+            </a:pPr>
+            <a:r>
+              <a:rPr lang="en-US" sz="2400" dirty="0" err="1">
+                <a:solidFill>
+                  <a:srgbClr val="0070C0"/>
+                </a:solidFill>
+                <a:latin typeface="Cambria" panose="02040503050406030204" pitchFamily="18" charset="0"/>
+                <a:ea typeface="Cambria" panose="02040503050406030204" pitchFamily="18" charset="0"/>
+                <a:hlinkClick r:id="rId5"/>
+              </a:rPr>
+              <a:t>Atcoder</a:t>
+            </a:r>
+            <a:r>
+              <a:rPr lang="en-US" sz="2400" dirty="0">
+                <a:solidFill>
+                  <a:srgbClr val="0070C0"/>
+                </a:solidFill>
+                <a:latin typeface="Cambria" panose="02040503050406030204" pitchFamily="18" charset="0"/>
+                <a:ea typeface="Cambria" panose="02040503050406030204" pitchFamily="18" charset="0"/>
+                <a:hlinkClick r:id="rId5"/>
+              </a:rPr>
+              <a:t> - Shift</a:t>
+            </a:r>
+            <a:endParaRPr lang="en-US" sz="2400" dirty="0">
+              <a:solidFill>
+                <a:srgbClr val="0070C0"/>
+              </a:solidFill>
+              <a:latin typeface="Cambria" panose="02040503050406030204" pitchFamily="18" charset="0"/>
+              <a:ea typeface="Cambria" panose="02040503050406030204" pitchFamily="18" charset="0"/>
+            </a:endParaRPr>
+          </a:p>
+          <a:p>
+            <a:pPr marL="514350" indent="-514350">
+              <a:lnSpc>
+                <a:spcPct val="150000"/>
+              </a:lnSpc>
+              <a:buFont typeface="+mj-lt"/>
+              <a:buAutoNum type="arabicPeriod"/>
+            </a:pPr>
+            <a:r>
+              <a:rPr lang="en-US" sz="2400" dirty="0" err="1">
+                <a:solidFill>
+                  <a:srgbClr val="0070C0"/>
+                </a:solidFill>
+                <a:latin typeface="Cambria" panose="02040503050406030204" pitchFamily="18" charset="0"/>
+                <a:ea typeface="Cambria" panose="02040503050406030204" pitchFamily="18" charset="0"/>
+                <a:hlinkClick r:id="rId6"/>
+              </a:rPr>
+              <a:t>Atcoder</a:t>
+            </a:r>
+            <a:r>
+              <a:rPr lang="en-US" sz="2400" dirty="0">
+                <a:solidFill>
+                  <a:srgbClr val="0070C0"/>
+                </a:solidFill>
+                <a:latin typeface="Cambria" panose="02040503050406030204" pitchFamily="18" charset="0"/>
+                <a:ea typeface="Cambria" panose="02040503050406030204" pitchFamily="18" charset="0"/>
+                <a:hlinkClick r:id="rId6"/>
+              </a:rPr>
+              <a:t> - Sequence of strings</a:t>
+            </a:r>
+            <a:r>
+              <a:rPr lang="en-US" sz="2400" dirty="0">
+                <a:solidFill>
+                  <a:srgbClr val="0070C0"/>
+                </a:solidFill>
+                <a:latin typeface="Cambria" panose="02040503050406030204" pitchFamily="18" charset="0"/>
+                <a:ea typeface="Cambria" panose="02040503050406030204" pitchFamily="18" charset="0"/>
+              </a:rPr>
+              <a:t> </a:t>
+            </a:r>
+            <a:r>
+              <a:rPr lang="en-US" sz="1600" dirty="0">
+                <a:solidFill>
+                  <a:schemeClr val="accent6">
+                    <a:lumMod val="75000"/>
+                  </a:schemeClr>
+                </a:solidFill>
+                <a:latin typeface="Cambria" panose="02040503050406030204" pitchFamily="18" charset="0"/>
+                <a:ea typeface="Cambria" panose="02040503050406030204" pitchFamily="18" charset="0"/>
+              </a:rPr>
+              <a:t>**try to use reverse function in &lt;algorithm&gt;</a:t>
+            </a:r>
+          </a:p>
+          <a:p>
+            <a:pPr marL="514350" indent="-514350">
+              <a:lnSpc>
+                <a:spcPct val="150000"/>
+              </a:lnSpc>
+              <a:buFont typeface="+mj-lt"/>
+              <a:buAutoNum type="arabicPeriod"/>
+            </a:pPr>
+            <a:r>
+              <a:rPr lang="en-US" sz="2400" dirty="0" err="1">
+                <a:solidFill>
+                  <a:srgbClr val="0070C0"/>
+                </a:solidFill>
+                <a:latin typeface="Cambria" panose="02040503050406030204" pitchFamily="18" charset="0"/>
+                <a:ea typeface="Cambria" panose="02040503050406030204" pitchFamily="18" charset="0"/>
+                <a:hlinkClick r:id="rId7"/>
+              </a:rPr>
+              <a:t>Codeforces</a:t>
+            </a:r>
+            <a:r>
+              <a:rPr lang="en-US" sz="2400" dirty="0">
+                <a:solidFill>
+                  <a:srgbClr val="0070C0"/>
+                </a:solidFill>
+                <a:latin typeface="Cambria" panose="02040503050406030204" pitchFamily="18" charset="0"/>
+                <a:ea typeface="Cambria" panose="02040503050406030204" pitchFamily="18" charset="0"/>
+                <a:hlinkClick r:id="rId7"/>
+              </a:rPr>
+              <a:t> - Beautiful matrix </a:t>
+            </a:r>
+            <a:endParaRPr lang="en-US" sz="2400" dirty="0">
+              <a:solidFill>
+                <a:srgbClr val="0070C0"/>
+              </a:solidFill>
+              <a:latin typeface="Cambria" panose="02040503050406030204" pitchFamily="18" charset="0"/>
+              <a:ea typeface="Cambria" panose="02040503050406030204" pitchFamily="18" charset="0"/>
+            </a:endParaRPr>
+          </a:p>
+        </p:txBody>
+      </p:sp>
+      <p:sp>
+        <p:nvSpPr>
+          <p:cNvPr id="8" name="Date Placeholder 7">
+            <a:extLst>
+              <a:ext uri="{FF2B5EF4-FFF2-40B4-BE49-F238E27FC236}">
+                <a16:creationId xmlns:a16="http://schemas.microsoft.com/office/drawing/2014/main" id="{6C5A2D17-4AFB-FDEF-A741-0579B6218D8C}"/>
               </a:ext>
             </a:extLst>
           </p:cNvPr>
@@ -10017,10 +10073,10 @@
       </p:sp>
       <p:sp>
         <p:nvSpPr>
-          <p:cNvPr id="8" name="Slide Number Placeholder 7">
-            <a:extLst>
-              <a:ext uri="{FF2B5EF4-FFF2-40B4-BE49-F238E27FC236}">
-                <a16:creationId xmlns:a16="http://schemas.microsoft.com/office/drawing/2014/main" id="{3112668D-A2B7-9FA9-88BF-4466097559B3}"/>
+          <p:cNvPr id="9" name="Slide Number Placeholder 8">
+            <a:extLst>
+              <a:ext uri="{FF2B5EF4-FFF2-40B4-BE49-F238E27FC236}">
+                <a16:creationId xmlns:a16="http://schemas.microsoft.com/office/drawing/2014/main" id="{AE004A4A-F050-548B-B387-5E7656A6B5C9}"/>
               </a:ext>
             </a:extLst>
           </p:cNvPr>
@@ -10047,7 +10103,7 @@
     </p:spTree>
     <p:extLst>
       <p:ext uri="{BB962C8B-B14F-4D97-AF65-F5344CB8AC3E}">
-        <p14:creationId xmlns:p14="http://schemas.microsoft.com/office/powerpoint/2010/main" val="3273839663"/>
+        <p14:creationId xmlns:p14="http://schemas.microsoft.com/office/powerpoint/2010/main" val="3243676015"/>
       </p:ext>
     </p:extLst>
   </p:cSld>
@@ -10079,123 +10135,45 @@
           <p:cNvPr id="2" name="Title 1">
             <a:extLst>
               <a:ext uri="{FF2B5EF4-FFF2-40B4-BE49-F238E27FC236}">
-                <a16:creationId xmlns:a16="http://schemas.microsoft.com/office/drawing/2014/main" id="{45DB07F3-2AFB-5AF3-0F07-9426B7075E19}"/>
-              </a:ext>
-            </a:extLst>
-          </p:cNvPr>
-          <p:cNvSpPr>
-            <a:spLocks noGrp="1"/>
-          </p:cNvSpPr>
-          <p:nvPr>
-            <p:ph type="title"/>
-          </p:nvPr>
-        </p:nvSpPr>
-        <p:spPr/>
-        <p:txBody>
-          <a:bodyPr/>
-          <a:lstStyle/>
-          <a:p>
-            <a:r>
-              <a:rPr lang="en-US" dirty="0">
-                <a:solidFill>
-                  <a:srgbClr val="DF3D92"/>
-                </a:solidFill>
-                <a:latin typeface="Georgia" panose="02040502050405020303" pitchFamily="18" charset="0"/>
-              </a:rPr>
-              <a:t>Pointers videos </a:t>
-            </a:r>
-          </a:p>
-        </p:txBody>
-      </p:sp>
-      <p:sp>
-        <p:nvSpPr>
-          <p:cNvPr id="3" name="Content Placeholder 2">
-            <a:extLst>
-              <a:ext uri="{FF2B5EF4-FFF2-40B4-BE49-F238E27FC236}">
-                <a16:creationId xmlns:a16="http://schemas.microsoft.com/office/drawing/2014/main" id="{16A70A26-EF28-EEFE-A37A-048162AB0FCC}"/>
-              </a:ext>
-            </a:extLst>
-          </p:cNvPr>
-          <p:cNvSpPr>
-            <a:spLocks noGrp="1"/>
-          </p:cNvSpPr>
-          <p:nvPr>
-            <p:ph idx="1"/>
+                <a16:creationId xmlns:a16="http://schemas.microsoft.com/office/drawing/2014/main" id="{1A8F82CE-0DF4-3E2B-491C-CDEC706F942F}"/>
+              </a:ext>
+            </a:extLst>
+          </p:cNvPr>
+          <p:cNvSpPr>
+            <a:spLocks noGrp="1"/>
+          </p:cNvSpPr>
+          <p:nvPr>
+            <p:ph type="ctrTitle"/>
           </p:nvPr>
         </p:nvSpPr>
         <p:spPr>
           <a:xfrm>
-            <a:off x="838200" y="1951037"/>
-            <a:ext cx="10515600" cy="4351338"/>
+            <a:off x="1524000" y="1739900"/>
+            <a:ext cx="9144000" cy="2387600"/>
           </a:xfrm>
         </p:spPr>
         <p:txBody>
-          <a:bodyPr numCol="1" anchor="t">
-            <a:normAutofit/>
-          </a:bodyPr>
-          <a:lstStyle/>
-          <a:p>
-            <a:pPr marL="514350" indent="-514350">
-              <a:lnSpc>
-                <a:spcPct val="160000"/>
-              </a:lnSpc>
-              <a:buFont typeface="+mj-lt"/>
-              <a:buAutoNum type="arabicPeriod"/>
-            </a:pPr>
-            <a:r>
-              <a:rPr lang="en-US" sz="2400" dirty="0">
-                <a:solidFill>
-                  <a:srgbClr val="0070C0"/>
-                </a:solidFill>
-                <a:latin typeface="Cambria" panose="02040503050406030204" pitchFamily="18" charset="0"/>
-                <a:ea typeface="Cambria" panose="02040503050406030204" pitchFamily="18" charset="0"/>
-                <a:hlinkClick r:id="rId2"/>
-              </a:rPr>
-              <a:t>Part 1</a:t>
-            </a:r>
-            <a:endParaRPr lang="en-US" sz="2400" dirty="0">
-              <a:solidFill>
-                <a:srgbClr val="0070C0"/>
-              </a:solidFill>
-              <a:latin typeface="Cambria" panose="02040503050406030204" pitchFamily="18" charset="0"/>
-              <a:ea typeface="Cambria" panose="02040503050406030204" pitchFamily="18" charset="0"/>
-            </a:endParaRPr>
-          </a:p>
-          <a:p>
-            <a:pPr marL="514350" indent="-514350">
-              <a:lnSpc>
-                <a:spcPct val="160000"/>
-              </a:lnSpc>
-              <a:buFont typeface="+mj-lt"/>
-              <a:buAutoNum type="arabicPeriod"/>
-            </a:pPr>
-            <a:r>
-              <a:rPr lang="en-US" sz="2400" dirty="0">
-                <a:solidFill>
-                  <a:srgbClr val="0070C0"/>
-                </a:solidFill>
-                <a:latin typeface="Cambria" panose="02040503050406030204" pitchFamily="18" charset="0"/>
-                <a:ea typeface="Cambria" panose="02040503050406030204" pitchFamily="18" charset="0"/>
-                <a:hlinkClick r:id="rId3"/>
-              </a:rPr>
-              <a:t>Part 2</a:t>
-            </a:r>
-            <a:endParaRPr lang="en-US" sz="2400" dirty="0">
-              <a:solidFill>
-                <a:srgbClr val="0070C0"/>
-              </a:solidFill>
-              <a:latin typeface="Cambria" panose="02040503050406030204" pitchFamily="18" charset="0"/>
-              <a:ea typeface="Cambria" panose="02040503050406030204" pitchFamily="18" charset="0"/>
-            </a:endParaRPr>
-          </a:p>
-        </p:txBody>
-      </p:sp>
-      <p:sp>
-        <p:nvSpPr>
-          <p:cNvPr id="8" name="Date Placeholder 7">
-            <a:extLst>
-              <a:ext uri="{FF2B5EF4-FFF2-40B4-BE49-F238E27FC236}">
-                <a16:creationId xmlns:a16="http://schemas.microsoft.com/office/drawing/2014/main" id="{24F7B81F-B530-57EB-39E5-8BCB29E02B1B}"/>
+          <a:bodyPr anchor="ctr"/>
+          <a:lstStyle/>
+          <a:p>
+            <a:r>
+              <a:rPr lang="en-US" dirty="0">
+                <a:solidFill>
+                  <a:srgbClr val="DF3D92"/>
+                </a:solidFill>
+                <a:latin typeface="Georgia" panose="02040502050405020303" pitchFamily="18" charset="0"/>
+              </a:rPr>
+              <a:t>Pointers</a:t>
+            </a:r>
+          </a:p>
+        </p:txBody>
+      </p:sp>
+      <p:sp>
+        <p:nvSpPr>
+          <p:cNvPr id="7" name="Date Placeholder 6">
+            <a:extLst>
+              <a:ext uri="{FF2B5EF4-FFF2-40B4-BE49-F238E27FC236}">
+                <a16:creationId xmlns:a16="http://schemas.microsoft.com/office/drawing/2014/main" id="{D2D709C1-1B10-F896-B46C-8A441B3A6C71}"/>
               </a:ext>
             </a:extLst>
           </p:cNvPr>
@@ -10220,10 +10198,10 @@
       </p:sp>
       <p:sp>
         <p:nvSpPr>
-          <p:cNvPr id="9" name="Slide Number Placeholder 8">
-            <a:extLst>
-              <a:ext uri="{FF2B5EF4-FFF2-40B4-BE49-F238E27FC236}">
-                <a16:creationId xmlns:a16="http://schemas.microsoft.com/office/drawing/2014/main" id="{625EE6E7-9BB2-A484-BED7-39D08A081987}"/>
+          <p:cNvPr id="8" name="Slide Number Placeholder 7">
+            <a:extLst>
+              <a:ext uri="{FF2B5EF4-FFF2-40B4-BE49-F238E27FC236}">
+                <a16:creationId xmlns:a16="http://schemas.microsoft.com/office/drawing/2014/main" id="{3112668D-A2B7-9FA9-88BF-4466097559B3}"/>
               </a:ext>
             </a:extLst>
           </p:cNvPr>
@@ -10250,7 +10228,7 @@
     </p:spTree>
     <p:extLst>
       <p:ext uri="{BB962C8B-B14F-4D97-AF65-F5344CB8AC3E}">
-        <p14:creationId xmlns:p14="http://schemas.microsoft.com/office/powerpoint/2010/main" val="2510685732"/>
+        <p14:creationId xmlns:p14="http://schemas.microsoft.com/office/powerpoint/2010/main" val="3273839663"/>
       </p:ext>
     </p:extLst>
   </p:cSld>
@@ -10578,45 +10556,123 @@
           <p:cNvPr id="2" name="Title 1">
             <a:extLst>
               <a:ext uri="{FF2B5EF4-FFF2-40B4-BE49-F238E27FC236}">
-                <a16:creationId xmlns:a16="http://schemas.microsoft.com/office/drawing/2014/main" id="{1A8F82CE-0DF4-3E2B-491C-CDEC706F942F}"/>
-              </a:ext>
-            </a:extLst>
-          </p:cNvPr>
-          <p:cNvSpPr>
-            <a:spLocks noGrp="1"/>
-          </p:cNvSpPr>
-          <p:nvPr>
-            <p:ph type="ctrTitle"/>
+                <a16:creationId xmlns:a16="http://schemas.microsoft.com/office/drawing/2014/main" id="{45DB07F3-2AFB-5AF3-0F07-9426B7075E19}"/>
+              </a:ext>
+            </a:extLst>
+          </p:cNvPr>
+          <p:cNvSpPr>
+            <a:spLocks noGrp="1"/>
+          </p:cNvSpPr>
+          <p:nvPr>
+            <p:ph type="title"/>
+          </p:nvPr>
+        </p:nvSpPr>
+        <p:spPr/>
+        <p:txBody>
+          <a:bodyPr/>
+          <a:lstStyle/>
+          <a:p>
+            <a:r>
+              <a:rPr lang="en-US" dirty="0">
+                <a:solidFill>
+                  <a:srgbClr val="DF3D92"/>
+                </a:solidFill>
+                <a:latin typeface="Georgia" panose="02040502050405020303" pitchFamily="18" charset="0"/>
+              </a:rPr>
+              <a:t>Pointers videos </a:t>
+            </a:r>
+          </a:p>
+        </p:txBody>
+      </p:sp>
+      <p:sp>
+        <p:nvSpPr>
+          <p:cNvPr id="3" name="Content Placeholder 2">
+            <a:extLst>
+              <a:ext uri="{FF2B5EF4-FFF2-40B4-BE49-F238E27FC236}">
+                <a16:creationId xmlns:a16="http://schemas.microsoft.com/office/drawing/2014/main" id="{16A70A26-EF28-EEFE-A37A-048162AB0FCC}"/>
+              </a:ext>
+            </a:extLst>
+          </p:cNvPr>
+          <p:cNvSpPr>
+            <a:spLocks noGrp="1"/>
+          </p:cNvSpPr>
+          <p:nvPr>
+            <p:ph idx="1"/>
           </p:nvPr>
         </p:nvSpPr>
         <p:spPr>
           <a:xfrm>
-            <a:off x="1524000" y="1739900"/>
-            <a:ext cx="9144000" cy="2387600"/>
+            <a:off x="838200" y="1951037"/>
+            <a:ext cx="10515600" cy="4351338"/>
           </a:xfrm>
         </p:spPr>
         <p:txBody>
-          <a:bodyPr anchor="ctr"/>
-          <a:lstStyle/>
-          <a:p>
-            <a:r>
-              <a:rPr lang="en-US" dirty="0">
-                <a:solidFill>
-                  <a:srgbClr val="DF3D92"/>
-                </a:solidFill>
-                <a:latin typeface="Georgia" panose="02040502050405020303" pitchFamily="18" charset="0"/>
-              </a:rPr>
-              <a:t>Structure</a:t>
-            </a:r>
-          </a:p>
-        </p:txBody>
-      </p:sp>
-      <p:sp>
-        <p:nvSpPr>
-          <p:cNvPr id="7" name="Date Placeholder 6">
-            <a:extLst>
-              <a:ext uri="{FF2B5EF4-FFF2-40B4-BE49-F238E27FC236}">
-                <a16:creationId xmlns:a16="http://schemas.microsoft.com/office/drawing/2014/main" id="{A34A9F96-AA80-9F43-5836-7CA4F92A2551}"/>
+          <a:bodyPr numCol="1" anchor="t">
+            <a:normAutofit/>
+          </a:bodyPr>
+          <a:lstStyle/>
+          <a:p>
+            <a:pPr marL="514350" indent="-514350">
+              <a:lnSpc>
+                <a:spcPct val="160000"/>
+              </a:lnSpc>
+              <a:buFont typeface="+mj-lt"/>
+              <a:buAutoNum type="arabicPeriod"/>
+            </a:pPr>
+            <a:r>
+              <a:rPr lang="en-US" sz="2400" dirty="0">
+                <a:solidFill>
+                  <a:srgbClr val="0070C0"/>
+                </a:solidFill>
+                <a:latin typeface="Cambria" panose="02040503050406030204" pitchFamily="18" charset="0"/>
+                <a:ea typeface="Cambria" panose="02040503050406030204" pitchFamily="18" charset="0"/>
+                <a:hlinkClick r:id="rId2"/>
+              </a:rPr>
+              <a:t>Part 1</a:t>
+            </a:r>
+            <a:endParaRPr lang="en-US" sz="2400" dirty="0">
+              <a:solidFill>
+                <a:srgbClr val="0070C0"/>
+              </a:solidFill>
+              <a:latin typeface="Cambria" panose="02040503050406030204" pitchFamily="18" charset="0"/>
+              <a:ea typeface="Cambria" panose="02040503050406030204" pitchFamily="18" charset="0"/>
+            </a:endParaRPr>
+          </a:p>
+          <a:p>
+            <a:pPr marL="514350" indent="-514350">
+              <a:lnSpc>
+                <a:spcPct val="160000"/>
+              </a:lnSpc>
+              <a:buFont typeface="+mj-lt"/>
+              <a:buAutoNum type="arabicPeriod"/>
+            </a:pPr>
+            <a:r>
+              <a:rPr lang="en-US" sz="2400" dirty="0">
+                <a:solidFill>
+                  <a:srgbClr val="0070C0"/>
+                </a:solidFill>
+                <a:latin typeface="Cambria" panose="02040503050406030204" pitchFamily="18" charset="0"/>
+                <a:ea typeface="Cambria" panose="02040503050406030204" pitchFamily="18" charset="0"/>
+                <a:hlinkClick r:id="rId3"/>
+              </a:rPr>
+              <a:t>Part 2</a:t>
+            </a:r>
+            <a:endParaRPr lang="en-US" sz="2400" dirty="0">
+              <a:solidFill>
+                <a:srgbClr val="0070C0"/>
+              </a:solidFill>
+              <a:latin typeface="Cambria" panose="02040503050406030204" pitchFamily="18" charset="0"/>
+              <a:ea typeface="Cambria" panose="02040503050406030204" pitchFamily="18" charset="0"/>
+            </a:endParaRPr>
+          </a:p>
+        </p:txBody>
+      </p:sp>
+      <p:sp>
+        <p:nvSpPr>
+          <p:cNvPr id="8" name="Date Placeholder 7">
+            <a:extLst>
+              <a:ext uri="{FF2B5EF4-FFF2-40B4-BE49-F238E27FC236}">
+                <a16:creationId xmlns:a16="http://schemas.microsoft.com/office/drawing/2014/main" id="{24F7B81F-B530-57EB-39E5-8BCB29E02B1B}"/>
               </a:ext>
             </a:extLst>
           </p:cNvPr>
@@ -10641,10 +10697,10 @@
       </p:sp>
       <p:sp>
         <p:nvSpPr>
-          <p:cNvPr id="8" name="Slide Number Placeholder 7">
-            <a:extLst>
-              <a:ext uri="{FF2B5EF4-FFF2-40B4-BE49-F238E27FC236}">
-                <a16:creationId xmlns:a16="http://schemas.microsoft.com/office/drawing/2014/main" id="{4933432C-C55D-577B-A676-42FD9CCC8279}"/>
+          <p:cNvPr id="9" name="Slide Number Placeholder 8">
+            <a:extLst>
+              <a:ext uri="{FF2B5EF4-FFF2-40B4-BE49-F238E27FC236}">
+                <a16:creationId xmlns:a16="http://schemas.microsoft.com/office/drawing/2014/main" id="{625EE6E7-9BB2-A484-BED7-39D08A081987}"/>
               </a:ext>
             </a:extLst>
           </p:cNvPr>
@@ -10671,7 +10727,7 @@
     </p:spTree>
     <p:extLst>
       <p:ext uri="{BB962C8B-B14F-4D97-AF65-F5344CB8AC3E}">
-        <p14:creationId xmlns:p14="http://schemas.microsoft.com/office/powerpoint/2010/main" val="1833950915"/>
+        <p14:creationId xmlns:p14="http://schemas.microsoft.com/office/powerpoint/2010/main" val="2510685732"/>
       </p:ext>
     </p:extLst>
   </p:cSld>
@@ -10703,96 +10759,45 @@
           <p:cNvPr id="2" name="Title 1">
             <a:extLst>
               <a:ext uri="{FF2B5EF4-FFF2-40B4-BE49-F238E27FC236}">
-                <a16:creationId xmlns:a16="http://schemas.microsoft.com/office/drawing/2014/main" id="{45DB07F3-2AFB-5AF3-0F07-9426B7075E19}"/>
-              </a:ext>
-            </a:extLst>
-          </p:cNvPr>
-          <p:cNvSpPr>
-            <a:spLocks noGrp="1"/>
-          </p:cNvSpPr>
-          <p:nvPr>
-            <p:ph type="title"/>
-          </p:nvPr>
-        </p:nvSpPr>
-        <p:spPr/>
-        <p:txBody>
-          <a:bodyPr/>
-          <a:lstStyle/>
-          <a:p>
-            <a:r>
-              <a:rPr lang="en-US" dirty="0">
-                <a:solidFill>
-                  <a:srgbClr val="DF3D92"/>
-                </a:solidFill>
-                <a:latin typeface="Georgia" panose="02040502050405020303" pitchFamily="18" charset="0"/>
-              </a:rPr>
-              <a:t>Structure video </a:t>
-            </a:r>
-          </a:p>
-        </p:txBody>
-      </p:sp>
-      <p:sp>
-        <p:nvSpPr>
-          <p:cNvPr id="3" name="Content Placeholder 2">
-            <a:extLst>
-              <a:ext uri="{FF2B5EF4-FFF2-40B4-BE49-F238E27FC236}">
-                <a16:creationId xmlns:a16="http://schemas.microsoft.com/office/drawing/2014/main" id="{16A70A26-EF28-EEFE-A37A-048162AB0FCC}"/>
-              </a:ext>
-            </a:extLst>
-          </p:cNvPr>
-          <p:cNvSpPr>
-            <a:spLocks noGrp="1"/>
-          </p:cNvSpPr>
-          <p:nvPr>
-            <p:ph idx="1"/>
+                <a16:creationId xmlns:a16="http://schemas.microsoft.com/office/drawing/2014/main" id="{1A8F82CE-0DF4-3E2B-491C-CDEC706F942F}"/>
+              </a:ext>
+            </a:extLst>
+          </p:cNvPr>
+          <p:cNvSpPr>
+            <a:spLocks noGrp="1"/>
+          </p:cNvSpPr>
+          <p:nvPr>
+            <p:ph type="ctrTitle"/>
           </p:nvPr>
         </p:nvSpPr>
         <p:spPr>
           <a:xfrm>
-            <a:off x="838200" y="1951037"/>
-            <a:ext cx="10515600" cy="4351338"/>
+            <a:off x="1524000" y="1739900"/>
+            <a:ext cx="9144000" cy="2387600"/>
           </a:xfrm>
         </p:spPr>
         <p:txBody>
-          <a:bodyPr numCol="1" anchor="t">
-            <a:normAutofit/>
-          </a:bodyPr>
-          <a:lstStyle/>
-          <a:p>
-            <a:pPr marL="514350" indent="-514350">
-              <a:lnSpc>
-                <a:spcPct val="160000"/>
-              </a:lnSpc>
-              <a:buFont typeface="+mj-lt"/>
-              <a:buAutoNum type="arabicPeriod"/>
-            </a:pPr>
-            <a:r>
-              <a:rPr lang="en-US" sz="2400" dirty="0">
-                <a:solidFill>
-                  <a:srgbClr val="0070C0"/>
-                </a:solidFill>
-                <a:latin typeface="Cambria" panose="02040503050406030204" pitchFamily="18" charset="0"/>
-                <a:ea typeface="Cambria" panose="02040503050406030204" pitchFamily="18" charset="0"/>
-                <a:hlinkClick r:id="rId2"/>
-              </a:rPr>
-              <a:t>Data Structure - Struct</a:t>
-            </a:r>
-            <a:endParaRPr lang="en-US" sz="2400" dirty="0">
-              <a:solidFill>
-                <a:srgbClr val="0070C0"/>
-              </a:solidFill>
-              <a:latin typeface="Cambria" panose="02040503050406030204" pitchFamily="18" charset="0"/>
-              <a:ea typeface="Cambria" panose="02040503050406030204" pitchFamily="18" charset="0"/>
-            </a:endParaRPr>
-          </a:p>
-        </p:txBody>
-      </p:sp>
-      <p:sp>
-        <p:nvSpPr>
-          <p:cNvPr id="8" name="Date Placeholder 7">
-            <a:extLst>
-              <a:ext uri="{FF2B5EF4-FFF2-40B4-BE49-F238E27FC236}">
-                <a16:creationId xmlns:a16="http://schemas.microsoft.com/office/drawing/2014/main" id="{03220FD7-7264-3439-95D3-B526FC0291BB}"/>
+          <a:bodyPr anchor="ctr"/>
+          <a:lstStyle/>
+          <a:p>
+            <a:r>
+              <a:rPr lang="en-US" dirty="0">
+                <a:solidFill>
+                  <a:srgbClr val="DF3D92"/>
+                </a:solidFill>
+                <a:latin typeface="Georgia" panose="02040502050405020303" pitchFamily="18" charset="0"/>
+              </a:rPr>
+              <a:t>Structure</a:t>
+            </a:r>
+          </a:p>
+        </p:txBody>
+      </p:sp>
+      <p:sp>
+        <p:nvSpPr>
+          <p:cNvPr id="7" name="Date Placeholder 6">
+            <a:extLst>
+              <a:ext uri="{FF2B5EF4-FFF2-40B4-BE49-F238E27FC236}">
+                <a16:creationId xmlns:a16="http://schemas.microsoft.com/office/drawing/2014/main" id="{A34A9F96-AA80-9F43-5836-7CA4F92A2551}"/>
               </a:ext>
             </a:extLst>
           </p:cNvPr>
@@ -10817,10 +10822,10 @@
       </p:sp>
       <p:sp>
         <p:nvSpPr>
-          <p:cNvPr id="9" name="Slide Number Placeholder 8">
-            <a:extLst>
-              <a:ext uri="{FF2B5EF4-FFF2-40B4-BE49-F238E27FC236}">
-                <a16:creationId xmlns:a16="http://schemas.microsoft.com/office/drawing/2014/main" id="{3474FA07-2F17-9A58-008B-9126337F3001}"/>
+          <p:cNvPr id="8" name="Slide Number Placeholder 7">
+            <a:extLst>
+              <a:ext uri="{FF2B5EF4-FFF2-40B4-BE49-F238E27FC236}">
+                <a16:creationId xmlns:a16="http://schemas.microsoft.com/office/drawing/2014/main" id="{4933432C-C55D-577B-A676-42FD9CCC8279}"/>
               </a:ext>
             </a:extLst>
           </p:cNvPr>
@@ -10847,7 +10852,7 @@
     </p:spTree>
     <p:extLst>
       <p:ext uri="{BB962C8B-B14F-4D97-AF65-F5344CB8AC3E}">
-        <p14:creationId xmlns:p14="http://schemas.microsoft.com/office/powerpoint/2010/main" val="4039890422"/>
+        <p14:creationId xmlns:p14="http://schemas.microsoft.com/office/powerpoint/2010/main" val="1833950915"/>
       </p:ext>
     </p:extLst>
   </p:cSld>
@@ -10879,45 +10884,96 @@
           <p:cNvPr id="2" name="Title 1">
             <a:extLst>
               <a:ext uri="{FF2B5EF4-FFF2-40B4-BE49-F238E27FC236}">
-                <a16:creationId xmlns:a16="http://schemas.microsoft.com/office/drawing/2014/main" id="{1A8F82CE-0DF4-3E2B-491C-CDEC706F942F}"/>
-              </a:ext>
-            </a:extLst>
-          </p:cNvPr>
-          <p:cNvSpPr>
-            <a:spLocks noGrp="1"/>
-          </p:cNvSpPr>
-          <p:nvPr>
-            <p:ph type="ctrTitle"/>
+                <a16:creationId xmlns:a16="http://schemas.microsoft.com/office/drawing/2014/main" id="{45DB07F3-2AFB-5AF3-0F07-9426B7075E19}"/>
+              </a:ext>
+            </a:extLst>
+          </p:cNvPr>
+          <p:cNvSpPr>
+            <a:spLocks noGrp="1"/>
+          </p:cNvSpPr>
+          <p:nvPr>
+            <p:ph type="title"/>
+          </p:nvPr>
+        </p:nvSpPr>
+        <p:spPr/>
+        <p:txBody>
+          <a:bodyPr/>
+          <a:lstStyle/>
+          <a:p>
+            <a:r>
+              <a:rPr lang="en-US" dirty="0">
+                <a:solidFill>
+                  <a:srgbClr val="DF3D92"/>
+                </a:solidFill>
+                <a:latin typeface="Georgia" panose="02040502050405020303" pitchFamily="18" charset="0"/>
+              </a:rPr>
+              <a:t>Structure video </a:t>
+            </a:r>
+          </a:p>
+        </p:txBody>
+      </p:sp>
+      <p:sp>
+        <p:nvSpPr>
+          <p:cNvPr id="3" name="Content Placeholder 2">
+            <a:extLst>
+              <a:ext uri="{FF2B5EF4-FFF2-40B4-BE49-F238E27FC236}">
+                <a16:creationId xmlns:a16="http://schemas.microsoft.com/office/drawing/2014/main" id="{16A70A26-EF28-EEFE-A37A-048162AB0FCC}"/>
+              </a:ext>
+            </a:extLst>
+          </p:cNvPr>
+          <p:cNvSpPr>
+            <a:spLocks noGrp="1"/>
+          </p:cNvSpPr>
+          <p:nvPr>
+            <p:ph idx="1"/>
           </p:nvPr>
         </p:nvSpPr>
         <p:spPr>
           <a:xfrm>
-            <a:off x="1524000" y="1739900"/>
-            <a:ext cx="9144000" cy="2387600"/>
+            <a:off x="838200" y="1951037"/>
+            <a:ext cx="10515600" cy="4351338"/>
           </a:xfrm>
         </p:spPr>
         <p:txBody>
-          <a:bodyPr anchor="ctr"/>
-          <a:lstStyle/>
-          <a:p>
-            <a:r>
-              <a:rPr lang="en-US" dirty="0">
-                <a:solidFill>
-                  <a:srgbClr val="DF3D92"/>
-                </a:solidFill>
-                <a:latin typeface="Georgia" panose="02040502050405020303" pitchFamily="18" charset="0"/>
-              </a:rPr>
-              <a:t>String</a:t>
-            </a:r>
-          </a:p>
-        </p:txBody>
-      </p:sp>
-      <p:sp>
-        <p:nvSpPr>
-          <p:cNvPr id="7" name="Date Placeholder 6">
-            <a:extLst>
-              <a:ext uri="{FF2B5EF4-FFF2-40B4-BE49-F238E27FC236}">
-                <a16:creationId xmlns:a16="http://schemas.microsoft.com/office/drawing/2014/main" id="{09E5330D-9FE7-F23A-E31F-51C2669870A4}"/>
+          <a:bodyPr numCol="1" anchor="t">
+            <a:normAutofit/>
+          </a:bodyPr>
+          <a:lstStyle/>
+          <a:p>
+            <a:pPr marL="514350" indent="-514350">
+              <a:lnSpc>
+                <a:spcPct val="160000"/>
+              </a:lnSpc>
+              <a:buFont typeface="+mj-lt"/>
+              <a:buAutoNum type="arabicPeriod"/>
+            </a:pPr>
+            <a:r>
+              <a:rPr lang="en-US" sz="2400" dirty="0">
+                <a:solidFill>
+                  <a:srgbClr val="0070C0"/>
+                </a:solidFill>
+                <a:latin typeface="Cambria" panose="02040503050406030204" pitchFamily="18" charset="0"/>
+                <a:ea typeface="Cambria" panose="02040503050406030204" pitchFamily="18" charset="0"/>
+                <a:hlinkClick r:id="rId2"/>
+              </a:rPr>
+              <a:t>Data Structure - Struct</a:t>
+            </a:r>
+            <a:endParaRPr lang="en-US" sz="2400" dirty="0">
+              <a:solidFill>
+                <a:srgbClr val="0070C0"/>
+              </a:solidFill>
+              <a:latin typeface="Cambria" panose="02040503050406030204" pitchFamily="18" charset="0"/>
+              <a:ea typeface="Cambria" panose="02040503050406030204" pitchFamily="18" charset="0"/>
+            </a:endParaRPr>
+          </a:p>
+        </p:txBody>
+      </p:sp>
+      <p:sp>
+        <p:nvSpPr>
+          <p:cNvPr id="8" name="Date Placeholder 7">
+            <a:extLst>
+              <a:ext uri="{FF2B5EF4-FFF2-40B4-BE49-F238E27FC236}">
+                <a16:creationId xmlns:a16="http://schemas.microsoft.com/office/drawing/2014/main" id="{03220FD7-7264-3439-95D3-B526FC0291BB}"/>
               </a:ext>
             </a:extLst>
           </p:cNvPr>
@@ -10942,10 +10998,10 @@
       </p:sp>
       <p:sp>
         <p:nvSpPr>
-          <p:cNvPr id="8" name="Slide Number Placeholder 7">
-            <a:extLst>
-              <a:ext uri="{FF2B5EF4-FFF2-40B4-BE49-F238E27FC236}">
-                <a16:creationId xmlns:a16="http://schemas.microsoft.com/office/drawing/2014/main" id="{0DEACE45-74C5-6B29-1100-7057EAE79684}"/>
+          <p:cNvPr id="9" name="Slide Number Placeholder 8">
+            <a:extLst>
+              <a:ext uri="{FF2B5EF4-FFF2-40B4-BE49-F238E27FC236}">
+                <a16:creationId xmlns:a16="http://schemas.microsoft.com/office/drawing/2014/main" id="{3474FA07-2F17-9A58-008B-9126337F3001}"/>
               </a:ext>
             </a:extLst>
           </p:cNvPr>
@@ -10972,7 +11028,7 @@
     </p:spTree>
     <p:extLst>
       <p:ext uri="{BB962C8B-B14F-4D97-AF65-F5344CB8AC3E}">
-        <p14:creationId xmlns:p14="http://schemas.microsoft.com/office/powerpoint/2010/main" val="3238166019"/>
+        <p14:creationId xmlns:p14="http://schemas.microsoft.com/office/powerpoint/2010/main" val="4039890422"/>
       </p:ext>
     </p:extLst>
   </p:cSld>
@@ -11004,96 +11060,45 @@
           <p:cNvPr id="2" name="Title 1">
             <a:extLst>
               <a:ext uri="{FF2B5EF4-FFF2-40B4-BE49-F238E27FC236}">
-                <a16:creationId xmlns:a16="http://schemas.microsoft.com/office/drawing/2014/main" id="{45DB07F3-2AFB-5AF3-0F07-9426B7075E19}"/>
-              </a:ext>
-            </a:extLst>
-          </p:cNvPr>
-          <p:cNvSpPr>
-            <a:spLocks noGrp="1"/>
-          </p:cNvSpPr>
-          <p:nvPr>
-            <p:ph type="title"/>
-          </p:nvPr>
-        </p:nvSpPr>
-        <p:spPr/>
-        <p:txBody>
-          <a:bodyPr/>
-          <a:lstStyle/>
-          <a:p>
-            <a:r>
-              <a:rPr lang="en-US" dirty="0">
-                <a:solidFill>
-                  <a:srgbClr val="DF3D92"/>
-                </a:solidFill>
-                <a:latin typeface="Georgia" panose="02040502050405020303" pitchFamily="18" charset="0"/>
-              </a:rPr>
-              <a:t>String video</a:t>
-            </a:r>
-          </a:p>
-        </p:txBody>
-      </p:sp>
-      <p:sp>
-        <p:nvSpPr>
-          <p:cNvPr id="3" name="Content Placeholder 2">
-            <a:extLst>
-              <a:ext uri="{FF2B5EF4-FFF2-40B4-BE49-F238E27FC236}">
-                <a16:creationId xmlns:a16="http://schemas.microsoft.com/office/drawing/2014/main" id="{16A70A26-EF28-EEFE-A37A-048162AB0FCC}"/>
-              </a:ext>
-            </a:extLst>
-          </p:cNvPr>
-          <p:cNvSpPr>
-            <a:spLocks noGrp="1"/>
-          </p:cNvSpPr>
-          <p:nvPr>
-            <p:ph idx="1"/>
+                <a16:creationId xmlns:a16="http://schemas.microsoft.com/office/drawing/2014/main" id="{1A8F82CE-0DF4-3E2B-491C-CDEC706F942F}"/>
+              </a:ext>
+            </a:extLst>
+          </p:cNvPr>
+          <p:cNvSpPr>
+            <a:spLocks noGrp="1"/>
+          </p:cNvSpPr>
+          <p:nvPr>
+            <p:ph type="ctrTitle"/>
           </p:nvPr>
         </p:nvSpPr>
         <p:spPr>
           <a:xfrm>
-            <a:off x="838200" y="1951037"/>
-            <a:ext cx="10515600" cy="4351338"/>
+            <a:off x="1524000" y="1739900"/>
+            <a:ext cx="9144000" cy="2387600"/>
           </a:xfrm>
         </p:spPr>
         <p:txBody>
-          <a:bodyPr numCol="1" anchor="t">
-            <a:normAutofit/>
-          </a:bodyPr>
-          <a:lstStyle/>
-          <a:p>
-            <a:pPr marL="514350" indent="-514350">
-              <a:lnSpc>
-                <a:spcPct val="160000"/>
-              </a:lnSpc>
-              <a:buFont typeface="+mj-lt"/>
-              <a:buAutoNum type="arabicPeriod"/>
-            </a:pPr>
-            <a:r>
-              <a:rPr lang="en-US" sz="2400" dirty="0">
-                <a:solidFill>
-                  <a:srgbClr val="0070C0"/>
-                </a:solidFill>
-                <a:latin typeface="Cambria" panose="02040503050406030204" pitchFamily="18" charset="0"/>
-                <a:ea typeface="Cambria" panose="02040503050406030204" pitchFamily="18" charset="0"/>
-                <a:hlinkClick r:id="rId2"/>
-              </a:rPr>
-              <a:t>String introduction</a:t>
-            </a:r>
-            <a:endParaRPr lang="en-US" sz="2400" dirty="0">
-              <a:solidFill>
-                <a:srgbClr val="0070C0"/>
-              </a:solidFill>
-              <a:latin typeface="Cambria" panose="02040503050406030204" pitchFamily="18" charset="0"/>
-              <a:ea typeface="Cambria" panose="02040503050406030204" pitchFamily="18" charset="0"/>
-            </a:endParaRPr>
-          </a:p>
-        </p:txBody>
-      </p:sp>
-      <p:sp>
-        <p:nvSpPr>
-          <p:cNvPr id="8" name="Date Placeholder 7">
-            <a:extLst>
-              <a:ext uri="{FF2B5EF4-FFF2-40B4-BE49-F238E27FC236}">
-                <a16:creationId xmlns:a16="http://schemas.microsoft.com/office/drawing/2014/main" id="{8AF8E669-21BC-109D-5E34-B69B51818504}"/>
+          <a:bodyPr anchor="ctr"/>
+          <a:lstStyle/>
+          <a:p>
+            <a:r>
+              <a:rPr lang="en-US" dirty="0">
+                <a:solidFill>
+                  <a:srgbClr val="DF3D92"/>
+                </a:solidFill>
+                <a:latin typeface="Georgia" panose="02040502050405020303" pitchFamily="18" charset="0"/>
+              </a:rPr>
+              <a:t>String</a:t>
+            </a:r>
+          </a:p>
+        </p:txBody>
+      </p:sp>
+      <p:sp>
+        <p:nvSpPr>
+          <p:cNvPr id="7" name="Date Placeholder 6">
+            <a:extLst>
+              <a:ext uri="{FF2B5EF4-FFF2-40B4-BE49-F238E27FC236}">
+                <a16:creationId xmlns:a16="http://schemas.microsoft.com/office/drawing/2014/main" id="{09E5330D-9FE7-F23A-E31F-51C2669870A4}"/>
               </a:ext>
             </a:extLst>
           </p:cNvPr>
@@ -11118,10 +11123,10 @@
       </p:sp>
       <p:sp>
         <p:nvSpPr>
-          <p:cNvPr id="9" name="Slide Number Placeholder 8">
-            <a:extLst>
-              <a:ext uri="{FF2B5EF4-FFF2-40B4-BE49-F238E27FC236}">
-                <a16:creationId xmlns:a16="http://schemas.microsoft.com/office/drawing/2014/main" id="{91897853-8B5A-785B-6015-CF9B6370982F}"/>
+          <p:cNvPr id="8" name="Slide Number Placeholder 7">
+            <a:extLst>
+              <a:ext uri="{FF2B5EF4-FFF2-40B4-BE49-F238E27FC236}">
+                <a16:creationId xmlns:a16="http://schemas.microsoft.com/office/drawing/2014/main" id="{0DEACE45-74C5-6B29-1100-7057EAE79684}"/>
               </a:ext>
             </a:extLst>
           </p:cNvPr>
@@ -11148,7 +11153,7 @@
     </p:spTree>
     <p:extLst>
       <p:ext uri="{BB962C8B-B14F-4D97-AF65-F5344CB8AC3E}">
-        <p14:creationId xmlns:p14="http://schemas.microsoft.com/office/powerpoint/2010/main" val="2814026582"/>
+        <p14:creationId xmlns:p14="http://schemas.microsoft.com/office/powerpoint/2010/main" val="3238166019"/>
       </p:ext>
     </p:extLst>
   </p:cSld>
@@ -11191,131 +11196,85 @@
             <p:ph type="title"/>
           </p:nvPr>
         </p:nvSpPr>
+        <p:spPr/>
+        <p:txBody>
+          <a:bodyPr/>
+          <a:lstStyle/>
+          <a:p>
+            <a:r>
+              <a:rPr lang="en-US" dirty="0">
+                <a:solidFill>
+                  <a:srgbClr val="DF3D92"/>
+                </a:solidFill>
+                <a:latin typeface="Georgia" panose="02040502050405020303" pitchFamily="18" charset="0"/>
+              </a:rPr>
+              <a:t>String video</a:t>
+            </a:r>
+          </a:p>
+        </p:txBody>
+      </p:sp>
+      <p:sp>
+        <p:nvSpPr>
+          <p:cNvPr id="3" name="Content Placeholder 2">
+            <a:extLst>
+              <a:ext uri="{FF2B5EF4-FFF2-40B4-BE49-F238E27FC236}">
+                <a16:creationId xmlns:a16="http://schemas.microsoft.com/office/drawing/2014/main" id="{16A70A26-EF28-EEFE-A37A-048162AB0FCC}"/>
+              </a:ext>
+            </a:extLst>
+          </p:cNvPr>
+          <p:cNvSpPr>
+            <a:spLocks noGrp="1"/>
+          </p:cNvSpPr>
+          <p:nvPr>
+            <p:ph idx="1"/>
+          </p:nvPr>
+        </p:nvSpPr>
         <p:spPr>
           <a:xfrm>
-            <a:off x="191219" y="1202564"/>
-            <a:ext cx="10515600" cy="1325563"/>
+            <a:off x="838200" y="1951037"/>
+            <a:ext cx="10515600" cy="4351338"/>
           </a:xfrm>
         </p:spPr>
         <p:txBody>
-          <a:bodyPr/>
-          <a:lstStyle/>
-          <a:p>
-            <a:r>
-              <a:rPr lang="en-US" dirty="0">
-                <a:solidFill>
-                  <a:srgbClr val="DF3D92"/>
-                </a:solidFill>
-                <a:latin typeface="Georgia" panose="02040502050405020303" pitchFamily="18" charset="0"/>
-              </a:rPr>
-              <a:t>String Functions</a:t>
-            </a:r>
-          </a:p>
-        </p:txBody>
-      </p:sp>
-      <p:pic>
-        <p:nvPicPr>
-          <p:cNvPr id="7" name="Picture 6">
-            <a:extLst>
-              <a:ext uri="{FF2B5EF4-FFF2-40B4-BE49-F238E27FC236}">
-                <a16:creationId xmlns:a16="http://schemas.microsoft.com/office/drawing/2014/main" id="{A25F6FED-81D3-6616-563F-6DE4359EB21C}"/>
-              </a:ext>
-            </a:extLst>
-          </p:cNvPr>
-          <p:cNvPicPr>
-            <a:picLocks noChangeAspect="1"/>
-          </p:cNvPicPr>
-          <p:nvPr/>
-        </p:nvPicPr>
-        <p:blipFill>
-          <a:blip r:embed="rId2"/>
-          <a:stretch>
-            <a:fillRect/>
-          </a:stretch>
-        </p:blipFill>
-        <p:spPr>
-          <a:xfrm>
-            <a:off x="4980686" y="132890"/>
-            <a:ext cx="6373114" cy="6592220"/>
-          </a:xfrm>
-          <a:prstGeom prst="rect">
-            <a:avLst/>
-          </a:prstGeom>
-        </p:spPr>
-      </p:pic>
-      <p:sp>
-        <p:nvSpPr>
-          <p:cNvPr id="8" name="Title 1">
-            <a:extLst>
-              <a:ext uri="{FF2B5EF4-FFF2-40B4-BE49-F238E27FC236}">
-                <a16:creationId xmlns:a16="http://schemas.microsoft.com/office/drawing/2014/main" id="{C6AD872A-98B3-C928-0B81-4D2887BC53E7}"/>
-              </a:ext>
-            </a:extLst>
-          </p:cNvPr>
-          <p:cNvSpPr txBox="1">
-            <a:spLocks/>
-          </p:cNvSpPr>
-          <p:nvPr/>
-        </p:nvSpPr>
-        <p:spPr>
-          <a:xfrm>
-            <a:off x="191219" y="2597169"/>
-            <a:ext cx="4924245" cy="1325563"/>
-          </a:xfrm>
-          <a:prstGeom prst="rect">
-            <a:avLst/>
-          </a:prstGeom>
-        </p:spPr>
-        <p:txBody>
-          <a:bodyPr vert="horz" lIns="91440" tIns="45720" rIns="91440" bIns="45720" rtlCol="0" anchor="ctr">
+          <a:bodyPr numCol="1" anchor="t">
             <a:normAutofit/>
           </a:bodyPr>
-          <a:lstStyle>
-            <a:lvl1pPr algn="l" defTabSz="914400" rtl="0" eaLnBrk="1" latinLnBrk="0" hangingPunct="1">
+          <a:lstStyle/>
+          <a:p>
+            <a:pPr marL="514350" indent="-514350">
               <a:lnSpc>
-                <a:spcPct val="90000"/>
+                <a:spcPct val="160000"/>
               </a:lnSpc>
-              <a:spcBef>
-                <a:spcPct val="0"/>
-              </a:spcBef>
-              <a:buNone/>
-              <a:defRPr sz="4400" kern="1200">
-                <a:solidFill>
-                  <a:schemeClr val="tx1"/>
-                </a:solidFill>
-                <a:latin typeface="+mj-lt"/>
-                <a:ea typeface="+mj-ea"/>
-                <a:cs typeface="+mj-cs"/>
-              </a:defRPr>
-            </a:lvl1pPr>
-          </a:lstStyle>
-          <a:p>
-            <a:pPr>
-              <a:lnSpc>
-                <a:spcPct val="150000"/>
-              </a:lnSpc>
+              <a:buFont typeface="+mj-lt"/>
+              <a:buAutoNum type="arabicPeriod"/>
             </a:pPr>
             <a:r>
               <a:rPr lang="en-US" sz="2400" dirty="0">
                 <a:solidFill>
-                  <a:schemeClr val="bg2">
-                    <a:lumMod val="50000"/>
-                  </a:schemeClr>
-                </a:solidFill>
-                <a:latin typeface="Cambria" panose="02040503050406030204" pitchFamily="18" charset="0"/>
-                <a:ea typeface="Cambria" panose="02040503050406030204" pitchFamily="18" charset="0"/>
-              </a:rPr>
-              <a:t>Here is the most commonly used functions in &lt;string&gt; library.</a:t>
-            </a:r>
-          </a:p>
-        </p:txBody>
-      </p:sp>
-      <p:sp>
-        <p:nvSpPr>
-          <p:cNvPr id="9" name="Date Placeholder 8">
-            <a:extLst>
-              <a:ext uri="{FF2B5EF4-FFF2-40B4-BE49-F238E27FC236}">
-                <a16:creationId xmlns:a16="http://schemas.microsoft.com/office/drawing/2014/main" id="{27752527-59D1-92E1-C2AB-DE2BB859E538}"/>
+                  <a:srgbClr val="0070C0"/>
+                </a:solidFill>
+                <a:latin typeface="Cambria" panose="02040503050406030204" pitchFamily="18" charset="0"/>
+                <a:ea typeface="Cambria" panose="02040503050406030204" pitchFamily="18" charset="0"/>
+                <a:hlinkClick r:id="rId2"/>
+              </a:rPr>
+              <a:t>String introduction</a:t>
+            </a:r>
+            <a:endParaRPr lang="en-US" sz="2400" dirty="0">
+              <a:solidFill>
+                <a:srgbClr val="0070C0"/>
+              </a:solidFill>
+              <a:latin typeface="Cambria" panose="02040503050406030204" pitchFamily="18" charset="0"/>
+              <a:ea typeface="Cambria" panose="02040503050406030204" pitchFamily="18" charset="0"/>
+            </a:endParaRPr>
+          </a:p>
+        </p:txBody>
+      </p:sp>
+      <p:sp>
+        <p:nvSpPr>
+          <p:cNvPr id="8" name="Date Placeholder 7">
+            <a:extLst>
+              <a:ext uri="{FF2B5EF4-FFF2-40B4-BE49-F238E27FC236}">
+                <a16:creationId xmlns:a16="http://schemas.microsoft.com/office/drawing/2014/main" id="{8AF8E669-21BC-109D-5E34-B69B51818504}"/>
               </a:ext>
             </a:extLst>
           </p:cNvPr>
@@ -11340,10 +11299,10 @@
       </p:sp>
       <p:sp>
         <p:nvSpPr>
-          <p:cNvPr id="10" name="Slide Number Placeholder 9">
-            <a:extLst>
-              <a:ext uri="{FF2B5EF4-FFF2-40B4-BE49-F238E27FC236}">
-                <a16:creationId xmlns:a16="http://schemas.microsoft.com/office/drawing/2014/main" id="{E1EB3434-99FC-6E6F-1D87-2A7A3643C335}"/>
+          <p:cNvPr id="9" name="Slide Number Placeholder 8">
+            <a:extLst>
+              <a:ext uri="{FF2B5EF4-FFF2-40B4-BE49-F238E27FC236}">
+                <a16:creationId xmlns:a16="http://schemas.microsoft.com/office/drawing/2014/main" id="{91897853-8B5A-785B-6015-CF9B6370982F}"/>
               </a:ext>
             </a:extLst>
           </p:cNvPr>
@@ -11370,7 +11329,7 @@
     </p:spTree>
     <p:extLst>
       <p:ext uri="{BB962C8B-B14F-4D97-AF65-F5344CB8AC3E}">
-        <p14:creationId xmlns:p14="http://schemas.microsoft.com/office/powerpoint/2010/main" val="1168700797"/>
+        <p14:creationId xmlns:p14="http://schemas.microsoft.com/office/powerpoint/2010/main" val="2814026582"/>
       </p:ext>
     </p:extLst>
   </p:cSld>
@@ -11415,6 +11374,228 @@
         </p:nvSpPr>
         <p:spPr>
           <a:xfrm>
+            <a:off x="191219" y="1202564"/>
+            <a:ext cx="10515600" cy="1325563"/>
+          </a:xfrm>
+        </p:spPr>
+        <p:txBody>
+          <a:bodyPr/>
+          <a:lstStyle/>
+          <a:p>
+            <a:r>
+              <a:rPr lang="en-US" dirty="0">
+                <a:solidFill>
+                  <a:srgbClr val="DF3D92"/>
+                </a:solidFill>
+                <a:latin typeface="Georgia" panose="02040502050405020303" pitchFamily="18" charset="0"/>
+              </a:rPr>
+              <a:t>String Functions</a:t>
+            </a:r>
+          </a:p>
+        </p:txBody>
+      </p:sp>
+      <p:pic>
+        <p:nvPicPr>
+          <p:cNvPr id="7" name="Picture 6">
+            <a:extLst>
+              <a:ext uri="{FF2B5EF4-FFF2-40B4-BE49-F238E27FC236}">
+                <a16:creationId xmlns:a16="http://schemas.microsoft.com/office/drawing/2014/main" id="{A25F6FED-81D3-6616-563F-6DE4359EB21C}"/>
+              </a:ext>
+            </a:extLst>
+          </p:cNvPr>
+          <p:cNvPicPr>
+            <a:picLocks noChangeAspect="1"/>
+          </p:cNvPicPr>
+          <p:nvPr/>
+        </p:nvPicPr>
+        <p:blipFill>
+          <a:blip r:embed="rId2"/>
+          <a:stretch>
+            <a:fillRect/>
+          </a:stretch>
+        </p:blipFill>
+        <p:spPr>
+          <a:xfrm>
+            <a:off x="4980686" y="132890"/>
+            <a:ext cx="6373114" cy="6592220"/>
+          </a:xfrm>
+          <a:prstGeom prst="rect">
+            <a:avLst/>
+          </a:prstGeom>
+        </p:spPr>
+      </p:pic>
+      <p:sp>
+        <p:nvSpPr>
+          <p:cNvPr id="8" name="Title 1">
+            <a:extLst>
+              <a:ext uri="{FF2B5EF4-FFF2-40B4-BE49-F238E27FC236}">
+                <a16:creationId xmlns:a16="http://schemas.microsoft.com/office/drawing/2014/main" id="{C6AD872A-98B3-C928-0B81-4D2887BC53E7}"/>
+              </a:ext>
+            </a:extLst>
+          </p:cNvPr>
+          <p:cNvSpPr txBox="1">
+            <a:spLocks/>
+          </p:cNvSpPr>
+          <p:nvPr/>
+        </p:nvSpPr>
+        <p:spPr>
+          <a:xfrm>
+            <a:off x="191219" y="2597169"/>
+            <a:ext cx="4924245" cy="1325563"/>
+          </a:xfrm>
+          <a:prstGeom prst="rect">
+            <a:avLst/>
+          </a:prstGeom>
+        </p:spPr>
+        <p:txBody>
+          <a:bodyPr vert="horz" lIns="91440" tIns="45720" rIns="91440" bIns="45720" rtlCol="0" anchor="ctr">
+            <a:normAutofit/>
+          </a:bodyPr>
+          <a:lstStyle>
+            <a:lvl1pPr algn="l" defTabSz="914400" rtl="0" eaLnBrk="1" latinLnBrk="0" hangingPunct="1">
+              <a:lnSpc>
+                <a:spcPct val="90000"/>
+              </a:lnSpc>
+              <a:spcBef>
+                <a:spcPct val="0"/>
+              </a:spcBef>
+              <a:buNone/>
+              <a:defRPr sz="4400" kern="1200">
+                <a:solidFill>
+                  <a:schemeClr val="tx1"/>
+                </a:solidFill>
+                <a:latin typeface="+mj-lt"/>
+                <a:ea typeface="+mj-ea"/>
+                <a:cs typeface="+mj-cs"/>
+              </a:defRPr>
+            </a:lvl1pPr>
+          </a:lstStyle>
+          <a:p>
+            <a:pPr>
+              <a:lnSpc>
+                <a:spcPct val="150000"/>
+              </a:lnSpc>
+            </a:pPr>
+            <a:r>
+              <a:rPr lang="en-US" sz="2400" dirty="0">
+                <a:solidFill>
+                  <a:schemeClr val="bg2">
+                    <a:lumMod val="50000"/>
+                  </a:schemeClr>
+                </a:solidFill>
+                <a:latin typeface="Cambria" panose="02040503050406030204" pitchFamily="18" charset="0"/>
+                <a:ea typeface="Cambria" panose="02040503050406030204" pitchFamily="18" charset="0"/>
+              </a:rPr>
+              <a:t>Here is the most commonly used functions in &lt;string&gt; library.</a:t>
+            </a:r>
+          </a:p>
+        </p:txBody>
+      </p:sp>
+      <p:sp>
+        <p:nvSpPr>
+          <p:cNvPr id="9" name="Date Placeholder 8">
+            <a:extLst>
+              <a:ext uri="{FF2B5EF4-FFF2-40B4-BE49-F238E27FC236}">
+                <a16:creationId xmlns:a16="http://schemas.microsoft.com/office/drawing/2014/main" id="{27752527-59D1-92E1-C2AB-DE2BB859E538}"/>
+              </a:ext>
+            </a:extLst>
+          </p:cNvPr>
+          <p:cNvSpPr>
+            <a:spLocks noGrp="1"/>
+          </p:cNvSpPr>
+          <p:nvPr>
+            <p:ph type="dt" sz="half" idx="10"/>
+          </p:nvPr>
+        </p:nvSpPr>
+        <p:spPr/>
+        <p:txBody>
+          <a:bodyPr/>
+          <a:lstStyle/>
+          <a:p>
+            <a:r>
+              <a:rPr lang="en-US"/>
+              <a:t>By: Riham Muneer Katout</a:t>
+            </a:r>
+          </a:p>
+        </p:txBody>
+      </p:sp>
+      <p:sp>
+        <p:nvSpPr>
+          <p:cNvPr id="10" name="Slide Number Placeholder 9">
+            <a:extLst>
+              <a:ext uri="{FF2B5EF4-FFF2-40B4-BE49-F238E27FC236}">
+                <a16:creationId xmlns:a16="http://schemas.microsoft.com/office/drawing/2014/main" id="{E1EB3434-99FC-6E6F-1D87-2A7A3643C335}"/>
+              </a:ext>
+            </a:extLst>
+          </p:cNvPr>
+          <p:cNvSpPr>
+            <a:spLocks noGrp="1"/>
+          </p:cNvSpPr>
+          <p:nvPr>
+            <p:ph type="sldNum" sz="quarter" idx="12"/>
+          </p:nvPr>
+        </p:nvSpPr>
+        <p:spPr/>
+        <p:txBody>
+          <a:bodyPr/>
+          <a:lstStyle/>
+          <a:p>
+            <a:fld id="{3C19BDA9-2901-49C8-A8E5-942BE4CA4E52}" type="slidenum">
+              <a:rPr lang="en-US" smtClean="0"/>
+              <a:t>35</a:t>
+            </a:fld>
+            <a:endParaRPr lang="en-US"/>
+          </a:p>
+        </p:txBody>
+      </p:sp>
+    </p:spTree>
+    <p:extLst>
+      <p:ext uri="{BB962C8B-B14F-4D97-AF65-F5344CB8AC3E}">
+        <p14:creationId xmlns:p14="http://schemas.microsoft.com/office/powerpoint/2010/main" val="1168700797"/>
+      </p:ext>
+    </p:extLst>
+  </p:cSld>
+  <p:clrMapOvr>
+    <a:masterClrMapping/>
+  </p:clrMapOvr>
+</p:sld>
+</file>
+
+<file path=ppt/slides/slide36.xml><?xml version="1.0" encoding="utf-8"?>
+<p:sld xmlns:a="http://schemas.openxmlformats.org/drawingml/2006/main" xmlns:r="http://schemas.openxmlformats.org/officeDocument/2006/relationships" xmlns:p="http://schemas.openxmlformats.org/presentationml/2006/main">
+  <p:cSld>
+    <p:spTree>
+      <p:nvGrpSpPr>
+        <p:cNvPr id="1" name=""/>
+        <p:cNvGrpSpPr/>
+        <p:nvPr/>
+      </p:nvGrpSpPr>
+      <p:grpSpPr>
+        <a:xfrm>
+          <a:off x="0" y="0"/>
+          <a:ext cx="0" cy="0"/>
+          <a:chOff x="0" y="0"/>
+          <a:chExt cx="0" cy="0"/>
+        </a:xfrm>
+      </p:grpSpPr>
+      <p:sp>
+        <p:nvSpPr>
+          <p:cNvPr id="2" name="Title 1">
+            <a:extLst>
+              <a:ext uri="{FF2B5EF4-FFF2-40B4-BE49-F238E27FC236}">
+                <a16:creationId xmlns:a16="http://schemas.microsoft.com/office/drawing/2014/main" id="{45DB07F3-2AFB-5AF3-0F07-9426B7075E19}"/>
+              </a:ext>
+            </a:extLst>
+          </p:cNvPr>
+          <p:cNvSpPr>
+            <a:spLocks noGrp="1"/>
+          </p:cNvSpPr>
+          <p:nvPr>
+            <p:ph type="title"/>
+          </p:nvPr>
+        </p:nvSpPr>
+        <p:spPr>
+          <a:xfrm>
             <a:off x="838200" y="261937"/>
             <a:ext cx="10515600" cy="1325563"/>
           </a:xfrm>
@@ -12108,7 +12289,7 @@
           <a:p>
             <a:fld id="{3C19BDA9-2901-49C8-A8E5-942BE4CA4E52}" type="slidenum">
               <a:rPr lang="en-US" smtClean="0"/>
-              <a:t>35</a:t>
+              <a:t>36</a:t>
             </a:fld>
             <a:endParaRPr lang="en-US"/>
           </a:p>

--- a/Level 0/Basics of CP.pptx
+++ b/Level 0/Basics of CP.pptx
@@ -326,7 +326,7 @@
           <a:p>
             <a:fld id="{EED35E4C-F3CB-448E-AAC2-A8FDBC6E8200}" type="datetimeFigureOut">
               <a:rPr lang="en-US" smtClean="0"/>
-              <a:t>9/20/2023</a:t>
+              <a:t>9/22/2023</a:t>
             </a:fld>
             <a:endParaRPr lang="en-US"/>
           </a:p>
@@ -504,7 +504,7 @@
           <a:p>
             <a:fld id="{91770BF1-AEE4-480A-9D6B-93722DA4C316}" type="datetimeFigureOut">
               <a:rPr lang="en-US" smtClean="0"/>
-              <a:t>9/20/2023</a:t>
+              <a:t>9/22/2023</a:t>
             </a:fld>
             <a:endParaRPr lang="en-US"/>
           </a:p>
@@ -5568,7 +5568,27 @@
                 </a:solidFill>
                 <a:hlinkClick r:id="rId6"/>
               </a:rPr>
-              <a:t> - drinks</a:t>
+              <a:t> – drinks</a:t>
+            </a:r>
+            <a:r>
+              <a:rPr lang="en-US" sz="2400" dirty="0">
+                <a:solidFill>
+                  <a:schemeClr val="bg2">
+                    <a:lumMod val="50000"/>
+                  </a:schemeClr>
+                </a:solidFill>
+              </a:rPr>
+              <a:t> // back to it </a:t>
+            </a:r>
+            <a:r>
+              <a:rPr lang="en-US" sz="2400">
+                <a:solidFill>
+                  <a:schemeClr val="bg2">
+                    <a:lumMod val="50000"/>
+                  </a:schemeClr>
+                </a:solidFill>
+              </a:rPr>
+              <a:t>after learn loops </a:t>
             </a:r>
             <a:endParaRPr lang="en-US" sz="2400" dirty="0">
               <a:solidFill>
